--- a/Report/1-Soft Errors.pptx
+++ b/Report/1-Soft Errors.pptx
@@ -5,31 +5,34 @@
     <p:sldMasterId id="2147483659" r:id="rId1"/>
   </p:sldMasterIdLst>
   <p:notesMasterIdLst>
-    <p:notesMasterId r:id="rId5"/>
+    <p:notesMasterId r:id="rId8"/>
   </p:notesMasterIdLst>
   <p:sldIdLst>
     <p:sldId id="256" r:id="rId2"/>
     <p:sldId id="269" r:id="rId3"/>
-    <p:sldId id="283" r:id="rId4"/>
+    <p:sldId id="285" r:id="rId4"/>
+    <p:sldId id="286" r:id="rId5"/>
+    <p:sldId id="287" r:id="rId6"/>
+    <p:sldId id="284" r:id="rId7"/>
   </p:sldIdLst>
   <p:sldSz cx="9144000" cy="5143500" type="screen16x9"/>
   <p:notesSz cx="6858000" cy="9144000"/>
   <p:embeddedFontLst>
     <p:embeddedFont>
       <p:font typeface="Roboto" panose="02000000000000000000" pitchFamily="2" charset="0"/>
-      <p:regular r:id="rId6"/>
-      <p:bold r:id="rId7"/>
-      <p:italic r:id="rId8"/>
-      <p:boldItalic r:id="rId9"/>
+      <p:regular r:id="rId9"/>
+      <p:bold r:id="rId10"/>
+      <p:italic r:id="rId11"/>
+      <p:boldItalic r:id="rId12"/>
     </p:embeddedFont>
     <p:embeddedFont>
       <p:font typeface="楷体" panose="02010609060101010101" pitchFamily="49" charset="-122"/>
-      <p:regular r:id="rId10"/>
+      <p:regular r:id="rId13"/>
     </p:embeddedFont>
     <p:embeddedFont>
       <p:font typeface="微软雅黑" panose="020B0503020204020204" pitchFamily="34" charset="-122"/>
-      <p:regular r:id="rId11"/>
-      <p:bold r:id="rId12"/>
+      <p:regular r:id="rId14"/>
+      <p:bold r:id="rId15"/>
     </p:embeddedFont>
   </p:embeddedFontLst>
   <p:defaultTextStyle>
@@ -278,6 +281,18 @@
     </p:ext>
   </p:extLst>
 </p:presentation>
+</file>
+
+<file path=ppt/commentAuthors.xml><?xml version="1.0" encoding="utf-8"?>
+<p:cmAuthorLst xmlns:a="http://schemas.openxmlformats.org/drawingml/2006/main" xmlns:r="http://schemas.openxmlformats.org/officeDocument/2006/relationships" xmlns:p="http://schemas.openxmlformats.org/presentationml/2006/main">
+  <p:cmAuthor id="1" name="清 风" initials="清" lastIdx="2" clrIdx="0">
+    <p:extLst>
+      <p:ext uri="{19B8F6BF-5375-455C-9EA6-DF929625EA0E}">
+        <p15:presenceInfo xmlns:p15="http://schemas.microsoft.com/office/powerpoint/2012/main" userId="9ce5ac447c8993d1" providerId="Windows Live"/>
+      </p:ext>
+    </p:extLst>
+  </p:cmAuthor>
+</p:cmAuthorLst>
 </file>
 
 <file path=ppt/notesMasters/notesMaster1.xml><?xml version="1.0" encoding="utf-8"?>
@@ -1017,6 +1032,1252 @@
           </a:bodyPr>
           <a:lstStyle/>
           <a:p>
+            <a:pPr marL="228600" lvl="0" indent="-228600" algn="l" rtl="0">
+              <a:spcBef>
+                <a:spcPts val="0"/>
+              </a:spcBef>
+              <a:spcAft>
+                <a:spcPts val="0"/>
+              </a:spcAft>
+              <a:buAutoNum type="arabicPeriod"/>
+            </a:pPr>
+            <a:r>
+              <a:rPr lang="zh-CN" altLang="en-US" dirty="0"/>
+              <a:t>放射元素衰变释放高能粒子</a:t>
+            </a:r>
+            <a:r>
+              <a:rPr lang="en-US" altLang="zh-CN" dirty="0"/>
+              <a:t>α</a:t>
+            </a:r>
+            <a:r>
+              <a:rPr lang="zh-CN" altLang="en-US" dirty="0"/>
+              <a:t>粒子，由</a:t>
+            </a:r>
+            <a:r>
+              <a:rPr lang="en-US" altLang="zh-CN" dirty="0"/>
+              <a:t>2</a:t>
+            </a:r>
+            <a:r>
+              <a:rPr lang="zh-CN" altLang="en-US" dirty="0"/>
+              <a:t>个质子一个中子组成。虽然封装材料引入的辐射远不如外界辐射环境，但由于封装材料与电路直接接触，因此也有可能导致芯片发生软错误。</a:t>
+            </a:r>
+            <a:endParaRPr lang="en-US" altLang="zh-CN" dirty="0"/>
+          </a:p>
+          <a:p>
+            <a:pPr marL="228600" lvl="0" indent="-228600" algn="l" rtl="0">
+              <a:spcBef>
+                <a:spcPts val="0"/>
+              </a:spcBef>
+              <a:spcAft>
+                <a:spcPts val="0"/>
+              </a:spcAft>
+              <a:buAutoNum type="arabicPeriod"/>
+            </a:pPr>
+            <a:r>
+              <a:rPr lang="zh-CN" altLang="en-US" dirty="0"/>
+              <a:t>总剂量效应</a:t>
+            </a:r>
+            <a:r>
+              <a:rPr lang="en-US" altLang="zh-CN" dirty="0"/>
+              <a:t>TID(Total Ionizing Dose)</a:t>
+            </a:r>
+            <a:r>
+              <a:rPr lang="zh-CN" altLang="en-US" dirty="0"/>
+              <a:t>，是一种累积的损伤行为，辐射将导致</a:t>
+            </a:r>
+            <a:r>
+              <a:rPr lang="en-US" altLang="zh-CN" dirty="0"/>
+              <a:t>SiO2</a:t>
+            </a:r>
+            <a:r>
+              <a:rPr lang="zh-CN" altLang="en-US" dirty="0"/>
+              <a:t>绝缘层产生正的氧化物陷阱电荷，在</a:t>
+            </a:r>
+            <a:r>
+              <a:rPr lang="en-US" altLang="zh-CN" dirty="0"/>
+              <a:t>Si/SiO2</a:t>
+            </a:r>
+            <a:r>
+              <a:rPr lang="zh-CN" altLang="en-US" dirty="0"/>
+              <a:t>界面产生界面陷阱电荷，导致器件电特性参数退化甚至失效。损伤包括晶格中原子被能量加速发生位移，另一种损伤是产生电子</a:t>
+            </a:r>
+            <a:r>
+              <a:rPr lang="en-US" altLang="zh-CN" dirty="0"/>
+              <a:t>-</a:t>
+            </a:r>
+            <a:r>
+              <a:rPr lang="zh-CN" altLang="en-US" dirty="0"/>
+              <a:t>空穴对。</a:t>
+            </a:r>
+            <a:r>
+              <a:rPr lang="en-US" altLang="zh-CN" dirty="0"/>
+              <a:t>CMOS</a:t>
+            </a:r>
+            <a:r>
+              <a:rPr lang="zh-CN" altLang="en-US" dirty="0"/>
+              <a:t>器件受</a:t>
+            </a:r>
+            <a:r>
+              <a:rPr lang="en-US" altLang="zh-CN" dirty="0"/>
+              <a:t>TID</a:t>
+            </a:r>
+            <a:r>
+              <a:rPr lang="zh-CN" altLang="en-US" dirty="0"/>
+              <a:t>影响，阈值电压漂移，导致漏电流增加、工作速度变慢、噪声容限下降直至逻辑功能失效。</a:t>
+            </a:r>
+            <a:r>
+              <a:rPr lang="en-US" altLang="zh-CN" dirty="0"/>
+              <a:t>TID</a:t>
+            </a:r>
+            <a:r>
+              <a:rPr lang="zh-CN" altLang="en-US" dirty="0"/>
+              <a:t>也可认为是统计现象，是长期辐射下的结果。但工艺的进步，</a:t>
+            </a:r>
+            <a:r>
+              <a:rPr lang="en-US" altLang="zh-CN" dirty="0"/>
+              <a:t>TID</a:t>
+            </a:r>
+            <a:r>
+              <a:rPr lang="zh-CN" altLang="en-US" dirty="0"/>
+              <a:t>的影响越来越小，栅氧化层厚度小于</a:t>
+            </a:r>
+            <a:r>
+              <a:rPr lang="en-US" altLang="zh-CN" dirty="0"/>
+              <a:t>10nm</a:t>
+            </a:r>
+            <a:r>
+              <a:rPr lang="zh-CN" altLang="en-US" dirty="0"/>
+              <a:t>时，便可不考虑</a:t>
+            </a:r>
+            <a:r>
+              <a:rPr lang="en-US" altLang="zh-CN" dirty="0"/>
+              <a:t>TID</a:t>
+            </a:r>
+            <a:r>
+              <a:rPr lang="zh-CN" altLang="en-US" dirty="0"/>
+              <a:t>引起的阈值电压漂移现象。</a:t>
+            </a:r>
+            <a:endParaRPr lang="en-US" altLang="zh-CN" dirty="0"/>
+          </a:p>
+          <a:p>
+            <a:pPr marL="228600" lvl="0" indent="-228600" algn="l" rtl="0">
+              <a:spcBef>
+                <a:spcPts val="0"/>
+              </a:spcBef>
+              <a:spcAft>
+                <a:spcPts val="0"/>
+              </a:spcAft>
+              <a:buAutoNum type="arabicPeriod"/>
+            </a:pPr>
+            <a:r>
+              <a:rPr lang="zh-CN" altLang="en-US" dirty="0"/>
+              <a:t>单粒子效应</a:t>
+            </a:r>
+            <a:r>
+              <a:rPr lang="en-US" altLang="zh-CN" dirty="0"/>
+              <a:t>SEE(Single Event Effect)</a:t>
+            </a:r>
+            <a:r>
+              <a:rPr lang="zh-CN" altLang="en-US" dirty="0"/>
+              <a:t>，主要由来自宇宙高能带电粒子引起，是严重影响电路正常工作的效应。</a:t>
+            </a:r>
+            <a:endParaRPr lang="en-US" altLang="zh-CN" dirty="0"/>
+          </a:p>
+          <a:p>
+            <a:pPr marL="228600" lvl="0" indent="-228600" algn="l" rtl="0">
+              <a:spcBef>
+                <a:spcPts val="0"/>
+              </a:spcBef>
+              <a:spcAft>
+                <a:spcPts val="0"/>
+              </a:spcAft>
+              <a:buAutoNum type="arabicPeriod"/>
+            </a:pPr>
+            <a:r>
+              <a:rPr lang="en-US" altLang="zh-CN" dirty="0"/>
+              <a:t>α</a:t>
+            </a:r>
+            <a:r>
+              <a:rPr lang="zh-CN" altLang="en-US" dirty="0"/>
+              <a:t>粒子和中子与硅晶体相互作用不同，带电的</a:t>
+            </a:r>
+            <a:r>
+              <a:rPr lang="en-US" altLang="zh-CN" dirty="0"/>
+              <a:t>α</a:t>
+            </a:r>
+            <a:r>
+              <a:rPr lang="zh-CN" altLang="en-US" dirty="0"/>
+              <a:t>粒子直接与电子相互作用，相反，中子通过非弹性或弹性碰撞与硅晶体相互作用，中子与半导体中原子核非弹性碰撞会导致产生二次粒子，譬如如</a:t>
+            </a:r>
+            <a:r>
+              <a:rPr lang="en-US" altLang="zh-CN" dirty="0"/>
+              <a:t>π</a:t>
+            </a:r>
+            <a:r>
+              <a:rPr lang="zh-CN" altLang="en-US" dirty="0"/>
+              <a:t>介⼦、质⼦、中⼦、氘核、氚核等，引起软错误。</a:t>
+            </a:r>
+            <a:endParaRPr lang="en-US" altLang="zh-CN" dirty="0"/>
+          </a:p>
+          <a:p>
+            <a:pPr marL="228600" lvl="0" indent="-228600" algn="l" rtl="0">
+              <a:spcBef>
+                <a:spcPts val="0"/>
+              </a:spcBef>
+              <a:spcAft>
+                <a:spcPts val="0"/>
+              </a:spcAft>
+              <a:buAutoNum type="arabicPeriod"/>
+            </a:pPr>
+            <a:r>
+              <a:rPr lang="zh-CN" altLang="en-US" dirty="0"/>
+              <a:t>机理：高能粒子射入处于关闭状态的晶体管的耗尽区时，由于粒子电离效应，会沿着入射通道产生大量电子</a:t>
+            </a:r>
+            <a:r>
+              <a:rPr lang="en-US" altLang="zh-CN" dirty="0"/>
+              <a:t>-</a:t>
+            </a:r>
+            <a:r>
+              <a:rPr lang="zh-CN" altLang="en-US" dirty="0"/>
+              <a:t>空穴对，引起耗尽区电离，产生电离通道。若粒子能量足够高，电离通道会进入衬底，在这种形如漏斗的电离等离子区中，等离子密度可较衬底掺杂高几个量级，等离子体周围耗尽层被中和，耗尽层消失，加在</a:t>
+            </a:r>
+            <a:r>
+              <a:rPr lang="en-US" altLang="zh-CN" dirty="0"/>
+              <a:t>PN</a:t>
+            </a:r>
+            <a:r>
+              <a:rPr lang="zh-CN" altLang="en-US" dirty="0"/>
+              <a:t>结电场被推进到衬底内部。</a:t>
+            </a:r>
+            <a:endParaRPr lang="en-US" altLang="zh-CN" dirty="0"/>
+          </a:p>
+          <a:p>
+            <a:pPr marL="228600" lvl="0" indent="-228600" algn="l" rtl="0">
+              <a:spcBef>
+                <a:spcPts val="0"/>
+              </a:spcBef>
+              <a:spcAft>
+                <a:spcPts val="0"/>
+              </a:spcAft>
+              <a:buAutoNum type="arabicPeriod"/>
+            </a:pPr>
+            <a:r>
+              <a:rPr lang="en-US" altLang="zh-CN" dirty="0"/>
+              <a:t>NMOS</a:t>
+            </a:r>
+            <a:r>
+              <a:rPr lang="zh-CN" altLang="en-US" dirty="0"/>
+              <a:t>例子：当高能粒子射入晶体管漏极，将在短时间内破坏原有耗尽层结构，并在源漏极和衬底间形成一个由漏极流向衬底的瞬时电流脉冲。如果这种情况发生在存储器电路中，晶体管漏极和衬底之间的大量电荷转移将会导致存储单元的正常逻辑状态发生改变，从而发生</a:t>
+            </a:r>
+            <a:r>
+              <a:rPr lang="zh-CN" altLang="en-US" b="1" dirty="0"/>
+              <a:t>单粒子翻转</a:t>
+            </a:r>
+            <a:r>
+              <a:rPr lang="zh-CN" altLang="en-US" dirty="0"/>
+              <a:t>；如果发生在逻辑电路中，较大的瞬时电流将导致逻辑门的输出电压发生瞬态变化，从而发生</a:t>
+            </a:r>
+            <a:r>
+              <a:rPr lang="zh-CN" altLang="en-US" b="1" dirty="0"/>
+              <a:t>单粒子瞬变</a:t>
+            </a:r>
+            <a:r>
+              <a:rPr lang="zh-CN" altLang="en-US" dirty="0"/>
+              <a:t>。两种瞬态故障可能会向外传播，从而引起软错误或系统失效。</a:t>
+            </a:r>
+            <a:endParaRPr lang="en-US" altLang="zh-CN" dirty="0"/>
+          </a:p>
+          <a:p>
+            <a:pPr marL="228600" marR="0" lvl="0" indent="-228600" algn="l" defTabSz="914400" rtl="0" eaLnBrk="1" fontAlgn="auto" latinLnBrk="0" hangingPunct="1">
+              <a:lnSpc>
+                <a:spcPct val="100000"/>
+              </a:lnSpc>
+              <a:spcBef>
+                <a:spcPts val="0"/>
+              </a:spcBef>
+              <a:spcAft>
+                <a:spcPts val="0"/>
+              </a:spcAft>
+              <a:buClr>
+                <a:srgbClr val="000000"/>
+              </a:buClr>
+              <a:buSzPts val="1100"/>
+              <a:buFont typeface="Arial"/>
+              <a:buAutoNum type="arabicPeriod"/>
+              <a:tabLst/>
+              <a:defRPr/>
+            </a:pPr>
+            <a:r>
+              <a:rPr lang="zh-CN" altLang="en-US" dirty="0">
+                <a:latin typeface="楷体" panose="02010609060101010101" pitchFamily="49" charset="-122"/>
+                <a:ea typeface="楷体" panose="02010609060101010101" pitchFamily="49" charset="-122"/>
+              </a:rPr>
+              <a:t>辐射会导致集成电路发生永久性故障或瞬态故障，永久性故障包括阈值电压漂移、栅击穿和位移损伤。瞬态故障的产生是高能粒子对半导体器件中的电荷扰动的结果，并不会损坏器件物理结构。瞬态故障主要包括单粒子翻转、单粒子瞬态。多位翻转等。由于集成电路只有长期暴露于高辐射环境才有可能发生永久故障，因此永久故障概率要较瞬态故障小的多。</a:t>
+            </a:r>
+            <a:endParaRPr lang="en-US" altLang="zh-CN" dirty="0">
+              <a:latin typeface="楷体" panose="02010609060101010101" pitchFamily="49" charset="-122"/>
+              <a:ea typeface="楷体" panose="02010609060101010101" pitchFamily="49" charset="-122"/>
+            </a:endParaRPr>
+          </a:p>
+          <a:p>
+            <a:pPr marL="228600" marR="0" lvl="0" indent="-228600" algn="l" defTabSz="914400" rtl="0" eaLnBrk="1" fontAlgn="auto" latinLnBrk="0" hangingPunct="1">
+              <a:lnSpc>
+                <a:spcPct val="100000"/>
+              </a:lnSpc>
+              <a:spcBef>
+                <a:spcPts val="0"/>
+              </a:spcBef>
+              <a:spcAft>
+                <a:spcPts val="0"/>
+              </a:spcAft>
+              <a:buClr>
+                <a:srgbClr val="000000"/>
+              </a:buClr>
+              <a:buSzPts val="1100"/>
+              <a:buFont typeface="Arial"/>
+              <a:buAutoNum type="arabicPeriod"/>
+              <a:tabLst/>
+              <a:defRPr/>
+            </a:pPr>
+            <a:r>
+              <a:rPr lang="zh-CN" altLang="en-US" b="1" dirty="0">
+                <a:latin typeface="楷体" panose="02010609060101010101" pitchFamily="49" charset="-122"/>
+                <a:ea typeface="楷体" panose="02010609060101010101" pitchFamily="49" charset="-122"/>
+              </a:rPr>
+              <a:t>多位翻转</a:t>
+            </a:r>
+            <a:r>
+              <a:rPr lang="zh-CN" altLang="en-US" dirty="0">
+                <a:latin typeface="楷体" panose="02010609060101010101" pitchFamily="49" charset="-122"/>
+                <a:ea typeface="楷体" panose="02010609060101010101" pitchFamily="49" charset="-122"/>
+              </a:rPr>
+              <a:t>：以往集成电路工艺节点较大且集成度较低，单个高能粒子轰击仅仅导致一位存储元翻转。随着工艺节点下降和集成度提高，单次粒子轰击便可能影响多个存储元，导致存储阵列内相邻多个存储元发生翻转。</a:t>
+            </a:r>
+            <a:endParaRPr lang="en-US" altLang="zh-CN" dirty="0">
+              <a:latin typeface="楷体" panose="02010609060101010101" pitchFamily="49" charset="-122"/>
+              <a:ea typeface="楷体" panose="02010609060101010101" pitchFamily="49" charset="-122"/>
+            </a:endParaRPr>
+          </a:p>
+        </p:txBody>
+      </p:sp>
+    </p:spTree>
+    <p:extLst>
+      <p:ext uri="{BB962C8B-B14F-4D97-AF65-F5344CB8AC3E}">
+        <p14:creationId xmlns:p14="http://schemas.microsoft.com/office/powerpoint/2010/main" val="541572735"/>
+      </p:ext>
+    </p:extLst>
+  </p:cSld>
+  <p:clrMapOvr>
+    <a:masterClrMapping/>
+  </p:clrMapOvr>
+</p:notes>
+</file>
+
+<file path=ppt/notesSlides/notesSlide4.xml><?xml version="1.0" encoding="utf-8"?>
+<p:notes xmlns:a="http://schemas.openxmlformats.org/drawingml/2006/main" xmlns:r="http://schemas.openxmlformats.org/officeDocument/2006/relationships" xmlns:p="http://schemas.openxmlformats.org/presentationml/2006/main" showMasterSp="0" showMasterPhAnim="0">
+  <p:cSld>
+    <p:spTree>
+      <p:nvGrpSpPr>
+        <p:cNvPr id="1" name="Shape 101"/>
+        <p:cNvGrpSpPr/>
+        <p:nvPr/>
+      </p:nvGrpSpPr>
+      <p:grpSpPr>
+        <a:xfrm>
+          <a:off x="0" y="0"/>
+          <a:ext cx="0" cy="0"/>
+          <a:chOff x="0" y="0"/>
+          <a:chExt cx="0" cy="0"/>
+        </a:xfrm>
+      </p:grpSpPr>
+      <p:sp>
+        <p:nvSpPr>
+          <p:cNvPr id="102" name="Google Shape;102;g46f3085334_0_92:notes"/>
+          <p:cNvSpPr>
+            <a:spLocks noGrp="1" noRot="1" noChangeAspect="1"/>
+          </p:cNvSpPr>
+          <p:nvPr>
+            <p:ph type="sldImg" idx="2"/>
+          </p:nvPr>
+        </p:nvSpPr>
+        <p:spPr>
+          <a:xfrm>
+            <a:off x="381000" y="685800"/>
+            <a:ext cx="6096000" cy="3429000"/>
+          </a:xfrm>
+          <a:custGeom>
+            <a:avLst/>
+            <a:gdLst/>
+            <a:ahLst/>
+            <a:cxnLst/>
+            <a:rect l="l" t="t" r="r" b="b"/>
+            <a:pathLst>
+              <a:path w="120000" h="120000" extrusionOk="0">
+                <a:moveTo>
+                  <a:pt x="0" y="0"/>
+                </a:moveTo>
+                <a:lnTo>
+                  <a:pt x="120000" y="0"/>
+                </a:lnTo>
+                <a:lnTo>
+                  <a:pt x="120000" y="120000"/>
+                </a:lnTo>
+                <a:lnTo>
+                  <a:pt x="0" y="120000"/>
+                </a:lnTo>
+                <a:close/>
+              </a:path>
+            </a:pathLst>
+          </a:custGeom>
+        </p:spPr>
+      </p:sp>
+      <p:sp>
+        <p:nvSpPr>
+          <p:cNvPr id="103" name="Google Shape;103;g46f3085334_0_92:notes"/>
+          <p:cNvSpPr txBox="1">
+            <a:spLocks noGrp="1"/>
+          </p:cNvSpPr>
+          <p:nvPr>
+            <p:ph type="body" idx="1"/>
+          </p:nvPr>
+        </p:nvSpPr>
+        <p:spPr>
+          <a:xfrm>
+            <a:off x="685800" y="4343400"/>
+            <a:ext cx="5486400" cy="4114800"/>
+          </a:xfrm>
+          <a:prstGeom prst="rect">
+            <a:avLst/>
+          </a:prstGeom>
+        </p:spPr>
+        <p:txBody>
+          <a:bodyPr spcFirstLastPara="1" wrap="square" lIns="91425" tIns="91425" rIns="91425" bIns="91425" anchor="t" anchorCtr="0">
+            <a:noAutofit/>
+          </a:bodyPr>
+          <a:lstStyle/>
+          <a:p>
+            <a:pPr marL="228600" lvl="0" indent="-228600" algn="l" rtl="0">
+              <a:spcBef>
+                <a:spcPts val="0"/>
+              </a:spcBef>
+              <a:spcAft>
+                <a:spcPts val="0"/>
+              </a:spcAft>
+              <a:buAutoNum type="arabicPeriod"/>
+            </a:pPr>
+            <a:r>
+              <a:rPr lang="zh-CN" altLang="en-US" dirty="0">
+                <a:latin typeface="楷体" panose="02010609060101010101" pitchFamily="49" charset="-122"/>
+                <a:ea typeface="楷体" panose="02010609060101010101" pitchFamily="49" charset="-122"/>
+              </a:rPr>
+              <a:t>故障和错误例子：比如说，一个指令寄存器</a:t>
+            </a:r>
+            <a:r>
+              <a:rPr lang="en-US" altLang="zh-CN" dirty="0">
+                <a:latin typeface="楷体" panose="02010609060101010101" pitchFamily="49" charset="-122"/>
+                <a:ea typeface="楷体" panose="02010609060101010101" pitchFamily="49" charset="-122"/>
+              </a:rPr>
+              <a:t>32</a:t>
+            </a:r>
+            <a:r>
+              <a:rPr lang="zh-CN" altLang="en-US" dirty="0">
+                <a:latin typeface="楷体" panose="02010609060101010101" pitchFamily="49" charset="-122"/>
+                <a:ea typeface="楷体" panose="02010609060101010101" pitchFamily="49" charset="-122"/>
+              </a:rPr>
+              <a:t>位，但只用了低</a:t>
+            </a:r>
+            <a:r>
+              <a:rPr lang="en-US" altLang="zh-CN" dirty="0">
+                <a:latin typeface="楷体" panose="02010609060101010101" pitchFamily="49" charset="-122"/>
+                <a:ea typeface="楷体" panose="02010609060101010101" pitchFamily="49" charset="-122"/>
+              </a:rPr>
+              <a:t>16</a:t>
+            </a:r>
+            <a:r>
+              <a:rPr lang="zh-CN" altLang="en-US" dirty="0">
+                <a:latin typeface="楷体" panose="02010609060101010101" pitchFamily="49" charset="-122"/>
+                <a:ea typeface="楷体" panose="02010609060101010101" pitchFamily="49" charset="-122"/>
+              </a:rPr>
+              <a:t>位，而高能粒子轰击只影响了高</a:t>
+            </a:r>
+            <a:r>
+              <a:rPr lang="en-US" altLang="zh-CN" dirty="0">
+                <a:latin typeface="楷体" panose="02010609060101010101" pitchFamily="49" charset="-122"/>
+                <a:ea typeface="楷体" panose="02010609060101010101" pitchFamily="49" charset="-122"/>
+              </a:rPr>
+              <a:t>16</a:t>
+            </a:r>
+            <a:r>
+              <a:rPr lang="zh-CN" altLang="en-US" dirty="0">
+                <a:latin typeface="楷体" panose="02010609060101010101" pitchFamily="49" charset="-122"/>
+                <a:ea typeface="楷体" panose="02010609060101010101" pitchFamily="49" charset="-122"/>
+              </a:rPr>
+              <a:t>位，这种瞬态故障并不会被传递，相当于被屏蔽了。</a:t>
+            </a:r>
+            <a:endParaRPr lang="en-US" altLang="zh-CN" dirty="0">
+              <a:latin typeface="楷体" panose="02010609060101010101" pitchFamily="49" charset="-122"/>
+              <a:ea typeface="楷体" panose="02010609060101010101" pitchFamily="49" charset="-122"/>
+            </a:endParaRPr>
+          </a:p>
+          <a:p>
+            <a:pPr marL="228600" lvl="0" indent="-228600" algn="l" rtl="0">
+              <a:spcBef>
+                <a:spcPts val="0"/>
+              </a:spcBef>
+              <a:spcAft>
+                <a:spcPts val="0"/>
+              </a:spcAft>
+              <a:buAutoNum type="arabicPeriod"/>
+            </a:pPr>
+            <a:r>
+              <a:rPr lang="zh-CN" altLang="en-US" dirty="0">
+                <a:latin typeface="楷体" panose="02010609060101010101" pitchFamily="49" charset="-122"/>
+                <a:ea typeface="楷体" panose="02010609060101010101" pitchFamily="49" charset="-122"/>
+              </a:rPr>
+              <a:t>如果该位仅具有错误检测功能（例如，奇偶校验位没有从错误中恢复的能力），那么它可以防⽌数据损坏，但仍可能导致程序崩溃。然后，⽆论该位是否重要，程序通常会在检测到错误后⽴即停⽌并崩溃。此类错误检测事件通常对⽤⼾可⻅，称为 </a:t>
+            </a:r>
+            <a:r>
+              <a:rPr lang="en-US" altLang="zh-CN" dirty="0">
+                <a:latin typeface="楷体" panose="02010609060101010101" pitchFamily="49" charset="-122"/>
+                <a:ea typeface="楷体" panose="02010609060101010101" pitchFamily="49" charset="-122"/>
+              </a:rPr>
+              <a:t>DUE</a:t>
+            </a:r>
+            <a:r>
+              <a:rPr lang="zh-CN" altLang="en-US" dirty="0">
+                <a:latin typeface="楷体" panose="02010609060101010101" pitchFamily="49" charset="-122"/>
+                <a:ea typeface="楷体" panose="02010609060101010101" pitchFamily="49" charset="-122"/>
+              </a:rPr>
+              <a:t>。如果错误被声明为 </a:t>
+            </a:r>
+            <a:r>
+              <a:rPr lang="en-US" altLang="zh-CN" dirty="0">
+                <a:latin typeface="楷体" panose="02010609060101010101" pitchFamily="49" charset="-122"/>
+                <a:ea typeface="楷体" panose="02010609060101010101" pitchFamily="49" charset="-122"/>
+              </a:rPr>
+              <a:t>DUE</a:t>
+            </a:r>
+            <a:r>
+              <a:rPr lang="zh-CN" altLang="en-US" dirty="0">
+                <a:latin typeface="楷体" panose="02010609060101010101" pitchFamily="49" charset="-122"/>
+                <a:ea typeface="楷体" panose="02010609060101010101" pitchFamily="49" charset="-122"/>
+              </a:rPr>
+              <a:t>，则意味着它在任何情况下都不会导致 </a:t>
+            </a:r>
+            <a:r>
+              <a:rPr lang="en-US" altLang="zh-CN" dirty="0">
+                <a:latin typeface="楷体" panose="02010609060101010101" pitchFamily="49" charset="-122"/>
+                <a:ea typeface="楷体" panose="02010609060101010101" pitchFamily="49" charset="-122"/>
+              </a:rPr>
+              <a:t>SDC</a:t>
+            </a:r>
+            <a:r>
+              <a:rPr lang="zh-CN" altLang="en-US" dirty="0">
+                <a:latin typeface="楷体" panose="02010609060101010101" pitchFamily="49" charset="-122"/>
+                <a:ea typeface="楷体" panose="02010609060101010101" pitchFamily="49" charset="-122"/>
+              </a:rPr>
+              <a:t>。因此，</a:t>
+            </a:r>
+            <a:r>
+              <a:rPr lang="en-US" altLang="zh-CN" b="1" dirty="0">
+                <a:latin typeface="楷体" panose="02010609060101010101" pitchFamily="49" charset="-122"/>
+                <a:ea typeface="楷体" panose="02010609060101010101" pitchFamily="49" charset="-122"/>
+              </a:rPr>
+              <a:t>DUE </a:t>
+            </a:r>
+            <a:r>
+              <a:rPr lang="zh-CN" altLang="en-US" b="1" dirty="0">
+                <a:latin typeface="楷体" panose="02010609060101010101" pitchFamily="49" charset="-122"/>
+                <a:ea typeface="楷体" panose="02010609060101010101" pitchFamily="49" charset="-122"/>
+              </a:rPr>
+              <a:t>的定义隐含了故障停⽌系统</a:t>
+            </a:r>
+            <a:r>
+              <a:rPr lang="zh-CN" altLang="en-US" dirty="0">
+                <a:latin typeface="楷体" panose="02010609060101010101" pitchFamily="49" charset="-122"/>
+                <a:ea typeface="楷体" panose="02010609060101010101" pitchFamily="49" charset="-122"/>
+              </a:rPr>
+              <a:t>的概念。</a:t>
+            </a:r>
+            <a:endParaRPr lang="en-US" altLang="zh-CN" dirty="0">
+              <a:latin typeface="楷体" panose="02010609060101010101" pitchFamily="49" charset="-122"/>
+              <a:ea typeface="楷体" panose="02010609060101010101" pitchFamily="49" charset="-122"/>
+            </a:endParaRPr>
+          </a:p>
+          <a:p>
+            <a:pPr marL="228600" lvl="0" indent="-228600" algn="l" rtl="0">
+              <a:spcBef>
+                <a:spcPts val="0"/>
+              </a:spcBef>
+              <a:spcAft>
+                <a:spcPts val="0"/>
+              </a:spcAft>
+              <a:buAutoNum type="arabicPeriod"/>
+            </a:pPr>
+            <a:r>
+              <a:rPr lang="zh-CN" altLang="en-US" dirty="0">
+                <a:latin typeface="楷体" panose="02010609060101010101" pitchFamily="49" charset="-122"/>
+                <a:ea typeface="楷体" panose="02010609060101010101" pitchFamily="49" charset="-122"/>
+              </a:rPr>
+              <a:t>假 </a:t>
+            </a:r>
+            <a:r>
+              <a:rPr lang="en-US" altLang="zh-CN" dirty="0">
+                <a:latin typeface="楷体" panose="02010609060101010101" pitchFamily="49" charset="-122"/>
+                <a:ea typeface="楷体" panose="02010609060101010101" pitchFamily="49" charset="-122"/>
+              </a:rPr>
+              <a:t>DUE </a:t>
+            </a:r>
+            <a:r>
+              <a:rPr lang="zh-CN" altLang="en-US" dirty="0">
+                <a:latin typeface="楷体" panose="02010609060101010101" pitchFamily="49" charset="-122"/>
+                <a:ea typeface="楷体" panose="02010609060101010101" pitchFamily="49" charset="-122"/>
+              </a:rPr>
+              <a:t>事件（案例 </a:t>
+            </a:r>
+            <a:r>
+              <a:rPr lang="en-US" altLang="zh-CN" dirty="0">
+                <a:latin typeface="楷体" panose="02010609060101010101" pitchFamily="49" charset="-122"/>
+                <a:ea typeface="楷体" panose="02010609060101010101" pitchFamily="49" charset="-122"/>
+              </a:rPr>
+              <a:t>5</a:t>
+            </a:r>
+            <a:r>
+              <a:rPr lang="zh-CN" altLang="en-US" dirty="0">
+                <a:latin typeface="楷体" panose="02010609060101010101" pitchFamily="49" charset="-122"/>
+                <a:ea typeface="楷体" panose="02010609060101010101" pitchFamily="49" charset="-122"/>
+              </a:rPr>
+              <a:t>）是那些如果没有错误检测机制就可以避免的 </a:t>
+            </a:r>
+            <a:r>
+              <a:rPr lang="en-US" altLang="zh-CN" dirty="0">
+                <a:latin typeface="楷体" panose="02010609060101010101" pitchFamily="49" charset="-122"/>
+                <a:ea typeface="楷体" panose="02010609060101010101" pitchFamily="49" charset="-122"/>
+              </a:rPr>
+              <a:t>DUE</a:t>
+            </a:r>
+            <a:r>
+              <a:rPr lang="zh-CN" altLang="en-US" dirty="0">
+                <a:latin typeface="楷体" panose="02010609060101010101" pitchFamily="49" charset="-122"/>
+                <a:ea typeface="楷体" panose="02010609060101010101" pitchFamily="49" charset="-122"/>
+              </a:rPr>
+              <a:t>。例如，错误路径指令的某些位可能不会导致错误。在没有错误检测机制的情况下，这样⼀个位的翻转将不会被注意到，也不会产⽣任何⽤⼾可⻅的错误。然⽽，由于错误检测机制检测到错误并可能报告错误，程序或系统可能会不必要地被关闭。系统检测到的重要位翻转是真正的 </a:t>
+            </a:r>
+            <a:r>
+              <a:rPr lang="en-US" altLang="zh-CN" dirty="0">
+                <a:latin typeface="楷体" panose="02010609060101010101" pitchFamily="49" charset="-122"/>
+                <a:ea typeface="楷体" panose="02010609060101010101" pitchFamily="49" charset="-122"/>
+              </a:rPr>
+              <a:t>DUE </a:t>
+            </a:r>
+            <a:r>
+              <a:rPr lang="zh-CN" altLang="en-US" dirty="0">
+                <a:latin typeface="楷体" panose="02010609060101010101" pitchFamily="49" charset="-122"/>
+                <a:ea typeface="楷体" panose="02010609060101010101" pitchFamily="49" charset="-122"/>
+              </a:rPr>
+              <a:t>事件（案例 </a:t>
+            </a:r>
+            <a:r>
+              <a:rPr lang="en-US" altLang="zh-CN" dirty="0">
+                <a:latin typeface="楷体" panose="02010609060101010101" pitchFamily="49" charset="-122"/>
+                <a:ea typeface="楷体" panose="02010609060101010101" pitchFamily="49" charset="-122"/>
+              </a:rPr>
+              <a:t>6</a:t>
+            </a:r>
+            <a:r>
+              <a:rPr lang="zh-CN" altLang="en-US" dirty="0">
+                <a:latin typeface="楷体" panose="02010609060101010101" pitchFamily="49" charset="-122"/>
+                <a:ea typeface="楷体" panose="02010609060101010101" pitchFamily="49" charset="-122"/>
+              </a:rPr>
+              <a:t>）。</a:t>
+            </a:r>
+            <a:endParaRPr lang="en-US" altLang="zh-CN" dirty="0">
+              <a:latin typeface="楷体" panose="02010609060101010101" pitchFamily="49" charset="-122"/>
+              <a:ea typeface="楷体" panose="02010609060101010101" pitchFamily="49" charset="-122"/>
+            </a:endParaRPr>
+          </a:p>
+          <a:p>
+            <a:pPr marL="228600" lvl="0" indent="-228600" algn="l" rtl="0">
+              <a:spcBef>
+                <a:spcPts val="0"/>
+              </a:spcBef>
+              <a:spcAft>
+                <a:spcPts val="0"/>
+              </a:spcAft>
+              <a:buAutoNum type="arabicPeriod"/>
+            </a:pPr>
+            <a:r>
+              <a:rPr lang="zh-CN" altLang="en-US" dirty="0">
+                <a:latin typeface="楷体" panose="02010609060101010101" pitchFamily="49" charset="-122"/>
+                <a:ea typeface="楷体" panose="02010609060101010101" pitchFamily="49" charset="-122"/>
+              </a:rPr>
+              <a:t>简单来说，</a:t>
+            </a:r>
+            <a:r>
+              <a:rPr lang="en-US" altLang="zh-CN" dirty="0">
+                <a:latin typeface="楷体" panose="02010609060101010101" pitchFamily="49" charset="-122"/>
+                <a:ea typeface="楷体" panose="02010609060101010101" pitchFamily="49" charset="-122"/>
+              </a:rPr>
+              <a:t>SDC</a:t>
+            </a:r>
+            <a:r>
+              <a:rPr lang="zh-CN" altLang="en-US" dirty="0">
+                <a:latin typeface="楷体" panose="02010609060101010101" pitchFamily="49" charset="-122"/>
+                <a:ea typeface="楷体" panose="02010609060101010101" pitchFamily="49" charset="-122"/>
+              </a:rPr>
+              <a:t>是没有错误检测机制，而产生的故障。当只有检测而没有纠错时，就变成了</a:t>
+            </a:r>
+            <a:r>
+              <a:rPr lang="en-US" altLang="zh-CN" dirty="0">
+                <a:latin typeface="楷体" panose="02010609060101010101" pitchFamily="49" charset="-122"/>
+                <a:ea typeface="楷体" panose="02010609060101010101" pitchFamily="49" charset="-122"/>
+              </a:rPr>
+              <a:t>DUE</a:t>
+            </a:r>
+            <a:r>
+              <a:rPr lang="zh-CN" altLang="en-US" dirty="0">
+                <a:latin typeface="楷体" panose="02010609060101010101" pitchFamily="49" charset="-122"/>
+                <a:ea typeface="楷体" panose="02010609060101010101" pitchFamily="49" charset="-122"/>
+              </a:rPr>
+              <a:t>。使⽤错误检测机制保护位将类别 </a:t>
+            </a:r>
+            <a:r>
+              <a:rPr lang="en-US" altLang="zh-CN" dirty="0">
+                <a:latin typeface="楷体" panose="02010609060101010101" pitchFamily="49" charset="-122"/>
+                <a:ea typeface="楷体" panose="02010609060101010101" pitchFamily="49" charset="-122"/>
+              </a:rPr>
+              <a:t>3 </a:t>
+            </a:r>
+            <a:r>
+              <a:rPr lang="zh-CN" altLang="en-US" dirty="0">
+                <a:latin typeface="楷体" panose="02010609060101010101" pitchFamily="49" charset="-122"/>
+                <a:ea typeface="楷体" panose="02010609060101010101" pitchFamily="49" charset="-122"/>
+              </a:rPr>
+              <a:t>移动到 </a:t>
+            </a:r>
+            <a:r>
+              <a:rPr lang="en-US" altLang="zh-CN" dirty="0">
+                <a:latin typeface="楷体" panose="02010609060101010101" pitchFamily="49" charset="-122"/>
+                <a:ea typeface="楷体" panose="02010609060101010101" pitchFamily="49" charset="-122"/>
+              </a:rPr>
+              <a:t>5 </a:t>
+            </a:r>
+            <a:r>
+              <a:rPr lang="zh-CN" altLang="en-US" dirty="0">
+                <a:latin typeface="楷体" panose="02010609060101010101" pitchFamily="49" charset="-122"/>
+                <a:ea typeface="楷体" panose="02010609060101010101" pitchFamily="49" charset="-122"/>
+              </a:rPr>
+              <a:t>和 </a:t>
+            </a:r>
+            <a:r>
+              <a:rPr lang="en-US" altLang="zh-CN" dirty="0">
+                <a:latin typeface="楷体" panose="02010609060101010101" pitchFamily="49" charset="-122"/>
+                <a:ea typeface="楷体" panose="02010609060101010101" pitchFamily="49" charset="-122"/>
+              </a:rPr>
+              <a:t>4 </a:t>
+            </a:r>
+            <a:r>
+              <a:rPr lang="zh-CN" altLang="en-US" dirty="0">
+                <a:latin typeface="楷体" panose="02010609060101010101" pitchFamily="49" charset="-122"/>
+                <a:ea typeface="楷体" panose="02010609060101010101" pitchFamily="49" charset="-122"/>
+              </a:rPr>
+              <a:t>到 </a:t>
+            </a:r>
+            <a:r>
+              <a:rPr lang="en-US" altLang="zh-CN" dirty="0">
+                <a:latin typeface="楷体" panose="02010609060101010101" pitchFamily="49" charset="-122"/>
+                <a:ea typeface="楷体" panose="02010609060101010101" pitchFamily="49" charset="-122"/>
+              </a:rPr>
+              <a:t>6</a:t>
+            </a:r>
+            <a:r>
+              <a:rPr lang="zh-CN" altLang="en-US" dirty="0">
+                <a:latin typeface="楷体" panose="02010609060101010101" pitchFamily="49" charset="-122"/>
+                <a:ea typeface="楷体" panose="02010609060101010101" pitchFamily="49" charset="-122"/>
+              </a:rPr>
+              <a:t>。</a:t>
+            </a:r>
+            <a:endParaRPr lang="en-US" altLang="zh-CN" dirty="0">
+              <a:latin typeface="楷体" panose="02010609060101010101" pitchFamily="49" charset="-122"/>
+              <a:ea typeface="楷体" panose="02010609060101010101" pitchFamily="49" charset="-122"/>
+            </a:endParaRPr>
+          </a:p>
+          <a:p>
+            <a:pPr marL="228600" lvl="0" indent="-228600" algn="l" rtl="0">
+              <a:spcBef>
+                <a:spcPts val="0"/>
+              </a:spcBef>
+              <a:spcAft>
+                <a:spcPts val="0"/>
+              </a:spcAft>
+              <a:buAutoNum type="arabicPeriod"/>
+            </a:pPr>
+            <a:r>
+              <a:rPr lang="zh-CN" altLang="en-US" dirty="0">
+                <a:latin typeface="楷体" panose="02010609060101010101" pitchFamily="49" charset="-122"/>
+                <a:ea typeface="楷体" panose="02010609060101010101" pitchFamily="49" charset="-122"/>
+              </a:rPr>
+              <a:t>检测故障但不纠正故障的能力可避免⽣成不正确的输出，但在发⽣错误时⽆法恢复。换句话说，简单的错误检测不会降低总体错误率，但会提供故障停⽌行为，从⽽避免任何数据损坏。此类别中的错误称为 </a:t>
+            </a:r>
+            <a:r>
+              <a:rPr lang="en-US" altLang="zh-CN" dirty="0">
+                <a:latin typeface="楷体" panose="02010609060101010101" pitchFamily="49" charset="-122"/>
+                <a:ea typeface="楷体" panose="02010609060101010101" pitchFamily="49" charset="-122"/>
+              </a:rPr>
+              <a:t>DUE</a:t>
+            </a:r>
+            <a:r>
+              <a:rPr lang="zh-CN" altLang="en-US" dirty="0">
+                <a:latin typeface="楷体" panose="02010609060101010101" pitchFamily="49" charset="-122"/>
+                <a:ea typeface="楷体" panose="02010609060101010101" pitchFamily="49" charset="-122"/>
+              </a:rPr>
+              <a:t>。</a:t>
+            </a:r>
+            <a:endParaRPr lang="en-US" altLang="zh-CN" dirty="0">
+              <a:latin typeface="楷体" panose="02010609060101010101" pitchFamily="49" charset="-122"/>
+              <a:ea typeface="楷体" panose="02010609060101010101" pitchFamily="49" charset="-122"/>
+            </a:endParaRPr>
+          </a:p>
+        </p:txBody>
+      </p:sp>
+    </p:spTree>
+    <p:extLst>
+      <p:ext uri="{BB962C8B-B14F-4D97-AF65-F5344CB8AC3E}">
+        <p14:creationId xmlns:p14="http://schemas.microsoft.com/office/powerpoint/2010/main" val="907586738"/>
+      </p:ext>
+    </p:extLst>
+  </p:cSld>
+  <p:clrMapOvr>
+    <a:masterClrMapping/>
+  </p:clrMapOvr>
+</p:notes>
+</file>
+
+<file path=ppt/notesSlides/notesSlide5.xml><?xml version="1.0" encoding="utf-8"?>
+<p:notes xmlns:a="http://schemas.openxmlformats.org/drawingml/2006/main" xmlns:r="http://schemas.openxmlformats.org/officeDocument/2006/relationships" xmlns:p="http://schemas.openxmlformats.org/presentationml/2006/main" showMasterSp="0" showMasterPhAnim="0">
+  <p:cSld>
+    <p:spTree>
+      <p:nvGrpSpPr>
+        <p:cNvPr id="1" name="Shape 101"/>
+        <p:cNvGrpSpPr/>
+        <p:nvPr/>
+      </p:nvGrpSpPr>
+      <p:grpSpPr>
+        <a:xfrm>
+          <a:off x="0" y="0"/>
+          <a:ext cx="0" cy="0"/>
+          <a:chOff x="0" y="0"/>
+          <a:chExt cx="0" cy="0"/>
+        </a:xfrm>
+      </p:grpSpPr>
+      <p:sp>
+        <p:nvSpPr>
+          <p:cNvPr id="102" name="Google Shape;102;g46f3085334_0_92:notes"/>
+          <p:cNvSpPr>
+            <a:spLocks noGrp="1" noRot="1" noChangeAspect="1"/>
+          </p:cNvSpPr>
+          <p:nvPr>
+            <p:ph type="sldImg" idx="2"/>
+          </p:nvPr>
+        </p:nvSpPr>
+        <p:spPr>
+          <a:xfrm>
+            <a:off x="381000" y="685800"/>
+            <a:ext cx="6096000" cy="3429000"/>
+          </a:xfrm>
+          <a:custGeom>
+            <a:avLst/>
+            <a:gdLst/>
+            <a:ahLst/>
+            <a:cxnLst/>
+            <a:rect l="l" t="t" r="r" b="b"/>
+            <a:pathLst>
+              <a:path w="120000" h="120000" extrusionOk="0">
+                <a:moveTo>
+                  <a:pt x="0" y="0"/>
+                </a:moveTo>
+                <a:lnTo>
+                  <a:pt x="120000" y="0"/>
+                </a:lnTo>
+                <a:lnTo>
+                  <a:pt x="120000" y="120000"/>
+                </a:lnTo>
+                <a:lnTo>
+                  <a:pt x="0" y="120000"/>
+                </a:lnTo>
+                <a:close/>
+              </a:path>
+            </a:pathLst>
+          </a:custGeom>
+        </p:spPr>
+      </p:sp>
+      <p:sp>
+        <p:nvSpPr>
+          <p:cNvPr id="103" name="Google Shape;103;g46f3085334_0_92:notes"/>
+          <p:cNvSpPr txBox="1">
+            <a:spLocks noGrp="1"/>
+          </p:cNvSpPr>
+          <p:nvPr>
+            <p:ph type="body" idx="1"/>
+          </p:nvPr>
+        </p:nvSpPr>
+        <p:spPr>
+          <a:xfrm>
+            <a:off x="685800" y="4343400"/>
+            <a:ext cx="5486400" cy="4114800"/>
+          </a:xfrm>
+          <a:prstGeom prst="rect">
+            <a:avLst/>
+          </a:prstGeom>
+        </p:spPr>
+        <p:txBody>
+          <a:bodyPr spcFirstLastPara="1" wrap="square" lIns="91425" tIns="91425" rIns="91425" bIns="91425" anchor="t" anchorCtr="0">
+            <a:noAutofit/>
+          </a:bodyPr>
+          <a:lstStyle/>
+          <a:p>
+            <a:pPr marL="228600" marR="0" lvl="0" indent="-228600" algn="l" defTabSz="914400" rtl="0" eaLnBrk="1" fontAlgn="auto" latinLnBrk="0" hangingPunct="1">
+              <a:lnSpc>
+                <a:spcPct val="100000"/>
+              </a:lnSpc>
+              <a:spcBef>
+                <a:spcPts val="0"/>
+              </a:spcBef>
+              <a:spcAft>
+                <a:spcPts val="0"/>
+              </a:spcAft>
+              <a:buClr>
+                <a:srgbClr val="000000"/>
+              </a:buClr>
+              <a:buSzPts val="1100"/>
+              <a:buFont typeface="Arial"/>
+              <a:buAutoNum type="arabicPeriod"/>
+              <a:tabLst/>
+              <a:defRPr/>
+            </a:pPr>
+            <a:r>
+              <a:rPr lang="zh-CN" altLang="en-US" b="1" dirty="0"/>
+              <a:t>临界电荷</a:t>
+            </a:r>
+            <a:r>
+              <a:rPr lang="en-US" altLang="zh-CN" dirty="0"/>
+              <a:t>Qcrit</a:t>
+            </a:r>
+            <a:r>
+              <a:rPr lang="zh-CN" altLang="en-US" dirty="0"/>
+              <a:t>：</a:t>
+            </a:r>
+            <a:r>
+              <a:rPr lang="zh-CN" altLang="en-US" dirty="0">
+                <a:latin typeface="楷体" panose="02010609060101010101" pitchFamily="49" charset="-122"/>
+                <a:ea typeface="楷体" panose="02010609060101010101" pitchFamily="49" charset="-122"/>
+              </a:rPr>
+              <a:t>导致电路故障所需的最小电荷称为电路的临界电荷。工艺的提升，会导致所需的</a:t>
+            </a:r>
+            <a:r>
+              <a:rPr lang="en-US" altLang="zh-CN" dirty="0">
+                <a:latin typeface="楷体" panose="02010609060101010101" pitchFamily="49" charset="-122"/>
+                <a:ea typeface="楷体" panose="02010609060101010101" pitchFamily="49" charset="-122"/>
+              </a:rPr>
+              <a:t>Qcrit</a:t>
+            </a:r>
+            <a:r>
+              <a:rPr lang="zh-CN" altLang="en-US" dirty="0">
+                <a:latin typeface="楷体" panose="02010609060101010101" pitchFamily="49" charset="-122"/>
+                <a:ea typeface="楷体" panose="02010609060101010101" pitchFamily="49" charset="-122"/>
+              </a:rPr>
+              <a:t>也会逐渐降低。电路在饱和区极易受到软错误的影响。在极端情况下，当 </a:t>
+            </a:r>
+            <a:r>
+              <a:rPr lang="en-US" altLang="zh-CN" dirty="0">
+                <a:latin typeface="楷体" panose="02010609060101010101" pitchFamily="49" charset="-122"/>
+                <a:ea typeface="楷体" panose="02010609060101010101" pitchFamily="49" charset="-122"/>
+              </a:rPr>
+              <a:t>Qcrit </a:t>
+            </a:r>
+            <a:r>
+              <a:rPr lang="zh-CN" altLang="en-US" dirty="0">
+                <a:latin typeface="楷体" panose="02010609060101010101" pitchFamily="49" charset="-122"/>
+                <a:ea typeface="楷体" panose="02010609060101010101" pitchFamily="49" charset="-122"/>
+              </a:rPr>
+              <a:t>接近于零时，⼏乎任何由</a:t>
+            </a:r>
+            <a:r>
+              <a:rPr lang="en-US" altLang="zh-CN" dirty="0">
+                <a:latin typeface="楷体" panose="02010609060101010101" pitchFamily="49" charset="-122"/>
+                <a:ea typeface="楷体" panose="02010609060101010101" pitchFamily="49" charset="-122"/>
+              </a:rPr>
+              <a:t>α</a:t>
+            </a:r>
+            <a:r>
+              <a:rPr lang="zh-CN" altLang="en-US" dirty="0">
+                <a:latin typeface="楷体" panose="02010609060101010101" pitchFamily="49" charset="-122"/>
+                <a:ea typeface="楷体" panose="02010609060101010101" pitchFamily="49" charset="-122"/>
+              </a:rPr>
+              <a:t>粒子或中⼦撞击产⽣的电荷量都会导致瞬态故障。</a:t>
+            </a:r>
+            <a:endParaRPr lang="en-US" altLang="zh-CN" dirty="0">
+              <a:latin typeface="楷体" panose="02010609060101010101" pitchFamily="49" charset="-122"/>
+              <a:ea typeface="楷体" panose="02010609060101010101" pitchFamily="49" charset="-122"/>
+            </a:endParaRPr>
+          </a:p>
+          <a:p>
+            <a:pPr marL="228600" marR="0" lvl="0" indent="-228600" algn="l" defTabSz="914400" rtl="0" eaLnBrk="1" fontAlgn="auto" latinLnBrk="0" hangingPunct="1">
+              <a:lnSpc>
+                <a:spcPct val="100000"/>
+              </a:lnSpc>
+              <a:spcBef>
+                <a:spcPts val="0"/>
+              </a:spcBef>
+              <a:spcAft>
+                <a:spcPts val="0"/>
+              </a:spcAft>
+              <a:buClr>
+                <a:srgbClr val="000000"/>
+              </a:buClr>
+              <a:buSzPts val="1100"/>
+              <a:buFont typeface="Arial"/>
+              <a:buAutoNum type="arabicPeriod"/>
+              <a:tabLst/>
+              <a:defRPr/>
+            </a:pPr>
+            <a:r>
+              <a:rPr lang="zh-CN" altLang="en-US" dirty="0">
+                <a:latin typeface="楷体" panose="02010609060101010101" pitchFamily="49" charset="-122"/>
+                <a:ea typeface="楷体" panose="02010609060101010101" pitchFamily="49" charset="-122"/>
+              </a:rPr>
+              <a:t>随着每⼀代⼯艺技术的出现，晶体管的尺⼨都在缩⼩，它们所持有的电荷会减少，从⽽导致 </a:t>
+            </a:r>
+            <a:r>
+              <a:rPr lang="en-US" altLang="zh-CN" dirty="0">
+                <a:latin typeface="楷体" panose="02010609060101010101" pitchFamily="49" charset="-122"/>
+                <a:ea typeface="楷体" panose="02010609060101010101" pitchFamily="49" charset="-122"/>
+              </a:rPr>
+              <a:t>Qcrit </a:t>
+            </a:r>
+            <a:r>
+              <a:rPr lang="zh-CN" altLang="en-US" dirty="0">
+                <a:latin typeface="楷体" panose="02010609060101010101" pitchFamily="49" charset="-122"/>
+                <a:ea typeface="楷体" panose="02010609060101010101" pitchFamily="49" charset="-122"/>
+              </a:rPr>
+              <a:t>较低，并使它们更容易受到粒⼦撞击的影响。然⽽，随着每⼀代技术的发展，晶体管的尺⼨也在缩⼩，使其更难被击中。对于锁存器，这些影响通常会抵消，在技术世代中⼤致给出恒定的</a:t>
+            </a:r>
+            <a:r>
+              <a:rPr lang="en-US" altLang="zh-CN" dirty="0">
+                <a:latin typeface="楷体" panose="02010609060101010101" pitchFamily="49" charset="-122"/>
+                <a:ea typeface="楷体" panose="02010609060101010101" pitchFamily="49" charset="-122"/>
+              </a:rPr>
+              <a:t>FIT/bit</a:t>
+            </a:r>
+            <a:r>
+              <a:rPr lang="zh-CN" altLang="en-US" dirty="0">
+                <a:latin typeface="楷体" panose="02010609060101010101" pitchFamily="49" charset="-122"/>
+                <a:ea typeface="楷体" panose="02010609060101010101" pitchFamily="49" charset="-122"/>
+              </a:rPr>
+              <a:t>。对于 </a:t>
+            </a:r>
+            <a:r>
+              <a:rPr lang="en-US" altLang="zh-CN" dirty="0">
+                <a:latin typeface="楷体" panose="02010609060101010101" pitchFamily="49" charset="-122"/>
+                <a:ea typeface="楷体" panose="02010609060101010101" pitchFamily="49" charset="-122"/>
+              </a:rPr>
+              <a:t>SRAM </a:t>
+            </a:r>
+            <a:r>
+              <a:rPr lang="zh-CN" altLang="en-US" dirty="0">
+                <a:latin typeface="楷体" panose="02010609060101010101" pitchFamily="49" charset="-122"/>
+                <a:ea typeface="楷体" panose="02010609060101010101" pitchFamily="49" charset="-122"/>
+              </a:rPr>
+              <a:t>单元，晶体管已经缩⼩到⼤多数粒⼦撞击这种单元会导致位翻转的程度。因此，</a:t>
+            </a:r>
+            <a:r>
+              <a:rPr lang="en-US" altLang="zh-CN" dirty="0">
+                <a:latin typeface="楷体" panose="02010609060101010101" pitchFamily="49" charset="-122"/>
+                <a:ea typeface="楷体" panose="02010609060101010101" pitchFamily="49" charset="-122"/>
+              </a:rPr>
+              <a:t>SRAM </a:t>
+            </a:r>
+            <a:r>
+              <a:rPr lang="zh-CN" altLang="en-US" dirty="0">
+                <a:latin typeface="楷体" panose="02010609060101010101" pitchFamily="49" charset="-122"/>
+                <a:ea typeface="楷体" panose="02010609060101010101" pitchFamily="49" charset="-122"/>
+              </a:rPr>
+              <a:t>单元的 </a:t>
+            </a:r>
+            <a:r>
+              <a:rPr lang="en-US" altLang="zh-CN" dirty="0">
+                <a:latin typeface="楷体" panose="02010609060101010101" pitchFamily="49" charset="-122"/>
+                <a:ea typeface="楷体" panose="02010609060101010101" pitchFamily="49" charset="-122"/>
+              </a:rPr>
+              <a:t>SER </a:t>
+            </a:r>
+            <a:r>
+              <a:rPr lang="zh-CN" altLang="en-US" dirty="0">
+                <a:latin typeface="楷体" panose="02010609060101010101" pitchFamily="49" charset="-122"/>
+                <a:ea typeface="楷体" panose="02010609060101010101" pitchFamily="49" charset="-122"/>
+              </a:rPr>
+              <a:t>会随着每种⼯艺技术不断降低。然⽽，</a:t>
+            </a:r>
+            <a:r>
+              <a:rPr lang="en-US" altLang="zh-CN" dirty="0">
+                <a:latin typeface="楷体" panose="02010609060101010101" pitchFamily="49" charset="-122"/>
+                <a:ea typeface="楷体" panose="02010609060101010101" pitchFamily="49" charset="-122"/>
+              </a:rPr>
+              <a:t>DRAM </a:t>
+            </a:r>
+            <a:r>
+              <a:rPr lang="zh-CN" altLang="en-US" dirty="0">
+                <a:latin typeface="楷体" panose="02010609060101010101" pitchFamily="49" charset="-122"/>
+                <a:ea typeface="楷体" panose="02010609060101010101" pitchFamily="49" charset="-122"/>
+              </a:rPr>
+              <a:t>已经设法使⽤通常不适⽤于</a:t>
+            </a:r>
+            <a:r>
+              <a:rPr lang="en-US" altLang="zh-CN" dirty="0">
+                <a:latin typeface="楷体" panose="02010609060101010101" pitchFamily="49" charset="-122"/>
+                <a:ea typeface="楷体" panose="02010609060101010101" pitchFamily="49" charset="-122"/>
+              </a:rPr>
+              <a:t>SRAM </a:t>
+            </a:r>
+            <a:r>
+              <a:rPr lang="zh-CN" altLang="en-US" dirty="0">
+                <a:latin typeface="楷体" panose="02010609060101010101" pitchFamily="49" charset="-122"/>
+                <a:ea typeface="楷体" panose="02010609060101010101" pitchFamily="49" charset="-122"/>
+              </a:rPr>
+              <a:t>单元或锁存器的各种优化来积极降低 </a:t>
+            </a:r>
+            <a:r>
+              <a:rPr lang="en-US" altLang="zh-CN" dirty="0">
+                <a:latin typeface="楷体" panose="02010609060101010101" pitchFamily="49" charset="-122"/>
+                <a:ea typeface="楷体" panose="02010609060101010101" pitchFamily="49" charset="-122"/>
+              </a:rPr>
+              <a:t>FIT/</a:t>
+            </a:r>
+            <a:r>
+              <a:rPr lang="zh-CN" altLang="en-US" dirty="0">
+                <a:latin typeface="楷体" panose="02010609060101010101" pitchFamily="49" charset="-122"/>
+                <a:ea typeface="楷体" panose="02010609060101010101" pitchFamily="49" charset="-122"/>
+              </a:rPr>
+              <a:t>位。</a:t>
+            </a:r>
+            <a:endParaRPr lang="en-US" altLang="zh-CN" dirty="0">
+              <a:latin typeface="楷体" panose="02010609060101010101" pitchFamily="49" charset="-122"/>
+              <a:ea typeface="楷体" panose="02010609060101010101" pitchFamily="49" charset="-122"/>
+            </a:endParaRPr>
+          </a:p>
+          <a:p>
+            <a:pPr marL="228600" lvl="0" indent="-228600" algn="l" rtl="0">
+              <a:spcBef>
+                <a:spcPts val="0"/>
+              </a:spcBef>
+              <a:spcAft>
+                <a:spcPts val="0"/>
+              </a:spcAft>
+              <a:buAutoNum type="arabicPeriod"/>
+            </a:pPr>
+            <a:endParaRPr lang="en-US" altLang="zh-CN" dirty="0">
+              <a:latin typeface="楷体" panose="02010609060101010101" pitchFamily="49" charset="-122"/>
+              <a:ea typeface="楷体" panose="02010609060101010101" pitchFamily="49" charset="-122"/>
+            </a:endParaRPr>
+          </a:p>
+        </p:txBody>
+      </p:sp>
+    </p:spTree>
+    <p:extLst>
+      <p:ext uri="{BB962C8B-B14F-4D97-AF65-F5344CB8AC3E}">
+        <p14:creationId xmlns:p14="http://schemas.microsoft.com/office/powerpoint/2010/main" val="2460230663"/>
+      </p:ext>
+    </p:extLst>
+  </p:cSld>
+  <p:clrMapOvr>
+    <a:masterClrMapping/>
+  </p:clrMapOvr>
+</p:notes>
+</file>
+
+<file path=ppt/notesSlides/notesSlide6.xml><?xml version="1.0" encoding="utf-8"?>
+<p:notes xmlns:a="http://schemas.openxmlformats.org/drawingml/2006/main" xmlns:r="http://schemas.openxmlformats.org/officeDocument/2006/relationships" xmlns:p="http://schemas.openxmlformats.org/presentationml/2006/main" showMasterSp="0" showMasterPhAnim="0">
+  <p:cSld>
+    <p:spTree>
+      <p:nvGrpSpPr>
+        <p:cNvPr id="1" name="Shape 81"/>
+        <p:cNvGrpSpPr/>
+        <p:nvPr/>
+      </p:nvGrpSpPr>
+      <p:grpSpPr>
+        <a:xfrm>
+          <a:off x="0" y="0"/>
+          <a:ext cx="0" cy="0"/>
+          <a:chOff x="0" y="0"/>
+          <a:chExt cx="0" cy="0"/>
+        </a:xfrm>
+      </p:grpSpPr>
+      <p:sp>
+        <p:nvSpPr>
+          <p:cNvPr id="82" name="Google Shape;82;p:notes"/>
+          <p:cNvSpPr>
+            <a:spLocks noGrp="1" noRot="1" noChangeAspect="1"/>
+          </p:cNvSpPr>
+          <p:nvPr>
+            <p:ph type="sldImg" idx="2"/>
+          </p:nvPr>
+        </p:nvSpPr>
+        <p:spPr>
+          <a:xfrm>
+            <a:off x="381000" y="685800"/>
+            <a:ext cx="6096000" cy="3429000"/>
+          </a:xfrm>
+          <a:custGeom>
+            <a:avLst/>
+            <a:gdLst/>
+            <a:ahLst/>
+            <a:cxnLst/>
+            <a:rect l="l" t="t" r="r" b="b"/>
+            <a:pathLst>
+              <a:path w="120000" h="120000" extrusionOk="0">
+                <a:moveTo>
+                  <a:pt x="0" y="0"/>
+                </a:moveTo>
+                <a:lnTo>
+                  <a:pt x="120000" y="0"/>
+                </a:lnTo>
+                <a:lnTo>
+                  <a:pt x="120000" y="120000"/>
+                </a:lnTo>
+                <a:lnTo>
+                  <a:pt x="0" y="120000"/>
+                </a:lnTo>
+                <a:close/>
+              </a:path>
+            </a:pathLst>
+          </a:custGeom>
+        </p:spPr>
+      </p:sp>
+      <p:sp>
+        <p:nvSpPr>
+          <p:cNvPr id="83" name="Google Shape;83;p:notes"/>
+          <p:cNvSpPr txBox="1">
+            <a:spLocks noGrp="1"/>
+          </p:cNvSpPr>
+          <p:nvPr>
+            <p:ph type="body" idx="1"/>
+          </p:nvPr>
+        </p:nvSpPr>
+        <p:spPr>
+          <a:xfrm>
+            <a:off x="685800" y="4343400"/>
+            <a:ext cx="5486400" cy="4114800"/>
+          </a:xfrm>
+          <a:prstGeom prst="rect">
+            <a:avLst/>
+          </a:prstGeom>
+        </p:spPr>
+        <p:txBody>
+          <a:bodyPr spcFirstLastPara="1" wrap="square" lIns="91425" tIns="91425" rIns="91425" bIns="91425" anchor="t" anchorCtr="0">
+            <a:noAutofit/>
+          </a:bodyPr>
+          <a:lstStyle/>
+          <a:p>
             <a:pPr marL="0" lvl="0" indent="0" algn="l" rtl="0">
               <a:spcBef>
                 <a:spcPts val="0"/>
@@ -1033,7 +2294,7 @@
     </p:spTree>
     <p:extLst>
       <p:ext uri="{BB962C8B-B14F-4D97-AF65-F5344CB8AC3E}">
-        <p14:creationId xmlns:p14="http://schemas.microsoft.com/office/powerpoint/2010/main" val="2938503782"/>
+        <p14:creationId xmlns:p14="http://schemas.microsoft.com/office/powerpoint/2010/main" val="1260413496"/>
       </p:ext>
     </p:extLst>
   </p:cSld>
@@ -6910,7 +8171,7 @@
                 <a:latin typeface="楷体" panose="02010609060101010101" pitchFamily="49" charset="-122"/>
                 <a:ea typeface="楷体" panose="02010609060101010101" pitchFamily="49" charset="-122"/>
               </a:rPr>
-              <a:t>检错和纠错</a:t>
+              <a:t>软错误概述</a:t>
             </a:r>
             <a:endParaRPr sz="5400" dirty="0">
               <a:latin typeface="楷体" panose="02010609060101010101" pitchFamily="49" charset="-122"/>
@@ -6961,7 +8222,7 @@
         </p:nvSpPr>
         <p:spPr>
           <a:xfrm>
-            <a:off x="311700" y="410000"/>
+            <a:off x="311700" y="294450"/>
             <a:ext cx="8697432" cy="607800"/>
           </a:xfrm>
           <a:prstGeom prst="rect">
@@ -6988,7 +8249,7 @@
                 <a:latin typeface="微软雅黑" panose="020B0503020204020204" pitchFamily="34" charset="-122"/>
                 <a:ea typeface="微软雅黑" panose="020B0503020204020204" pitchFamily="34" charset="-122"/>
               </a:rPr>
-              <a:t>Error Coding</a:t>
+              <a:t>Soft Errors</a:t>
             </a:r>
             <a:endParaRPr sz="2800" dirty="0">
               <a:latin typeface="微软雅黑" panose="020B0503020204020204" pitchFamily="34" charset="-122"/>
@@ -7010,7 +8271,7 @@
         <p:spPr>
           <a:xfrm>
             <a:off x="311700" y="902250"/>
-            <a:ext cx="5046881" cy="4025350"/>
+            <a:ext cx="8520600" cy="4025350"/>
           </a:xfrm>
           <a:prstGeom prst="rect">
             <a:avLst/>
@@ -7033,18 +8294,11 @@
               <a:buChar char="●"/>
             </a:pPr>
             <a:r>
-              <a:rPr lang="en-US" altLang="zh-CN" dirty="0">
-                <a:latin typeface="楷体" panose="02010609060101010101" pitchFamily="49" charset="-122"/>
-                <a:ea typeface="楷体" panose="02010609060101010101" pitchFamily="49" charset="-122"/>
-              </a:rPr>
-              <a:t>RISCV</a:t>
-            </a:r>
-            <a:r>
               <a:rPr lang="zh-CN" altLang="en-US" dirty="0">
                 <a:latin typeface="楷体" panose="02010609060101010101" pitchFamily="49" charset="-122"/>
                 <a:ea typeface="楷体" panose="02010609060101010101" pitchFamily="49" charset="-122"/>
               </a:rPr>
-              <a:t>：</a:t>
+              <a:t>辐射影响：</a:t>
             </a:r>
             <a:endParaRPr lang="en-US" altLang="zh-CN" dirty="0">
               <a:latin typeface="楷体" panose="02010609060101010101" pitchFamily="49" charset="-122"/>
@@ -7063,16 +8317,302 @@
               <a:buChar char="○"/>
             </a:pPr>
             <a:r>
-              <a:rPr lang="zh-CN" altLang="en-US">
-                <a:latin typeface="楷体" panose="02010609060101010101" pitchFamily="49" charset="-122"/>
-                <a:ea typeface="楷体" panose="02010609060101010101" pitchFamily="49" charset="-122"/>
-              </a:rPr>
-              <a:t>始于</a:t>
-            </a:r>
-            <a:endParaRPr lang="zh-CN" altLang="en-US" dirty="0">
+              <a:rPr lang="zh-CN" altLang="en-US" dirty="0">
+                <a:latin typeface="楷体" panose="02010609060101010101" pitchFamily="49" charset="-122"/>
+                <a:ea typeface="楷体" panose="02010609060101010101" pitchFamily="49" charset="-122"/>
+              </a:rPr>
+              <a:t>宇宙射线等空间辐射、核辐射、甚至集成电路封装过程中都有可能引入高能粒子，从而改变</a:t>
+            </a:r>
+            <a:r>
+              <a:rPr lang="en-US" altLang="zh-CN" dirty="0">
+                <a:latin typeface="楷体" panose="02010609060101010101" pitchFamily="49" charset="-122"/>
+                <a:ea typeface="楷体" panose="02010609060101010101" pitchFamily="49" charset="-122"/>
+              </a:rPr>
+              <a:t>CMOS</a:t>
+            </a:r>
+            <a:r>
+              <a:rPr lang="zh-CN" altLang="en-US" dirty="0">
+                <a:latin typeface="楷体" panose="02010609060101010101" pitchFamily="49" charset="-122"/>
+                <a:ea typeface="楷体" panose="02010609060101010101" pitchFamily="49" charset="-122"/>
+              </a:rPr>
+              <a:t>状态，使之发生软错误。</a:t>
+            </a:r>
+            <a:endParaRPr lang="en-US" altLang="zh-CN" dirty="0">
               <a:latin typeface="楷体" panose="02010609060101010101" pitchFamily="49" charset="-122"/>
               <a:ea typeface="楷体" panose="02010609060101010101" pitchFamily="49" charset="-122"/>
             </a:endParaRPr>
+          </a:p>
+          <a:p>
+            <a:pPr marL="914400" lvl="1" indent="-317500" algn="l" rtl="0">
+              <a:spcBef>
+                <a:spcPts val="0"/>
+              </a:spcBef>
+              <a:spcAft>
+                <a:spcPts val="0"/>
+              </a:spcAft>
+              <a:buSzPts val="1400"/>
+              <a:buChar char="○"/>
+            </a:pPr>
+            <a:r>
+              <a:rPr lang="zh-CN" altLang="en-US" dirty="0">
+                <a:latin typeface="楷体" panose="02010609060101010101" pitchFamily="49" charset="-122"/>
+                <a:ea typeface="楷体" panose="02010609060101010101" pitchFamily="49" charset="-122"/>
+              </a:rPr>
+              <a:t>空间环境辐射损坏效应：总剂量效应</a:t>
+            </a:r>
+            <a:r>
+              <a:rPr lang="en-US" altLang="zh-CN" dirty="0">
+                <a:latin typeface="楷体" panose="02010609060101010101" pitchFamily="49" charset="-122"/>
+                <a:ea typeface="楷体" panose="02010609060101010101" pitchFamily="49" charset="-122"/>
+              </a:rPr>
+              <a:t>(TID)</a:t>
+            </a:r>
+            <a:r>
+              <a:rPr lang="zh-CN" altLang="en-US" dirty="0">
+                <a:latin typeface="楷体" panose="02010609060101010101" pitchFamily="49" charset="-122"/>
+                <a:ea typeface="楷体" panose="02010609060101010101" pitchFamily="49" charset="-122"/>
+              </a:rPr>
+              <a:t>和</a:t>
+            </a:r>
+            <a:r>
+              <a:rPr lang="zh-CN" altLang="en-US" b="1" dirty="0">
+                <a:solidFill>
+                  <a:srgbClr val="FF0000"/>
+                </a:solidFill>
+                <a:latin typeface="楷体" panose="02010609060101010101" pitchFamily="49" charset="-122"/>
+                <a:ea typeface="楷体" panose="02010609060101010101" pitchFamily="49" charset="-122"/>
+              </a:rPr>
+              <a:t>单粒子效应</a:t>
+            </a:r>
+            <a:r>
+              <a:rPr lang="en-US" altLang="zh-CN" dirty="0">
+                <a:latin typeface="楷体" panose="02010609060101010101" pitchFamily="49" charset="-122"/>
+                <a:ea typeface="楷体" panose="02010609060101010101" pitchFamily="49" charset="-122"/>
+              </a:rPr>
+              <a:t>(SEE)</a:t>
+            </a:r>
+          </a:p>
+          <a:p>
+            <a:pPr marL="457200" lvl="0" indent="-342900" algn="l" rtl="0">
+              <a:spcBef>
+                <a:spcPts val="0"/>
+              </a:spcBef>
+              <a:spcAft>
+                <a:spcPts val="0"/>
+              </a:spcAft>
+              <a:buSzPts val="1800"/>
+              <a:buChar char="●"/>
+            </a:pPr>
+            <a:r>
+              <a:rPr lang="zh-CN" altLang="en-US" dirty="0">
+                <a:latin typeface="楷体" panose="02010609060101010101" pitchFamily="49" charset="-122"/>
+                <a:ea typeface="楷体" panose="02010609060101010101" pitchFamily="49" charset="-122"/>
+              </a:rPr>
+              <a:t>软错误产生机理：</a:t>
+            </a:r>
+            <a:endParaRPr lang="en-US" altLang="zh-CN" dirty="0">
+              <a:latin typeface="楷体" panose="02010609060101010101" pitchFamily="49" charset="-122"/>
+              <a:ea typeface="楷体" panose="02010609060101010101" pitchFamily="49" charset="-122"/>
+            </a:endParaRPr>
+          </a:p>
+          <a:p>
+            <a:pPr lvl="1">
+              <a:spcBef>
+                <a:spcPts val="0"/>
+              </a:spcBef>
+            </a:pPr>
+            <a:r>
+              <a:rPr lang="el-GR" altLang="zh-CN" dirty="0">
+                <a:solidFill>
+                  <a:srgbClr val="FF0000"/>
+                </a:solidFill>
+                <a:latin typeface="楷体" panose="02010609060101010101" pitchFamily="49" charset="-122"/>
+                <a:ea typeface="楷体" panose="02010609060101010101" pitchFamily="49" charset="-122"/>
+              </a:rPr>
+              <a:t>α</a:t>
+            </a:r>
+            <a:r>
+              <a:rPr lang="zh-CN" altLang="en-US" dirty="0">
+                <a:solidFill>
+                  <a:srgbClr val="FF0000"/>
+                </a:solidFill>
+                <a:latin typeface="楷体" panose="02010609060101010101" pitchFamily="49" charset="-122"/>
+                <a:ea typeface="楷体" panose="02010609060101010101" pitchFamily="49" charset="-122"/>
+              </a:rPr>
+              <a:t>粒子</a:t>
+            </a:r>
+            <a:r>
+              <a:rPr lang="zh-CN" altLang="en-US" dirty="0">
+                <a:latin typeface="楷体" panose="02010609060101010101" pitchFamily="49" charset="-122"/>
+                <a:ea typeface="楷体" panose="02010609060101010101" pitchFamily="49" charset="-122"/>
+              </a:rPr>
+              <a:t>和</a:t>
+            </a:r>
+            <a:r>
+              <a:rPr lang="zh-CN" altLang="en-US" dirty="0">
+                <a:solidFill>
+                  <a:srgbClr val="FF0000"/>
+                </a:solidFill>
+                <a:latin typeface="楷体" panose="02010609060101010101" pitchFamily="49" charset="-122"/>
+                <a:ea typeface="楷体" panose="02010609060101010101" pitchFamily="49" charset="-122"/>
+              </a:rPr>
+              <a:t>中子</a:t>
+            </a:r>
+            <a:r>
+              <a:rPr lang="zh-CN" altLang="en-US" dirty="0">
+                <a:latin typeface="楷体" panose="02010609060101010101" pitchFamily="49" charset="-122"/>
+                <a:ea typeface="楷体" panose="02010609060101010101" pitchFamily="49" charset="-122"/>
+              </a:rPr>
+              <a:t>会影响半导体器件</a:t>
+            </a:r>
+            <a:endParaRPr lang="en-US" altLang="zh-CN" dirty="0">
+              <a:latin typeface="楷体" panose="02010609060101010101" pitchFamily="49" charset="-122"/>
+              <a:ea typeface="楷体" panose="02010609060101010101" pitchFamily="49" charset="-122"/>
+            </a:endParaRPr>
+          </a:p>
+          <a:p>
+            <a:pPr marL="914400" lvl="1" indent="-317500" algn="l" rtl="0">
+              <a:spcBef>
+                <a:spcPts val="0"/>
+              </a:spcBef>
+              <a:spcAft>
+                <a:spcPts val="0"/>
+              </a:spcAft>
+              <a:buSzPts val="1400"/>
+              <a:buChar char="○"/>
+            </a:pPr>
+            <a:r>
+              <a:rPr lang="zh-CN" altLang="en-US" dirty="0">
+                <a:latin typeface="楷体" panose="02010609060101010101" pitchFamily="49" charset="-122"/>
+                <a:ea typeface="楷体" panose="02010609060101010101" pitchFamily="49" charset="-122"/>
+              </a:rPr>
+              <a:t>以</a:t>
+            </a:r>
+            <a:r>
+              <a:rPr lang="en-US" altLang="zh-CN" dirty="0">
+                <a:latin typeface="楷体" panose="02010609060101010101" pitchFamily="49" charset="-122"/>
+                <a:ea typeface="楷体" panose="02010609060101010101" pitchFamily="49" charset="-122"/>
+              </a:rPr>
+              <a:t>NMOS</a:t>
+            </a:r>
+            <a:r>
+              <a:rPr lang="zh-CN" altLang="en-US" dirty="0">
+                <a:latin typeface="楷体" panose="02010609060101010101" pitchFamily="49" charset="-122"/>
+                <a:ea typeface="楷体" panose="02010609060101010101" pitchFamily="49" charset="-122"/>
+              </a:rPr>
+              <a:t>为例，当处于关闭状态时，栅极输入为低电平，漏极高电平，衬底低电平</a:t>
+            </a:r>
+            <a:endParaRPr lang="en-US" altLang="zh-CN" dirty="0">
+              <a:latin typeface="楷体" panose="02010609060101010101" pitchFamily="49" charset="-122"/>
+              <a:ea typeface="楷体" panose="02010609060101010101" pitchFamily="49" charset="-122"/>
+            </a:endParaRPr>
+          </a:p>
+          <a:p>
+            <a:pPr marL="914400" lvl="1" indent="-317500" algn="l" rtl="0">
+              <a:spcBef>
+                <a:spcPts val="0"/>
+              </a:spcBef>
+              <a:spcAft>
+                <a:spcPts val="0"/>
+              </a:spcAft>
+              <a:buSzPts val="1400"/>
+              <a:buChar char="○"/>
+            </a:pPr>
+            <a:r>
+              <a:rPr lang="zh-CN" altLang="en-US" dirty="0">
+                <a:latin typeface="楷体" panose="02010609060101010101" pitchFamily="49" charset="-122"/>
+                <a:ea typeface="楷体" panose="02010609060101010101" pitchFamily="49" charset="-122"/>
+              </a:rPr>
+              <a:t>高能带电粒子射入，电离通道内的电荷，空穴压向衬底，电子被吸引至漏极</a:t>
+            </a:r>
+            <a:endParaRPr lang="en-US" altLang="zh-CN" dirty="0">
+              <a:latin typeface="楷体" panose="02010609060101010101" pitchFamily="49" charset="-122"/>
+              <a:ea typeface="楷体" panose="02010609060101010101" pitchFamily="49" charset="-122"/>
+            </a:endParaRPr>
+          </a:p>
+          <a:p>
+            <a:pPr marL="914400" lvl="1" indent="-317500" algn="l" rtl="0">
+              <a:spcBef>
+                <a:spcPts val="0"/>
+              </a:spcBef>
+              <a:spcAft>
+                <a:spcPts val="0"/>
+              </a:spcAft>
+              <a:buSzPts val="1400"/>
+              <a:buChar char="○"/>
+            </a:pPr>
+            <a:r>
+              <a:rPr lang="zh-CN" altLang="en-US" dirty="0">
+                <a:latin typeface="楷体" panose="02010609060101010101" pitchFamily="49" charset="-122"/>
+                <a:ea typeface="楷体" panose="02010609060101010101" pitchFamily="49" charset="-122"/>
+              </a:rPr>
+              <a:t>耗尽层结构被破坏，可能会发生单粒子翻转、单粒子瞬态等</a:t>
+            </a:r>
+            <a:endParaRPr lang="en-US" altLang="zh-CN" dirty="0">
+              <a:latin typeface="楷体" panose="02010609060101010101" pitchFamily="49" charset="-122"/>
+              <a:ea typeface="楷体" panose="02010609060101010101" pitchFamily="49" charset="-122"/>
+            </a:endParaRPr>
+          </a:p>
+          <a:p>
+            <a:pPr marL="457200" lvl="0" indent="-342900" algn="l" rtl="0">
+              <a:spcBef>
+                <a:spcPts val="0"/>
+              </a:spcBef>
+              <a:spcAft>
+                <a:spcPts val="0"/>
+              </a:spcAft>
+              <a:buSzPts val="1800"/>
+              <a:buChar char="●"/>
+            </a:pPr>
+            <a:r>
+              <a:rPr lang="zh-CN" altLang="en-US" dirty="0">
+                <a:latin typeface="楷体" panose="02010609060101010101" pitchFamily="49" charset="-122"/>
+                <a:ea typeface="楷体" panose="02010609060101010101" pitchFamily="49" charset="-122"/>
+              </a:rPr>
+              <a:t>瞬态故障：</a:t>
+            </a:r>
+          </a:p>
+          <a:p>
+            <a:pPr marL="914400" lvl="1" indent="-317500" algn="l" rtl="0">
+              <a:spcBef>
+                <a:spcPts val="0"/>
+              </a:spcBef>
+              <a:spcAft>
+                <a:spcPts val="0"/>
+              </a:spcAft>
+              <a:buSzPts val="1400"/>
+              <a:buChar char="○"/>
+            </a:pPr>
+            <a:r>
+              <a:rPr lang="zh-CN" altLang="en-US" dirty="0">
+                <a:latin typeface="楷体" panose="02010609060101010101" pitchFamily="49" charset="-122"/>
+                <a:ea typeface="楷体" panose="02010609060101010101" pitchFamily="49" charset="-122"/>
+              </a:rPr>
+              <a:t>是高能粒子对电荷扰动的结果，不会损坏器件物理结构</a:t>
+            </a:r>
+            <a:endParaRPr lang="en-US" altLang="zh-CN" dirty="0">
+              <a:latin typeface="楷体" panose="02010609060101010101" pitchFamily="49" charset="-122"/>
+              <a:ea typeface="楷体" panose="02010609060101010101" pitchFamily="49" charset="-122"/>
+            </a:endParaRPr>
+          </a:p>
+          <a:p>
+            <a:pPr marL="914400" lvl="1" indent="-317500" algn="l" rtl="0">
+              <a:spcBef>
+                <a:spcPts val="0"/>
+              </a:spcBef>
+              <a:spcAft>
+                <a:spcPts val="0"/>
+              </a:spcAft>
+              <a:buSzPts val="1400"/>
+              <a:buChar char="○"/>
+            </a:pPr>
+            <a:r>
+              <a:rPr lang="zh-CN" altLang="en-US" dirty="0">
+                <a:latin typeface="楷体" panose="02010609060101010101" pitchFamily="49" charset="-122"/>
+                <a:ea typeface="楷体" panose="02010609060101010101" pitchFamily="49" charset="-122"/>
+              </a:rPr>
+              <a:t>包括单粒子翻转、单粒子瞬态、多位翻转等</a:t>
+            </a:r>
           </a:p>
         </p:txBody>
       </p:sp>
@@ -7118,10 +8658,973 @@
           </a:p>
         </p:txBody>
       </p:sp>
+      <p:pic>
+        <p:nvPicPr>
+          <p:cNvPr id="8" name="图片 7">
+            <a:extLst>
+              <a:ext uri="{FF2B5EF4-FFF2-40B4-BE49-F238E27FC236}">
+                <a16:creationId xmlns:a16="http://schemas.microsoft.com/office/drawing/2014/main" id="{9677973C-2372-4C38-1074-DD7BF5EBDFB9}"/>
+              </a:ext>
+            </a:extLst>
+          </p:cNvPr>
+          <p:cNvPicPr>
+            <a:picLocks noChangeAspect="1"/>
+          </p:cNvPicPr>
+          <p:nvPr/>
+        </p:nvPicPr>
+        <p:blipFill rotWithShape="1">
+          <a:blip r:embed="rId3"/>
+          <a:srcRect t="7959" b="3431"/>
+          <a:stretch/>
+        </p:blipFill>
+        <p:spPr>
+          <a:xfrm>
+            <a:off x="6370706" y="3072999"/>
+            <a:ext cx="2638425" cy="2070501"/>
+          </a:xfrm>
+          <a:prstGeom prst="rect">
+            <a:avLst/>
+          </a:prstGeom>
+        </p:spPr>
+      </p:pic>
     </p:spTree>
     <p:extLst>
       <p:ext uri="{BB962C8B-B14F-4D97-AF65-F5344CB8AC3E}">
-        <p14:creationId xmlns:p14="http://schemas.microsoft.com/office/powerpoint/2010/main" val="2069113613"/>
+        <p14:creationId xmlns:p14="http://schemas.microsoft.com/office/powerpoint/2010/main" val="1123820008"/>
+      </p:ext>
+    </p:extLst>
+  </p:cSld>
+  <p:clrMapOvr>
+    <a:masterClrMapping/>
+  </p:clrMapOvr>
+</p:sld>
+</file>
+
+<file path=ppt/slides/slide4.xml><?xml version="1.0" encoding="utf-8"?>
+<p:sld xmlns:a="http://schemas.openxmlformats.org/drawingml/2006/main" xmlns:r="http://schemas.openxmlformats.org/officeDocument/2006/relationships" xmlns:p="http://schemas.openxmlformats.org/presentationml/2006/main">
+  <p:cSld>
+    <p:spTree>
+      <p:nvGrpSpPr>
+        <p:cNvPr id="1" name="Shape 104"/>
+        <p:cNvGrpSpPr/>
+        <p:nvPr/>
+      </p:nvGrpSpPr>
+      <p:grpSpPr>
+        <a:xfrm>
+          <a:off x="0" y="0"/>
+          <a:ext cx="0" cy="0"/>
+          <a:chOff x="0" y="0"/>
+          <a:chExt cx="0" cy="0"/>
+        </a:xfrm>
+      </p:grpSpPr>
+      <p:sp>
+        <p:nvSpPr>
+          <p:cNvPr id="105" name="Google Shape;105;p16"/>
+          <p:cNvSpPr txBox="1">
+            <a:spLocks noGrp="1"/>
+          </p:cNvSpPr>
+          <p:nvPr>
+            <p:ph type="title"/>
+          </p:nvPr>
+        </p:nvSpPr>
+        <p:spPr>
+          <a:xfrm>
+            <a:off x="311700" y="294450"/>
+            <a:ext cx="8697432" cy="607800"/>
+          </a:xfrm>
+          <a:prstGeom prst="rect">
+            <a:avLst/>
+          </a:prstGeom>
+        </p:spPr>
+        <p:txBody>
+          <a:bodyPr spcFirstLastPara="1" wrap="square" lIns="91425" tIns="91425" rIns="91425" bIns="91425" anchor="t" anchorCtr="0">
+            <a:noAutofit/>
+          </a:bodyPr>
+          <a:lstStyle/>
+          <a:p>
+            <a:pPr marL="0" lvl="0" indent="0" algn="l" rtl="0">
+              <a:spcBef>
+                <a:spcPts val="0"/>
+              </a:spcBef>
+              <a:spcAft>
+                <a:spcPts val="0"/>
+              </a:spcAft>
+              <a:buNone/>
+            </a:pPr>
+            <a:r>
+              <a:rPr lang="en-US" altLang="zh-CN" sz="2800" dirty="0">
+                <a:latin typeface="微软雅黑" panose="020B0503020204020204" pitchFamily="34" charset="-122"/>
+                <a:ea typeface="微软雅黑" panose="020B0503020204020204" pitchFamily="34" charset="-122"/>
+              </a:rPr>
+              <a:t>Soft Errors</a:t>
+            </a:r>
+            <a:endParaRPr sz="2800" dirty="0">
+              <a:latin typeface="微软雅黑" panose="020B0503020204020204" pitchFamily="34" charset="-122"/>
+              <a:ea typeface="微软雅黑" panose="020B0503020204020204" pitchFamily="34" charset="-122"/>
+            </a:endParaRPr>
+          </a:p>
+        </p:txBody>
+      </p:sp>
+      <p:sp>
+        <p:nvSpPr>
+          <p:cNvPr id="106" name="Google Shape;106;p16"/>
+          <p:cNvSpPr txBox="1">
+            <a:spLocks noGrp="1"/>
+          </p:cNvSpPr>
+          <p:nvPr>
+            <p:ph type="body" idx="1"/>
+          </p:nvPr>
+        </p:nvSpPr>
+        <p:spPr>
+          <a:xfrm>
+            <a:off x="311700" y="902250"/>
+            <a:ext cx="8520600" cy="4025350"/>
+          </a:xfrm>
+          <a:prstGeom prst="rect">
+            <a:avLst/>
+          </a:prstGeom>
+        </p:spPr>
+        <p:txBody>
+          <a:bodyPr spcFirstLastPara="1" wrap="square" lIns="91425" tIns="91425" rIns="91425" bIns="91425" anchor="t" anchorCtr="0">
+            <a:noAutofit/>
+          </a:bodyPr>
+          <a:lstStyle/>
+          <a:p>
+            <a:pPr marL="457200" lvl="0" indent="-342900" algn="l" rtl="0">
+              <a:spcBef>
+                <a:spcPts val="0"/>
+              </a:spcBef>
+              <a:spcAft>
+                <a:spcPts val="0"/>
+              </a:spcAft>
+              <a:buSzPts val="1800"/>
+              <a:buChar char="●"/>
+            </a:pPr>
+            <a:r>
+              <a:rPr lang="zh-CN" altLang="en-US" dirty="0">
+                <a:latin typeface="楷体" panose="02010609060101010101" pitchFamily="49" charset="-122"/>
+                <a:ea typeface="楷体" panose="02010609060101010101" pitchFamily="49" charset="-122"/>
+              </a:rPr>
+              <a:t>故障、错误与失效：</a:t>
+            </a:r>
+            <a:endParaRPr lang="en-US" altLang="zh-CN" dirty="0">
+              <a:latin typeface="楷体" panose="02010609060101010101" pitchFamily="49" charset="-122"/>
+              <a:ea typeface="楷体" panose="02010609060101010101" pitchFamily="49" charset="-122"/>
+            </a:endParaRPr>
+          </a:p>
+          <a:p>
+            <a:pPr marL="914400" lvl="1" indent="-317500" algn="l" rtl="0">
+              <a:spcBef>
+                <a:spcPts val="0"/>
+              </a:spcBef>
+              <a:spcAft>
+                <a:spcPts val="0"/>
+              </a:spcAft>
+              <a:buSzPts val="1400"/>
+              <a:buChar char="○"/>
+            </a:pPr>
+            <a:r>
+              <a:rPr lang="zh-CN" altLang="en-US" dirty="0">
+                <a:latin typeface="楷体" panose="02010609060101010101" pitchFamily="49" charset="-122"/>
+                <a:ea typeface="楷体" panose="02010609060101010101" pitchFamily="49" charset="-122"/>
+              </a:rPr>
+              <a:t>故障</a:t>
+            </a:r>
+            <a:r>
+              <a:rPr lang="en-US" altLang="zh-CN" dirty="0">
+                <a:latin typeface="楷体" panose="02010609060101010101" pitchFamily="49" charset="-122"/>
+                <a:ea typeface="楷体" panose="02010609060101010101" pitchFamily="49" charset="-122"/>
+              </a:rPr>
+              <a:t>(Fault)</a:t>
+            </a:r>
+            <a:r>
+              <a:rPr lang="zh-CN" altLang="en-US" dirty="0">
+                <a:latin typeface="楷体" panose="02010609060101010101" pitchFamily="49" charset="-122"/>
+                <a:ea typeface="楷体" panose="02010609060101010101" pitchFamily="49" charset="-122"/>
+              </a:rPr>
+              <a:t>：故障简单来说就是器件变成了非正常状态，但不一定为用户可见。</a:t>
+            </a:r>
+            <a:endParaRPr lang="en-US" altLang="zh-CN" dirty="0">
+              <a:latin typeface="楷体" panose="02010609060101010101" pitchFamily="49" charset="-122"/>
+              <a:ea typeface="楷体" panose="02010609060101010101" pitchFamily="49" charset="-122"/>
+            </a:endParaRPr>
+          </a:p>
+          <a:p>
+            <a:pPr marL="914400" lvl="1" indent="-317500" algn="l" rtl="0">
+              <a:spcBef>
+                <a:spcPts val="0"/>
+              </a:spcBef>
+              <a:spcAft>
+                <a:spcPts val="0"/>
+              </a:spcAft>
+              <a:buSzPts val="1400"/>
+              <a:buChar char="○"/>
+            </a:pPr>
+            <a:r>
+              <a:rPr lang="zh-CN" altLang="en-US" dirty="0">
+                <a:latin typeface="楷体" panose="02010609060101010101" pitchFamily="49" charset="-122"/>
+                <a:ea typeface="楷体" panose="02010609060101010101" pitchFamily="49" charset="-122"/>
+              </a:rPr>
+              <a:t>错误</a:t>
+            </a:r>
+            <a:r>
+              <a:rPr lang="en-US" altLang="zh-CN" dirty="0">
+                <a:latin typeface="楷体" panose="02010609060101010101" pitchFamily="49" charset="-122"/>
+                <a:ea typeface="楷体" panose="02010609060101010101" pitchFamily="49" charset="-122"/>
+              </a:rPr>
+              <a:t>(Error)</a:t>
+            </a:r>
+            <a:r>
+              <a:rPr lang="zh-CN" altLang="en-US" dirty="0">
+                <a:latin typeface="楷体" panose="02010609060101010101" pitchFamily="49" charset="-122"/>
+                <a:ea typeface="楷体" panose="02010609060101010101" pitchFamily="49" charset="-122"/>
+              </a:rPr>
+              <a:t>：电路某一部分由于故障而产生了非正常行为或状态，即故障没有被屏蔽，影响到了其他系统，导致用户可见。</a:t>
+            </a:r>
+            <a:endParaRPr lang="en-US" altLang="zh-CN" dirty="0">
+              <a:latin typeface="楷体" panose="02010609060101010101" pitchFamily="49" charset="-122"/>
+              <a:ea typeface="楷体" panose="02010609060101010101" pitchFamily="49" charset="-122"/>
+            </a:endParaRPr>
+          </a:p>
+          <a:p>
+            <a:pPr marL="914400" lvl="1" indent="-317500" algn="l" rtl="0">
+              <a:spcBef>
+                <a:spcPts val="0"/>
+              </a:spcBef>
+              <a:spcAft>
+                <a:spcPts val="0"/>
+              </a:spcAft>
+              <a:buSzPts val="1400"/>
+              <a:buChar char="○"/>
+            </a:pPr>
+            <a:r>
+              <a:rPr lang="zh-CN" altLang="en-US" dirty="0">
+                <a:latin typeface="楷体" panose="02010609060101010101" pitchFamily="49" charset="-122"/>
+                <a:ea typeface="楷体" panose="02010609060101010101" pitchFamily="49" charset="-122"/>
+              </a:rPr>
+              <a:t>失效</a:t>
+            </a:r>
+            <a:r>
+              <a:rPr lang="en-US" altLang="zh-CN" dirty="0">
+                <a:latin typeface="楷体" panose="02010609060101010101" pitchFamily="49" charset="-122"/>
+                <a:ea typeface="楷体" panose="02010609060101010101" pitchFamily="49" charset="-122"/>
+              </a:rPr>
+              <a:t>(Failure)</a:t>
+            </a:r>
+            <a:r>
+              <a:rPr lang="zh-CN" altLang="en-US" dirty="0">
+                <a:latin typeface="楷体" panose="02010609060101010101" pitchFamily="49" charset="-122"/>
+                <a:ea typeface="楷体" panose="02010609060101010101" pitchFamily="49" charset="-122"/>
+              </a:rPr>
+              <a:t>：电路运行偏离了指定功能，即失效是错误的一种特殊情况。</a:t>
+            </a:r>
+            <a:endParaRPr lang="en-US" altLang="zh-CN" dirty="0">
+              <a:latin typeface="楷体" panose="02010609060101010101" pitchFamily="49" charset="-122"/>
+              <a:ea typeface="楷体" panose="02010609060101010101" pitchFamily="49" charset="-122"/>
+            </a:endParaRPr>
+          </a:p>
+          <a:p>
+            <a:pPr marL="457200" lvl="0" indent="-342900" algn="l" rtl="0">
+              <a:spcBef>
+                <a:spcPts val="0"/>
+              </a:spcBef>
+              <a:spcAft>
+                <a:spcPts val="0"/>
+              </a:spcAft>
+              <a:buSzPts val="1800"/>
+              <a:buChar char="●"/>
+            </a:pPr>
+            <a:r>
+              <a:rPr lang="zh-CN" altLang="en-US" dirty="0">
+                <a:latin typeface="楷体" panose="02010609060101010101" pitchFamily="49" charset="-122"/>
+                <a:ea typeface="楷体" panose="02010609060101010101" pitchFamily="49" charset="-122"/>
+              </a:rPr>
+              <a:t>软错误分类：</a:t>
+            </a:r>
+            <a:endParaRPr lang="en-US" altLang="zh-CN" dirty="0">
+              <a:latin typeface="楷体" panose="02010609060101010101" pitchFamily="49" charset="-122"/>
+              <a:ea typeface="楷体" panose="02010609060101010101" pitchFamily="49" charset="-122"/>
+            </a:endParaRPr>
+          </a:p>
+          <a:p>
+            <a:pPr marL="914400" lvl="1" indent="-317500" algn="l" rtl="0">
+              <a:spcBef>
+                <a:spcPts val="0"/>
+              </a:spcBef>
+              <a:spcAft>
+                <a:spcPts val="0"/>
+              </a:spcAft>
+              <a:buSzPts val="1400"/>
+              <a:buChar char="○"/>
+            </a:pPr>
+            <a:r>
+              <a:rPr lang="en-US" altLang="zh-CN" dirty="0">
+                <a:solidFill>
+                  <a:srgbClr val="FF0000"/>
+                </a:solidFill>
+                <a:latin typeface="楷体" panose="02010609060101010101" pitchFamily="49" charset="-122"/>
+                <a:ea typeface="楷体" panose="02010609060101010101" pitchFamily="49" charset="-122"/>
+              </a:rPr>
+              <a:t>SDC</a:t>
+            </a:r>
+            <a:r>
+              <a:rPr lang="zh-CN" altLang="en-US" dirty="0">
+                <a:latin typeface="楷体" panose="02010609060101010101" pitchFamily="49" charset="-122"/>
+                <a:ea typeface="楷体" panose="02010609060101010101" pitchFamily="49" charset="-122"/>
+              </a:rPr>
+              <a:t>（</a:t>
+            </a:r>
+            <a:r>
+              <a:rPr lang="en-US" altLang="zh-CN" dirty="0">
+                <a:latin typeface="楷体" panose="02010609060101010101" pitchFamily="49" charset="-122"/>
+                <a:ea typeface="楷体" panose="02010609060101010101" pitchFamily="49" charset="-122"/>
+              </a:rPr>
+              <a:t>Silent Data Corruption</a:t>
+            </a:r>
+            <a:r>
+              <a:rPr lang="zh-CN" altLang="en-US" dirty="0">
+                <a:latin typeface="楷体" panose="02010609060101010101" pitchFamily="49" charset="-122"/>
+                <a:ea typeface="楷体" panose="02010609060101010101" pitchFamily="49" charset="-122"/>
+              </a:rPr>
+              <a:t>，静默数据损坏）和</a:t>
+            </a:r>
+            <a:r>
+              <a:rPr lang="en-US" altLang="zh-CN" dirty="0">
+                <a:solidFill>
+                  <a:srgbClr val="FF0000"/>
+                </a:solidFill>
+                <a:latin typeface="楷体" panose="02010609060101010101" pitchFamily="49" charset="-122"/>
+                <a:ea typeface="楷体" panose="02010609060101010101" pitchFamily="49" charset="-122"/>
+              </a:rPr>
+              <a:t>DUE</a:t>
+            </a:r>
+            <a:r>
+              <a:rPr lang="zh-CN" altLang="en-US" dirty="0">
+                <a:latin typeface="楷体" panose="02010609060101010101" pitchFamily="49" charset="-122"/>
+                <a:ea typeface="楷体" panose="02010609060101010101" pitchFamily="49" charset="-122"/>
+              </a:rPr>
+              <a:t>（</a:t>
+            </a:r>
+            <a:r>
+              <a:rPr lang="en-US" altLang="zh-CN" dirty="0">
+                <a:latin typeface="楷体" panose="02010609060101010101" pitchFamily="49" charset="-122"/>
+                <a:ea typeface="楷体" panose="02010609060101010101" pitchFamily="49" charset="-122"/>
+              </a:rPr>
+              <a:t>Detected Unrecoverable Error</a:t>
+            </a:r>
+            <a:r>
+              <a:rPr lang="zh-CN" altLang="en-US" dirty="0">
+                <a:latin typeface="楷体" panose="02010609060101010101" pitchFamily="49" charset="-122"/>
+                <a:ea typeface="楷体" panose="02010609060101010101" pitchFamily="49" charset="-122"/>
+              </a:rPr>
+              <a:t>，检测到不可恢复错误）</a:t>
+            </a:r>
+            <a:endParaRPr lang="en-US" altLang="zh-CN" dirty="0">
+              <a:latin typeface="楷体" panose="02010609060101010101" pitchFamily="49" charset="-122"/>
+              <a:ea typeface="楷体" panose="02010609060101010101" pitchFamily="49" charset="-122"/>
+            </a:endParaRPr>
+          </a:p>
+          <a:p>
+            <a:pPr marL="914400" lvl="1" indent="-317500" algn="l" rtl="0">
+              <a:spcBef>
+                <a:spcPts val="0"/>
+              </a:spcBef>
+              <a:spcAft>
+                <a:spcPts val="0"/>
+              </a:spcAft>
+              <a:buSzPts val="1400"/>
+              <a:buChar char="○"/>
+            </a:pPr>
+            <a:r>
+              <a:rPr lang="zh-CN" altLang="en-US" dirty="0">
+                <a:latin typeface="楷体" panose="02010609060101010101" pitchFamily="49" charset="-122"/>
+                <a:ea typeface="楷体" panose="02010609060101010101" pitchFamily="49" charset="-122"/>
+              </a:rPr>
+              <a:t>①故障不会被读取，良性故障</a:t>
+            </a:r>
+            <a:endParaRPr lang="en-US" altLang="zh-CN" dirty="0">
+              <a:latin typeface="楷体" panose="02010609060101010101" pitchFamily="49" charset="-122"/>
+              <a:ea typeface="楷体" panose="02010609060101010101" pitchFamily="49" charset="-122"/>
+            </a:endParaRPr>
+          </a:p>
+          <a:p>
+            <a:pPr marL="914400" lvl="1" indent="-317500" algn="l" rtl="0">
+              <a:spcBef>
+                <a:spcPts val="0"/>
+              </a:spcBef>
+              <a:spcAft>
+                <a:spcPts val="0"/>
+              </a:spcAft>
+              <a:buSzPts val="1400"/>
+              <a:buChar char="○"/>
+            </a:pPr>
+            <a:r>
+              <a:rPr lang="zh-CN" altLang="en-US" dirty="0">
+                <a:latin typeface="楷体" panose="02010609060101010101" pitchFamily="49" charset="-122"/>
+                <a:ea typeface="楷体" panose="02010609060101010101" pitchFamily="49" charset="-122"/>
+              </a:rPr>
+              <a:t>②读取但该位有错误检测和纠正，用户不可见</a:t>
+            </a:r>
+            <a:endParaRPr lang="en-US" altLang="zh-CN" dirty="0">
+              <a:latin typeface="楷体" panose="02010609060101010101" pitchFamily="49" charset="-122"/>
+              <a:ea typeface="楷体" panose="02010609060101010101" pitchFamily="49" charset="-122"/>
+            </a:endParaRPr>
+          </a:p>
+          <a:p>
+            <a:pPr marL="914400" lvl="1" indent="-317500" algn="l" rtl="0">
+              <a:spcBef>
+                <a:spcPts val="0"/>
+              </a:spcBef>
+              <a:spcAft>
+                <a:spcPts val="0"/>
+              </a:spcAft>
+              <a:buSzPts val="1400"/>
+              <a:buChar char="○"/>
+            </a:pPr>
+            <a:r>
+              <a:rPr lang="zh-CN" altLang="en-US" dirty="0">
+                <a:latin typeface="楷体" panose="02010609060101010101" pitchFamily="49" charset="-122"/>
+                <a:ea typeface="楷体" panose="02010609060101010101" pitchFamily="49" charset="-122"/>
+              </a:rPr>
+              <a:t>③该位没有错误检测和纠正，但不影响程序结果</a:t>
+            </a:r>
+            <a:endParaRPr lang="en-US" altLang="zh-CN" dirty="0">
+              <a:latin typeface="楷体" panose="02010609060101010101" pitchFamily="49" charset="-122"/>
+              <a:ea typeface="楷体" panose="02010609060101010101" pitchFamily="49" charset="-122"/>
+            </a:endParaRPr>
+          </a:p>
+          <a:p>
+            <a:pPr marL="914400" lvl="1" indent="-317500" algn="l" rtl="0">
+              <a:spcBef>
+                <a:spcPts val="0"/>
+              </a:spcBef>
+              <a:spcAft>
+                <a:spcPts val="0"/>
+              </a:spcAft>
+              <a:buSzPts val="1400"/>
+              <a:buChar char="○"/>
+            </a:pPr>
+            <a:r>
+              <a:rPr lang="zh-CN" altLang="en-US" dirty="0">
+                <a:latin typeface="楷体" panose="02010609060101010101" pitchFamily="49" charset="-122"/>
+                <a:ea typeface="楷体" panose="02010609060101010101" pitchFamily="49" charset="-122"/>
+              </a:rPr>
+              <a:t>④该位的翻转影响了程序结果，</a:t>
+            </a:r>
+            <a:r>
+              <a:rPr lang="en-US" altLang="zh-CN" dirty="0">
+                <a:latin typeface="楷体" panose="02010609060101010101" pitchFamily="49" charset="-122"/>
+                <a:ea typeface="楷体" panose="02010609060101010101" pitchFamily="49" charset="-122"/>
+              </a:rPr>
+              <a:t>SDC</a:t>
+            </a:r>
+            <a:r>
+              <a:rPr lang="zh-CN" altLang="en-US" dirty="0">
+                <a:latin typeface="楷体" panose="02010609060101010101" pitchFamily="49" charset="-122"/>
+                <a:ea typeface="楷体" panose="02010609060101010101" pitchFamily="49" charset="-122"/>
+              </a:rPr>
+              <a:t>事件</a:t>
+            </a:r>
+            <a:endParaRPr lang="en-US" altLang="zh-CN" dirty="0">
+              <a:latin typeface="楷体" panose="02010609060101010101" pitchFamily="49" charset="-122"/>
+              <a:ea typeface="楷体" panose="02010609060101010101" pitchFamily="49" charset="-122"/>
+            </a:endParaRPr>
+          </a:p>
+          <a:p>
+            <a:pPr marL="914400" lvl="1" indent="-317500" algn="l" rtl="0">
+              <a:spcBef>
+                <a:spcPts val="0"/>
+              </a:spcBef>
+              <a:spcAft>
+                <a:spcPts val="0"/>
+              </a:spcAft>
+              <a:buSzPts val="1400"/>
+              <a:buChar char="○"/>
+            </a:pPr>
+            <a:r>
+              <a:rPr lang="zh-CN" altLang="en-US" dirty="0">
+                <a:latin typeface="楷体" panose="02010609060101010101" pitchFamily="49" charset="-122"/>
+                <a:ea typeface="楷体" panose="02010609060101010101" pitchFamily="49" charset="-122"/>
+              </a:rPr>
+              <a:t>⑤该位仅有检测功能，但不影响结果</a:t>
+            </a:r>
+            <a:endParaRPr lang="en-US" altLang="zh-CN" dirty="0">
+              <a:latin typeface="楷体" panose="02010609060101010101" pitchFamily="49" charset="-122"/>
+              <a:ea typeface="楷体" panose="02010609060101010101" pitchFamily="49" charset="-122"/>
+            </a:endParaRPr>
+          </a:p>
+          <a:p>
+            <a:pPr marL="914400" lvl="1" indent="-317500" algn="l" rtl="0">
+              <a:spcBef>
+                <a:spcPts val="0"/>
+              </a:spcBef>
+              <a:spcAft>
+                <a:spcPts val="0"/>
+              </a:spcAft>
+              <a:buSzPts val="1400"/>
+              <a:buChar char="○"/>
+            </a:pPr>
+            <a:r>
+              <a:rPr lang="zh-CN" altLang="en-US" dirty="0">
+                <a:latin typeface="楷体" panose="02010609060101010101" pitchFamily="49" charset="-122"/>
+                <a:ea typeface="楷体" panose="02010609060101010101" pitchFamily="49" charset="-122"/>
+              </a:rPr>
+              <a:t>⑥该位仅有检测功能，影响结果</a:t>
+            </a:r>
+          </a:p>
+        </p:txBody>
+      </p:sp>
+      <p:sp>
+        <p:nvSpPr>
+          <p:cNvPr id="107" name="Google Shape;107;p16"/>
+          <p:cNvSpPr txBox="1">
+            <a:spLocks noGrp="1"/>
+          </p:cNvSpPr>
+          <p:nvPr>
+            <p:ph type="sldNum" idx="12"/>
+          </p:nvPr>
+        </p:nvSpPr>
+        <p:spPr>
+          <a:xfrm>
+            <a:off x="8460431" y="4651190"/>
+            <a:ext cx="548700" cy="393600"/>
+          </a:xfrm>
+          <a:prstGeom prst="rect">
+            <a:avLst/>
+          </a:prstGeom>
+        </p:spPr>
+        <p:txBody>
+          <a:bodyPr spcFirstLastPara="1" wrap="square" lIns="91425" tIns="91425" rIns="91425" bIns="91425" anchor="ctr" anchorCtr="0">
+            <a:noAutofit/>
+          </a:bodyPr>
+          <a:lstStyle/>
+          <a:p>
+            <a:pPr marL="0" lvl="0" indent="0" algn="r" rtl="0">
+              <a:spcBef>
+                <a:spcPts val="0"/>
+              </a:spcBef>
+              <a:spcAft>
+                <a:spcPts val="0"/>
+              </a:spcAft>
+              <a:buNone/>
+            </a:pPr>
+            <a:fld id="{00000000-1234-1234-1234-123412341234}" type="slidenum">
+              <a:rPr lang="en"/>
+              <a:t>4</a:t>
+            </a:fld>
+            <a:endParaRPr/>
+          </a:p>
+        </p:txBody>
+      </p:sp>
+      <p:pic>
+        <p:nvPicPr>
+          <p:cNvPr id="11" name="图片 10">
+            <a:extLst>
+              <a:ext uri="{FF2B5EF4-FFF2-40B4-BE49-F238E27FC236}">
+                <a16:creationId xmlns:a16="http://schemas.microsoft.com/office/drawing/2014/main" id="{194061E2-3821-E869-8CFC-F3204D828AAF}"/>
+              </a:ext>
+            </a:extLst>
+          </p:cNvPr>
+          <p:cNvPicPr>
+            <a:picLocks noChangeAspect="1"/>
+          </p:cNvPicPr>
+          <p:nvPr/>
+        </p:nvPicPr>
+        <p:blipFill>
+          <a:blip r:embed="rId3"/>
+          <a:stretch>
+            <a:fillRect/>
+          </a:stretch>
+        </p:blipFill>
+        <p:spPr>
+          <a:xfrm>
+            <a:off x="5553075" y="2859371"/>
+            <a:ext cx="3590925" cy="2068229"/>
+          </a:xfrm>
+          <a:prstGeom prst="rect">
+            <a:avLst/>
+          </a:prstGeom>
+        </p:spPr>
+      </p:pic>
+    </p:spTree>
+    <p:extLst>
+      <p:ext uri="{BB962C8B-B14F-4D97-AF65-F5344CB8AC3E}">
+        <p14:creationId xmlns:p14="http://schemas.microsoft.com/office/powerpoint/2010/main" val="3877102414"/>
+      </p:ext>
+    </p:extLst>
+  </p:cSld>
+  <p:clrMapOvr>
+    <a:masterClrMapping/>
+  </p:clrMapOvr>
+</p:sld>
+</file>
+
+<file path=ppt/slides/slide5.xml><?xml version="1.0" encoding="utf-8"?>
+<p:sld xmlns:a="http://schemas.openxmlformats.org/drawingml/2006/main" xmlns:r="http://schemas.openxmlformats.org/officeDocument/2006/relationships" xmlns:p="http://schemas.openxmlformats.org/presentationml/2006/main">
+  <p:cSld>
+    <p:spTree>
+      <p:nvGrpSpPr>
+        <p:cNvPr id="1" name="Shape 104"/>
+        <p:cNvGrpSpPr/>
+        <p:nvPr/>
+      </p:nvGrpSpPr>
+      <p:grpSpPr>
+        <a:xfrm>
+          <a:off x="0" y="0"/>
+          <a:ext cx="0" cy="0"/>
+          <a:chOff x="0" y="0"/>
+          <a:chExt cx="0" cy="0"/>
+        </a:xfrm>
+      </p:grpSpPr>
+      <p:sp>
+        <p:nvSpPr>
+          <p:cNvPr id="105" name="Google Shape;105;p16"/>
+          <p:cNvSpPr txBox="1">
+            <a:spLocks noGrp="1"/>
+          </p:cNvSpPr>
+          <p:nvPr>
+            <p:ph type="title"/>
+          </p:nvPr>
+        </p:nvSpPr>
+        <p:spPr>
+          <a:xfrm>
+            <a:off x="311700" y="294450"/>
+            <a:ext cx="8697432" cy="607800"/>
+          </a:xfrm>
+          <a:prstGeom prst="rect">
+            <a:avLst/>
+          </a:prstGeom>
+        </p:spPr>
+        <p:txBody>
+          <a:bodyPr spcFirstLastPara="1" wrap="square" lIns="91425" tIns="91425" rIns="91425" bIns="91425" anchor="t" anchorCtr="0">
+            <a:noAutofit/>
+          </a:bodyPr>
+          <a:lstStyle/>
+          <a:p>
+            <a:pPr marL="0" lvl="0" indent="0" algn="l" rtl="0">
+              <a:spcBef>
+                <a:spcPts val="0"/>
+              </a:spcBef>
+              <a:spcAft>
+                <a:spcPts val="0"/>
+              </a:spcAft>
+              <a:buNone/>
+            </a:pPr>
+            <a:r>
+              <a:rPr lang="en-US" altLang="zh-CN" sz="2800" dirty="0">
+                <a:latin typeface="微软雅黑" panose="020B0503020204020204" pitchFamily="34" charset="-122"/>
+                <a:ea typeface="微软雅黑" panose="020B0503020204020204" pitchFamily="34" charset="-122"/>
+              </a:rPr>
+              <a:t>Soft Errors</a:t>
+            </a:r>
+            <a:endParaRPr sz="2800" dirty="0">
+              <a:latin typeface="微软雅黑" panose="020B0503020204020204" pitchFamily="34" charset="-122"/>
+              <a:ea typeface="微软雅黑" panose="020B0503020204020204" pitchFamily="34" charset="-122"/>
+            </a:endParaRPr>
+          </a:p>
+        </p:txBody>
+      </p:sp>
+      <p:sp>
+        <p:nvSpPr>
+          <p:cNvPr id="106" name="Google Shape;106;p16"/>
+          <p:cNvSpPr txBox="1">
+            <a:spLocks noGrp="1"/>
+          </p:cNvSpPr>
+          <p:nvPr>
+            <p:ph type="body" idx="1"/>
+          </p:nvPr>
+        </p:nvSpPr>
+        <p:spPr>
+          <a:xfrm>
+            <a:off x="311700" y="902250"/>
+            <a:ext cx="8520600" cy="4025350"/>
+          </a:xfrm>
+          <a:prstGeom prst="rect">
+            <a:avLst/>
+          </a:prstGeom>
+        </p:spPr>
+        <p:txBody>
+          <a:bodyPr spcFirstLastPara="1" wrap="square" lIns="91425" tIns="91425" rIns="91425" bIns="91425" anchor="t" anchorCtr="0">
+            <a:noAutofit/>
+          </a:bodyPr>
+          <a:lstStyle/>
+          <a:p>
+            <a:pPr marL="457200" lvl="0" indent="-342900" algn="l" rtl="0">
+              <a:spcBef>
+                <a:spcPts val="0"/>
+              </a:spcBef>
+              <a:spcAft>
+                <a:spcPts val="0"/>
+              </a:spcAft>
+              <a:buSzPts val="1800"/>
+              <a:buChar char="●"/>
+            </a:pPr>
+            <a:r>
+              <a:rPr lang="zh-CN" altLang="en-US" dirty="0">
+                <a:latin typeface="楷体" panose="02010609060101010101" pitchFamily="49" charset="-122"/>
+                <a:ea typeface="楷体" panose="02010609060101010101" pitchFamily="49" charset="-122"/>
+              </a:rPr>
+              <a:t>临界电荷</a:t>
+            </a:r>
+            <a:r>
+              <a:rPr lang="en-US" altLang="zh-CN" dirty="0">
+                <a:latin typeface="楷体" panose="02010609060101010101" pitchFamily="49" charset="-122"/>
+                <a:ea typeface="楷体" panose="02010609060101010101" pitchFamily="49" charset="-122"/>
+              </a:rPr>
+              <a:t>Qcrit</a:t>
+            </a:r>
+            <a:r>
+              <a:rPr lang="zh-CN" altLang="en-US" dirty="0">
+                <a:latin typeface="楷体" panose="02010609060101010101" pitchFamily="49" charset="-122"/>
+                <a:ea typeface="楷体" panose="02010609060101010101" pitchFamily="49" charset="-122"/>
+              </a:rPr>
+              <a:t>：</a:t>
+            </a:r>
+            <a:endParaRPr lang="en-US" altLang="zh-CN" dirty="0">
+              <a:latin typeface="楷体" panose="02010609060101010101" pitchFamily="49" charset="-122"/>
+              <a:ea typeface="楷体" panose="02010609060101010101" pitchFamily="49" charset="-122"/>
+            </a:endParaRPr>
+          </a:p>
+          <a:p>
+            <a:pPr marL="914400" lvl="1" indent="-317500" algn="l" rtl="0">
+              <a:spcBef>
+                <a:spcPts val="0"/>
+              </a:spcBef>
+              <a:spcAft>
+                <a:spcPts val="0"/>
+              </a:spcAft>
+              <a:buSzPts val="1400"/>
+              <a:buChar char="○"/>
+            </a:pPr>
+            <a:r>
+              <a:rPr lang="zh-CN" altLang="en-US" dirty="0">
+                <a:latin typeface="楷体" panose="02010609060101010101" pitchFamily="49" charset="-122"/>
+                <a:ea typeface="楷体" panose="02010609060101010101" pitchFamily="49" charset="-122"/>
+              </a:rPr>
+              <a:t>导致电路故障所需的最小电荷称为电路的临界电荷</a:t>
+            </a:r>
+            <a:endParaRPr lang="en-US" altLang="zh-CN" dirty="0">
+              <a:latin typeface="楷体" panose="02010609060101010101" pitchFamily="49" charset="-122"/>
+              <a:ea typeface="楷体" panose="02010609060101010101" pitchFamily="49" charset="-122"/>
+            </a:endParaRPr>
+          </a:p>
+          <a:p>
+            <a:pPr marL="914400" lvl="1" indent="-317500" algn="l" rtl="0">
+              <a:spcBef>
+                <a:spcPts val="0"/>
+              </a:spcBef>
+              <a:spcAft>
+                <a:spcPts val="0"/>
+              </a:spcAft>
+              <a:buSzPts val="1400"/>
+              <a:buChar char="○"/>
+            </a:pPr>
+            <a:r>
+              <a:rPr lang="zh-CN" altLang="en-US" dirty="0">
+                <a:latin typeface="楷体" panose="02010609060101010101" pitchFamily="49" charset="-122"/>
+                <a:ea typeface="楷体" panose="02010609060101010101" pitchFamily="49" charset="-122"/>
+              </a:rPr>
+              <a:t>晶体管尺寸减少，导致临界电荷减小，更易受到粒子撞击影响。但晶体管尺寸的减小也使其更难被击中。对于锁存器，这些影响通常会抵消，</a:t>
+            </a:r>
+            <a:r>
+              <a:rPr lang="en-US" altLang="zh-CN" dirty="0">
+                <a:latin typeface="楷体" panose="02010609060101010101" pitchFamily="49" charset="-122"/>
+                <a:ea typeface="楷体" panose="02010609060101010101" pitchFamily="49" charset="-122"/>
+              </a:rPr>
+              <a:t>SER</a:t>
+            </a:r>
+            <a:r>
+              <a:rPr lang="zh-CN" altLang="en-US" dirty="0">
+                <a:latin typeface="楷体" panose="02010609060101010101" pitchFamily="49" charset="-122"/>
+                <a:ea typeface="楷体" panose="02010609060101010101" pitchFamily="49" charset="-122"/>
+              </a:rPr>
+              <a:t>（软错误率）大致不变。</a:t>
+            </a:r>
+            <a:r>
+              <a:rPr lang="en-US" altLang="zh-CN" dirty="0">
+                <a:latin typeface="楷体" panose="02010609060101010101" pitchFamily="49" charset="-122"/>
+                <a:ea typeface="楷体" panose="02010609060101010101" pitchFamily="49" charset="-122"/>
+              </a:rPr>
+              <a:t>SRAM</a:t>
+            </a:r>
+            <a:r>
+              <a:rPr lang="zh-CN" altLang="en-US" dirty="0">
+                <a:latin typeface="楷体" panose="02010609060101010101" pitchFamily="49" charset="-122"/>
+                <a:ea typeface="楷体" panose="02010609060101010101" pitchFamily="49" charset="-122"/>
+              </a:rPr>
+              <a:t>会随着工艺技术略有降低。</a:t>
+            </a:r>
+            <a:endParaRPr lang="en-US" altLang="zh-CN" dirty="0">
+              <a:latin typeface="楷体" panose="02010609060101010101" pitchFamily="49" charset="-122"/>
+              <a:ea typeface="楷体" panose="02010609060101010101" pitchFamily="49" charset="-122"/>
+            </a:endParaRPr>
+          </a:p>
+          <a:p>
+            <a:pPr marL="914400" lvl="1" indent="-317500" algn="l" rtl="0">
+              <a:spcBef>
+                <a:spcPts val="0"/>
+              </a:spcBef>
+              <a:spcAft>
+                <a:spcPts val="0"/>
+              </a:spcAft>
+              <a:buSzPts val="1400"/>
+              <a:buChar char="○"/>
+            </a:pPr>
+            <a:r>
+              <a:rPr lang="en-US" altLang="zh-CN" dirty="0">
+                <a:latin typeface="楷体" panose="02010609060101010101" pitchFamily="49" charset="-122"/>
+                <a:ea typeface="楷体" panose="02010609060101010101" pitchFamily="49" charset="-122"/>
+              </a:rPr>
+              <a:t>SoC</a:t>
+            </a:r>
+            <a:r>
+              <a:rPr lang="zh-CN" altLang="en-US" dirty="0">
+                <a:latin typeface="楷体" panose="02010609060101010101" pitchFamily="49" charset="-122"/>
+                <a:ea typeface="楷体" panose="02010609060101010101" pitchFamily="49" charset="-122"/>
+              </a:rPr>
+              <a:t>晶体管总数成倍增加，芯片总的</a:t>
+            </a:r>
+            <a:r>
+              <a:rPr lang="en-US" altLang="zh-CN" dirty="0">
+                <a:latin typeface="楷体" panose="02010609060101010101" pitchFamily="49" charset="-122"/>
+                <a:ea typeface="楷体" panose="02010609060101010101" pitchFamily="49" charset="-122"/>
+              </a:rPr>
+              <a:t>SER</a:t>
+            </a:r>
+            <a:r>
+              <a:rPr lang="zh-CN" altLang="en-US" dirty="0">
+                <a:latin typeface="楷体" panose="02010609060101010101" pitchFamily="49" charset="-122"/>
+                <a:ea typeface="楷体" panose="02010609060101010101" pitchFamily="49" charset="-122"/>
+              </a:rPr>
+              <a:t>也在快速上升</a:t>
+            </a:r>
+          </a:p>
+        </p:txBody>
+      </p:sp>
+      <p:sp>
+        <p:nvSpPr>
+          <p:cNvPr id="107" name="Google Shape;107;p16"/>
+          <p:cNvSpPr txBox="1">
+            <a:spLocks noGrp="1"/>
+          </p:cNvSpPr>
+          <p:nvPr>
+            <p:ph type="sldNum" idx="12"/>
+          </p:nvPr>
+        </p:nvSpPr>
+        <p:spPr>
+          <a:xfrm>
+            <a:off x="8460431" y="4651190"/>
+            <a:ext cx="548700" cy="393600"/>
+          </a:xfrm>
+          <a:prstGeom prst="rect">
+            <a:avLst/>
+          </a:prstGeom>
+        </p:spPr>
+        <p:txBody>
+          <a:bodyPr spcFirstLastPara="1" wrap="square" lIns="91425" tIns="91425" rIns="91425" bIns="91425" anchor="ctr" anchorCtr="0">
+            <a:noAutofit/>
+          </a:bodyPr>
+          <a:lstStyle/>
+          <a:p>
+            <a:pPr marL="0" lvl="0" indent="0" algn="r" rtl="0">
+              <a:spcBef>
+                <a:spcPts val="0"/>
+              </a:spcBef>
+              <a:spcAft>
+                <a:spcPts val="0"/>
+              </a:spcAft>
+              <a:buNone/>
+            </a:pPr>
+            <a:fld id="{00000000-1234-1234-1234-123412341234}" type="slidenum">
+              <a:rPr lang="en"/>
+              <a:t>5</a:t>
+            </a:fld>
+            <a:endParaRPr/>
+          </a:p>
+        </p:txBody>
+      </p:sp>
+    </p:spTree>
+    <p:extLst>
+      <p:ext uri="{BB962C8B-B14F-4D97-AF65-F5344CB8AC3E}">
+        <p14:creationId xmlns:p14="http://schemas.microsoft.com/office/powerpoint/2010/main" val="1532698375"/>
+      </p:ext>
+    </p:extLst>
+  </p:cSld>
+  <p:clrMapOvr>
+    <a:masterClrMapping/>
+  </p:clrMapOvr>
+</p:sld>
+</file>
+
+<file path=ppt/slides/slide6.xml><?xml version="1.0" encoding="utf-8"?>
+<p:sld xmlns:a="http://schemas.openxmlformats.org/drawingml/2006/main" xmlns:r="http://schemas.openxmlformats.org/officeDocument/2006/relationships" xmlns:p="http://schemas.openxmlformats.org/presentationml/2006/main">
+  <p:cSld>
+    <p:spTree>
+      <p:nvGrpSpPr>
+        <p:cNvPr id="1" name="Shape 84"/>
+        <p:cNvGrpSpPr/>
+        <p:nvPr/>
+      </p:nvGrpSpPr>
+      <p:grpSpPr>
+        <a:xfrm>
+          <a:off x="0" y="0"/>
+          <a:ext cx="0" cy="0"/>
+          <a:chOff x="0" y="0"/>
+          <a:chExt cx="0" cy="0"/>
+        </a:xfrm>
+      </p:grpSpPr>
+      <p:sp>
+        <p:nvSpPr>
+          <p:cNvPr id="85" name="Google Shape;85;p13"/>
+          <p:cNvSpPr txBox="1">
+            <a:spLocks noGrp="1"/>
+          </p:cNvSpPr>
+          <p:nvPr>
+            <p:ph type="ctrTitle"/>
+          </p:nvPr>
+        </p:nvSpPr>
+        <p:spPr>
+          <a:xfrm>
+            <a:off x="2694619" y="2114394"/>
+            <a:ext cx="3754762" cy="914712"/>
+          </a:xfrm>
+          <a:prstGeom prst="rect">
+            <a:avLst/>
+          </a:prstGeom>
+        </p:spPr>
+        <p:txBody>
+          <a:bodyPr spcFirstLastPara="1" wrap="square" lIns="91425" tIns="91425" rIns="91425" bIns="91425" anchor="b" anchorCtr="0">
+            <a:noAutofit/>
+          </a:bodyPr>
+          <a:lstStyle/>
+          <a:p>
+            <a:pPr marL="0" lvl="0" indent="0" algn="ctr" rtl="0">
+              <a:spcBef>
+                <a:spcPts val="0"/>
+              </a:spcBef>
+              <a:spcAft>
+                <a:spcPts val="0"/>
+              </a:spcAft>
+              <a:buNone/>
+            </a:pPr>
+            <a:r>
+              <a:rPr lang="zh-CN" altLang="en-US" sz="5400" dirty="0">
+                <a:latin typeface="楷体" panose="02010609060101010101" pitchFamily="49" charset="-122"/>
+                <a:ea typeface="楷体" panose="02010609060101010101" pitchFamily="49" charset="-122"/>
+              </a:rPr>
+              <a:t>检错和纠错</a:t>
+            </a:r>
+            <a:endParaRPr sz="5400" dirty="0">
+              <a:latin typeface="楷体" panose="02010609060101010101" pitchFamily="49" charset="-122"/>
+              <a:ea typeface="楷体" panose="02010609060101010101" pitchFamily="49" charset="-122"/>
+            </a:endParaRPr>
+          </a:p>
+        </p:txBody>
+      </p:sp>
+    </p:spTree>
+    <p:extLst>
+      <p:ext uri="{BB962C8B-B14F-4D97-AF65-F5344CB8AC3E}">
+        <p14:creationId xmlns:p14="http://schemas.microsoft.com/office/powerpoint/2010/main" val="1718857155"/>
       </p:ext>
     </p:extLst>
   </p:cSld>

--- a/Report/1-Soft Errors.pptx
+++ b/Report/1-Soft Errors.pptx
@@ -5,7 +5,7 @@
     <p:sldMasterId id="2147483659" r:id="rId1"/>
   </p:sldMasterIdLst>
   <p:notesMasterIdLst>
-    <p:notesMasterId r:id="rId8"/>
+    <p:notesMasterId r:id="rId17"/>
   </p:notesMasterIdLst>
   <p:sldIdLst>
     <p:sldId id="256" r:id="rId2"/>
@@ -13,26 +13,35 @@
     <p:sldId id="285" r:id="rId4"/>
     <p:sldId id="286" r:id="rId5"/>
     <p:sldId id="287" r:id="rId6"/>
-    <p:sldId id="284" r:id="rId7"/>
+    <p:sldId id="288" r:id="rId7"/>
+    <p:sldId id="284" r:id="rId8"/>
+    <p:sldId id="290" r:id="rId9"/>
+    <p:sldId id="289" r:id="rId10"/>
+    <p:sldId id="291" r:id="rId11"/>
+    <p:sldId id="292" r:id="rId12"/>
+    <p:sldId id="293" r:id="rId13"/>
+    <p:sldId id="294" r:id="rId14"/>
+    <p:sldId id="295" r:id="rId15"/>
+    <p:sldId id="296" r:id="rId16"/>
   </p:sldIdLst>
   <p:sldSz cx="9144000" cy="5143500" type="screen16x9"/>
   <p:notesSz cx="6858000" cy="9144000"/>
   <p:embeddedFontLst>
     <p:embeddedFont>
       <p:font typeface="Roboto" panose="02000000000000000000" pitchFamily="2" charset="0"/>
-      <p:regular r:id="rId9"/>
-      <p:bold r:id="rId10"/>
-      <p:italic r:id="rId11"/>
-      <p:boldItalic r:id="rId12"/>
+      <p:regular r:id="rId18"/>
+      <p:bold r:id="rId19"/>
+      <p:italic r:id="rId20"/>
+      <p:boldItalic r:id="rId21"/>
     </p:embeddedFont>
     <p:embeddedFont>
       <p:font typeface="楷体" panose="02010609060101010101" pitchFamily="49" charset="-122"/>
-      <p:regular r:id="rId13"/>
+      <p:regular r:id="rId22"/>
     </p:embeddedFont>
     <p:embeddedFont>
       <p:font typeface="微软雅黑" panose="020B0503020204020204" pitchFamily="34" charset="-122"/>
-      <p:regular r:id="rId14"/>
-      <p:bold r:id="rId15"/>
+      <p:regular r:id="rId23"/>
+      <p:bold r:id="rId24"/>
     </p:embeddedFont>
   </p:embeddedFontLst>
   <p:defaultTextStyle>
@@ -840,6 +849,1114 @@
 </p:notes>
 </file>
 
+<file path=ppt/notesSlides/notesSlide10.xml><?xml version="1.0" encoding="utf-8"?>
+<p:notes xmlns:a="http://schemas.openxmlformats.org/drawingml/2006/main" xmlns:r="http://schemas.openxmlformats.org/officeDocument/2006/relationships" xmlns:p="http://schemas.openxmlformats.org/presentationml/2006/main" showMasterSp="0" showMasterPhAnim="0">
+  <p:cSld>
+    <p:spTree>
+      <p:nvGrpSpPr>
+        <p:cNvPr id="1" name="Shape 101"/>
+        <p:cNvGrpSpPr/>
+        <p:nvPr/>
+      </p:nvGrpSpPr>
+      <p:grpSpPr>
+        <a:xfrm>
+          <a:off x="0" y="0"/>
+          <a:ext cx="0" cy="0"/>
+          <a:chOff x="0" y="0"/>
+          <a:chExt cx="0" cy="0"/>
+        </a:xfrm>
+      </p:grpSpPr>
+      <p:sp>
+        <p:nvSpPr>
+          <p:cNvPr id="102" name="Google Shape;102;g46f3085334_0_92:notes"/>
+          <p:cNvSpPr>
+            <a:spLocks noGrp="1" noRot="1" noChangeAspect="1"/>
+          </p:cNvSpPr>
+          <p:nvPr>
+            <p:ph type="sldImg" idx="2"/>
+          </p:nvPr>
+        </p:nvSpPr>
+        <p:spPr>
+          <a:xfrm>
+            <a:off x="381000" y="685800"/>
+            <a:ext cx="6096000" cy="3429000"/>
+          </a:xfrm>
+          <a:custGeom>
+            <a:avLst/>
+            <a:gdLst/>
+            <a:ahLst/>
+            <a:cxnLst/>
+            <a:rect l="l" t="t" r="r" b="b"/>
+            <a:pathLst>
+              <a:path w="120000" h="120000" extrusionOk="0">
+                <a:moveTo>
+                  <a:pt x="0" y="0"/>
+                </a:moveTo>
+                <a:lnTo>
+                  <a:pt x="120000" y="0"/>
+                </a:lnTo>
+                <a:lnTo>
+                  <a:pt x="120000" y="120000"/>
+                </a:lnTo>
+                <a:lnTo>
+                  <a:pt x="0" y="120000"/>
+                </a:lnTo>
+                <a:close/>
+              </a:path>
+            </a:pathLst>
+          </a:custGeom>
+        </p:spPr>
+      </p:sp>
+      <p:sp>
+        <p:nvSpPr>
+          <p:cNvPr id="103" name="Google Shape;103;g46f3085334_0_92:notes"/>
+          <p:cNvSpPr txBox="1">
+            <a:spLocks noGrp="1"/>
+          </p:cNvSpPr>
+          <p:nvPr>
+            <p:ph type="body" idx="1"/>
+          </p:nvPr>
+        </p:nvSpPr>
+        <p:spPr>
+          <a:xfrm>
+            <a:off x="685800" y="4343400"/>
+            <a:ext cx="5486400" cy="4114800"/>
+          </a:xfrm>
+          <a:prstGeom prst="rect">
+            <a:avLst/>
+          </a:prstGeom>
+        </p:spPr>
+        <p:txBody>
+          <a:bodyPr spcFirstLastPara="1" wrap="square" lIns="91425" tIns="91425" rIns="91425" bIns="91425" anchor="t" anchorCtr="0">
+            <a:noAutofit/>
+          </a:bodyPr>
+          <a:lstStyle/>
+          <a:p>
+            <a:pPr marL="228600" marR="0" lvl="0" indent="-228600" algn="l" defTabSz="914400" rtl="0" eaLnBrk="1" fontAlgn="auto" latinLnBrk="0" hangingPunct="1">
+              <a:lnSpc>
+                <a:spcPct val="100000"/>
+              </a:lnSpc>
+              <a:spcBef>
+                <a:spcPts val="0"/>
+              </a:spcBef>
+              <a:spcAft>
+                <a:spcPts val="0"/>
+              </a:spcAft>
+              <a:buClr>
+                <a:srgbClr val="000000"/>
+              </a:buClr>
+              <a:buSzPts val="1100"/>
+              <a:buFont typeface="Arial"/>
+              <a:buAutoNum type="arabicPeriod"/>
+              <a:tabLst/>
+              <a:defRPr/>
+            </a:pPr>
+            <a:r>
+              <a:rPr lang="zh-CN" altLang="en-US" dirty="0">
+                <a:latin typeface="楷体" panose="02010609060101010101" pitchFamily="49" charset="-122"/>
+                <a:ea typeface="楷体" panose="02010609060101010101" pitchFamily="49" charset="-122"/>
+              </a:rPr>
+              <a:t>单个位差错在一个单个位差错中，数据单元中仅有一位发生变化。突发性差错意味着在数据单元中有两位及两位以上的位发生变化。注意：突发性差错的差错并不意味在连续位上出现。突发性差错的长度从第一个差错位到最后一个差错位的长度计算。冗余为了检错或纠正差错，我们需要发送除了数据外的额外（冗余）位。</a:t>
+            </a:r>
+            <a:endParaRPr lang="en-US" altLang="zh-CN" dirty="0">
+              <a:latin typeface="楷体" panose="02010609060101010101" pitchFamily="49" charset="-122"/>
+              <a:ea typeface="楷体" panose="02010609060101010101" pitchFamily="49" charset="-122"/>
+            </a:endParaRPr>
+          </a:p>
+          <a:p>
+            <a:pPr marL="228600" marR="0" lvl="0" indent="-228600" algn="l" defTabSz="914400" rtl="0" eaLnBrk="1" fontAlgn="auto" latinLnBrk="0" hangingPunct="1">
+              <a:lnSpc>
+                <a:spcPct val="100000"/>
+              </a:lnSpc>
+              <a:spcBef>
+                <a:spcPts val="0"/>
+              </a:spcBef>
+              <a:spcAft>
+                <a:spcPts val="0"/>
+              </a:spcAft>
+              <a:buClr>
+                <a:srgbClr val="000000"/>
+              </a:buClr>
+              <a:buSzPts val="1100"/>
+              <a:buFont typeface="Arial"/>
+              <a:buAutoNum type="arabicPeriod"/>
+              <a:tabLst/>
+              <a:defRPr/>
+            </a:pPr>
+            <a:r>
+              <a:rPr lang="zh-CN" altLang="en-US" dirty="0">
+                <a:latin typeface="楷体" panose="02010609060101010101" pitchFamily="49" charset="-122"/>
+                <a:ea typeface="楷体" panose="02010609060101010101" pitchFamily="49" charset="-122"/>
+              </a:rPr>
+              <a:t>单比特检错：</a:t>
+            </a:r>
+            <a:r>
+              <a:rPr lang="en-US" altLang="zh-CN" dirty="0">
+                <a:latin typeface="楷体" panose="02010609060101010101" pitchFamily="49" charset="-122"/>
+                <a:ea typeface="楷体" panose="02010609060101010101" pitchFamily="49" charset="-122"/>
+              </a:rPr>
+              <a:t>00</a:t>
+            </a:r>
+            <a:r>
+              <a:rPr lang="zh-CN" altLang="en-US" dirty="0">
+                <a:latin typeface="楷体" panose="02010609060101010101" pitchFamily="49" charset="-122"/>
+                <a:ea typeface="楷体" panose="02010609060101010101" pitchFamily="49" charset="-122"/>
+              </a:rPr>
+              <a:t>和</a:t>
+            </a:r>
+            <a:r>
+              <a:rPr lang="en-US" altLang="zh-CN" dirty="0">
+                <a:latin typeface="楷体" panose="02010609060101010101" pitchFamily="49" charset="-122"/>
+                <a:ea typeface="楷体" panose="02010609060101010101" pitchFamily="49" charset="-122"/>
+              </a:rPr>
+              <a:t>11</a:t>
+            </a:r>
+            <a:r>
+              <a:rPr lang="zh-CN" altLang="en-US" dirty="0">
+                <a:latin typeface="楷体" panose="02010609060101010101" pitchFamily="49" charset="-122"/>
+                <a:ea typeface="楷体" panose="02010609060101010101" pitchFamily="49" charset="-122"/>
+              </a:rPr>
+              <a:t>，第一位是数据位，第二位是校验位。合法码字只有</a:t>
+            </a:r>
+            <a:r>
+              <a:rPr lang="en-US" altLang="zh-CN" dirty="0">
+                <a:latin typeface="楷体" panose="02010609060101010101" pitchFamily="49" charset="-122"/>
+                <a:ea typeface="楷体" panose="02010609060101010101" pitchFamily="49" charset="-122"/>
+              </a:rPr>
+              <a:t>00</a:t>
+            </a:r>
+            <a:r>
+              <a:rPr lang="zh-CN" altLang="en-US" dirty="0">
+                <a:latin typeface="楷体" panose="02010609060101010101" pitchFamily="49" charset="-122"/>
+                <a:ea typeface="楷体" panose="02010609060101010101" pitchFamily="49" charset="-122"/>
+              </a:rPr>
+              <a:t>和</a:t>
+            </a:r>
+            <a:r>
+              <a:rPr lang="en-US" altLang="zh-CN" dirty="0">
+                <a:latin typeface="楷体" panose="02010609060101010101" pitchFamily="49" charset="-122"/>
+                <a:ea typeface="楷体" panose="02010609060101010101" pitchFamily="49" charset="-122"/>
+              </a:rPr>
+              <a:t>11</a:t>
+            </a:r>
+            <a:r>
+              <a:rPr lang="zh-CN" altLang="en-US" dirty="0">
+                <a:latin typeface="楷体" panose="02010609060101010101" pitchFamily="49" charset="-122"/>
+                <a:ea typeface="楷体" panose="02010609060101010101" pitchFamily="49" charset="-122"/>
+              </a:rPr>
+              <a:t>，当</a:t>
+            </a:r>
+            <a:r>
+              <a:rPr lang="en-US" altLang="zh-CN" dirty="0">
+                <a:latin typeface="楷体" panose="02010609060101010101" pitchFamily="49" charset="-122"/>
+                <a:ea typeface="楷体" panose="02010609060101010101" pitchFamily="49" charset="-122"/>
+              </a:rPr>
+              <a:t>α</a:t>
+            </a:r>
+            <a:r>
+              <a:rPr lang="zh-CN" altLang="en-US" dirty="0">
+                <a:latin typeface="楷体" panose="02010609060101010101" pitchFamily="49" charset="-122"/>
+                <a:ea typeface="楷体" panose="02010609060101010101" pitchFamily="49" charset="-122"/>
+              </a:rPr>
+              <a:t>粒子轰击造成翻转，出现</a:t>
+            </a:r>
+            <a:r>
+              <a:rPr lang="en-US" altLang="zh-CN" dirty="0">
+                <a:latin typeface="楷体" panose="02010609060101010101" pitchFamily="49" charset="-122"/>
+                <a:ea typeface="楷体" panose="02010609060101010101" pitchFamily="49" charset="-122"/>
+              </a:rPr>
+              <a:t>01</a:t>
+            </a:r>
+            <a:r>
+              <a:rPr lang="zh-CN" altLang="en-US" dirty="0">
+                <a:latin typeface="楷体" panose="02010609060101010101" pitchFamily="49" charset="-122"/>
+                <a:ea typeface="楷体" panose="02010609060101010101" pitchFamily="49" charset="-122"/>
+              </a:rPr>
+              <a:t>或</a:t>
+            </a:r>
+            <a:r>
+              <a:rPr lang="en-US" altLang="zh-CN" dirty="0">
+                <a:latin typeface="楷体" panose="02010609060101010101" pitchFamily="49" charset="-122"/>
+                <a:ea typeface="楷体" panose="02010609060101010101" pitchFamily="49" charset="-122"/>
+              </a:rPr>
+              <a:t>10</a:t>
+            </a:r>
+            <a:r>
+              <a:rPr lang="zh-CN" altLang="en-US" dirty="0">
+                <a:latin typeface="楷体" panose="02010609060101010101" pitchFamily="49" charset="-122"/>
+                <a:ea typeface="楷体" panose="02010609060101010101" pitchFamily="49" charset="-122"/>
+              </a:rPr>
+              <a:t>，就说明数据出错，但只能检错，并不能知道是</a:t>
+            </a:r>
+            <a:r>
+              <a:rPr lang="en-US" altLang="zh-CN" dirty="0">
+                <a:latin typeface="楷体" panose="02010609060101010101" pitchFamily="49" charset="-122"/>
+                <a:ea typeface="楷体" panose="02010609060101010101" pitchFamily="49" charset="-122"/>
+              </a:rPr>
+              <a:t>00</a:t>
+            </a:r>
+            <a:r>
+              <a:rPr lang="zh-CN" altLang="en-US" dirty="0">
+                <a:latin typeface="楷体" panose="02010609060101010101" pitchFamily="49" charset="-122"/>
+                <a:ea typeface="楷体" panose="02010609060101010101" pitchFamily="49" charset="-122"/>
+              </a:rPr>
+              <a:t>变成</a:t>
+            </a:r>
+            <a:r>
+              <a:rPr lang="en-US" altLang="zh-CN" dirty="0">
+                <a:latin typeface="楷体" panose="02010609060101010101" pitchFamily="49" charset="-122"/>
+                <a:ea typeface="楷体" panose="02010609060101010101" pitchFamily="49" charset="-122"/>
+              </a:rPr>
+              <a:t>01</a:t>
+            </a:r>
+            <a:r>
+              <a:rPr lang="zh-CN" altLang="en-US" dirty="0">
+                <a:latin typeface="楷体" panose="02010609060101010101" pitchFamily="49" charset="-122"/>
+                <a:ea typeface="楷体" panose="02010609060101010101" pitchFamily="49" charset="-122"/>
+              </a:rPr>
+              <a:t>还是</a:t>
+            </a:r>
+            <a:r>
+              <a:rPr lang="en-US" altLang="zh-CN" dirty="0">
+                <a:latin typeface="楷体" panose="02010609060101010101" pitchFamily="49" charset="-122"/>
+                <a:ea typeface="楷体" panose="02010609060101010101" pitchFamily="49" charset="-122"/>
+              </a:rPr>
+              <a:t>11</a:t>
+            </a:r>
+            <a:r>
+              <a:rPr lang="zh-CN" altLang="en-US" dirty="0">
+                <a:latin typeface="楷体" panose="02010609060101010101" pitchFamily="49" charset="-122"/>
+                <a:ea typeface="楷体" panose="02010609060101010101" pitchFamily="49" charset="-122"/>
+              </a:rPr>
+              <a:t>变成</a:t>
+            </a:r>
+            <a:r>
+              <a:rPr lang="en-US" altLang="zh-CN" dirty="0">
+                <a:latin typeface="楷体" panose="02010609060101010101" pitchFamily="49" charset="-122"/>
+                <a:ea typeface="楷体" panose="02010609060101010101" pitchFamily="49" charset="-122"/>
+              </a:rPr>
+              <a:t>01</a:t>
+            </a:r>
+            <a:r>
+              <a:rPr lang="zh-CN" altLang="en-US" dirty="0">
+                <a:latin typeface="楷体" panose="02010609060101010101" pitchFamily="49" charset="-122"/>
+                <a:ea typeface="楷体" panose="02010609060101010101" pitchFamily="49" charset="-122"/>
+              </a:rPr>
+              <a:t>。</a:t>
+            </a:r>
+            <a:endParaRPr lang="en-US" altLang="zh-CN" dirty="0">
+              <a:latin typeface="楷体" panose="02010609060101010101" pitchFamily="49" charset="-122"/>
+              <a:ea typeface="楷体" panose="02010609060101010101" pitchFamily="49" charset="-122"/>
+            </a:endParaRPr>
+          </a:p>
+          <a:p>
+            <a:pPr marL="228600" marR="0" lvl="0" indent="-228600" algn="l" defTabSz="914400" rtl="0" eaLnBrk="1" fontAlgn="auto" latinLnBrk="0" hangingPunct="1">
+              <a:lnSpc>
+                <a:spcPct val="100000"/>
+              </a:lnSpc>
+              <a:spcBef>
+                <a:spcPts val="0"/>
+              </a:spcBef>
+              <a:spcAft>
+                <a:spcPts val="0"/>
+              </a:spcAft>
+              <a:buClr>
+                <a:srgbClr val="000000"/>
+              </a:buClr>
+              <a:buSzPts val="1100"/>
+              <a:buFont typeface="Arial"/>
+              <a:buAutoNum type="arabicPeriod"/>
+              <a:tabLst/>
+              <a:defRPr/>
+            </a:pPr>
+            <a:r>
+              <a:rPr lang="zh-CN" altLang="en-US" dirty="0">
+                <a:latin typeface="楷体" panose="02010609060101010101" pitchFamily="49" charset="-122"/>
+                <a:ea typeface="楷体" panose="02010609060101010101" pitchFamily="49" charset="-122"/>
+              </a:rPr>
+              <a:t>单比特纠错：</a:t>
+            </a:r>
+            <a:r>
+              <a:rPr lang="en-US" altLang="zh-CN" dirty="0">
+                <a:latin typeface="楷体" panose="02010609060101010101" pitchFamily="49" charset="-122"/>
+                <a:ea typeface="楷体" panose="02010609060101010101" pitchFamily="49" charset="-122"/>
+              </a:rPr>
+              <a:t>001</a:t>
+            </a:r>
+            <a:r>
+              <a:rPr lang="zh-CN" altLang="en-US" dirty="0">
+                <a:latin typeface="楷体" panose="02010609060101010101" pitchFamily="49" charset="-122"/>
+                <a:ea typeface="楷体" panose="02010609060101010101" pitchFamily="49" charset="-122"/>
+              </a:rPr>
+              <a:t>和</a:t>
+            </a:r>
+            <a:r>
+              <a:rPr lang="en-US" altLang="zh-CN" dirty="0">
+                <a:latin typeface="楷体" panose="02010609060101010101" pitchFamily="49" charset="-122"/>
+                <a:ea typeface="楷体" panose="02010609060101010101" pitchFamily="49" charset="-122"/>
+              </a:rPr>
+              <a:t>110</a:t>
+            </a:r>
+            <a:r>
+              <a:rPr lang="zh-CN" altLang="en-US" dirty="0">
+                <a:latin typeface="楷体" panose="02010609060101010101" pitchFamily="49" charset="-122"/>
+                <a:ea typeface="楷体" panose="02010609060101010101" pitchFamily="49" charset="-122"/>
+              </a:rPr>
+              <a:t>。如果变成了</a:t>
+            </a:r>
+            <a:r>
+              <a:rPr lang="en-US" altLang="zh-CN" dirty="0">
+                <a:latin typeface="楷体" panose="02010609060101010101" pitchFamily="49" charset="-122"/>
+                <a:ea typeface="楷体" panose="02010609060101010101" pitchFamily="49" charset="-122"/>
+              </a:rPr>
+              <a:t>101</a:t>
+            </a:r>
+            <a:r>
+              <a:rPr lang="zh-CN" altLang="en-US" dirty="0">
+                <a:latin typeface="楷体" panose="02010609060101010101" pitchFamily="49" charset="-122"/>
+                <a:ea typeface="楷体" panose="02010609060101010101" pitchFamily="49" charset="-122"/>
+              </a:rPr>
+              <a:t>，数据位被击中</a:t>
+            </a:r>
+          </a:p>
+          <a:p>
+            <a:pPr marL="228600" marR="0" lvl="0" indent="-228600" algn="l" defTabSz="914400" rtl="0" eaLnBrk="1" fontAlgn="auto" latinLnBrk="0" hangingPunct="1">
+              <a:lnSpc>
+                <a:spcPct val="100000"/>
+              </a:lnSpc>
+              <a:spcBef>
+                <a:spcPts val="0"/>
+              </a:spcBef>
+              <a:spcAft>
+                <a:spcPts val="0"/>
+              </a:spcAft>
+              <a:buClr>
+                <a:srgbClr val="000000"/>
+              </a:buClr>
+              <a:buSzPts val="1100"/>
+              <a:buFont typeface="Arial"/>
+              <a:buAutoNum type="arabicPeriod"/>
+              <a:tabLst/>
+              <a:defRPr/>
+            </a:pPr>
+            <a:endParaRPr lang="en-US" altLang="zh-CN" dirty="0">
+              <a:latin typeface="楷体" panose="02010609060101010101" pitchFamily="49" charset="-122"/>
+              <a:ea typeface="楷体" panose="02010609060101010101" pitchFamily="49" charset="-122"/>
+            </a:endParaRPr>
+          </a:p>
+        </p:txBody>
+      </p:sp>
+    </p:spTree>
+    <p:extLst>
+      <p:ext uri="{BB962C8B-B14F-4D97-AF65-F5344CB8AC3E}">
+        <p14:creationId xmlns:p14="http://schemas.microsoft.com/office/powerpoint/2010/main" val="4260532835"/>
+      </p:ext>
+    </p:extLst>
+  </p:cSld>
+  <p:clrMapOvr>
+    <a:masterClrMapping/>
+  </p:clrMapOvr>
+</p:notes>
+</file>
+
+<file path=ppt/notesSlides/notesSlide11.xml><?xml version="1.0" encoding="utf-8"?>
+<p:notes xmlns:a="http://schemas.openxmlformats.org/drawingml/2006/main" xmlns:r="http://schemas.openxmlformats.org/officeDocument/2006/relationships" xmlns:p="http://schemas.openxmlformats.org/presentationml/2006/main" showMasterSp="0" showMasterPhAnim="0">
+  <p:cSld>
+    <p:spTree>
+      <p:nvGrpSpPr>
+        <p:cNvPr id="1" name="Shape 101"/>
+        <p:cNvGrpSpPr/>
+        <p:nvPr/>
+      </p:nvGrpSpPr>
+      <p:grpSpPr>
+        <a:xfrm>
+          <a:off x="0" y="0"/>
+          <a:ext cx="0" cy="0"/>
+          <a:chOff x="0" y="0"/>
+          <a:chExt cx="0" cy="0"/>
+        </a:xfrm>
+      </p:grpSpPr>
+      <p:sp>
+        <p:nvSpPr>
+          <p:cNvPr id="102" name="Google Shape;102;g46f3085334_0_92:notes"/>
+          <p:cNvSpPr>
+            <a:spLocks noGrp="1" noRot="1" noChangeAspect="1"/>
+          </p:cNvSpPr>
+          <p:nvPr>
+            <p:ph type="sldImg" idx="2"/>
+          </p:nvPr>
+        </p:nvSpPr>
+        <p:spPr>
+          <a:xfrm>
+            <a:off x="381000" y="685800"/>
+            <a:ext cx="6096000" cy="3429000"/>
+          </a:xfrm>
+          <a:custGeom>
+            <a:avLst/>
+            <a:gdLst/>
+            <a:ahLst/>
+            <a:cxnLst/>
+            <a:rect l="l" t="t" r="r" b="b"/>
+            <a:pathLst>
+              <a:path w="120000" h="120000" extrusionOk="0">
+                <a:moveTo>
+                  <a:pt x="0" y="0"/>
+                </a:moveTo>
+                <a:lnTo>
+                  <a:pt x="120000" y="0"/>
+                </a:lnTo>
+                <a:lnTo>
+                  <a:pt x="120000" y="120000"/>
+                </a:lnTo>
+                <a:lnTo>
+                  <a:pt x="0" y="120000"/>
+                </a:lnTo>
+                <a:close/>
+              </a:path>
+            </a:pathLst>
+          </a:custGeom>
+        </p:spPr>
+      </p:sp>
+      <p:sp>
+        <p:nvSpPr>
+          <p:cNvPr id="103" name="Google Shape;103;g46f3085334_0_92:notes"/>
+          <p:cNvSpPr txBox="1">
+            <a:spLocks noGrp="1"/>
+          </p:cNvSpPr>
+          <p:nvPr>
+            <p:ph type="body" idx="1"/>
+          </p:nvPr>
+        </p:nvSpPr>
+        <p:spPr>
+          <a:xfrm>
+            <a:off x="685800" y="4343400"/>
+            <a:ext cx="5486400" cy="4114800"/>
+          </a:xfrm>
+          <a:prstGeom prst="rect">
+            <a:avLst/>
+          </a:prstGeom>
+        </p:spPr>
+        <p:txBody>
+          <a:bodyPr spcFirstLastPara="1" wrap="square" lIns="91425" tIns="91425" rIns="91425" bIns="91425" anchor="t" anchorCtr="0">
+            <a:noAutofit/>
+          </a:bodyPr>
+          <a:lstStyle/>
+          <a:p>
+            <a:pPr marL="228600" marR="0" lvl="0" indent="-228600" algn="l" defTabSz="914400" rtl="0" eaLnBrk="1" fontAlgn="auto" latinLnBrk="0" hangingPunct="1">
+              <a:lnSpc>
+                <a:spcPct val="100000"/>
+              </a:lnSpc>
+              <a:spcBef>
+                <a:spcPts val="0"/>
+              </a:spcBef>
+              <a:spcAft>
+                <a:spcPts val="0"/>
+              </a:spcAft>
+              <a:buClr>
+                <a:srgbClr val="000000"/>
+              </a:buClr>
+              <a:buSzPts val="1100"/>
+              <a:buFont typeface="Arial"/>
+              <a:buAutoNum type="arabicPeriod"/>
+              <a:tabLst/>
+              <a:defRPr/>
+            </a:pPr>
+            <a:r>
+              <a:rPr lang="zh-CN" altLang="en-US" dirty="0">
+                <a:latin typeface="楷体" panose="02010609060101010101" pitchFamily="49" charset="-122"/>
+                <a:ea typeface="楷体" panose="02010609060101010101" pitchFamily="49" charset="-122"/>
+              </a:rPr>
+              <a:t>简单奇偶校验码编码是</a:t>
+            </a:r>
+            <a:r>
+              <a:rPr lang="en-US" altLang="zh-CN" dirty="0">
+                <a:latin typeface="楷体" panose="02010609060101010101" pitchFamily="49" charset="-122"/>
+                <a:ea typeface="楷体" panose="02010609060101010101" pitchFamily="49" charset="-122"/>
+              </a:rPr>
+              <a:t>n=k+1</a:t>
+            </a:r>
+            <a:r>
+              <a:rPr lang="zh-CN" altLang="en-US" dirty="0">
+                <a:latin typeface="楷体" panose="02010609060101010101" pitchFamily="49" charset="-122"/>
+                <a:ea typeface="楷体" panose="02010609060101010101" pitchFamily="49" charset="-122"/>
+              </a:rPr>
+              <a:t>、</a:t>
+            </a:r>
+            <a:r>
+              <a:rPr lang="en-US" altLang="zh-CN" dirty="0">
+                <a:latin typeface="楷体" panose="02010609060101010101" pitchFamily="49" charset="-122"/>
+                <a:ea typeface="楷体" panose="02010609060101010101" pitchFamily="49" charset="-122"/>
+              </a:rPr>
+              <a:t>d m </a:t>
+            </a:r>
+            <a:r>
+              <a:rPr lang="en-US" altLang="zh-CN" dirty="0" err="1">
+                <a:latin typeface="楷体" panose="02010609060101010101" pitchFamily="49" charset="-122"/>
+                <a:ea typeface="楷体" panose="02010609060101010101" pitchFamily="49" charset="-122"/>
+              </a:rPr>
+              <a:t>i</a:t>
+            </a:r>
+            <a:r>
+              <a:rPr lang="en-US" altLang="zh-CN" dirty="0">
+                <a:latin typeface="楷体" panose="02010609060101010101" pitchFamily="49" charset="-122"/>
+                <a:ea typeface="楷体" panose="02010609060101010101" pitchFamily="49" charset="-122"/>
+              </a:rPr>
+              <a:t> n = 2 d_{min}=2d min​ =2</a:t>
+            </a:r>
+            <a:r>
+              <a:rPr lang="zh-CN" altLang="en-US" dirty="0">
+                <a:latin typeface="楷体" panose="02010609060101010101" pitchFamily="49" charset="-122"/>
+                <a:ea typeface="楷体" panose="02010609060101010101" pitchFamily="49" charset="-122"/>
+              </a:rPr>
+              <a:t>的单个位检错码。在发送方：</a:t>
+            </a:r>
+            <a:r>
+              <a:rPr lang="en-US" altLang="zh-CN" dirty="0">
+                <a:latin typeface="楷体" panose="02010609060101010101" pitchFamily="49" charset="-122"/>
+                <a:ea typeface="楷体" panose="02010609060101010101" pitchFamily="49" charset="-122"/>
+              </a:rPr>
+              <a:t>1</a:t>
+            </a:r>
+            <a:r>
+              <a:rPr lang="zh-CN" altLang="en-US" dirty="0">
+                <a:latin typeface="楷体" panose="02010609060101010101" pitchFamily="49" charset="-122"/>
+                <a:ea typeface="楷体" panose="02010609060101010101" pitchFamily="49" charset="-122"/>
+              </a:rPr>
+              <a:t>的个数是偶数个则为</a:t>
+            </a:r>
+            <a:r>
+              <a:rPr lang="en-US" altLang="zh-CN" dirty="0">
+                <a:latin typeface="楷体" panose="02010609060101010101" pitchFamily="49" charset="-122"/>
+                <a:ea typeface="楷体" panose="02010609060101010101" pitchFamily="49" charset="-122"/>
+              </a:rPr>
+              <a:t>0</a:t>
+            </a:r>
+            <a:r>
+              <a:rPr lang="zh-CN" altLang="en-US" dirty="0">
+                <a:latin typeface="楷体" panose="02010609060101010101" pitchFamily="49" charset="-122"/>
+                <a:ea typeface="楷体" panose="02010609060101010101" pitchFamily="49" charset="-122"/>
+              </a:rPr>
+              <a:t>，否则为</a:t>
+            </a:r>
+            <a:r>
+              <a:rPr lang="en-US" altLang="zh-CN" dirty="0">
+                <a:latin typeface="楷体" panose="02010609060101010101" pitchFamily="49" charset="-122"/>
+                <a:ea typeface="楷体" panose="02010609060101010101" pitchFamily="49" charset="-122"/>
+              </a:rPr>
+              <a:t>1</a:t>
+            </a:r>
+            <a:r>
+              <a:rPr lang="zh-CN" altLang="en-US" dirty="0">
+                <a:latin typeface="楷体" panose="02010609060101010101" pitchFamily="49" charset="-122"/>
+                <a:ea typeface="楷体" panose="02010609060101010101" pitchFamily="49" charset="-122"/>
+              </a:rPr>
+              <a:t>。在接收方：</a:t>
+            </a:r>
+            <a:r>
+              <a:rPr lang="en-US" altLang="zh-CN" dirty="0">
+                <a:latin typeface="楷体" panose="02010609060101010101" pitchFamily="49" charset="-122"/>
+                <a:ea typeface="楷体" panose="02010609060101010101" pitchFamily="49" charset="-122"/>
+              </a:rPr>
+              <a:t>1</a:t>
+            </a:r>
+            <a:r>
+              <a:rPr lang="zh-CN" altLang="en-US" dirty="0">
+                <a:latin typeface="楷体" panose="02010609060101010101" pitchFamily="49" charset="-122"/>
+                <a:ea typeface="楷体" panose="02010609060101010101" pitchFamily="49" charset="-122"/>
+              </a:rPr>
+              <a:t>的个数是偶数个则接收，否则丢弃</a:t>
+            </a:r>
+          </a:p>
+        </p:txBody>
+      </p:sp>
+    </p:spTree>
+    <p:extLst>
+      <p:ext uri="{BB962C8B-B14F-4D97-AF65-F5344CB8AC3E}">
+        <p14:creationId xmlns:p14="http://schemas.microsoft.com/office/powerpoint/2010/main" val="2116581055"/>
+      </p:ext>
+    </p:extLst>
+  </p:cSld>
+  <p:clrMapOvr>
+    <a:masterClrMapping/>
+  </p:clrMapOvr>
+</p:notes>
+</file>
+
+<file path=ppt/notesSlides/notesSlide12.xml><?xml version="1.0" encoding="utf-8"?>
+<p:notes xmlns:a="http://schemas.openxmlformats.org/drawingml/2006/main" xmlns:r="http://schemas.openxmlformats.org/officeDocument/2006/relationships" xmlns:p="http://schemas.openxmlformats.org/presentationml/2006/main" showMasterSp="0" showMasterPhAnim="0">
+  <p:cSld>
+    <p:spTree>
+      <p:nvGrpSpPr>
+        <p:cNvPr id="1" name="Shape 101"/>
+        <p:cNvGrpSpPr/>
+        <p:nvPr/>
+      </p:nvGrpSpPr>
+      <p:grpSpPr>
+        <a:xfrm>
+          <a:off x="0" y="0"/>
+          <a:ext cx="0" cy="0"/>
+          <a:chOff x="0" y="0"/>
+          <a:chExt cx="0" cy="0"/>
+        </a:xfrm>
+      </p:grpSpPr>
+      <p:sp>
+        <p:nvSpPr>
+          <p:cNvPr id="102" name="Google Shape;102;g46f3085334_0_92:notes"/>
+          <p:cNvSpPr>
+            <a:spLocks noGrp="1" noRot="1" noChangeAspect="1"/>
+          </p:cNvSpPr>
+          <p:nvPr>
+            <p:ph type="sldImg" idx="2"/>
+          </p:nvPr>
+        </p:nvSpPr>
+        <p:spPr>
+          <a:xfrm>
+            <a:off x="381000" y="685800"/>
+            <a:ext cx="6096000" cy="3429000"/>
+          </a:xfrm>
+          <a:custGeom>
+            <a:avLst/>
+            <a:gdLst/>
+            <a:ahLst/>
+            <a:cxnLst/>
+            <a:rect l="l" t="t" r="r" b="b"/>
+            <a:pathLst>
+              <a:path w="120000" h="120000" extrusionOk="0">
+                <a:moveTo>
+                  <a:pt x="0" y="0"/>
+                </a:moveTo>
+                <a:lnTo>
+                  <a:pt x="120000" y="0"/>
+                </a:lnTo>
+                <a:lnTo>
+                  <a:pt x="120000" y="120000"/>
+                </a:lnTo>
+                <a:lnTo>
+                  <a:pt x="0" y="120000"/>
+                </a:lnTo>
+                <a:close/>
+              </a:path>
+            </a:pathLst>
+          </a:custGeom>
+        </p:spPr>
+      </p:sp>
+      <p:sp>
+        <p:nvSpPr>
+          <p:cNvPr id="103" name="Google Shape;103;g46f3085334_0_92:notes"/>
+          <p:cNvSpPr txBox="1">
+            <a:spLocks noGrp="1"/>
+          </p:cNvSpPr>
+          <p:nvPr>
+            <p:ph type="body" idx="1"/>
+          </p:nvPr>
+        </p:nvSpPr>
+        <p:spPr>
+          <a:xfrm>
+            <a:off x="685800" y="4343400"/>
+            <a:ext cx="5486400" cy="4114800"/>
+          </a:xfrm>
+          <a:prstGeom prst="rect">
+            <a:avLst/>
+          </a:prstGeom>
+        </p:spPr>
+        <p:txBody>
+          <a:bodyPr spcFirstLastPara="1" wrap="square" lIns="91425" tIns="91425" rIns="91425" bIns="91425" anchor="t" anchorCtr="0">
+            <a:noAutofit/>
+          </a:bodyPr>
+          <a:lstStyle/>
+          <a:p>
+            <a:pPr marL="228600" marR="0" lvl="0" indent="-228600" algn="l" defTabSz="914400" rtl="0" eaLnBrk="1" fontAlgn="auto" latinLnBrk="0" hangingPunct="1">
+              <a:lnSpc>
+                <a:spcPct val="100000"/>
+              </a:lnSpc>
+              <a:spcBef>
+                <a:spcPts val="0"/>
+              </a:spcBef>
+              <a:spcAft>
+                <a:spcPts val="0"/>
+              </a:spcAft>
+              <a:buClr>
+                <a:srgbClr val="000000"/>
+              </a:buClr>
+              <a:buSzPts val="1100"/>
+              <a:buFont typeface="Arial"/>
+              <a:buAutoNum type="arabicPeriod"/>
+              <a:tabLst/>
+              <a:defRPr/>
+            </a:pPr>
+            <a:endParaRPr lang="zh-CN" altLang="en-US" dirty="0">
+              <a:latin typeface="楷体" panose="02010609060101010101" pitchFamily="49" charset="-122"/>
+              <a:ea typeface="楷体" panose="02010609060101010101" pitchFamily="49" charset="-122"/>
+            </a:endParaRPr>
+          </a:p>
+        </p:txBody>
+      </p:sp>
+    </p:spTree>
+    <p:extLst>
+      <p:ext uri="{BB962C8B-B14F-4D97-AF65-F5344CB8AC3E}">
+        <p14:creationId xmlns:p14="http://schemas.microsoft.com/office/powerpoint/2010/main" val="4124519748"/>
+      </p:ext>
+    </p:extLst>
+  </p:cSld>
+  <p:clrMapOvr>
+    <a:masterClrMapping/>
+  </p:clrMapOvr>
+</p:notes>
+</file>
+
+<file path=ppt/notesSlides/notesSlide13.xml><?xml version="1.0" encoding="utf-8"?>
+<p:notes xmlns:a="http://schemas.openxmlformats.org/drawingml/2006/main" xmlns:r="http://schemas.openxmlformats.org/officeDocument/2006/relationships" xmlns:p="http://schemas.openxmlformats.org/presentationml/2006/main" showMasterSp="0" showMasterPhAnim="0">
+  <p:cSld>
+    <p:spTree>
+      <p:nvGrpSpPr>
+        <p:cNvPr id="1" name="Shape 101"/>
+        <p:cNvGrpSpPr/>
+        <p:nvPr/>
+      </p:nvGrpSpPr>
+      <p:grpSpPr>
+        <a:xfrm>
+          <a:off x="0" y="0"/>
+          <a:ext cx="0" cy="0"/>
+          <a:chOff x="0" y="0"/>
+          <a:chExt cx="0" cy="0"/>
+        </a:xfrm>
+      </p:grpSpPr>
+      <p:sp>
+        <p:nvSpPr>
+          <p:cNvPr id="102" name="Google Shape;102;g46f3085334_0_92:notes"/>
+          <p:cNvSpPr>
+            <a:spLocks noGrp="1" noRot="1" noChangeAspect="1"/>
+          </p:cNvSpPr>
+          <p:nvPr>
+            <p:ph type="sldImg" idx="2"/>
+          </p:nvPr>
+        </p:nvSpPr>
+        <p:spPr>
+          <a:xfrm>
+            <a:off x="381000" y="685800"/>
+            <a:ext cx="6096000" cy="3429000"/>
+          </a:xfrm>
+          <a:custGeom>
+            <a:avLst/>
+            <a:gdLst/>
+            <a:ahLst/>
+            <a:cxnLst/>
+            <a:rect l="l" t="t" r="r" b="b"/>
+            <a:pathLst>
+              <a:path w="120000" h="120000" extrusionOk="0">
+                <a:moveTo>
+                  <a:pt x="0" y="0"/>
+                </a:moveTo>
+                <a:lnTo>
+                  <a:pt x="120000" y="0"/>
+                </a:lnTo>
+                <a:lnTo>
+                  <a:pt x="120000" y="120000"/>
+                </a:lnTo>
+                <a:lnTo>
+                  <a:pt x="0" y="120000"/>
+                </a:lnTo>
+                <a:close/>
+              </a:path>
+            </a:pathLst>
+          </a:custGeom>
+        </p:spPr>
+      </p:sp>
+      <p:sp>
+        <p:nvSpPr>
+          <p:cNvPr id="103" name="Google Shape;103;g46f3085334_0_92:notes"/>
+          <p:cNvSpPr txBox="1">
+            <a:spLocks noGrp="1"/>
+          </p:cNvSpPr>
+          <p:nvPr>
+            <p:ph type="body" idx="1"/>
+          </p:nvPr>
+        </p:nvSpPr>
+        <p:spPr>
+          <a:xfrm>
+            <a:off x="685800" y="4343400"/>
+            <a:ext cx="5486400" cy="4114800"/>
+          </a:xfrm>
+          <a:prstGeom prst="rect">
+            <a:avLst/>
+          </a:prstGeom>
+        </p:spPr>
+        <p:txBody>
+          <a:bodyPr spcFirstLastPara="1" wrap="square" lIns="91425" tIns="91425" rIns="91425" bIns="91425" anchor="t" anchorCtr="0">
+            <a:noAutofit/>
+          </a:bodyPr>
+          <a:lstStyle/>
+          <a:p>
+            <a:pPr marL="228600" marR="0" lvl="0" indent="-228600" algn="l" defTabSz="914400" rtl="0" eaLnBrk="1" fontAlgn="auto" latinLnBrk="0" hangingPunct="1">
+              <a:lnSpc>
+                <a:spcPct val="100000"/>
+              </a:lnSpc>
+              <a:spcBef>
+                <a:spcPts val="0"/>
+              </a:spcBef>
+              <a:spcAft>
+                <a:spcPts val="0"/>
+              </a:spcAft>
+              <a:buClr>
+                <a:srgbClr val="000000"/>
+              </a:buClr>
+              <a:buSzPts val="1100"/>
+              <a:buFont typeface="Arial"/>
+              <a:buAutoNum type="arabicPeriod"/>
+              <a:tabLst/>
+              <a:defRPr/>
+            </a:pPr>
+            <a:endParaRPr lang="zh-CN" altLang="en-US" dirty="0">
+              <a:latin typeface="楷体" panose="02010609060101010101" pitchFamily="49" charset="-122"/>
+              <a:ea typeface="楷体" panose="02010609060101010101" pitchFamily="49" charset="-122"/>
+            </a:endParaRPr>
+          </a:p>
+        </p:txBody>
+      </p:sp>
+    </p:spTree>
+    <p:extLst>
+      <p:ext uri="{BB962C8B-B14F-4D97-AF65-F5344CB8AC3E}">
+        <p14:creationId xmlns:p14="http://schemas.microsoft.com/office/powerpoint/2010/main" val="146745797"/>
+      </p:ext>
+    </p:extLst>
+  </p:cSld>
+  <p:clrMapOvr>
+    <a:masterClrMapping/>
+  </p:clrMapOvr>
+</p:notes>
+</file>
+
+<file path=ppt/notesSlides/notesSlide14.xml><?xml version="1.0" encoding="utf-8"?>
+<p:notes xmlns:a="http://schemas.openxmlformats.org/drawingml/2006/main" xmlns:r="http://schemas.openxmlformats.org/officeDocument/2006/relationships" xmlns:p="http://schemas.openxmlformats.org/presentationml/2006/main" showMasterSp="0" showMasterPhAnim="0">
+  <p:cSld>
+    <p:spTree>
+      <p:nvGrpSpPr>
+        <p:cNvPr id="1" name="Shape 81"/>
+        <p:cNvGrpSpPr/>
+        <p:nvPr/>
+      </p:nvGrpSpPr>
+      <p:grpSpPr>
+        <a:xfrm>
+          <a:off x="0" y="0"/>
+          <a:ext cx="0" cy="0"/>
+          <a:chOff x="0" y="0"/>
+          <a:chExt cx="0" cy="0"/>
+        </a:xfrm>
+      </p:grpSpPr>
+      <p:sp>
+        <p:nvSpPr>
+          <p:cNvPr id="82" name="Google Shape;82;p:notes"/>
+          <p:cNvSpPr>
+            <a:spLocks noGrp="1" noRot="1" noChangeAspect="1"/>
+          </p:cNvSpPr>
+          <p:nvPr>
+            <p:ph type="sldImg" idx="2"/>
+          </p:nvPr>
+        </p:nvSpPr>
+        <p:spPr>
+          <a:xfrm>
+            <a:off x="381000" y="685800"/>
+            <a:ext cx="6096000" cy="3429000"/>
+          </a:xfrm>
+          <a:custGeom>
+            <a:avLst/>
+            <a:gdLst/>
+            <a:ahLst/>
+            <a:cxnLst/>
+            <a:rect l="l" t="t" r="r" b="b"/>
+            <a:pathLst>
+              <a:path w="120000" h="120000" extrusionOk="0">
+                <a:moveTo>
+                  <a:pt x="0" y="0"/>
+                </a:moveTo>
+                <a:lnTo>
+                  <a:pt x="120000" y="0"/>
+                </a:lnTo>
+                <a:lnTo>
+                  <a:pt x="120000" y="120000"/>
+                </a:lnTo>
+                <a:lnTo>
+                  <a:pt x="0" y="120000"/>
+                </a:lnTo>
+                <a:close/>
+              </a:path>
+            </a:pathLst>
+          </a:custGeom>
+        </p:spPr>
+      </p:sp>
+      <p:sp>
+        <p:nvSpPr>
+          <p:cNvPr id="83" name="Google Shape;83;p:notes"/>
+          <p:cNvSpPr txBox="1">
+            <a:spLocks noGrp="1"/>
+          </p:cNvSpPr>
+          <p:nvPr>
+            <p:ph type="body" idx="1"/>
+          </p:nvPr>
+        </p:nvSpPr>
+        <p:spPr>
+          <a:xfrm>
+            <a:off x="685800" y="4343400"/>
+            <a:ext cx="5486400" cy="4114800"/>
+          </a:xfrm>
+          <a:prstGeom prst="rect">
+            <a:avLst/>
+          </a:prstGeom>
+        </p:spPr>
+        <p:txBody>
+          <a:bodyPr spcFirstLastPara="1" wrap="square" lIns="91425" tIns="91425" rIns="91425" bIns="91425" anchor="t" anchorCtr="0">
+            <a:noAutofit/>
+          </a:bodyPr>
+          <a:lstStyle/>
+          <a:p>
+            <a:pPr marL="0" lvl="0" indent="0" algn="l" rtl="0">
+              <a:spcBef>
+                <a:spcPts val="0"/>
+              </a:spcBef>
+              <a:spcAft>
+                <a:spcPts val="0"/>
+              </a:spcAft>
+              <a:buNone/>
+            </a:pPr>
+            <a:endParaRPr/>
+          </a:p>
+        </p:txBody>
+      </p:sp>
+    </p:spTree>
+    <p:extLst>
+      <p:ext uri="{BB962C8B-B14F-4D97-AF65-F5344CB8AC3E}">
+        <p14:creationId xmlns:p14="http://schemas.microsoft.com/office/powerpoint/2010/main" val="1934226721"/>
+      </p:ext>
+    </p:extLst>
+  </p:cSld>
+  <p:clrMapOvr>
+    <a:masterClrMapping/>
+  </p:clrMapOvr>
+</p:notes>
+</file>
+
+<file path=ppt/notesSlides/notesSlide15.xml><?xml version="1.0" encoding="utf-8"?>
+<p:notes xmlns:a="http://schemas.openxmlformats.org/drawingml/2006/main" xmlns:r="http://schemas.openxmlformats.org/officeDocument/2006/relationships" xmlns:p="http://schemas.openxmlformats.org/presentationml/2006/main" showMasterSp="0" showMasterPhAnim="0">
+  <p:cSld>
+    <p:spTree>
+      <p:nvGrpSpPr>
+        <p:cNvPr id="1" name="Shape 101"/>
+        <p:cNvGrpSpPr/>
+        <p:nvPr/>
+      </p:nvGrpSpPr>
+      <p:grpSpPr>
+        <a:xfrm>
+          <a:off x="0" y="0"/>
+          <a:ext cx="0" cy="0"/>
+          <a:chOff x="0" y="0"/>
+          <a:chExt cx="0" cy="0"/>
+        </a:xfrm>
+      </p:grpSpPr>
+      <p:sp>
+        <p:nvSpPr>
+          <p:cNvPr id="102" name="Google Shape;102;g46f3085334_0_92:notes"/>
+          <p:cNvSpPr>
+            <a:spLocks noGrp="1" noRot="1" noChangeAspect="1"/>
+          </p:cNvSpPr>
+          <p:nvPr>
+            <p:ph type="sldImg" idx="2"/>
+          </p:nvPr>
+        </p:nvSpPr>
+        <p:spPr>
+          <a:xfrm>
+            <a:off x="381000" y="685800"/>
+            <a:ext cx="6096000" cy="3429000"/>
+          </a:xfrm>
+          <a:custGeom>
+            <a:avLst/>
+            <a:gdLst/>
+            <a:ahLst/>
+            <a:cxnLst/>
+            <a:rect l="l" t="t" r="r" b="b"/>
+            <a:pathLst>
+              <a:path w="120000" h="120000" extrusionOk="0">
+                <a:moveTo>
+                  <a:pt x="0" y="0"/>
+                </a:moveTo>
+                <a:lnTo>
+                  <a:pt x="120000" y="0"/>
+                </a:lnTo>
+                <a:lnTo>
+                  <a:pt x="120000" y="120000"/>
+                </a:lnTo>
+                <a:lnTo>
+                  <a:pt x="0" y="120000"/>
+                </a:lnTo>
+                <a:close/>
+              </a:path>
+            </a:pathLst>
+          </a:custGeom>
+        </p:spPr>
+      </p:sp>
+      <p:sp>
+        <p:nvSpPr>
+          <p:cNvPr id="103" name="Google Shape;103;g46f3085334_0_92:notes"/>
+          <p:cNvSpPr txBox="1">
+            <a:spLocks noGrp="1"/>
+          </p:cNvSpPr>
+          <p:nvPr>
+            <p:ph type="body" idx="1"/>
+          </p:nvPr>
+        </p:nvSpPr>
+        <p:spPr>
+          <a:xfrm>
+            <a:off x="685800" y="4343400"/>
+            <a:ext cx="5486400" cy="4114800"/>
+          </a:xfrm>
+          <a:prstGeom prst="rect">
+            <a:avLst/>
+          </a:prstGeom>
+        </p:spPr>
+        <p:txBody>
+          <a:bodyPr spcFirstLastPara="1" wrap="square" lIns="91425" tIns="91425" rIns="91425" bIns="91425" anchor="t" anchorCtr="0">
+            <a:noAutofit/>
+          </a:bodyPr>
+          <a:lstStyle/>
+          <a:p>
+            <a:pPr marL="228600" marR="0" lvl="0" indent="-228600" algn="l" defTabSz="914400" rtl="0" eaLnBrk="1" fontAlgn="auto" latinLnBrk="0" hangingPunct="1">
+              <a:lnSpc>
+                <a:spcPct val="100000"/>
+              </a:lnSpc>
+              <a:spcBef>
+                <a:spcPts val="0"/>
+              </a:spcBef>
+              <a:spcAft>
+                <a:spcPts val="0"/>
+              </a:spcAft>
+              <a:buClr>
+                <a:srgbClr val="000000"/>
+              </a:buClr>
+              <a:buSzPts val="1100"/>
+              <a:buFont typeface="Arial"/>
+              <a:buAutoNum type="arabicPeriod"/>
+              <a:tabLst/>
+              <a:defRPr/>
+            </a:pPr>
+            <a:endParaRPr lang="zh-CN" altLang="en-US" dirty="0">
+              <a:latin typeface="楷体" panose="02010609060101010101" pitchFamily="49" charset="-122"/>
+              <a:ea typeface="楷体" panose="02010609060101010101" pitchFamily="49" charset="-122"/>
+            </a:endParaRPr>
+          </a:p>
+        </p:txBody>
+      </p:sp>
+    </p:spTree>
+    <p:extLst>
+      <p:ext uri="{BB962C8B-B14F-4D97-AF65-F5344CB8AC3E}">
+        <p14:creationId xmlns:p14="http://schemas.microsoft.com/office/powerpoint/2010/main" val="442786503"/>
+      </p:ext>
+    </p:extLst>
+  </p:cSld>
+  <p:clrMapOvr>
+    <a:masterClrMapping/>
+  </p:clrMapOvr>
+</p:notes>
+</file>
+
 <file path=ppt/notesSlides/notesSlide2.xml><?xml version="1.0" encoding="utf-8"?>
 <p:notes xmlns:a="http://schemas.openxmlformats.org/drawingml/2006/main" xmlns:r="http://schemas.openxmlformats.org/officeDocument/2006/relationships" xmlns:p="http://schemas.openxmlformats.org/presentationml/2006/main" showMasterSp="0" showMasterPhAnim="0">
   <p:cSld>
@@ -2166,15 +3283,352 @@
             </a:endParaRPr>
           </a:p>
           <a:p>
-            <a:pPr marL="228600" lvl="0" indent="-228600" algn="l" rtl="0">
-              <a:spcBef>
-                <a:spcPts val="0"/>
-              </a:spcBef>
-              <a:spcAft>
-                <a:spcPts val="0"/>
-              </a:spcAft>
+            <a:pPr marL="228600" marR="0" lvl="0" indent="-228600" algn="l" defTabSz="914400" rtl="0" eaLnBrk="1" fontAlgn="auto" latinLnBrk="0" hangingPunct="1">
+              <a:lnSpc>
+                <a:spcPct val="100000"/>
+              </a:lnSpc>
+              <a:spcBef>
+                <a:spcPts val="0"/>
+              </a:spcBef>
+              <a:spcAft>
+                <a:spcPts val="0"/>
+              </a:spcAft>
+              <a:buClr>
+                <a:srgbClr val="000000"/>
+              </a:buClr>
+              <a:buSzPts val="1100"/>
+              <a:buFont typeface="Arial"/>
               <a:buAutoNum type="arabicPeriod"/>
-            </a:pPr>
+              <a:tabLst/>
+              <a:defRPr/>
+            </a:pPr>
+            <a:r>
+              <a:rPr lang="zh-CN" altLang="en-US" dirty="0">
+                <a:latin typeface="楷体" panose="02010609060101010101" pitchFamily="49" charset="-122"/>
+                <a:ea typeface="楷体" panose="02010609060101010101" pitchFamily="49" charset="-122"/>
+              </a:rPr>
+              <a:t>一对交叉耦合反相器组成的</a:t>
+            </a:r>
+            <a:r>
+              <a:rPr lang="en-US" altLang="zh-CN" dirty="0">
+                <a:latin typeface="楷体" panose="02010609060101010101" pitchFamily="49" charset="-122"/>
+                <a:ea typeface="楷体" panose="02010609060101010101" pitchFamily="49" charset="-122"/>
+              </a:rPr>
+              <a:t>SRAM</a:t>
+            </a:r>
+            <a:r>
+              <a:rPr lang="zh-CN" altLang="en-US" dirty="0">
+                <a:latin typeface="楷体" panose="02010609060101010101" pitchFamily="49" charset="-122"/>
+                <a:ea typeface="楷体" panose="02010609060101010101" pitchFamily="49" charset="-122"/>
+              </a:rPr>
+              <a:t>单元。当字线为低电平时，单元将数据保存在交叉耦合的反相器中，并且位线被解耦。如果粒子撞击导致其中一个敏感节点发生转变，则干扰可能会通过逆变器传播并在第二个敏感节点上引起瞬态干扰。这将导致第二个节点传播不正确的值，从而导致两个节点翻转。这导致翻转  </a:t>
+            </a:r>
+            <a:r>
+              <a:rPr lang="en-US" altLang="zh-CN" dirty="0">
+                <a:latin typeface="楷体" panose="02010609060101010101" pitchFamily="49" charset="-122"/>
+                <a:ea typeface="楷体" panose="02010609060101010101" pitchFamily="49" charset="-122"/>
+              </a:rPr>
+              <a:t>SRAM  </a:t>
+            </a:r>
+            <a:r>
+              <a:rPr lang="zh-CN" altLang="en-US" dirty="0">
+                <a:latin typeface="楷体" panose="02010609060101010101" pitchFamily="49" charset="-122"/>
+                <a:ea typeface="楷体" panose="02010609060101010101" pitchFamily="49" charset="-122"/>
+              </a:rPr>
+              <a:t>单元中保存的位的状态。</a:t>
+            </a:r>
+            <a:endParaRPr lang="en-US" altLang="zh-CN" dirty="0">
+              <a:latin typeface="楷体" panose="02010609060101010101" pitchFamily="49" charset="-122"/>
+              <a:ea typeface="楷体" panose="02010609060101010101" pitchFamily="49" charset="-122"/>
+            </a:endParaRPr>
+          </a:p>
+          <a:p>
+            <a:pPr marL="228600" marR="0" lvl="0" indent="-228600" algn="l" defTabSz="914400" rtl="0" eaLnBrk="1" fontAlgn="auto" latinLnBrk="0" hangingPunct="1">
+              <a:lnSpc>
+                <a:spcPct val="100000"/>
+              </a:lnSpc>
+              <a:spcBef>
+                <a:spcPts val="0"/>
+              </a:spcBef>
+              <a:spcAft>
+                <a:spcPts val="0"/>
+              </a:spcAft>
+              <a:buClr>
+                <a:srgbClr val="000000"/>
+              </a:buClr>
+              <a:buSzPts val="1100"/>
+              <a:buFont typeface="Arial"/>
+              <a:buAutoNum type="arabicPeriod"/>
+              <a:tabLst/>
+              <a:defRPr/>
+            </a:pPr>
+            <a:r>
+              <a:rPr lang="zh-CN" altLang="en-US" dirty="0">
+                <a:latin typeface="楷体" panose="02010609060101010101" pitchFamily="49" charset="-122"/>
+                <a:ea typeface="楷体" panose="02010609060101010101" pitchFamily="49" charset="-122"/>
+              </a:rPr>
+              <a:t>处理器高速缓存中的</a:t>
+            </a:r>
+            <a:r>
+              <a:rPr lang="en-US" altLang="zh-CN" dirty="0">
+                <a:latin typeface="楷体" panose="02010609060101010101" pitchFamily="49" charset="-122"/>
+                <a:ea typeface="楷体" panose="02010609060101010101" pitchFamily="49" charset="-122"/>
+              </a:rPr>
+              <a:t>SRAM</a:t>
+            </a:r>
+            <a:r>
+              <a:rPr lang="zh-CN" altLang="en-US" dirty="0">
+                <a:latin typeface="楷体" panose="02010609060101010101" pitchFamily="49" charset="-122"/>
+                <a:ea typeface="楷体" panose="02010609060101010101" pitchFamily="49" charset="-122"/>
+              </a:rPr>
+              <a:t>单元的 </a:t>
+            </a:r>
+            <a:r>
+              <a:rPr lang="en-US" altLang="zh-CN" dirty="0">
+                <a:latin typeface="楷体" panose="02010609060101010101" pitchFamily="49" charset="-122"/>
+                <a:ea typeface="楷体" panose="02010609060101010101" pitchFamily="49" charset="-122"/>
+              </a:rPr>
+              <a:t>TVF </a:t>
+            </a:r>
+            <a:r>
+              <a:rPr lang="zh-CN" altLang="en-US" dirty="0">
+                <a:latin typeface="楷体" panose="02010609060101010101" pitchFamily="49" charset="-122"/>
+                <a:ea typeface="楷体" panose="02010609060101010101" pitchFamily="49" charset="-122"/>
+              </a:rPr>
+              <a:t>通常为</a:t>
+            </a:r>
+            <a:r>
+              <a:rPr lang="en-US" altLang="zh-CN" dirty="0">
+                <a:latin typeface="楷体" panose="02010609060101010101" pitchFamily="49" charset="-122"/>
+                <a:ea typeface="楷体" panose="02010609060101010101" pitchFamily="49" charset="-122"/>
+              </a:rPr>
+              <a:t>100%</a:t>
+            </a:r>
+            <a:r>
+              <a:rPr lang="zh-CN" altLang="en-US" dirty="0">
+                <a:latin typeface="楷体" panose="02010609060101010101" pitchFamily="49" charset="-122"/>
+                <a:ea typeface="楷体" panose="02010609060101010101" pitchFamily="49" charset="-122"/>
+              </a:rPr>
+              <a:t>，因为时钟周期内的任何触发都可能改变存储在  </a:t>
+            </a:r>
+            <a:r>
+              <a:rPr lang="en-US" altLang="zh-CN" dirty="0">
+                <a:latin typeface="楷体" panose="02010609060101010101" pitchFamily="49" charset="-122"/>
+                <a:ea typeface="楷体" panose="02010609060101010101" pitchFamily="49" charset="-122"/>
+              </a:rPr>
+              <a:t>SRAM  </a:t>
+            </a:r>
+            <a:r>
+              <a:rPr lang="zh-CN" altLang="en-US" dirty="0">
+                <a:latin typeface="楷体" panose="02010609060101010101" pitchFamily="49" charset="-122"/>
+                <a:ea typeface="楷体" panose="02010609060101010101" pitchFamily="49" charset="-122"/>
+              </a:rPr>
+              <a:t>单元中的值。但是，触发器和锁存器是时钟元件，可能具有小于</a:t>
+            </a:r>
+            <a:r>
+              <a:rPr lang="en-US" altLang="zh-CN" dirty="0">
+                <a:latin typeface="楷体" panose="02010609060101010101" pitchFamily="49" charset="-122"/>
+                <a:ea typeface="楷体" panose="02010609060101010101" pitchFamily="49" charset="-122"/>
+              </a:rPr>
+              <a:t>100% </a:t>
+            </a:r>
+            <a:r>
+              <a:rPr lang="zh-CN" altLang="en-US" dirty="0">
+                <a:latin typeface="楷体" panose="02010609060101010101" pitchFamily="49" charset="-122"/>
+                <a:ea typeface="楷体" panose="02010609060101010101" pitchFamily="49" charset="-122"/>
+              </a:rPr>
+              <a:t>的</a:t>
+            </a:r>
+            <a:r>
+              <a:rPr lang="en-US" altLang="zh-CN" dirty="0">
+                <a:latin typeface="楷体" panose="02010609060101010101" pitchFamily="49" charset="-122"/>
+                <a:ea typeface="楷体" panose="02010609060101010101" pitchFamily="49" charset="-122"/>
+              </a:rPr>
+              <a:t>TVF</a:t>
+            </a:r>
+            <a:r>
+              <a:rPr lang="zh-CN" altLang="en-US" dirty="0">
+                <a:latin typeface="楷体" panose="02010609060101010101" pitchFamily="49" charset="-122"/>
+                <a:ea typeface="楷体" panose="02010609060101010101" pitchFamily="49" charset="-122"/>
+              </a:rPr>
+              <a:t>。</a:t>
+            </a:r>
+            <a:endParaRPr lang="en-US" altLang="zh-CN" dirty="0">
+              <a:latin typeface="楷体" panose="02010609060101010101" pitchFamily="49" charset="-122"/>
+              <a:ea typeface="楷体" panose="02010609060101010101" pitchFamily="49" charset="-122"/>
+            </a:endParaRPr>
+          </a:p>
+          <a:p>
+            <a:pPr marL="228600" marR="0" lvl="0" indent="-228600" algn="l" defTabSz="914400" rtl="0" eaLnBrk="1" fontAlgn="auto" latinLnBrk="0" hangingPunct="1">
+              <a:lnSpc>
+                <a:spcPct val="100000"/>
+              </a:lnSpc>
+              <a:spcBef>
+                <a:spcPts val="0"/>
+              </a:spcBef>
+              <a:spcAft>
+                <a:spcPts val="0"/>
+              </a:spcAft>
+              <a:buClr>
+                <a:srgbClr val="000000"/>
+              </a:buClr>
+              <a:buSzPts val="1100"/>
+              <a:buFont typeface="Arial"/>
+              <a:buAutoNum type="arabicPeriod"/>
+              <a:tabLst/>
+              <a:defRPr/>
+            </a:pPr>
+            <a:r>
+              <a:rPr lang="zh-CN" altLang="en-US" dirty="0">
+                <a:latin typeface="楷体" panose="02010609060101010101" pitchFamily="49" charset="-122"/>
+                <a:ea typeface="楷体" panose="02010609060101010101" pitchFamily="49" charset="-122"/>
+              </a:rPr>
+              <a:t>当触发器在时钟的这个高相位期间采样和保存数据时，触发器的存储节点通常容易受到软错误的影响。</a:t>
+            </a:r>
+            <a:endParaRPr lang="en-US" altLang="zh-CN" dirty="0">
+              <a:latin typeface="楷体" panose="02010609060101010101" pitchFamily="49" charset="-122"/>
+              <a:ea typeface="楷体" panose="02010609060101010101" pitchFamily="49" charset="-122"/>
+            </a:endParaRPr>
+          </a:p>
+          <a:p>
+            <a:pPr marL="228600" marR="0" lvl="0" indent="-228600" algn="l" defTabSz="914400" rtl="0" eaLnBrk="1" fontAlgn="auto" latinLnBrk="0" hangingPunct="1">
+              <a:lnSpc>
+                <a:spcPct val="100000"/>
+              </a:lnSpc>
+              <a:spcBef>
+                <a:spcPts val="0"/>
+              </a:spcBef>
+              <a:spcAft>
+                <a:spcPts val="0"/>
+              </a:spcAft>
+              <a:buClr>
+                <a:srgbClr val="000000"/>
+              </a:buClr>
+              <a:buSzPts val="1100"/>
+              <a:buFont typeface="Arial"/>
+              <a:buAutoNum type="arabicPeriod"/>
+              <a:tabLst/>
+              <a:defRPr/>
+            </a:pPr>
+            <a:r>
+              <a:rPr lang="zh-CN" altLang="en-US" dirty="0">
+                <a:latin typeface="楷体" panose="02010609060101010101" pitchFamily="49" charset="-122"/>
+                <a:ea typeface="楷体" panose="02010609060101010101" pitchFamily="49" charset="-122"/>
+              </a:rPr>
+              <a:t>触发器</a:t>
+            </a:r>
+            <a:r>
+              <a:rPr lang="en-US" altLang="zh-CN" dirty="0">
+                <a:latin typeface="楷体" panose="02010609060101010101" pitchFamily="49" charset="-122"/>
+                <a:ea typeface="楷体" panose="02010609060101010101" pitchFamily="49" charset="-122"/>
+              </a:rPr>
+              <a:t>TVF</a:t>
+            </a:r>
+            <a:r>
+              <a:rPr lang="zh-CN" altLang="en-US" dirty="0">
+                <a:latin typeface="楷体" panose="02010609060101010101" pitchFamily="49" charset="-122"/>
+                <a:ea typeface="楷体" panose="02010609060101010101" pitchFamily="49" charset="-122"/>
+              </a:rPr>
+              <a:t>：触发器高电平期间，</a:t>
+            </a:r>
+            <a:r>
+              <a:rPr lang="en-US" altLang="zh-CN" dirty="0">
+                <a:latin typeface="楷体" panose="02010609060101010101" pitchFamily="49" charset="-122"/>
+                <a:ea typeface="楷体" panose="02010609060101010101" pitchFamily="49" charset="-122"/>
+              </a:rPr>
+              <a:t>Q</a:t>
+            </a:r>
+            <a:r>
+              <a:rPr lang="zh-CN" altLang="en-US" dirty="0">
+                <a:latin typeface="楷体" panose="02010609060101010101" pitchFamily="49" charset="-122"/>
+                <a:ea typeface="楷体" panose="02010609060101010101" pitchFamily="49" charset="-122"/>
+              </a:rPr>
+              <a:t>保持</a:t>
+            </a:r>
+            <a:r>
+              <a:rPr lang="en-US" altLang="zh-CN" dirty="0">
+                <a:latin typeface="楷体" panose="02010609060101010101" pitchFamily="49" charset="-122"/>
+                <a:ea typeface="楷体" panose="02010609060101010101" pitchFamily="49" charset="-122"/>
+              </a:rPr>
+              <a:t>D</a:t>
+            </a:r>
+            <a:r>
+              <a:rPr lang="zh-CN" altLang="en-US" dirty="0">
+                <a:latin typeface="楷体" panose="02010609060101010101" pitchFamily="49" charset="-122"/>
+                <a:ea typeface="楷体" panose="02010609060101010101" pitchFamily="49" charset="-122"/>
+              </a:rPr>
+              <a:t>的值，然后低电平时</a:t>
+            </a:r>
+            <a:r>
+              <a:rPr lang="en-US" altLang="zh-CN" dirty="0">
+                <a:latin typeface="楷体" panose="02010609060101010101" pitchFamily="49" charset="-122"/>
+                <a:ea typeface="楷体" panose="02010609060101010101" pitchFamily="49" charset="-122"/>
+              </a:rPr>
+              <a:t>Q</a:t>
+            </a:r>
+            <a:r>
+              <a:rPr lang="zh-CN" altLang="en-US" dirty="0">
+                <a:latin typeface="楷体" panose="02010609060101010101" pitchFamily="49" charset="-122"/>
+                <a:ea typeface="楷体" panose="02010609060101010101" pitchFamily="49" charset="-122"/>
+              </a:rPr>
+              <a:t>会驱动下一个部件。但传播下一个部件需要时间，即传播延迟。时钟频率不同导致触发器</a:t>
+            </a:r>
+            <a:r>
+              <a:rPr lang="en-US" altLang="zh-CN" dirty="0">
+                <a:latin typeface="楷体" panose="02010609060101010101" pitchFamily="49" charset="-122"/>
+                <a:ea typeface="楷体" panose="02010609060101010101" pitchFamily="49" charset="-122"/>
+              </a:rPr>
+              <a:t>TVF</a:t>
+            </a:r>
+            <a:r>
+              <a:rPr lang="zh-CN" altLang="en-US" dirty="0">
+                <a:latin typeface="楷体" panose="02010609060101010101" pitchFamily="49" charset="-122"/>
+                <a:ea typeface="楷体" panose="02010609060101010101" pitchFamily="49" charset="-122"/>
+              </a:rPr>
+              <a:t>也不同。假若</a:t>
+            </a:r>
+            <a:r>
+              <a:rPr lang="en-US" altLang="zh-CN" dirty="0">
+                <a:latin typeface="楷体" panose="02010609060101010101" pitchFamily="49" charset="-122"/>
+                <a:ea typeface="楷体" panose="02010609060101010101" pitchFamily="49" charset="-122"/>
+              </a:rPr>
+              <a:t>α</a:t>
+            </a:r>
+            <a:r>
+              <a:rPr lang="zh-CN" altLang="en-US" dirty="0">
+                <a:latin typeface="楷体" panose="02010609060101010101" pitchFamily="49" charset="-122"/>
+                <a:ea typeface="楷体" panose="02010609060101010101" pitchFamily="49" charset="-122"/>
+              </a:rPr>
+              <a:t>粒子要轰击成功，那么必须要赶在触发器传递逻辑之前。这个图中箭头就是指传递时间，而</a:t>
+            </a:r>
+            <a:r>
+              <a:rPr lang="en-US" altLang="zh-CN" dirty="0">
+                <a:latin typeface="楷体" panose="02010609060101010101" pitchFamily="49" charset="-122"/>
+                <a:ea typeface="楷体" panose="02010609060101010101" pitchFamily="49" charset="-122"/>
+              </a:rPr>
+              <a:t>WOV</a:t>
+            </a:r>
+            <a:r>
+              <a:rPr lang="zh-CN" altLang="en-US" dirty="0">
+                <a:latin typeface="楷体" panose="02010609060101010101" pitchFamily="49" charset="-122"/>
+                <a:ea typeface="楷体" panose="02010609060101010101" pitchFamily="49" charset="-122"/>
+              </a:rPr>
+              <a:t>就是指漏洞窗口，</a:t>
+            </a:r>
+            <a:r>
+              <a:rPr lang="en-US" altLang="zh-CN" dirty="0">
+                <a:latin typeface="楷体" panose="02010609060101010101" pitchFamily="49" charset="-122"/>
+                <a:ea typeface="楷体" panose="02010609060101010101" pitchFamily="49" charset="-122"/>
+              </a:rPr>
+              <a:t>TVF=WOV/</a:t>
+            </a:r>
+            <a:r>
+              <a:rPr lang="zh-CN" altLang="en-US" dirty="0">
+                <a:latin typeface="楷体" panose="02010609060101010101" pitchFamily="49" charset="-122"/>
+                <a:ea typeface="楷体" panose="02010609060101010101" pitchFamily="49" charset="-122"/>
+              </a:rPr>
+              <a:t>时钟周期。</a:t>
+            </a:r>
             <a:endParaRPr lang="en-US" altLang="zh-CN" dirty="0">
               <a:latin typeface="楷体" panose="02010609060101010101" pitchFamily="49" charset="-122"/>
               <a:ea typeface="楷体" panose="02010609060101010101" pitchFamily="49" charset="-122"/>
@@ -2196,6 +3650,384 @@
 </file>
 
 <file path=ppt/notesSlides/notesSlide6.xml><?xml version="1.0" encoding="utf-8"?>
+<p:notes xmlns:a="http://schemas.openxmlformats.org/drawingml/2006/main" xmlns:r="http://schemas.openxmlformats.org/officeDocument/2006/relationships" xmlns:p="http://schemas.openxmlformats.org/presentationml/2006/main" showMasterSp="0" showMasterPhAnim="0">
+  <p:cSld>
+    <p:spTree>
+      <p:nvGrpSpPr>
+        <p:cNvPr id="1" name="Shape 101"/>
+        <p:cNvGrpSpPr/>
+        <p:nvPr/>
+      </p:nvGrpSpPr>
+      <p:grpSpPr>
+        <a:xfrm>
+          <a:off x="0" y="0"/>
+          <a:ext cx="0" cy="0"/>
+          <a:chOff x="0" y="0"/>
+          <a:chExt cx="0" cy="0"/>
+        </a:xfrm>
+      </p:grpSpPr>
+      <p:sp>
+        <p:nvSpPr>
+          <p:cNvPr id="102" name="Google Shape;102;g46f3085334_0_92:notes"/>
+          <p:cNvSpPr>
+            <a:spLocks noGrp="1" noRot="1" noChangeAspect="1"/>
+          </p:cNvSpPr>
+          <p:nvPr>
+            <p:ph type="sldImg" idx="2"/>
+          </p:nvPr>
+        </p:nvSpPr>
+        <p:spPr>
+          <a:xfrm>
+            <a:off x="381000" y="685800"/>
+            <a:ext cx="6096000" cy="3429000"/>
+          </a:xfrm>
+          <a:custGeom>
+            <a:avLst/>
+            <a:gdLst/>
+            <a:ahLst/>
+            <a:cxnLst/>
+            <a:rect l="l" t="t" r="r" b="b"/>
+            <a:pathLst>
+              <a:path w="120000" h="120000" extrusionOk="0">
+                <a:moveTo>
+                  <a:pt x="0" y="0"/>
+                </a:moveTo>
+                <a:lnTo>
+                  <a:pt x="120000" y="0"/>
+                </a:lnTo>
+                <a:lnTo>
+                  <a:pt x="120000" y="120000"/>
+                </a:lnTo>
+                <a:lnTo>
+                  <a:pt x="0" y="120000"/>
+                </a:lnTo>
+                <a:close/>
+              </a:path>
+            </a:pathLst>
+          </a:custGeom>
+        </p:spPr>
+      </p:sp>
+      <p:sp>
+        <p:nvSpPr>
+          <p:cNvPr id="103" name="Google Shape;103;g46f3085334_0_92:notes"/>
+          <p:cNvSpPr txBox="1">
+            <a:spLocks noGrp="1"/>
+          </p:cNvSpPr>
+          <p:nvPr>
+            <p:ph type="body" idx="1"/>
+          </p:nvPr>
+        </p:nvSpPr>
+        <p:spPr>
+          <a:xfrm>
+            <a:off x="685800" y="4343400"/>
+            <a:ext cx="5486400" cy="4114800"/>
+          </a:xfrm>
+          <a:prstGeom prst="rect">
+            <a:avLst/>
+          </a:prstGeom>
+        </p:spPr>
+        <p:txBody>
+          <a:bodyPr spcFirstLastPara="1" wrap="square" lIns="91425" tIns="91425" rIns="91425" bIns="91425" anchor="t" anchorCtr="0">
+            <a:noAutofit/>
+          </a:bodyPr>
+          <a:lstStyle/>
+          <a:p>
+            <a:pPr marL="228600" marR="0" lvl="0" indent="-228600" algn="l" defTabSz="914400" rtl="0" eaLnBrk="1" fontAlgn="auto" latinLnBrk="0" hangingPunct="1">
+              <a:lnSpc>
+                <a:spcPct val="100000"/>
+              </a:lnSpc>
+              <a:spcBef>
+                <a:spcPts val="0"/>
+              </a:spcBef>
+              <a:spcAft>
+                <a:spcPts val="0"/>
+              </a:spcAft>
+              <a:buClr>
+                <a:srgbClr val="000000"/>
+              </a:buClr>
+              <a:buSzPts val="1100"/>
+              <a:buFont typeface="Arial"/>
+              <a:buAutoNum type="arabicPeriod"/>
+              <a:tabLst/>
+              <a:defRPr/>
+            </a:pPr>
+            <a:r>
+              <a:rPr lang="en-US" altLang="zh-CN" dirty="0">
+                <a:latin typeface="楷体" panose="02010609060101010101" pitchFamily="49" charset="-122"/>
+                <a:ea typeface="楷体" panose="02010609060101010101" pitchFamily="49" charset="-122"/>
+              </a:rPr>
+              <a:t>AVF</a:t>
+            </a:r>
+            <a:r>
+              <a:rPr lang="zh-CN" altLang="en-US" dirty="0">
+                <a:latin typeface="楷体" panose="02010609060101010101" pitchFamily="49" charset="-122"/>
+                <a:ea typeface="楷体" panose="02010609060101010101" pitchFamily="49" charset="-122"/>
+              </a:rPr>
+              <a:t>是为用户可见错误的故障比例。</a:t>
+            </a:r>
+            <a:endParaRPr lang="en-US" altLang="zh-CN" dirty="0">
+              <a:latin typeface="楷体" panose="02010609060101010101" pitchFamily="49" charset="-122"/>
+              <a:ea typeface="楷体" panose="02010609060101010101" pitchFamily="49" charset="-122"/>
+            </a:endParaRPr>
+          </a:p>
+          <a:p>
+            <a:pPr marL="228600" marR="0" lvl="0" indent="-228600" algn="l" defTabSz="914400" rtl="0" eaLnBrk="1" fontAlgn="auto" latinLnBrk="0" hangingPunct="1">
+              <a:lnSpc>
+                <a:spcPct val="100000"/>
+              </a:lnSpc>
+              <a:spcBef>
+                <a:spcPts val="0"/>
+              </a:spcBef>
+              <a:spcAft>
+                <a:spcPts val="0"/>
+              </a:spcAft>
+              <a:buClr>
+                <a:srgbClr val="000000"/>
+              </a:buClr>
+              <a:buSzPts val="1100"/>
+              <a:buFont typeface="Arial"/>
+              <a:buAutoNum type="arabicPeriod"/>
+              <a:tabLst/>
+              <a:defRPr/>
+            </a:pPr>
+            <a:r>
+              <a:rPr lang="en-US" altLang="zh-CN" dirty="0">
+                <a:latin typeface="楷体" panose="02010609060101010101" pitchFamily="49" charset="-122"/>
+                <a:ea typeface="楷体" panose="02010609060101010101" pitchFamily="49" charset="-122"/>
+              </a:rPr>
+              <a:t>ACE un-ACE</a:t>
+            </a:r>
+          </a:p>
+          <a:p>
+            <a:pPr marL="228600" marR="0" lvl="0" indent="-228600" algn="l" defTabSz="914400" rtl="0" eaLnBrk="1" fontAlgn="auto" latinLnBrk="0" hangingPunct="1">
+              <a:lnSpc>
+                <a:spcPct val="100000"/>
+              </a:lnSpc>
+              <a:spcBef>
+                <a:spcPts val="0"/>
+              </a:spcBef>
+              <a:spcAft>
+                <a:spcPts val="0"/>
+              </a:spcAft>
+              <a:buClr>
+                <a:srgbClr val="000000"/>
+              </a:buClr>
+              <a:buSzPts val="1100"/>
+              <a:buFont typeface="Arial"/>
+              <a:buAutoNum type="arabicPeriod"/>
+              <a:tabLst/>
+              <a:defRPr/>
+            </a:pPr>
+            <a:r>
+              <a:rPr lang="zh-CN" altLang="en-US" dirty="0">
+                <a:latin typeface="楷体" panose="02010609060101010101" pitchFamily="49" charset="-122"/>
+                <a:ea typeface="楷体" panose="02010609060101010101" pitchFamily="49" charset="-122"/>
+              </a:rPr>
+              <a:t>一个比特的  </a:t>
+            </a:r>
+            <a:r>
+              <a:rPr lang="en-US" altLang="zh-CN" dirty="0">
+                <a:latin typeface="楷体" panose="02010609060101010101" pitchFamily="49" charset="-122"/>
+                <a:ea typeface="楷体" panose="02010609060101010101" pitchFamily="49" charset="-122"/>
+              </a:rPr>
+              <a:t>SDC  FIT  </a:t>
+            </a:r>
+            <a:r>
+              <a:rPr lang="zh-CN" altLang="en-US" dirty="0">
+                <a:latin typeface="楷体" panose="02010609060101010101" pitchFamily="49" charset="-122"/>
+                <a:ea typeface="楷体" panose="02010609060101010101" pitchFamily="49" charset="-122"/>
+              </a:rPr>
+              <a:t>可以表示为它的  </a:t>
+            </a:r>
+            <a:r>
+              <a:rPr lang="en-US" altLang="zh-CN" dirty="0">
+                <a:latin typeface="楷体" panose="02010609060101010101" pitchFamily="49" charset="-122"/>
+                <a:ea typeface="楷体" panose="02010609060101010101" pitchFamily="49" charset="-122"/>
+              </a:rPr>
+              <a:t>SDC  AVF  </a:t>
+            </a:r>
+            <a:r>
+              <a:rPr lang="zh-CN" altLang="en-US" dirty="0">
+                <a:latin typeface="楷体" panose="02010609060101010101" pitchFamily="49" charset="-122"/>
+                <a:ea typeface="楷体" panose="02010609060101010101" pitchFamily="49" charset="-122"/>
+              </a:rPr>
+              <a:t>和电路电平  </a:t>
+            </a:r>
+            <a:r>
+              <a:rPr lang="en-US" altLang="zh-CN" dirty="0">
+                <a:latin typeface="楷体" panose="02010609060101010101" pitchFamily="49" charset="-122"/>
+                <a:ea typeface="楷体" panose="02010609060101010101" pitchFamily="49" charset="-122"/>
+              </a:rPr>
+              <a:t>SER  </a:t>
+            </a:r>
+            <a:r>
+              <a:rPr lang="zh-CN" altLang="en-US" dirty="0">
+                <a:latin typeface="楷体" panose="02010609060101010101" pitchFamily="49" charset="-122"/>
+                <a:ea typeface="楷体" panose="02010609060101010101" pitchFamily="49" charset="-122"/>
+              </a:rPr>
+              <a:t>的乘积。类似地，一个比特的  </a:t>
+            </a:r>
+            <a:r>
+              <a:rPr lang="en-US" altLang="zh-CN" dirty="0">
+                <a:latin typeface="楷体" panose="02010609060101010101" pitchFamily="49" charset="-122"/>
+                <a:ea typeface="楷体" panose="02010609060101010101" pitchFamily="49" charset="-122"/>
+              </a:rPr>
+              <a:t>DUE  FIT  </a:t>
+            </a:r>
+            <a:r>
+              <a:rPr lang="zh-CN" altLang="en-US" dirty="0">
+                <a:latin typeface="楷体" panose="02010609060101010101" pitchFamily="49" charset="-122"/>
+                <a:ea typeface="楷体" panose="02010609060101010101" pitchFamily="49" charset="-122"/>
+              </a:rPr>
+              <a:t>可以表示为它的  </a:t>
+            </a:r>
+            <a:r>
+              <a:rPr lang="en-US" altLang="zh-CN" dirty="0">
+                <a:latin typeface="楷体" panose="02010609060101010101" pitchFamily="49" charset="-122"/>
+                <a:ea typeface="楷体" panose="02010609060101010101" pitchFamily="49" charset="-122"/>
+              </a:rPr>
+              <a:t>DUE  AVF  </a:t>
+            </a:r>
+            <a:r>
+              <a:rPr lang="zh-CN" altLang="en-US" dirty="0">
+                <a:latin typeface="楷体" panose="02010609060101010101" pitchFamily="49" charset="-122"/>
+                <a:ea typeface="楷体" panose="02010609060101010101" pitchFamily="49" charset="-122"/>
+              </a:rPr>
+              <a:t>和电路级  </a:t>
+            </a:r>
+            <a:r>
+              <a:rPr lang="en-US" altLang="zh-CN" dirty="0">
+                <a:latin typeface="楷体" panose="02010609060101010101" pitchFamily="49" charset="-122"/>
+                <a:ea typeface="楷体" panose="02010609060101010101" pitchFamily="49" charset="-122"/>
+              </a:rPr>
+              <a:t>SER  </a:t>
+            </a:r>
+            <a:r>
+              <a:rPr lang="zh-CN" altLang="en-US" dirty="0">
+                <a:latin typeface="楷体" panose="02010609060101010101" pitchFamily="49" charset="-122"/>
+                <a:ea typeface="楷体" panose="02010609060101010101" pitchFamily="49" charset="-122"/>
+              </a:rPr>
+              <a:t>的乘积。一个比特的  </a:t>
+            </a:r>
+            <a:r>
+              <a:rPr lang="en-US" altLang="zh-CN" dirty="0">
+                <a:latin typeface="楷体" panose="02010609060101010101" pitchFamily="49" charset="-122"/>
+                <a:ea typeface="楷体" panose="02010609060101010101" pitchFamily="49" charset="-122"/>
+              </a:rPr>
+              <a:t>DUE  AVF  </a:t>
+            </a:r>
+            <a:r>
+              <a:rPr lang="zh-CN" altLang="en-US" dirty="0">
+                <a:latin typeface="楷体" panose="02010609060101010101" pitchFamily="49" charset="-122"/>
+                <a:ea typeface="楷体" panose="02010609060101010101" pitchFamily="49" charset="-122"/>
+              </a:rPr>
+              <a:t>是真假  </a:t>
+            </a:r>
+            <a:r>
+              <a:rPr lang="en-US" altLang="zh-CN" dirty="0">
+                <a:latin typeface="楷体" panose="02010609060101010101" pitchFamily="49" charset="-122"/>
+                <a:ea typeface="楷体" panose="02010609060101010101" pitchFamily="49" charset="-122"/>
+              </a:rPr>
+              <a:t>DUE  AVF  </a:t>
+            </a:r>
+            <a:r>
+              <a:rPr lang="zh-CN" altLang="en-US" dirty="0">
+                <a:latin typeface="楷体" panose="02010609060101010101" pitchFamily="49" charset="-122"/>
+                <a:ea typeface="楷体" panose="02010609060101010101" pitchFamily="49" charset="-122"/>
+              </a:rPr>
+              <a:t>的总和。一个比特真正的  </a:t>
+            </a:r>
+            <a:r>
+              <a:rPr lang="en-US" altLang="zh-CN" dirty="0">
+                <a:latin typeface="楷体" panose="02010609060101010101" pitchFamily="49" charset="-122"/>
+                <a:ea typeface="楷体" panose="02010609060101010101" pitchFamily="49" charset="-122"/>
+              </a:rPr>
+              <a:t>DUE  AVF  </a:t>
+            </a:r>
+            <a:r>
+              <a:rPr lang="zh-CN" altLang="en-US" dirty="0">
+                <a:latin typeface="楷体" panose="02010609060101010101" pitchFamily="49" charset="-122"/>
+                <a:ea typeface="楷体" panose="02010609060101010101" pitchFamily="49" charset="-122"/>
+              </a:rPr>
+              <a:t>是它的  </a:t>
+            </a:r>
+            <a:r>
+              <a:rPr lang="en-US" altLang="zh-CN" dirty="0">
+                <a:latin typeface="楷体" panose="02010609060101010101" pitchFamily="49" charset="-122"/>
+                <a:ea typeface="楷体" panose="02010609060101010101" pitchFamily="49" charset="-122"/>
+              </a:rPr>
+              <a:t>SDC  AVF</a:t>
+            </a:r>
+            <a:r>
+              <a:rPr lang="zh-CN" altLang="en-US" dirty="0">
+                <a:latin typeface="楷体" panose="02010609060101010101" pitchFamily="49" charset="-122"/>
+                <a:ea typeface="楷体" panose="02010609060101010101" pitchFamily="49" charset="-122"/>
+              </a:rPr>
+              <a:t>，没有任何错误检测。芯片的  </a:t>
+            </a:r>
+            <a:r>
+              <a:rPr lang="en-US" altLang="zh-CN" dirty="0">
+                <a:latin typeface="楷体" panose="02010609060101010101" pitchFamily="49" charset="-122"/>
+                <a:ea typeface="楷体" panose="02010609060101010101" pitchFamily="49" charset="-122"/>
+              </a:rPr>
+              <a:t>SDC  FIT  </a:t>
+            </a:r>
+            <a:r>
+              <a:rPr lang="zh-CN" altLang="en-US" dirty="0">
+                <a:latin typeface="楷体" panose="02010609060101010101" pitchFamily="49" charset="-122"/>
+                <a:ea typeface="楷体" panose="02010609060101010101" pitchFamily="49" charset="-122"/>
+              </a:rPr>
+              <a:t>可以通过将其所有组成晶体管、位或结构的</a:t>
+            </a:r>
+            <a:r>
+              <a:rPr lang="en-US" altLang="zh-CN" dirty="0">
+                <a:latin typeface="楷体" panose="02010609060101010101" pitchFamily="49" charset="-122"/>
+                <a:ea typeface="楷体" panose="02010609060101010101" pitchFamily="49" charset="-122"/>
+              </a:rPr>
+              <a:t>SDC  FIT</a:t>
+            </a:r>
+            <a:r>
+              <a:rPr lang="zh-CN" altLang="en-US" dirty="0">
+                <a:latin typeface="楷体" panose="02010609060101010101" pitchFamily="49" charset="-122"/>
+                <a:ea typeface="楷体" panose="02010609060101010101" pitchFamily="49" charset="-122"/>
+              </a:rPr>
+              <a:t>相加来计算。对</a:t>
+            </a:r>
+            <a:r>
+              <a:rPr lang="en-US" altLang="zh-CN" dirty="0">
+                <a:latin typeface="楷体" panose="02010609060101010101" pitchFamily="49" charset="-122"/>
+                <a:ea typeface="楷体" panose="02010609060101010101" pitchFamily="49" charset="-122"/>
+              </a:rPr>
+              <a:t>DUE  FIT</a:t>
+            </a:r>
+            <a:r>
+              <a:rPr lang="zh-CN" altLang="en-US" dirty="0">
+                <a:latin typeface="楷体" panose="02010609060101010101" pitchFamily="49" charset="-122"/>
+                <a:ea typeface="楷体" panose="02010609060101010101" pitchFamily="49" charset="-122"/>
+              </a:rPr>
+              <a:t>也可以这样做。</a:t>
+            </a:r>
+            <a:endParaRPr lang="en-US" altLang="zh-CN" dirty="0">
+              <a:latin typeface="楷体" panose="02010609060101010101" pitchFamily="49" charset="-122"/>
+              <a:ea typeface="楷体" panose="02010609060101010101" pitchFamily="49" charset="-122"/>
+            </a:endParaRPr>
+          </a:p>
+        </p:txBody>
+      </p:sp>
+    </p:spTree>
+    <p:extLst>
+      <p:ext uri="{BB962C8B-B14F-4D97-AF65-F5344CB8AC3E}">
+        <p14:creationId xmlns:p14="http://schemas.microsoft.com/office/powerpoint/2010/main" val="2495708854"/>
+      </p:ext>
+    </p:extLst>
+  </p:cSld>
+  <p:clrMapOvr>
+    <a:masterClrMapping/>
+  </p:clrMapOvr>
+</p:notes>
+</file>
+
+<file path=ppt/notesSlides/notesSlide7.xml><?xml version="1.0" encoding="utf-8"?>
 <p:notes xmlns:a="http://schemas.openxmlformats.org/drawingml/2006/main" xmlns:r="http://schemas.openxmlformats.org/officeDocument/2006/relationships" xmlns:p="http://schemas.openxmlformats.org/presentationml/2006/main" showMasterSp="0" showMasterPhAnim="0">
   <p:cSld>
     <p:spTree>
@@ -2295,6 +4127,237 @@
     <p:extLst>
       <p:ext uri="{BB962C8B-B14F-4D97-AF65-F5344CB8AC3E}">
         <p14:creationId xmlns:p14="http://schemas.microsoft.com/office/powerpoint/2010/main" val="1260413496"/>
+      </p:ext>
+    </p:extLst>
+  </p:cSld>
+  <p:clrMapOvr>
+    <a:masterClrMapping/>
+  </p:clrMapOvr>
+</p:notes>
+</file>
+
+<file path=ppt/notesSlides/notesSlide8.xml><?xml version="1.0" encoding="utf-8"?>
+<p:notes xmlns:a="http://schemas.openxmlformats.org/drawingml/2006/main" xmlns:r="http://schemas.openxmlformats.org/officeDocument/2006/relationships" xmlns:p="http://schemas.openxmlformats.org/presentationml/2006/main" showMasterSp="0" showMasterPhAnim="0">
+  <p:cSld>
+    <p:spTree>
+      <p:nvGrpSpPr>
+        <p:cNvPr id="1" name="Shape 101"/>
+        <p:cNvGrpSpPr/>
+        <p:nvPr/>
+      </p:nvGrpSpPr>
+      <p:grpSpPr>
+        <a:xfrm>
+          <a:off x="0" y="0"/>
+          <a:ext cx="0" cy="0"/>
+          <a:chOff x="0" y="0"/>
+          <a:chExt cx="0" cy="0"/>
+        </a:xfrm>
+      </p:grpSpPr>
+      <p:sp>
+        <p:nvSpPr>
+          <p:cNvPr id="102" name="Google Shape;102;g46f3085334_0_92:notes"/>
+          <p:cNvSpPr>
+            <a:spLocks noGrp="1" noRot="1" noChangeAspect="1"/>
+          </p:cNvSpPr>
+          <p:nvPr>
+            <p:ph type="sldImg" idx="2"/>
+          </p:nvPr>
+        </p:nvSpPr>
+        <p:spPr>
+          <a:xfrm>
+            <a:off x="381000" y="685800"/>
+            <a:ext cx="6096000" cy="3429000"/>
+          </a:xfrm>
+          <a:custGeom>
+            <a:avLst/>
+            <a:gdLst/>
+            <a:ahLst/>
+            <a:cxnLst/>
+            <a:rect l="l" t="t" r="r" b="b"/>
+            <a:pathLst>
+              <a:path w="120000" h="120000" extrusionOk="0">
+                <a:moveTo>
+                  <a:pt x="0" y="0"/>
+                </a:moveTo>
+                <a:lnTo>
+                  <a:pt x="120000" y="0"/>
+                </a:lnTo>
+                <a:lnTo>
+                  <a:pt x="120000" y="120000"/>
+                </a:lnTo>
+                <a:lnTo>
+                  <a:pt x="0" y="120000"/>
+                </a:lnTo>
+                <a:close/>
+              </a:path>
+            </a:pathLst>
+          </a:custGeom>
+        </p:spPr>
+      </p:sp>
+      <p:sp>
+        <p:nvSpPr>
+          <p:cNvPr id="103" name="Google Shape;103;g46f3085334_0_92:notes"/>
+          <p:cNvSpPr txBox="1">
+            <a:spLocks noGrp="1"/>
+          </p:cNvSpPr>
+          <p:nvPr>
+            <p:ph type="body" idx="1"/>
+          </p:nvPr>
+        </p:nvSpPr>
+        <p:spPr>
+          <a:xfrm>
+            <a:off x="685800" y="4343400"/>
+            <a:ext cx="5486400" cy="4114800"/>
+          </a:xfrm>
+          <a:prstGeom prst="rect">
+            <a:avLst/>
+          </a:prstGeom>
+        </p:spPr>
+        <p:txBody>
+          <a:bodyPr spcFirstLastPara="1" wrap="square" lIns="91425" tIns="91425" rIns="91425" bIns="91425" anchor="t" anchorCtr="0">
+            <a:noAutofit/>
+          </a:bodyPr>
+          <a:lstStyle/>
+          <a:p>
+            <a:pPr marL="228600" marR="0" lvl="0" indent="-228600" algn="l" defTabSz="914400" rtl="0" eaLnBrk="1" fontAlgn="auto" latinLnBrk="0" hangingPunct="1">
+              <a:lnSpc>
+                <a:spcPct val="100000"/>
+              </a:lnSpc>
+              <a:spcBef>
+                <a:spcPts val="0"/>
+              </a:spcBef>
+              <a:spcAft>
+                <a:spcPts val="0"/>
+              </a:spcAft>
+              <a:buClr>
+                <a:srgbClr val="000000"/>
+              </a:buClr>
+              <a:buSzPts val="1100"/>
+              <a:buFont typeface="Arial"/>
+              <a:buAutoNum type="arabicPeriod"/>
+              <a:tabLst/>
+              <a:defRPr/>
+            </a:pPr>
+            <a:endParaRPr lang="en-US" altLang="zh-CN" dirty="0">
+              <a:latin typeface="楷体" panose="02010609060101010101" pitchFamily="49" charset="-122"/>
+              <a:ea typeface="楷体" panose="02010609060101010101" pitchFamily="49" charset="-122"/>
+            </a:endParaRPr>
+          </a:p>
+        </p:txBody>
+      </p:sp>
+    </p:spTree>
+    <p:extLst>
+      <p:ext uri="{BB962C8B-B14F-4D97-AF65-F5344CB8AC3E}">
+        <p14:creationId xmlns:p14="http://schemas.microsoft.com/office/powerpoint/2010/main" val="3808794101"/>
+      </p:ext>
+    </p:extLst>
+  </p:cSld>
+  <p:clrMapOvr>
+    <a:masterClrMapping/>
+  </p:clrMapOvr>
+</p:notes>
+</file>
+
+<file path=ppt/notesSlides/notesSlide9.xml><?xml version="1.0" encoding="utf-8"?>
+<p:notes xmlns:a="http://schemas.openxmlformats.org/drawingml/2006/main" xmlns:r="http://schemas.openxmlformats.org/officeDocument/2006/relationships" xmlns:p="http://schemas.openxmlformats.org/presentationml/2006/main" showMasterSp="0" showMasterPhAnim="0">
+  <p:cSld>
+    <p:spTree>
+      <p:nvGrpSpPr>
+        <p:cNvPr id="1" name="Shape 81"/>
+        <p:cNvGrpSpPr/>
+        <p:nvPr/>
+      </p:nvGrpSpPr>
+      <p:grpSpPr>
+        <a:xfrm>
+          <a:off x="0" y="0"/>
+          <a:ext cx="0" cy="0"/>
+          <a:chOff x="0" y="0"/>
+          <a:chExt cx="0" cy="0"/>
+        </a:xfrm>
+      </p:grpSpPr>
+      <p:sp>
+        <p:nvSpPr>
+          <p:cNvPr id="82" name="Google Shape;82;p:notes"/>
+          <p:cNvSpPr>
+            <a:spLocks noGrp="1" noRot="1" noChangeAspect="1"/>
+          </p:cNvSpPr>
+          <p:nvPr>
+            <p:ph type="sldImg" idx="2"/>
+          </p:nvPr>
+        </p:nvSpPr>
+        <p:spPr>
+          <a:xfrm>
+            <a:off x="381000" y="685800"/>
+            <a:ext cx="6096000" cy="3429000"/>
+          </a:xfrm>
+          <a:custGeom>
+            <a:avLst/>
+            <a:gdLst/>
+            <a:ahLst/>
+            <a:cxnLst/>
+            <a:rect l="l" t="t" r="r" b="b"/>
+            <a:pathLst>
+              <a:path w="120000" h="120000" extrusionOk="0">
+                <a:moveTo>
+                  <a:pt x="0" y="0"/>
+                </a:moveTo>
+                <a:lnTo>
+                  <a:pt x="120000" y="0"/>
+                </a:lnTo>
+                <a:lnTo>
+                  <a:pt x="120000" y="120000"/>
+                </a:lnTo>
+                <a:lnTo>
+                  <a:pt x="0" y="120000"/>
+                </a:lnTo>
+                <a:close/>
+              </a:path>
+            </a:pathLst>
+          </a:custGeom>
+        </p:spPr>
+      </p:sp>
+      <p:sp>
+        <p:nvSpPr>
+          <p:cNvPr id="83" name="Google Shape;83;p:notes"/>
+          <p:cNvSpPr txBox="1">
+            <a:spLocks noGrp="1"/>
+          </p:cNvSpPr>
+          <p:nvPr>
+            <p:ph type="body" idx="1"/>
+          </p:nvPr>
+        </p:nvSpPr>
+        <p:spPr>
+          <a:xfrm>
+            <a:off x="685800" y="4343400"/>
+            <a:ext cx="5486400" cy="4114800"/>
+          </a:xfrm>
+          <a:prstGeom prst="rect">
+            <a:avLst/>
+          </a:prstGeom>
+        </p:spPr>
+        <p:txBody>
+          <a:bodyPr spcFirstLastPara="1" wrap="square" lIns="91425" tIns="91425" rIns="91425" bIns="91425" anchor="t" anchorCtr="0">
+            <a:noAutofit/>
+          </a:bodyPr>
+          <a:lstStyle/>
+          <a:p>
+            <a:pPr marL="0" lvl="0" indent="0" algn="l" rtl="0">
+              <a:spcBef>
+                <a:spcPts val="0"/>
+              </a:spcBef>
+              <a:spcAft>
+                <a:spcPts val="0"/>
+              </a:spcAft>
+              <a:buNone/>
+            </a:pPr>
+            <a:endParaRPr/>
+          </a:p>
+        </p:txBody>
+      </p:sp>
+    </p:spTree>
+    <p:extLst>
+      <p:ext uri="{BB962C8B-B14F-4D97-AF65-F5344CB8AC3E}">
+        <p14:creationId xmlns:p14="http://schemas.microsoft.com/office/powerpoint/2010/main" val="2353050568"/>
       </p:ext>
     </p:extLst>
   </p:cSld>
@@ -8115,6 +10178,2316 @@
 </p:sld>
 </file>
 
+<file path=ppt/slides/slide10.xml><?xml version="1.0" encoding="utf-8"?>
+<p:sld xmlns:a="http://schemas.openxmlformats.org/drawingml/2006/main" xmlns:r="http://schemas.openxmlformats.org/officeDocument/2006/relationships" xmlns:p="http://schemas.openxmlformats.org/presentationml/2006/main">
+  <p:cSld>
+    <p:spTree>
+      <p:nvGrpSpPr>
+        <p:cNvPr id="1" name="Shape 104"/>
+        <p:cNvGrpSpPr/>
+        <p:nvPr/>
+      </p:nvGrpSpPr>
+      <p:grpSpPr>
+        <a:xfrm>
+          <a:off x="0" y="0"/>
+          <a:ext cx="0" cy="0"/>
+          <a:chOff x="0" y="0"/>
+          <a:chExt cx="0" cy="0"/>
+        </a:xfrm>
+      </p:grpSpPr>
+      <p:sp>
+        <p:nvSpPr>
+          <p:cNvPr id="105" name="Google Shape;105;p16"/>
+          <p:cNvSpPr txBox="1">
+            <a:spLocks noGrp="1"/>
+          </p:cNvSpPr>
+          <p:nvPr>
+            <p:ph type="title"/>
+          </p:nvPr>
+        </p:nvSpPr>
+        <p:spPr>
+          <a:xfrm>
+            <a:off x="311700" y="294450"/>
+            <a:ext cx="8697432" cy="607800"/>
+          </a:xfrm>
+          <a:prstGeom prst="rect">
+            <a:avLst/>
+          </a:prstGeom>
+        </p:spPr>
+        <p:txBody>
+          <a:bodyPr spcFirstLastPara="1" wrap="square" lIns="91425" tIns="91425" rIns="91425" bIns="91425" anchor="t" anchorCtr="0">
+            <a:noAutofit/>
+          </a:bodyPr>
+          <a:lstStyle/>
+          <a:p>
+            <a:pPr marL="0" lvl="0" indent="0" algn="l" rtl="0">
+              <a:spcBef>
+                <a:spcPts val="0"/>
+              </a:spcBef>
+              <a:spcAft>
+                <a:spcPts val="0"/>
+              </a:spcAft>
+              <a:buNone/>
+            </a:pPr>
+            <a:r>
+              <a:rPr lang="en-US" altLang="zh-CN" sz="2800" dirty="0">
+                <a:latin typeface="微软雅黑" panose="020B0503020204020204" pitchFamily="34" charset="-122"/>
+                <a:ea typeface="微软雅黑" panose="020B0503020204020204" pitchFamily="34" charset="-122"/>
+              </a:rPr>
+              <a:t>Soft Errors</a:t>
+            </a:r>
+            <a:endParaRPr sz="2800" dirty="0">
+              <a:latin typeface="微软雅黑" panose="020B0503020204020204" pitchFamily="34" charset="-122"/>
+              <a:ea typeface="微软雅黑" panose="020B0503020204020204" pitchFamily="34" charset="-122"/>
+            </a:endParaRPr>
+          </a:p>
+        </p:txBody>
+      </p:sp>
+      <p:sp>
+        <p:nvSpPr>
+          <p:cNvPr id="106" name="Google Shape;106;p16"/>
+          <p:cNvSpPr txBox="1">
+            <a:spLocks noGrp="1"/>
+          </p:cNvSpPr>
+          <p:nvPr>
+            <p:ph type="body" idx="1"/>
+          </p:nvPr>
+        </p:nvSpPr>
+        <p:spPr>
+          <a:xfrm>
+            <a:off x="311700" y="902250"/>
+            <a:ext cx="8520600" cy="4025350"/>
+          </a:xfrm>
+          <a:prstGeom prst="rect">
+            <a:avLst/>
+          </a:prstGeom>
+        </p:spPr>
+        <p:txBody>
+          <a:bodyPr spcFirstLastPara="1" wrap="square" lIns="91425" tIns="91425" rIns="91425" bIns="91425" anchor="t" anchorCtr="0">
+            <a:noAutofit/>
+          </a:bodyPr>
+          <a:lstStyle/>
+          <a:p>
+            <a:pPr marL="457200" lvl="0" indent="-342900" algn="l" rtl="0">
+              <a:spcBef>
+                <a:spcPts val="0"/>
+              </a:spcBef>
+              <a:spcAft>
+                <a:spcPts val="0"/>
+              </a:spcAft>
+              <a:buSzPts val="1800"/>
+              <a:buChar char="●"/>
+            </a:pPr>
+            <a:r>
+              <a:rPr lang="zh-CN" altLang="en-US" dirty="0">
+                <a:latin typeface="楷体" panose="02010609060101010101" pitchFamily="49" charset="-122"/>
+                <a:ea typeface="楷体" panose="02010609060101010101" pitchFamily="49" charset="-122"/>
+              </a:rPr>
+              <a:t>检错方案：</a:t>
+            </a:r>
+            <a:endParaRPr lang="en-US" altLang="zh-CN" dirty="0">
+              <a:latin typeface="楷体" panose="02010609060101010101" pitchFamily="49" charset="-122"/>
+              <a:ea typeface="楷体" panose="02010609060101010101" pitchFamily="49" charset="-122"/>
+            </a:endParaRPr>
+          </a:p>
+          <a:p>
+            <a:pPr marL="914400" lvl="1" indent="-317500" algn="l" rtl="0">
+              <a:spcBef>
+                <a:spcPts val="0"/>
+              </a:spcBef>
+              <a:spcAft>
+                <a:spcPts val="0"/>
+              </a:spcAft>
+              <a:buSzPts val="1400"/>
+              <a:buChar char="○"/>
+            </a:pPr>
+            <a:r>
+              <a:rPr lang="zh-CN" altLang="en-US" dirty="0">
+                <a:latin typeface="楷体" panose="02010609060101010101" pitchFamily="49" charset="-122"/>
+                <a:ea typeface="楷体" panose="02010609060101010101" pitchFamily="49" charset="-122"/>
+              </a:rPr>
+              <a:t>冗余校验位添加到一组数据位，从而可以通过检查校验位来检测或纠正错误。减少错误代码中使用的校验位的数量对于减少错误检测和纠正的开销通常很重要。</a:t>
+            </a:r>
+            <a:endParaRPr lang="en-US" altLang="zh-CN" dirty="0">
+              <a:latin typeface="楷体" panose="02010609060101010101" pitchFamily="49" charset="-122"/>
+              <a:ea typeface="楷体" panose="02010609060101010101" pitchFamily="49" charset="-122"/>
+            </a:endParaRPr>
+          </a:p>
+          <a:p>
+            <a:pPr marL="457200" lvl="0" indent="-342900" algn="l" rtl="0">
+              <a:spcBef>
+                <a:spcPts val="0"/>
+              </a:spcBef>
+              <a:spcAft>
+                <a:spcPts val="0"/>
+              </a:spcAft>
+              <a:buSzPts val="1800"/>
+              <a:buChar char="●"/>
+            </a:pPr>
+            <a:r>
+              <a:rPr lang="zh-CN" altLang="en-US" dirty="0">
+                <a:latin typeface="楷体" panose="02010609060101010101" pitchFamily="49" charset="-122"/>
+                <a:ea typeface="楷体" panose="02010609060101010101" pitchFamily="49" charset="-122"/>
+              </a:rPr>
+              <a:t>块编码：</a:t>
+            </a:r>
+            <a:endParaRPr lang="en-US" altLang="zh-CN" dirty="0">
+              <a:latin typeface="楷体" panose="02010609060101010101" pitchFamily="49" charset="-122"/>
+              <a:ea typeface="楷体" panose="02010609060101010101" pitchFamily="49" charset="-122"/>
+            </a:endParaRPr>
+          </a:p>
+          <a:p>
+            <a:pPr marL="914400" lvl="1" indent="-317500" algn="l" rtl="0">
+              <a:spcBef>
+                <a:spcPts val="0"/>
+              </a:spcBef>
+              <a:spcAft>
+                <a:spcPts val="0"/>
+              </a:spcAft>
+              <a:buSzPts val="1400"/>
+              <a:buChar char="○"/>
+            </a:pPr>
+            <a:r>
+              <a:rPr lang="zh-CN" altLang="en-US" dirty="0">
+                <a:latin typeface="楷体" panose="02010609060101010101" pitchFamily="49" charset="-122"/>
+                <a:ea typeface="楷体" panose="02010609060101010101" pitchFamily="49" charset="-122"/>
+              </a:rPr>
+              <a:t>每个块有</a:t>
+            </a:r>
+            <a:r>
+              <a:rPr lang="en-US" altLang="zh-CN" dirty="0">
+                <a:latin typeface="楷体" panose="02010609060101010101" pitchFamily="49" charset="-122"/>
+                <a:ea typeface="楷体" panose="02010609060101010101" pitchFamily="49" charset="-122"/>
+              </a:rPr>
+              <a:t>k</a:t>
+            </a:r>
+            <a:r>
+              <a:rPr lang="zh-CN" altLang="en-US" dirty="0">
+                <a:latin typeface="楷体" panose="02010609060101010101" pitchFamily="49" charset="-122"/>
+                <a:ea typeface="楷体" panose="02010609060101010101" pitchFamily="49" charset="-122"/>
+              </a:rPr>
+              <a:t>位，称为</a:t>
+            </a:r>
+            <a:r>
+              <a:rPr lang="zh-CN" altLang="en-US" b="1" dirty="0">
+                <a:latin typeface="楷体" panose="02010609060101010101" pitchFamily="49" charset="-122"/>
+                <a:ea typeface="楷体" panose="02010609060101010101" pitchFamily="49" charset="-122"/>
+              </a:rPr>
+              <a:t>数据字</a:t>
+            </a:r>
+            <a:r>
+              <a:rPr lang="zh-CN" altLang="en-US" dirty="0">
+                <a:latin typeface="楷体" panose="02010609060101010101" pitchFamily="49" charset="-122"/>
+                <a:ea typeface="楷体" panose="02010609060101010101" pitchFamily="49" charset="-122"/>
+              </a:rPr>
+              <a:t>。并在此基础上增加</a:t>
+            </a:r>
+            <a:r>
+              <a:rPr lang="en-US" altLang="zh-CN" dirty="0">
+                <a:latin typeface="楷体" panose="02010609060101010101" pitchFamily="49" charset="-122"/>
+                <a:ea typeface="楷体" panose="02010609060101010101" pitchFamily="49" charset="-122"/>
+              </a:rPr>
+              <a:t>r</a:t>
+            </a:r>
+            <a:r>
+              <a:rPr lang="zh-CN" altLang="en-US" dirty="0">
+                <a:latin typeface="楷体" panose="02010609060101010101" pitchFamily="49" charset="-122"/>
+                <a:ea typeface="楷体" panose="02010609060101010101" pitchFamily="49" charset="-122"/>
+              </a:rPr>
+              <a:t>位冗余位，使其构成</a:t>
+            </a:r>
+            <a:r>
+              <a:rPr lang="en-US" altLang="zh-CN" dirty="0">
+                <a:latin typeface="楷体" panose="02010609060101010101" pitchFamily="49" charset="-122"/>
+                <a:ea typeface="楷体" panose="02010609060101010101" pitchFamily="49" charset="-122"/>
+              </a:rPr>
+              <a:t>n=</a:t>
+            </a:r>
+            <a:r>
+              <a:rPr lang="en-US" altLang="zh-CN" dirty="0" err="1">
+                <a:latin typeface="楷体" panose="02010609060101010101" pitchFamily="49" charset="-122"/>
+                <a:ea typeface="楷体" panose="02010609060101010101" pitchFamily="49" charset="-122"/>
+              </a:rPr>
+              <a:t>k+r</a:t>
+            </a:r>
+            <a:r>
+              <a:rPr lang="zh-CN" altLang="en-US" dirty="0">
+                <a:latin typeface="楷体" panose="02010609060101010101" pitchFamily="49" charset="-122"/>
+                <a:ea typeface="楷体" panose="02010609060101010101" pitchFamily="49" charset="-122"/>
+              </a:rPr>
+              <a:t>位的</a:t>
+            </a:r>
+            <a:r>
+              <a:rPr lang="zh-CN" altLang="en-US" b="1" dirty="0">
+                <a:latin typeface="楷体" panose="02010609060101010101" pitchFamily="49" charset="-122"/>
+                <a:ea typeface="楷体" panose="02010609060101010101" pitchFamily="49" charset="-122"/>
+              </a:rPr>
+              <a:t>码字</a:t>
+            </a:r>
+            <a:endParaRPr lang="en-US" altLang="zh-CN" b="1" dirty="0">
+              <a:latin typeface="楷体" panose="02010609060101010101" pitchFamily="49" charset="-122"/>
+              <a:ea typeface="楷体" panose="02010609060101010101" pitchFamily="49" charset="-122"/>
+            </a:endParaRPr>
+          </a:p>
+          <a:p>
+            <a:pPr marL="914400" lvl="1" indent="-317500" algn="l" rtl="0">
+              <a:spcBef>
+                <a:spcPts val="0"/>
+              </a:spcBef>
+              <a:spcAft>
+                <a:spcPts val="0"/>
+              </a:spcAft>
+              <a:buSzPts val="1400"/>
+              <a:buChar char="○"/>
+            </a:pPr>
+            <a:r>
+              <a:rPr lang="en-US" altLang="zh-CN" dirty="0">
+                <a:latin typeface="楷体" panose="02010609060101010101" pitchFamily="49" charset="-122"/>
+                <a:ea typeface="楷体" panose="02010609060101010101" pitchFamily="49" charset="-122"/>
+              </a:rPr>
+              <a:t>k</a:t>
+            </a:r>
+            <a:r>
+              <a:rPr lang="zh-CN" altLang="en-US" dirty="0">
+                <a:latin typeface="楷体" panose="02010609060101010101" pitchFamily="49" charset="-122"/>
+                <a:ea typeface="楷体" panose="02010609060101010101" pitchFamily="49" charset="-122"/>
+              </a:rPr>
+              <a:t>位数据字共有</a:t>
+            </a:r>
+            <a:r>
+              <a:rPr lang="en-US" altLang="zh-CN" dirty="0">
+                <a:latin typeface="楷体" panose="02010609060101010101" pitchFamily="49" charset="-122"/>
+                <a:ea typeface="楷体" panose="02010609060101010101" pitchFamily="49" charset="-122"/>
+              </a:rPr>
+              <a:t>2^k</a:t>
+            </a:r>
+            <a:r>
+              <a:rPr lang="zh-CN" altLang="en-US" dirty="0">
+                <a:latin typeface="楷体" panose="02010609060101010101" pitchFamily="49" charset="-122"/>
+                <a:ea typeface="楷体" panose="02010609060101010101" pitchFamily="49" charset="-122"/>
+              </a:rPr>
+              <a:t>种组合，</a:t>
+            </a:r>
+            <a:r>
+              <a:rPr lang="en-US" altLang="zh-CN" dirty="0">
+                <a:latin typeface="楷体" panose="02010609060101010101" pitchFamily="49" charset="-122"/>
+                <a:ea typeface="楷体" panose="02010609060101010101" pitchFamily="49" charset="-122"/>
+              </a:rPr>
+              <a:t>n</a:t>
+            </a:r>
+            <a:r>
+              <a:rPr lang="zh-CN" altLang="en-US" dirty="0">
+                <a:latin typeface="楷体" panose="02010609060101010101" pitchFamily="49" charset="-122"/>
+                <a:ea typeface="楷体" panose="02010609060101010101" pitchFamily="49" charset="-122"/>
+              </a:rPr>
+              <a:t>位码字共有</a:t>
+            </a:r>
+            <a:r>
+              <a:rPr lang="en-US" altLang="zh-CN" dirty="0">
+                <a:latin typeface="楷体" panose="02010609060101010101" pitchFamily="49" charset="-122"/>
+                <a:ea typeface="楷体" panose="02010609060101010101" pitchFamily="49" charset="-122"/>
+              </a:rPr>
+              <a:t>2^n</a:t>
+            </a:r>
+            <a:r>
+              <a:rPr lang="zh-CN" altLang="en-US" dirty="0">
+                <a:latin typeface="楷体" panose="02010609060101010101" pitchFamily="49" charset="-122"/>
+                <a:ea typeface="楷体" panose="02010609060101010101" pitchFamily="49" charset="-122"/>
+              </a:rPr>
+              <a:t>种组合。那么这就意味着有</a:t>
+            </a:r>
+            <a:r>
+              <a:rPr lang="en-US" altLang="zh-CN" dirty="0">
+                <a:latin typeface="楷体" panose="02010609060101010101" pitchFamily="49" charset="-122"/>
+                <a:ea typeface="楷体" panose="02010609060101010101" pitchFamily="49" charset="-122"/>
+              </a:rPr>
+              <a:t>2^n−2^k</a:t>
+            </a:r>
+            <a:r>
+              <a:rPr lang="zh-CN" altLang="en-US" dirty="0">
+                <a:latin typeface="楷体" panose="02010609060101010101" pitchFamily="49" charset="-122"/>
+                <a:ea typeface="楷体" panose="02010609060101010101" pitchFamily="49" charset="-122"/>
+              </a:rPr>
+              <a:t>个码字承载的数据字是无用的。这些码字为无效或非法码。</a:t>
+            </a:r>
+          </a:p>
+          <a:p>
+            <a:pPr marL="457200" lvl="0" indent="-342900" algn="l" rtl="0">
+              <a:spcBef>
+                <a:spcPts val="0"/>
+              </a:spcBef>
+              <a:spcAft>
+                <a:spcPts val="0"/>
+              </a:spcAft>
+              <a:buSzPts val="1800"/>
+              <a:buChar char="●"/>
+            </a:pPr>
+            <a:r>
+              <a:rPr lang="zh-CN" altLang="en-US" dirty="0">
+                <a:latin typeface="楷体" panose="02010609060101010101" pitchFamily="49" charset="-122"/>
+                <a:ea typeface="楷体" panose="02010609060101010101" pitchFamily="49" charset="-122"/>
+              </a:rPr>
+              <a:t>单比特检错纠错简单示例：</a:t>
+            </a:r>
+            <a:endParaRPr lang="en-US" altLang="zh-CN" dirty="0">
+              <a:latin typeface="楷体" panose="02010609060101010101" pitchFamily="49" charset="-122"/>
+              <a:ea typeface="楷体" panose="02010609060101010101" pitchFamily="49" charset="-122"/>
+            </a:endParaRPr>
+          </a:p>
+          <a:p>
+            <a:pPr marL="914400" lvl="1" indent="-317500" algn="l" rtl="0">
+              <a:spcBef>
+                <a:spcPts val="0"/>
+              </a:spcBef>
+              <a:spcAft>
+                <a:spcPts val="0"/>
+              </a:spcAft>
+              <a:buSzPts val="1400"/>
+              <a:buChar char="○"/>
+            </a:pPr>
+            <a:r>
+              <a:rPr lang="zh-CN" altLang="en-US" dirty="0">
+                <a:latin typeface="楷体" panose="02010609060101010101" pitchFamily="49" charset="-122"/>
+                <a:ea typeface="楷体" panose="02010609060101010101" pitchFamily="49" charset="-122"/>
+              </a:rPr>
+              <a:t>比如说对于单比特，增加一位冗余位作为校验位，构成</a:t>
+            </a:r>
+            <a:r>
+              <a:rPr lang="en-US" altLang="zh-CN" dirty="0">
+                <a:latin typeface="楷体" panose="02010609060101010101" pitchFamily="49" charset="-122"/>
+                <a:ea typeface="楷体" panose="02010609060101010101" pitchFamily="49" charset="-122"/>
+              </a:rPr>
+              <a:t>2=1+1</a:t>
+            </a:r>
+            <a:r>
+              <a:rPr lang="zh-CN" altLang="en-US" dirty="0">
+                <a:latin typeface="楷体" panose="02010609060101010101" pitchFamily="49" charset="-122"/>
+                <a:ea typeface="楷体" panose="02010609060101010101" pitchFamily="49" charset="-122"/>
+              </a:rPr>
+              <a:t>的码字  </a:t>
+            </a:r>
+            <a:r>
+              <a:rPr lang="en-US" altLang="zh-CN" b="1" dirty="0">
+                <a:latin typeface="楷体" panose="02010609060101010101" pitchFamily="49" charset="-122"/>
+                <a:ea typeface="楷体" panose="02010609060101010101" pitchFamily="49" charset="-122"/>
+              </a:rPr>
+              <a:t>00  11</a:t>
+            </a:r>
+          </a:p>
+          <a:p>
+            <a:pPr marL="914400" lvl="1" indent="-317500" algn="l" rtl="0">
+              <a:spcBef>
+                <a:spcPts val="0"/>
+              </a:spcBef>
+              <a:spcAft>
+                <a:spcPts val="0"/>
+              </a:spcAft>
+              <a:buSzPts val="1400"/>
+              <a:buChar char="○"/>
+            </a:pPr>
+            <a:r>
+              <a:rPr lang="zh-CN" altLang="en-US" dirty="0">
+                <a:latin typeface="楷体" panose="02010609060101010101" pitchFamily="49" charset="-122"/>
+                <a:ea typeface="楷体" panose="02010609060101010101" pitchFamily="49" charset="-122"/>
+              </a:rPr>
+              <a:t>但只能检错，不能纠错。</a:t>
+            </a:r>
+            <a:endParaRPr lang="en-US" altLang="zh-CN" dirty="0">
+              <a:latin typeface="楷体" panose="02010609060101010101" pitchFamily="49" charset="-122"/>
+              <a:ea typeface="楷体" panose="02010609060101010101" pitchFamily="49" charset="-122"/>
+            </a:endParaRPr>
+          </a:p>
+          <a:p>
+            <a:pPr marL="914400" lvl="1" indent="-317500" algn="l" rtl="0">
+              <a:spcBef>
+                <a:spcPts val="0"/>
+              </a:spcBef>
+              <a:spcAft>
+                <a:spcPts val="0"/>
+              </a:spcAft>
+              <a:buSzPts val="1400"/>
+              <a:buChar char="○"/>
+            </a:pPr>
+            <a:r>
+              <a:rPr lang="zh-CN" altLang="en-US" dirty="0">
+                <a:latin typeface="楷体" panose="02010609060101010101" pitchFamily="49" charset="-122"/>
+                <a:ea typeface="楷体" panose="02010609060101010101" pitchFamily="49" charset="-122"/>
+              </a:rPr>
+              <a:t>为了实现纠错，再增加一位冗余位，合法码字包括</a:t>
+            </a:r>
+            <a:r>
+              <a:rPr lang="en-US" altLang="zh-CN" dirty="0">
+                <a:latin typeface="楷体" panose="02010609060101010101" pitchFamily="49" charset="-122"/>
+                <a:ea typeface="楷体" panose="02010609060101010101" pitchFamily="49" charset="-122"/>
+              </a:rPr>
+              <a:t>001 110 </a:t>
+            </a:r>
+            <a:r>
+              <a:rPr lang="zh-CN" altLang="en-US" dirty="0">
+                <a:latin typeface="楷体" panose="02010609060101010101" pitchFamily="49" charset="-122"/>
+                <a:ea typeface="楷体" panose="02010609060101010101" pitchFamily="49" charset="-122"/>
+              </a:rPr>
+              <a:t>第一位是数据位，后面是校验位</a:t>
+            </a:r>
+            <a:endParaRPr lang="en-US" altLang="zh-CN" dirty="0">
+              <a:latin typeface="楷体" panose="02010609060101010101" pitchFamily="49" charset="-122"/>
+              <a:ea typeface="楷体" panose="02010609060101010101" pitchFamily="49" charset="-122"/>
+            </a:endParaRPr>
+          </a:p>
+          <a:p>
+            <a:pPr marL="914400" lvl="1" indent="-317500" algn="l" rtl="0">
+              <a:spcBef>
+                <a:spcPts val="0"/>
+              </a:spcBef>
+              <a:spcAft>
+                <a:spcPts val="0"/>
+              </a:spcAft>
+              <a:buSzPts val="1400"/>
+              <a:buChar char="○"/>
+            </a:pPr>
+            <a:r>
+              <a:rPr lang="zh-CN" altLang="en-US" dirty="0">
+                <a:latin typeface="楷体" panose="02010609060101010101" pitchFamily="49" charset="-122"/>
+                <a:ea typeface="楷体" panose="02010609060101010101" pitchFamily="49" charset="-122"/>
+              </a:rPr>
+              <a:t>如果码字是</a:t>
+            </a:r>
+            <a:r>
+              <a:rPr lang="en-US" altLang="zh-CN" dirty="0">
+                <a:latin typeface="楷体" panose="02010609060101010101" pitchFamily="49" charset="-122"/>
+                <a:ea typeface="楷体" panose="02010609060101010101" pitchFamily="49" charset="-122"/>
+              </a:rPr>
+              <a:t>101</a:t>
+            </a:r>
+            <a:r>
+              <a:rPr lang="zh-CN" altLang="en-US" dirty="0">
+                <a:latin typeface="楷体" panose="02010609060101010101" pitchFamily="49" charset="-122"/>
+                <a:ea typeface="楷体" panose="02010609060101010101" pitchFamily="49" charset="-122"/>
+              </a:rPr>
+              <a:t>，那么就是数据位出错，由</a:t>
+            </a:r>
+            <a:r>
+              <a:rPr lang="en-US" altLang="zh-CN" dirty="0">
+                <a:latin typeface="楷体" panose="02010609060101010101" pitchFamily="49" charset="-122"/>
+                <a:ea typeface="楷体" panose="02010609060101010101" pitchFamily="49" charset="-122"/>
+              </a:rPr>
+              <a:t>0</a:t>
+            </a:r>
+            <a:r>
+              <a:rPr lang="zh-CN" altLang="en-US" dirty="0">
+                <a:latin typeface="楷体" panose="02010609060101010101" pitchFamily="49" charset="-122"/>
+                <a:ea typeface="楷体" panose="02010609060101010101" pitchFamily="49" charset="-122"/>
+              </a:rPr>
+              <a:t>翻转成了</a:t>
+            </a:r>
+            <a:r>
+              <a:rPr lang="en-US" altLang="zh-CN" dirty="0">
+                <a:latin typeface="楷体" panose="02010609060101010101" pitchFamily="49" charset="-122"/>
+                <a:ea typeface="楷体" panose="02010609060101010101" pitchFamily="49" charset="-122"/>
+              </a:rPr>
+              <a:t>1</a:t>
+            </a:r>
+          </a:p>
+          <a:p>
+            <a:pPr marL="914400" lvl="1" indent="-317500" algn="l" rtl="0">
+              <a:spcBef>
+                <a:spcPts val="0"/>
+              </a:spcBef>
+              <a:spcAft>
+                <a:spcPts val="0"/>
+              </a:spcAft>
+              <a:buSzPts val="1400"/>
+              <a:buChar char="○"/>
+            </a:pPr>
+            <a:endParaRPr lang="en-US" altLang="zh-CN" dirty="0">
+              <a:latin typeface="楷体" panose="02010609060101010101" pitchFamily="49" charset="-122"/>
+              <a:ea typeface="楷体" panose="02010609060101010101" pitchFamily="49" charset="-122"/>
+            </a:endParaRPr>
+          </a:p>
+          <a:p>
+            <a:pPr marL="914400" lvl="1" indent="-317500" algn="l" rtl="0">
+              <a:spcBef>
+                <a:spcPts val="0"/>
+              </a:spcBef>
+              <a:spcAft>
+                <a:spcPts val="0"/>
+              </a:spcAft>
+              <a:buSzPts val="1400"/>
+              <a:buChar char="○"/>
+            </a:pPr>
+            <a:r>
+              <a:rPr lang="zh-CN" altLang="en-US" dirty="0">
+                <a:latin typeface="楷体" panose="02010609060101010101" pitchFamily="49" charset="-122"/>
+                <a:ea typeface="楷体" panose="02010609060101010101" pitchFamily="49" charset="-122"/>
+              </a:rPr>
+              <a:t>检错和纠错所需的校验位数不同，码字的检测或纠正错误数量有限</a:t>
+            </a:r>
+          </a:p>
+        </p:txBody>
+      </p:sp>
+      <p:sp>
+        <p:nvSpPr>
+          <p:cNvPr id="107" name="Google Shape;107;p16"/>
+          <p:cNvSpPr txBox="1">
+            <a:spLocks noGrp="1"/>
+          </p:cNvSpPr>
+          <p:nvPr>
+            <p:ph type="sldNum" idx="12"/>
+          </p:nvPr>
+        </p:nvSpPr>
+        <p:spPr>
+          <a:xfrm>
+            <a:off x="8460431" y="4651190"/>
+            <a:ext cx="548700" cy="393600"/>
+          </a:xfrm>
+          <a:prstGeom prst="rect">
+            <a:avLst/>
+          </a:prstGeom>
+        </p:spPr>
+        <p:txBody>
+          <a:bodyPr spcFirstLastPara="1" wrap="square" lIns="91425" tIns="91425" rIns="91425" bIns="91425" anchor="ctr" anchorCtr="0">
+            <a:noAutofit/>
+          </a:bodyPr>
+          <a:lstStyle/>
+          <a:p>
+            <a:pPr marL="0" lvl="0" indent="0" algn="r" rtl="0">
+              <a:spcBef>
+                <a:spcPts val="0"/>
+              </a:spcBef>
+              <a:spcAft>
+                <a:spcPts val="0"/>
+              </a:spcAft>
+              <a:buNone/>
+            </a:pPr>
+            <a:fld id="{00000000-1234-1234-1234-123412341234}" type="slidenum">
+              <a:rPr lang="en"/>
+              <a:t>10</a:t>
+            </a:fld>
+            <a:endParaRPr/>
+          </a:p>
+        </p:txBody>
+      </p:sp>
+    </p:spTree>
+    <p:extLst>
+      <p:ext uri="{BB962C8B-B14F-4D97-AF65-F5344CB8AC3E}">
+        <p14:creationId xmlns:p14="http://schemas.microsoft.com/office/powerpoint/2010/main" val="3106843281"/>
+      </p:ext>
+    </p:extLst>
+  </p:cSld>
+  <p:clrMapOvr>
+    <a:masterClrMapping/>
+  </p:clrMapOvr>
+</p:sld>
+</file>
+
+<file path=ppt/slides/slide11.xml><?xml version="1.0" encoding="utf-8"?>
+<p:sld xmlns:a="http://schemas.openxmlformats.org/drawingml/2006/main" xmlns:r="http://schemas.openxmlformats.org/officeDocument/2006/relationships" xmlns:p="http://schemas.openxmlformats.org/presentationml/2006/main">
+  <p:cSld>
+    <p:spTree>
+      <p:nvGrpSpPr>
+        <p:cNvPr id="1" name="Shape 104"/>
+        <p:cNvGrpSpPr/>
+        <p:nvPr/>
+      </p:nvGrpSpPr>
+      <p:grpSpPr>
+        <a:xfrm>
+          <a:off x="0" y="0"/>
+          <a:ext cx="0" cy="0"/>
+          <a:chOff x="0" y="0"/>
+          <a:chExt cx="0" cy="0"/>
+        </a:xfrm>
+      </p:grpSpPr>
+      <p:sp>
+        <p:nvSpPr>
+          <p:cNvPr id="105" name="Google Shape;105;p16"/>
+          <p:cNvSpPr txBox="1">
+            <a:spLocks noGrp="1"/>
+          </p:cNvSpPr>
+          <p:nvPr>
+            <p:ph type="title"/>
+          </p:nvPr>
+        </p:nvSpPr>
+        <p:spPr>
+          <a:xfrm>
+            <a:off x="311700" y="294450"/>
+            <a:ext cx="8697432" cy="607800"/>
+          </a:xfrm>
+          <a:prstGeom prst="rect">
+            <a:avLst/>
+          </a:prstGeom>
+        </p:spPr>
+        <p:txBody>
+          <a:bodyPr spcFirstLastPara="1" wrap="square" lIns="91425" tIns="91425" rIns="91425" bIns="91425" anchor="t" anchorCtr="0">
+            <a:noAutofit/>
+          </a:bodyPr>
+          <a:lstStyle/>
+          <a:p>
+            <a:pPr marL="0" lvl="0" indent="0" algn="l" rtl="0">
+              <a:spcBef>
+                <a:spcPts val="0"/>
+              </a:spcBef>
+              <a:spcAft>
+                <a:spcPts val="0"/>
+              </a:spcAft>
+              <a:buNone/>
+            </a:pPr>
+            <a:r>
+              <a:rPr lang="en-US" altLang="zh-CN" sz="2800" dirty="0">
+                <a:latin typeface="微软雅黑" panose="020B0503020204020204" pitchFamily="34" charset="-122"/>
+                <a:ea typeface="微软雅黑" panose="020B0503020204020204" pitchFamily="34" charset="-122"/>
+              </a:rPr>
+              <a:t>Soft Errors</a:t>
+            </a:r>
+            <a:endParaRPr sz="2800" dirty="0">
+              <a:latin typeface="微软雅黑" panose="020B0503020204020204" pitchFamily="34" charset="-122"/>
+              <a:ea typeface="微软雅黑" panose="020B0503020204020204" pitchFamily="34" charset="-122"/>
+            </a:endParaRPr>
+          </a:p>
+        </p:txBody>
+      </p:sp>
+      <p:sp>
+        <p:nvSpPr>
+          <p:cNvPr id="106" name="Google Shape;106;p16"/>
+          <p:cNvSpPr txBox="1">
+            <a:spLocks noGrp="1"/>
+          </p:cNvSpPr>
+          <p:nvPr>
+            <p:ph type="body" idx="1"/>
+          </p:nvPr>
+        </p:nvSpPr>
+        <p:spPr>
+          <a:xfrm>
+            <a:off x="311700" y="902250"/>
+            <a:ext cx="8520600" cy="4025350"/>
+          </a:xfrm>
+          <a:prstGeom prst="rect">
+            <a:avLst/>
+          </a:prstGeom>
+        </p:spPr>
+        <p:txBody>
+          <a:bodyPr spcFirstLastPara="1" wrap="square" lIns="91425" tIns="91425" rIns="91425" bIns="91425" anchor="t" anchorCtr="0">
+            <a:noAutofit/>
+          </a:bodyPr>
+          <a:lstStyle/>
+          <a:p>
+            <a:pPr marL="457200" lvl="0" indent="-342900" algn="l" rtl="0">
+              <a:spcBef>
+                <a:spcPts val="0"/>
+              </a:spcBef>
+              <a:spcAft>
+                <a:spcPts val="0"/>
+              </a:spcAft>
+              <a:buSzPts val="1800"/>
+              <a:buChar char="●"/>
+            </a:pPr>
+            <a:r>
+              <a:rPr lang="zh-CN" altLang="en-US" dirty="0">
+                <a:latin typeface="楷体" panose="02010609060101010101" pitchFamily="49" charset="-122"/>
+                <a:ea typeface="楷体" panose="02010609060101010101" pitchFamily="49" charset="-122"/>
+              </a:rPr>
+              <a:t>汉明距离：</a:t>
+            </a:r>
+            <a:endParaRPr lang="en-US" altLang="zh-CN" dirty="0">
+              <a:latin typeface="楷体" panose="02010609060101010101" pitchFamily="49" charset="-122"/>
+              <a:ea typeface="楷体" panose="02010609060101010101" pitchFamily="49" charset="-122"/>
+            </a:endParaRPr>
+          </a:p>
+          <a:p>
+            <a:pPr marL="914400" lvl="1" indent="-317500" algn="l" rtl="0">
+              <a:spcBef>
+                <a:spcPts val="0"/>
+              </a:spcBef>
+              <a:spcAft>
+                <a:spcPts val="0"/>
+              </a:spcAft>
+              <a:buSzPts val="1400"/>
+              <a:buChar char="○"/>
+            </a:pPr>
+            <a:r>
+              <a:rPr lang="zh-CN" altLang="en-US" dirty="0">
+                <a:latin typeface="楷体" panose="02010609060101010101" pitchFamily="49" charset="-122"/>
+                <a:ea typeface="楷体" panose="02010609060101010101" pitchFamily="49" charset="-122"/>
+              </a:rPr>
+              <a:t>两个（相同长度）字符串对应位置的不同字符的数量</a:t>
+            </a:r>
+            <a:endParaRPr lang="en-US" altLang="zh-CN" dirty="0">
+              <a:latin typeface="楷体" panose="02010609060101010101" pitchFamily="49" charset="-122"/>
+              <a:ea typeface="楷体" panose="02010609060101010101" pitchFamily="49" charset="-122"/>
+            </a:endParaRPr>
+          </a:p>
+          <a:p>
+            <a:pPr marL="914400" lvl="1" indent="-317500" algn="l" rtl="0">
+              <a:spcBef>
+                <a:spcPts val="0"/>
+              </a:spcBef>
+              <a:spcAft>
+                <a:spcPts val="0"/>
+              </a:spcAft>
+              <a:buSzPts val="1400"/>
+              <a:buChar char="○"/>
+            </a:pPr>
+            <a:r>
+              <a:rPr lang="zh-CN" altLang="en-US" dirty="0">
+                <a:latin typeface="楷体" panose="02010609060101010101" pitchFamily="49" charset="-122"/>
+                <a:ea typeface="楷体" panose="02010609060101010101" pitchFamily="49" charset="-122"/>
+              </a:rPr>
+              <a:t>在一组字中，</a:t>
+            </a:r>
+            <a:r>
+              <a:rPr lang="zh-CN" altLang="en-US" b="1" dirty="0">
+                <a:latin typeface="楷体" panose="02010609060101010101" pitchFamily="49" charset="-122"/>
+                <a:ea typeface="楷体" panose="02010609060101010101" pitchFamily="49" charset="-122"/>
+              </a:rPr>
+              <a:t>最小汉明距离</a:t>
+            </a:r>
+            <a:r>
+              <a:rPr lang="zh-CN" altLang="en-US" dirty="0">
+                <a:latin typeface="楷体" panose="02010609060101010101" pitchFamily="49" charset="-122"/>
+                <a:ea typeface="楷体" panose="02010609060101010101" pitchFamily="49" charset="-122"/>
+              </a:rPr>
+              <a:t>是所有可能对中的最小的汉明距离</a:t>
+            </a:r>
+            <a:endParaRPr lang="en-US" altLang="zh-CN" dirty="0">
+              <a:latin typeface="楷体" panose="02010609060101010101" pitchFamily="49" charset="-122"/>
+              <a:ea typeface="楷体" panose="02010609060101010101" pitchFamily="49" charset="-122"/>
+            </a:endParaRPr>
+          </a:p>
+          <a:p>
+            <a:pPr marL="914400" lvl="1" indent="-317500" algn="l" rtl="0">
+              <a:spcBef>
+                <a:spcPts val="0"/>
+              </a:spcBef>
+              <a:spcAft>
+                <a:spcPts val="0"/>
+              </a:spcAft>
+              <a:buSzPts val="1400"/>
+              <a:buChar char="○"/>
+            </a:pPr>
+            <a:r>
+              <a:rPr lang="zh-CN" altLang="en-US" dirty="0">
+                <a:latin typeface="楷体" panose="02010609060101010101" pitchFamily="49" charset="-122"/>
+                <a:ea typeface="楷体" panose="02010609060101010101" pitchFamily="49" charset="-122"/>
+              </a:rPr>
+              <a:t>比如</a:t>
+            </a:r>
+            <a:r>
+              <a:rPr lang="en-US" altLang="zh-CN" dirty="0">
+                <a:latin typeface="楷体" panose="02010609060101010101" pitchFamily="49" charset="-122"/>
+                <a:ea typeface="楷体" panose="02010609060101010101" pitchFamily="49" charset="-122"/>
+              </a:rPr>
+              <a:t>000</a:t>
+            </a:r>
+            <a:r>
+              <a:rPr lang="zh-CN" altLang="en-US" dirty="0">
+                <a:latin typeface="楷体" panose="02010609060101010101" pitchFamily="49" charset="-122"/>
+                <a:ea typeface="楷体" panose="02010609060101010101" pitchFamily="49" charset="-122"/>
+              </a:rPr>
+              <a:t>、</a:t>
+            </a:r>
+            <a:r>
+              <a:rPr lang="en-US" altLang="zh-CN" dirty="0">
+                <a:latin typeface="楷体" panose="02010609060101010101" pitchFamily="49" charset="-122"/>
+                <a:ea typeface="楷体" panose="02010609060101010101" pitchFamily="49" charset="-122"/>
+              </a:rPr>
+              <a:t>011</a:t>
+            </a:r>
+            <a:r>
+              <a:rPr lang="zh-CN" altLang="en-US" dirty="0">
+                <a:latin typeface="楷体" panose="02010609060101010101" pitchFamily="49" charset="-122"/>
+                <a:ea typeface="楷体" panose="02010609060101010101" pitchFamily="49" charset="-122"/>
+              </a:rPr>
+              <a:t>、</a:t>
+            </a:r>
+            <a:r>
+              <a:rPr lang="en-US" altLang="zh-CN" dirty="0">
+                <a:latin typeface="楷体" panose="02010609060101010101" pitchFamily="49" charset="-122"/>
+                <a:ea typeface="楷体" panose="02010609060101010101" pitchFamily="49" charset="-122"/>
+              </a:rPr>
+              <a:t>101</a:t>
+            </a:r>
+            <a:r>
+              <a:rPr lang="zh-CN" altLang="en-US" dirty="0">
+                <a:latin typeface="楷体" panose="02010609060101010101" pitchFamily="49" charset="-122"/>
+                <a:ea typeface="楷体" panose="02010609060101010101" pitchFamily="49" charset="-122"/>
+              </a:rPr>
+              <a:t>、</a:t>
+            </a:r>
+            <a:r>
+              <a:rPr lang="en-US" altLang="zh-CN" dirty="0">
+                <a:latin typeface="楷体" panose="02010609060101010101" pitchFamily="49" charset="-122"/>
+                <a:ea typeface="楷体" panose="02010609060101010101" pitchFamily="49" charset="-122"/>
+              </a:rPr>
+              <a:t>110</a:t>
+            </a:r>
+            <a:r>
+              <a:rPr lang="zh-CN" altLang="en-US" dirty="0">
+                <a:latin typeface="楷体" panose="02010609060101010101" pitchFamily="49" charset="-122"/>
+                <a:ea typeface="楷体" panose="02010609060101010101" pitchFamily="49" charset="-122"/>
+              </a:rPr>
+              <a:t>的最小汉明距离是</a:t>
+            </a:r>
+            <a:r>
+              <a:rPr lang="en-US" altLang="zh-CN" dirty="0">
+                <a:latin typeface="楷体" panose="02010609060101010101" pitchFamily="49" charset="-122"/>
+                <a:ea typeface="楷体" panose="02010609060101010101" pitchFamily="49" charset="-122"/>
+              </a:rPr>
+              <a:t>2</a:t>
+            </a:r>
+          </a:p>
+          <a:p>
+            <a:pPr marL="914400" lvl="1" indent="-317500" algn="l" rtl="0">
+              <a:spcBef>
+                <a:spcPts val="0"/>
+              </a:spcBef>
+              <a:spcAft>
+                <a:spcPts val="0"/>
+              </a:spcAft>
+              <a:buSzPts val="1400"/>
+              <a:buChar char="○"/>
+            </a:pPr>
+            <a:endParaRPr lang="en-US" altLang="zh-CN" dirty="0">
+              <a:latin typeface="楷体" panose="02010609060101010101" pitchFamily="49" charset="-122"/>
+              <a:ea typeface="楷体" panose="02010609060101010101" pitchFamily="49" charset="-122"/>
+            </a:endParaRPr>
+          </a:p>
+          <a:p>
+            <a:pPr marL="914400" lvl="1" indent="-317500" algn="l" rtl="0">
+              <a:spcBef>
+                <a:spcPts val="0"/>
+              </a:spcBef>
+              <a:spcAft>
+                <a:spcPts val="0"/>
+              </a:spcAft>
+              <a:buSzPts val="1400"/>
+              <a:buChar char="○"/>
+            </a:pPr>
+            <a:endParaRPr lang="en-US" altLang="zh-CN" dirty="0">
+              <a:latin typeface="楷体" panose="02010609060101010101" pitchFamily="49" charset="-122"/>
+              <a:ea typeface="楷体" panose="02010609060101010101" pitchFamily="49" charset="-122"/>
+            </a:endParaRPr>
+          </a:p>
+          <a:p>
+            <a:pPr marL="914400" lvl="1" indent="-317500" algn="l" rtl="0">
+              <a:spcBef>
+                <a:spcPts val="0"/>
+              </a:spcBef>
+              <a:spcAft>
+                <a:spcPts val="0"/>
+              </a:spcAft>
+              <a:buSzPts val="1400"/>
+              <a:buChar char="○"/>
+            </a:pPr>
+            <a:endParaRPr lang="en-US" altLang="zh-CN" dirty="0">
+              <a:latin typeface="楷体" panose="02010609060101010101" pitchFamily="49" charset="-122"/>
+              <a:ea typeface="楷体" panose="02010609060101010101" pitchFamily="49" charset="-122"/>
+            </a:endParaRPr>
+          </a:p>
+          <a:p>
+            <a:pPr marL="914400" lvl="1" indent="-317500" algn="l" rtl="0">
+              <a:spcBef>
+                <a:spcPts val="0"/>
+              </a:spcBef>
+              <a:spcAft>
+                <a:spcPts val="0"/>
+              </a:spcAft>
+              <a:buSzPts val="1400"/>
+              <a:buChar char="○"/>
+            </a:pPr>
+            <a:endParaRPr lang="en-US" altLang="zh-CN" dirty="0">
+              <a:latin typeface="楷体" panose="02010609060101010101" pitchFamily="49" charset="-122"/>
+              <a:ea typeface="楷体" panose="02010609060101010101" pitchFamily="49" charset="-122"/>
+            </a:endParaRPr>
+          </a:p>
+          <a:p>
+            <a:pPr marL="457200" lvl="0" indent="-342900" algn="l" rtl="0">
+              <a:spcBef>
+                <a:spcPts val="0"/>
+              </a:spcBef>
+              <a:spcAft>
+                <a:spcPts val="0"/>
+              </a:spcAft>
+              <a:buSzPts val="1800"/>
+              <a:buChar char="●"/>
+            </a:pPr>
+            <a:r>
+              <a:rPr lang="zh-CN" altLang="en-US" dirty="0">
+                <a:latin typeface="楷体" panose="02010609060101010101" pitchFamily="49" charset="-122"/>
+                <a:ea typeface="楷体" panose="02010609060101010101" pitchFamily="49" charset="-122"/>
+              </a:rPr>
+              <a:t>简单奇偶校验：</a:t>
+            </a:r>
+            <a:endParaRPr lang="en-US" altLang="zh-CN" dirty="0">
+              <a:latin typeface="楷体" panose="02010609060101010101" pitchFamily="49" charset="-122"/>
+              <a:ea typeface="楷体" panose="02010609060101010101" pitchFamily="49" charset="-122"/>
+            </a:endParaRPr>
+          </a:p>
+          <a:p>
+            <a:pPr marL="914400" lvl="1" indent="-317500" algn="l" rtl="0">
+              <a:spcBef>
+                <a:spcPts val="0"/>
+              </a:spcBef>
+              <a:spcAft>
+                <a:spcPts val="0"/>
+              </a:spcAft>
+              <a:buSzPts val="1400"/>
+              <a:buChar char="○"/>
+            </a:pPr>
+            <a:r>
+              <a:rPr lang="zh-CN" altLang="en-US" dirty="0">
+                <a:latin typeface="楷体" panose="02010609060101010101" pitchFamily="49" charset="-122"/>
+                <a:ea typeface="楷体" panose="02010609060101010101" pitchFamily="49" charset="-122"/>
+              </a:rPr>
+              <a:t>例：奇校验   发送端 </a:t>
+            </a:r>
+            <a:r>
+              <a:rPr lang="en-US" altLang="zh-CN" dirty="0">
+                <a:latin typeface="楷体" panose="02010609060101010101" pitchFamily="49" charset="-122"/>
+                <a:ea typeface="楷体" panose="02010609060101010101" pitchFamily="49" charset="-122"/>
+              </a:rPr>
+              <a:t>0 010 ----</a:t>
+            </a:r>
+            <a:r>
+              <a:rPr lang="en-US" altLang="zh-CN" dirty="0">
+                <a:latin typeface="楷体" panose="02010609060101010101" pitchFamily="49" charset="-122"/>
+                <a:ea typeface="楷体" panose="02010609060101010101" pitchFamily="49" charset="-122"/>
+                <a:sym typeface="Wingdings" panose="05000000000000000000" pitchFamily="2" charset="2"/>
+              </a:rPr>
+              <a:t> </a:t>
+            </a:r>
+            <a:r>
+              <a:rPr lang="zh-CN" altLang="en-US" dirty="0">
+                <a:latin typeface="楷体" panose="02010609060101010101" pitchFamily="49" charset="-122"/>
+                <a:ea typeface="楷体" panose="02010609060101010101" pitchFamily="49" charset="-122"/>
+                <a:sym typeface="Wingdings" panose="05000000000000000000" pitchFamily="2" charset="2"/>
+              </a:rPr>
+              <a:t>接收端 对</a:t>
+            </a:r>
+            <a:r>
+              <a:rPr lang="en-US" altLang="zh-CN" dirty="0">
+                <a:latin typeface="楷体" panose="02010609060101010101" pitchFamily="49" charset="-122"/>
+                <a:ea typeface="楷体" panose="02010609060101010101" pitchFamily="49" charset="-122"/>
+                <a:sym typeface="Wingdings" panose="05000000000000000000" pitchFamily="2" charset="2"/>
+              </a:rPr>
+              <a:t>0010</a:t>
+            </a:r>
+            <a:r>
+              <a:rPr lang="zh-CN" altLang="en-US" dirty="0">
+                <a:latin typeface="楷体" panose="02010609060101010101" pitchFamily="49" charset="-122"/>
+                <a:ea typeface="楷体" panose="02010609060101010101" pitchFamily="49" charset="-122"/>
+                <a:sym typeface="Wingdings" panose="05000000000000000000" pitchFamily="2" charset="2"/>
+              </a:rPr>
+              <a:t>异或，得到结果</a:t>
+            </a:r>
+            <a:r>
+              <a:rPr lang="en-US" altLang="zh-CN" dirty="0">
+                <a:latin typeface="楷体" panose="02010609060101010101" pitchFamily="49" charset="-122"/>
+                <a:ea typeface="楷体" panose="02010609060101010101" pitchFamily="49" charset="-122"/>
+                <a:sym typeface="Wingdings" panose="05000000000000000000" pitchFamily="2" charset="2"/>
+              </a:rPr>
+              <a:t>1</a:t>
+            </a:r>
+            <a:r>
+              <a:rPr lang="zh-CN" altLang="en-US" dirty="0">
+                <a:latin typeface="楷体" panose="02010609060101010101" pitchFamily="49" charset="-122"/>
+                <a:ea typeface="楷体" panose="02010609060101010101" pitchFamily="49" charset="-122"/>
+                <a:sym typeface="Wingdings" panose="05000000000000000000" pitchFamily="2" charset="2"/>
+              </a:rPr>
+              <a:t>，符合奇校验</a:t>
+            </a:r>
+            <a:endParaRPr lang="en-US" altLang="zh-CN" dirty="0">
+              <a:latin typeface="楷体" panose="02010609060101010101" pitchFamily="49" charset="-122"/>
+              <a:ea typeface="楷体" panose="02010609060101010101" pitchFamily="49" charset="-122"/>
+              <a:sym typeface="Wingdings" panose="05000000000000000000" pitchFamily="2" charset="2"/>
+            </a:endParaRPr>
+          </a:p>
+          <a:p>
+            <a:pPr marL="914400" lvl="1" indent="-317500" algn="l" rtl="0">
+              <a:spcBef>
+                <a:spcPts val="0"/>
+              </a:spcBef>
+              <a:spcAft>
+                <a:spcPts val="0"/>
+              </a:spcAft>
+              <a:buSzPts val="1400"/>
+              <a:buChar char="○"/>
+            </a:pPr>
+            <a:r>
+              <a:rPr lang="zh-CN" altLang="en-US" dirty="0">
+                <a:latin typeface="楷体" panose="02010609060101010101" pitchFamily="49" charset="-122"/>
+                <a:ea typeface="楷体" panose="02010609060101010101" pitchFamily="49" charset="-122"/>
+                <a:sym typeface="Wingdings" panose="05000000000000000000" pitchFamily="2" charset="2"/>
+              </a:rPr>
+              <a:t>奇偶校验只能检测单比特错误或奇数个错误。</a:t>
+            </a:r>
+            <a:r>
+              <a:rPr lang="en-US" altLang="zh-CN" dirty="0">
+                <a:latin typeface="楷体" panose="02010609060101010101" pitchFamily="49" charset="-122"/>
+                <a:ea typeface="楷体" panose="02010609060101010101" pitchFamily="49" charset="-122"/>
+              </a:rPr>
+              <a:t> </a:t>
+            </a:r>
+            <a:endParaRPr lang="zh-CN" altLang="en-US" dirty="0">
+              <a:latin typeface="楷体" panose="02010609060101010101" pitchFamily="49" charset="-122"/>
+              <a:ea typeface="楷体" panose="02010609060101010101" pitchFamily="49" charset="-122"/>
+            </a:endParaRPr>
+          </a:p>
+        </p:txBody>
+      </p:sp>
+      <p:sp>
+        <p:nvSpPr>
+          <p:cNvPr id="107" name="Google Shape;107;p16"/>
+          <p:cNvSpPr txBox="1">
+            <a:spLocks noGrp="1"/>
+          </p:cNvSpPr>
+          <p:nvPr>
+            <p:ph type="sldNum" idx="12"/>
+          </p:nvPr>
+        </p:nvSpPr>
+        <p:spPr>
+          <a:xfrm>
+            <a:off x="8460431" y="4651190"/>
+            <a:ext cx="548700" cy="393600"/>
+          </a:xfrm>
+          <a:prstGeom prst="rect">
+            <a:avLst/>
+          </a:prstGeom>
+        </p:spPr>
+        <p:txBody>
+          <a:bodyPr spcFirstLastPara="1" wrap="square" lIns="91425" tIns="91425" rIns="91425" bIns="91425" anchor="ctr" anchorCtr="0">
+            <a:noAutofit/>
+          </a:bodyPr>
+          <a:lstStyle/>
+          <a:p>
+            <a:pPr marL="0" lvl="0" indent="0" algn="r" rtl="0">
+              <a:spcBef>
+                <a:spcPts val="0"/>
+              </a:spcBef>
+              <a:spcAft>
+                <a:spcPts val="0"/>
+              </a:spcAft>
+              <a:buNone/>
+            </a:pPr>
+            <a:fld id="{00000000-1234-1234-1234-123412341234}" type="slidenum">
+              <a:rPr lang="en"/>
+              <a:t>11</a:t>
+            </a:fld>
+            <a:endParaRPr/>
+          </a:p>
+        </p:txBody>
+      </p:sp>
+      <p:pic>
+        <p:nvPicPr>
+          <p:cNvPr id="3" name="图片 2">
+            <a:extLst>
+              <a:ext uri="{FF2B5EF4-FFF2-40B4-BE49-F238E27FC236}">
+                <a16:creationId xmlns:a16="http://schemas.microsoft.com/office/drawing/2014/main" id="{2110C616-948A-3433-2140-841E70701DDB}"/>
+              </a:ext>
+            </a:extLst>
+          </p:cNvPr>
+          <p:cNvPicPr>
+            <a:picLocks noChangeAspect="1"/>
+          </p:cNvPicPr>
+          <p:nvPr/>
+        </p:nvPicPr>
+        <p:blipFill rotWithShape="1">
+          <a:blip r:embed="rId3"/>
+          <a:srcRect t="10543"/>
+          <a:stretch/>
+        </p:blipFill>
+        <p:spPr>
+          <a:xfrm>
+            <a:off x="3916906" y="2100852"/>
+            <a:ext cx="5227093" cy="799068"/>
+          </a:xfrm>
+          <a:prstGeom prst="rect">
+            <a:avLst/>
+          </a:prstGeom>
+        </p:spPr>
+      </p:pic>
+      <p:pic>
+        <p:nvPicPr>
+          <p:cNvPr id="5" name="图片 4">
+            <a:extLst>
+              <a:ext uri="{FF2B5EF4-FFF2-40B4-BE49-F238E27FC236}">
+                <a16:creationId xmlns:a16="http://schemas.microsoft.com/office/drawing/2014/main" id="{3EA9A4A2-72D4-04AC-F152-ADFCF4BAAC81}"/>
+              </a:ext>
+            </a:extLst>
+          </p:cNvPr>
+          <p:cNvPicPr>
+            <a:picLocks noChangeAspect="1"/>
+          </p:cNvPicPr>
+          <p:nvPr/>
+        </p:nvPicPr>
+        <p:blipFill>
+          <a:blip r:embed="rId4"/>
+          <a:stretch>
+            <a:fillRect/>
+          </a:stretch>
+        </p:blipFill>
+        <p:spPr>
+          <a:xfrm>
+            <a:off x="7030686" y="1374604"/>
+            <a:ext cx="1552575" cy="438150"/>
+          </a:xfrm>
+          <a:prstGeom prst="rect">
+            <a:avLst/>
+          </a:prstGeom>
+        </p:spPr>
+      </p:pic>
+    </p:spTree>
+    <p:extLst>
+      <p:ext uri="{BB962C8B-B14F-4D97-AF65-F5344CB8AC3E}">
+        <p14:creationId xmlns:p14="http://schemas.microsoft.com/office/powerpoint/2010/main" val="929400319"/>
+      </p:ext>
+    </p:extLst>
+  </p:cSld>
+  <p:clrMapOvr>
+    <a:masterClrMapping/>
+  </p:clrMapOvr>
+</p:sld>
+</file>
+
+<file path=ppt/slides/slide12.xml><?xml version="1.0" encoding="utf-8"?>
+<p:sld xmlns:a="http://schemas.openxmlformats.org/drawingml/2006/main" xmlns:r="http://schemas.openxmlformats.org/officeDocument/2006/relationships" xmlns:p="http://schemas.openxmlformats.org/presentationml/2006/main">
+  <p:cSld>
+    <p:spTree>
+      <p:nvGrpSpPr>
+        <p:cNvPr id="1" name="Shape 104"/>
+        <p:cNvGrpSpPr/>
+        <p:nvPr/>
+      </p:nvGrpSpPr>
+      <p:grpSpPr>
+        <a:xfrm>
+          <a:off x="0" y="0"/>
+          <a:ext cx="0" cy="0"/>
+          <a:chOff x="0" y="0"/>
+          <a:chExt cx="0" cy="0"/>
+        </a:xfrm>
+      </p:grpSpPr>
+      <p:sp>
+        <p:nvSpPr>
+          <p:cNvPr id="105" name="Google Shape;105;p16"/>
+          <p:cNvSpPr txBox="1">
+            <a:spLocks noGrp="1"/>
+          </p:cNvSpPr>
+          <p:nvPr>
+            <p:ph type="title"/>
+          </p:nvPr>
+        </p:nvSpPr>
+        <p:spPr>
+          <a:xfrm>
+            <a:off x="311700" y="294450"/>
+            <a:ext cx="8697432" cy="607800"/>
+          </a:xfrm>
+          <a:prstGeom prst="rect">
+            <a:avLst/>
+          </a:prstGeom>
+        </p:spPr>
+        <p:txBody>
+          <a:bodyPr spcFirstLastPara="1" wrap="square" lIns="91425" tIns="91425" rIns="91425" bIns="91425" anchor="t" anchorCtr="0">
+            <a:noAutofit/>
+          </a:bodyPr>
+          <a:lstStyle/>
+          <a:p>
+            <a:pPr marL="0" lvl="0" indent="0" algn="l" rtl="0">
+              <a:spcBef>
+                <a:spcPts val="0"/>
+              </a:spcBef>
+              <a:spcAft>
+                <a:spcPts val="0"/>
+              </a:spcAft>
+              <a:buNone/>
+            </a:pPr>
+            <a:r>
+              <a:rPr lang="en-US" altLang="zh-CN" sz="2800" dirty="0">
+                <a:latin typeface="微软雅黑" panose="020B0503020204020204" pitchFamily="34" charset="-122"/>
+                <a:ea typeface="微软雅黑" panose="020B0503020204020204" pitchFamily="34" charset="-122"/>
+              </a:rPr>
+              <a:t>Soft Errors</a:t>
+            </a:r>
+            <a:endParaRPr sz="2800" dirty="0">
+              <a:latin typeface="微软雅黑" panose="020B0503020204020204" pitchFamily="34" charset="-122"/>
+              <a:ea typeface="微软雅黑" panose="020B0503020204020204" pitchFamily="34" charset="-122"/>
+            </a:endParaRPr>
+          </a:p>
+        </p:txBody>
+      </p:sp>
+      <p:sp>
+        <p:nvSpPr>
+          <p:cNvPr id="106" name="Google Shape;106;p16"/>
+          <p:cNvSpPr txBox="1">
+            <a:spLocks noGrp="1"/>
+          </p:cNvSpPr>
+          <p:nvPr>
+            <p:ph type="body" idx="1"/>
+          </p:nvPr>
+        </p:nvSpPr>
+        <p:spPr>
+          <a:xfrm>
+            <a:off x="311700" y="902250"/>
+            <a:ext cx="8520600" cy="4025350"/>
+          </a:xfrm>
+          <a:prstGeom prst="rect">
+            <a:avLst/>
+          </a:prstGeom>
+        </p:spPr>
+        <p:txBody>
+          <a:bodyPr spcFirstLastPara="1" wrap="square" lIns="91425" tIns="91425" rIns="91425" bIns="91425" anchor="t" anchorCtr="0">
+            <a:noAutofit/>
+          </a:bodyPr>
+          <a:lstStyle/>
+          <a:p>
+            <a:pPr marL="457200" lvl="0" indent="-342900" algn="l" rtl="0">
+              <a:spcBef>
+                <a:spcPts val="0"/>
+              </a:spcBef>
+              <a:spcAft>
+                <a:spcPts val="0"/>
+              </a:spcAft>
+              <a:buSzPts val="1800"/>
+              <a:buChar char="●"/>
+            </a:pPr>
+            <a:r>
+              <a:rPr lang="zh-CN" altLang="en-US" dirty="0">
+                <a:latin typeface="楷体" panose="02010609060101010101" pitchFamily="49" charset="-122"/>
+                <a:ea typeface="楷体" panose="02010609060101010101" pitchFamily="49" charset="-122"/>
+              </a:rPr>
+              <a:t>交错奇偶校验：</a:t>
+            </a:r>
+            <a:endParaRPr lang="en-US" altLang="zh-CN" dirty="0">
+              <a:latin typeface="楷体" panose="02010609060101010101" pitchFamily="49" charset="-122"/>
+              <a:ea typeface="楷体" panose="02010609060101010101" pitchFamily="49" charset="-122"/>
+            </a:endParaRPr>
+          </a:p>
+          <a:p>
+            <a:pPr marL="914400" lvl="1" indent="-317500" algn="l" rtl="0">
+              <a:spcBef>
+                <a:spcPts val="0"/>
+              </a:spcBef>
+              <a:spcAft>
+                <a:spcPts val="0"/>
+              </a:spcAft>
+              <a:buSzPts val="1400"/>
+              <a:buChar char="○"/>
+            </a:pPr>
+            <a:r>
+              <a:rPr lang="zh-CN" altLang="en-US" dirty="0">
+                <a:latin typeface="楷体" panose="02010609060101010101" pitchFamily="49" charset="-122"/>
+                <a:ea typeface="楷体" panose="02010609060101010101" pitchFamily="49" charset="-122"/>
+              </a:rPr>
+              <a:t>交错的奇偶校验可以检测空间上连续的多位故障</a:t>
+            </a:r>
+            <a:endParaRPr lang="en-US" altLang="zh-CN" dirty="0">
+              <a:latin typeface="楷体" panose="02010609060101010101" pitchFamily="49" charset="-122"/>
+              <a:ea typeface="楷体" panose="02010609060101010101" pitchFamily="49" charset="-122"/>
+            </a:endParaRPr>
+          </a:p>
+          <a:p>
+            <a:pPr marL="914400" lvl="1" indent="-317500" algn="l" rtl="0">
+              <a:spcBef>
+                <a:spcPts val="0"/>
+              </a:spcBef>
+              <a:spcAft>
+                <a:spcPts val="0"/>
+              </a:spcAft>
+              <a:buSzPts val="1400"/>
+              <a:buChar char="○"/>
+            </a:pPr>
+            <a:r>
+              <a:rPr lang="zh-CN" altLang="en-US" dirty="0">
+                <a:latin typeface="楷体" panose="02010609060101010101" pitchFamily="49" charset="-122"/>
+                <a:ea typeface="楷体" panose="02010609060101010101" pitchFamily="49" charset="-122"/>
+              </a:rPr>
+              <a:t>如果</a:t>
+            </a:r>
+            <a:r>
+              <a:rPr lang="en-US" altLang="zh-CN" dirty="0">
+                <a:latin typeface="楷体" panose="02010609060101010101" pitchFamily="49" charset="-122"/>
+                <a:ea typeface="楷体" panose="02010609060101010101" pitchFamily="49" charset="-122"/>
+              </a:rPr>
+              <a:t>α</a:t>
+            </a:r>
+            <a:r>
+              <a:rPr lang="zh-CN" altLang="en-US" dirty="0">
+                <a:latin typeface="楷体" panose="02010609060101010101" pitchFamily="49" charset="-122"/>
+                <a:ea typeface="楷体" panose="02010609060101010101" pitchFamily="49" charset="-122"/>
+              </a:rPr>
+              <a:t>粒子或中子撞击破坏了两个连续位，那么</a:t>
+            </a:r>
+            <a:endParaRPr lang="en-US" altLang="zh-CN" dirty="0">
+              <a:latin typeface="楷体" panose="02010609060101010101" pitchFamily="49" charset="-122"/>
+              <a:ea typeface="楷体" panose="02010609060101010101" pitchFamily="49" charset="-122"/>
+            </a:endParaRPr>
+          </a:p>
+          <a:p>
+            <a:pPr marL="596900" lvl="1" indent="0" algn="l" rtl="0">
+              <a:spcBef>
+                <a:spcPts val="0"/>
+              </a:spcBef>
+              <a:spcAft>
+                <a:spcPts val="0"/>
+              </a:spcAft>
+              <a:buSzPts val="1400"/>
+              <a:buNone/>
+            </a:pPr>
+            <a:r>
+              <a:rPr lang="en-US" altLang="zh-CN" dirty="0">
+                <a:latin typeface="楷体" panose="02010609060101010101" pitchFamily="49" charset="-122"/>
+                <a:ea typeface="楷体" panose="02010609060101010101" pitchFamily="49" charset="-122"/>
+              </a:rPr>
+              <a:t>    Code Word 1</a:t>
+            </a:r>
+            <a:r>
+              <a:rPr lang="zh-CN" altLang="en-US" dirty="0">
+                <a:latin typeface="楷体" panose="02010609060101010101" pitchFamily="49" charset="-122"/>
+                <a:ea typeface="楷体" panose="02010609060101010101" pitchFamily="49" charset="-122"/>
+              </a:rPr>
+              <a:t>和</a:t>
+            </a:r>
+            <a:r>
+              <a:rPr lang="en-US" altLang="zh-CN" dirty="0">
+                <a:latin typeface="楷体" panose="02010609060101010101" pitchFamily="49" charset="-122"/>
+                <a:ea typeface="楷体" panose="02010609060101010101" pitchFamily="49" charset="-122"/>
+              </a:rPr>
+              <a:t>Code Word 2</a:t>
+            </a:r>
+            <a:r>
+              <a:rPr lang="zh-CN" altLang="en-US" dirty="0">
+                <a:latin typeface="楷体" panose="02010609060101010101" pitchFamily="49" charset="-122"/>
+                <a:ea typeface="楷体" panose="02010609060101010101" pitchFamily="49" charset="-122"/>
+              </a:rPr>
+              <a:t>均检测到错误。</a:t>
+            </a:r>
+            <a:endParaRPr lang="en-US" altLang="zh-CN" dirty="0">
+              <a:latin typeface="楷体" panose="02010609060101010101" pitchFamily="49" charset="-122"/>
+              <a:ea typeface="楷体" panose="02010609060101010101" pitchFamily="49" charset="-122"/>
+            </a:endParaRPr>
+          </a:p>
+          <a:p>
+            <a:pPr marL="457200" lvl="0" indent="-342900" algn="l" rtl="0">
+              <a:spcBef>
+                <a:spcPts val="0"/>
+              </a:spcBef>
+              <a:spcAft>
+                <a:spcPts val="0"/>
+              </a:spcAft>
+              <a:buSzPts val="1800"/>
+              <a:buChar char="●"/>
+            </a:pPr>
+            <a:r>
+              <a:rPr lang="zh-CN" altLang="en-US" dirty="0">
+                <a:latin typeface="楷体" panose="02010609060101010101" pitchFamily="49" charset="-122"/>
+                <a:ea typeface="楷体" panose="02010609060101010101" pitchFamily="49" charset="-122"/>
+              </a:rPr>
+              <a:t>单纠错双检错</a:t>
+            </a:r>
+            <a:r>
+              <a:rPr lang="en-US" altLang="zh-CN" dirty="0">
+                <a:latin typeface="楷体" panose="02010609060101010101" pitchFamily="49" charset="-122"/>
+                <a:ea typeface="楷体" panose="02010609060101010101" pitchFamily="49" charset="-122"/>
+              </a:rPr>
+              <a:t>(SECDED) </a:t>
+            </a:r>
+            <a:r>
+              <a:rPr lang="zh-CN" altLang="en-US" dirty="0">
+                <a:latin typeface="楷体" panose="02010609060101010101" pitchFamily="49" charset="-122"/>
+                <a:ea typeface="楷体" panose="02010609060101010101" pitchFamily="49" charset="-122"/>
+              </a:rPr>
+              <a:t>汉明码：</a:t>
+            </a:r>
+            <a:endParaRPr lang="en-US" altLang="zh-CN" dirty="0">
+              <a:latin typeface="楷体" panose="02010609060101010101" pitchFamily="49" charset="-122"/>
+              <a:ea typeface="楷体" panose="02010609060101010101" pitchFamily="49" charset="-122"/>
+            </a:endParaRPr>
+          </a:p>
+          <a:p>
+            <a:pPr marL="914400" lvl="1" indent="-317500" algn="l" rtl="0">
+              <a:spcBef>
+                <a:spcPts val="0"/>
+              </a:spcBef>
+              <a:spcAft>
+                <a:spcPts val="0"/>
+              </a:spcAft>
+              <a:buSzPts val="1400"/>
+              <a:buChar char="○"/>
+            </a:pPr>
+            <a:endParaRPr lang="en-US" altLang="zh-CN" dirty="0">
+              <a:latin typeface="楷体" panose="02010609060101010101" pitchFamily="49" charset="-122"/>
+              <a:ea typeface="楷体" panose="02010609060101010101" pitchFamily="49" charset="-122"/>
+            </a:endParaRPr>
+          </a:p>
+          <a:p>
+            <a:pPr marL="457200" lvl="0" indent="-342900" algn="l" rtl="0">
+              <a:spcBef>
+                <a:spcPts val="0"/>
+              </a:spcBef>
+              <a:spcAft>
+                <a:spcPts val="0"/>
+              </a:spcAft>
+              <a:buSzPts val="1800"/>
+              <a:buChar char="●"/>
+            </a:pPr>
+            <a:r>
+              <a:rPr lang="en-US" altLang="zh-CN" dirty="0">
+                <a:latin typeface="楷体" panose="02010609060101010101" pitchFamily="49" charset="-122"/>
+                <a:ea typeface="楷体" panose="02010609060101010101" pitchFamily="49" charset="-122"/>
+              </a:rPr>
+              <a:t>CRC</a:t>
+            </a:r>
+            <a:r>
+              <a:rPr lang="zh-CN" altLang="en-US" dirty="0">
+                <a:latin typeface="楷体" panose="02010609060101010101" pitchFamily="49" charset="-122"/>
+                <a:ea typeface="楷体" panose="02010609060101010101" pitchFamily="49" charset="-122"/>
+              </a:rPr>
+              <a:t>校验</a:t>
+            </a:r>
+            <a:r>
+              <a:rPr lang="en-US" altLang="zh-CN" dirty="0">
+                <a:latin typeface="楷体" panose="02010609060101010101" pitchFamily="49" charset="-122"/>
+                <a:ea typeface="楷体" panose="02010609060101010101" pitchFamily="49" charset="-122"/>
+              </a:rPr>
+              <a:t>(</a:t>
+            </a:r>
+            <a:r>
+              <a:rPr lang="zh-CN" altLang="en-US" dirty="0">
+                <a:latin typeface="楷体" panose="02010609060101010101" pitchFamily="49" charset="-122"/>
+                <a:ea typeface="楷体" panose="02010609060101010101" pitchFamily="49" charset="-122"/>
+              </a:rPr>
+              <a:t>循环冗余编码</a:t>
+            </a:r>
+            <a:r>
+              <a:rPr lang="en-US" altLang="zh-CN" dirty="0">
+                <a:latin typeface="楷体" panose="02010609060101010101" pitchFamily="49" charset="-122"/>
+                <a:ea typeface="楷体" panose="02010609060101010101" pitchFamily="49" charset="-122"/>
+              </a:rPr>
+              <a:t>)</a:t>
+            </a:r>
+            <a:r>
+              <a:rPr lang="zh-CN" altLang="en-US" dirty="0">
+                <a:latin typeface="楷体" panose="02010609060101010101" pitchFamily="49" charset="-122"/>
+                <a:ea typeface="楷体" panose="02010609060101010101" pitchFamily="49" charset="-122"/>
+              </a:rPr>
+              <a:t>：</a:t>
+            </a:r>
+            <a:endParaRPr lang="en-US" altLang="zh-CN" dirty="0">
+              <a:latin typeface="楷体" panose="02010609060101010101" pitchFamily="49" charset="-122"/>
+              <a:ea typeface="楷体" panose="02010609060101010101" pitchFamily="49" charset="-122"/>
+            </a:endParaRPr>
+          </a:p>
+          <a:p>
+            <a:pPr marL="914400" lvl="1" indent="-317500" algn="l" rtl="0">
+              <a:spcBef>
+                <a:spcPts val="0"/>
+              </a:spcBef>
+              <a:spcAft>
+                <a:spcPts val="0"/>
+              </a:spcAft>
+              <a:buSzPts val="1400"/>
+              <a:buChar char="○"/>
+            </a:pPr>
+            <a:endParaRPr lang="en-US" altLang="zh-CN" dirty="0">
+              <a:latin typeface="楷体" panose="02010609060101010101" pitchFamily="49" charset="-122"/>
+              <a:ea typeface="楷体" panose="02010609060101010101" pitchFamily="49" charset="-122"/>
+            </a:endParaRPr>
+          </a:p>
+          <a:p>
+            <a:pPr marL="457200" lvl="0" indent="-342900" algn="l" rtl="0">
+              <a:spcBef>
+                <a:spcPts val="0"/>
+              </a:spcBef>
+              <a:spcAft>
+                <a:spcPts val="0"/>
+              </a:spcAft>
+              <a:buSzPts val="1800"/>
+              <a:buChar char="●"/>
+            </a:pPr>
+            <a:r>
+              <a:rPr lang="zh-CN" altLang="en-US" dirty="0">
+                <a:latin typeface="楷体" panose="02010609060101010101" pitchFamily="49" charset="-122"/>
+                <a:ea typeface="楷体" panose="02010609060101010101" pitchFamily="49" charset="-122"/>
+              </a:rPr>
+              <a:t>流水线中执行单元的错误检测：</a:t>
+            </a:r>
+            <a:endParaRPr lang="en-US" altLang="zh-CN" dirty="0">
+              <a:latin typeface="楷体" panose="02010609060101010101" pitchFamily="49" charset="-122"/>
+              <a:ea typeface="楷体" panose="02010609060101010101" pitchFamily="49" charset="-122"/>
+            </a:endParaRPr>
+          </a:p>
+          <a:p>
+            <a:pPr marL="914400" lvl="1" indent="-317500" algn="l" rtl="0">
+              <a:spcBef>
+                <a:spcPts val="0"/>
+              </a:spcBef>
+              <a:spcAft>
+                <a:spcPts val="0"/>
+              </a:spcAft>
+              <a:buSzPts val="1400"/>
+              <a:buChar char="○"/>
+            </a:pPr>
+            <a:r>
+              <a:rPr lang="en-US" altLang="zh-CN" dirty="0">
+                <a:latin typeface="楷体" panose="02010609060101010101" pitchFamily="49" charset="-122"/>
+                <a:ea typeface="楷体" panose="02010609060101010101" pitchFamily="49" charset="-122"/>
+              </a:rPr>
+              <a:t>AN</a:t>
+            </a:r>
+            <a:r>
+              <a:rPr lang="zh-CN" altLang="en-US" dirty="0">
+                <a:latin typeface="楷体" panose="02010609060101010101" pitchFamily="49" charset="-122"/>
+                <a:ea typeface="楷体" panose="02010609060101010101" pitchFamily="49" charset="-122"/>
+              </a:rPr>
+              <a:t>码、残差码</a:t>
+            </a:r>
+            <a:r>
+              <a:rPr lang="en-US" altLang="zh-CN" dirty="0">
+                <a:latin typeface="楷体" panose="02010609060101010101" pitchFamily="49" charset="-122"/>
+                <a:ea typeface="楷体" panose="02010609060101010101" pitchFamily="49" charset="-122"/>
+              </a:rPr>
+              <a:t>(Residue Codes)</a:t>
+            </a:r>
+            <a:r>
+              <a:rPr lang="zh-CN" altLang="en-US" dirty="0">
+                <a:latin typeface="楷体" panose="02010609060101010101" pitchFamily="49" charset="-122"/>
+                <a:ea typeface="楷体" panose="02010609060101010101" pitchFamily="49" charset="-122"/>
+              </a:rPr>
+              <a:t>、奇偶预测</a:t>
+            </a:r>
+          </a:p>
+        </p:txBody>
+      </p:sp>
+      <p:sp>
+        <p:nvSpPr>
+          <p:cNvPr id="107" name="Google Shape;107;p16"/>
+          <p:cNvSpPr txBox="1">
+            <a:spLocks noGrp="1"/>
+          </p:cNvSpPr>
+          <p:nvPr>
+            <p:ph type="sldNum" idx="12"/>
+          </p:nvPr>
+        </p:nvSpPr>
+        <p:spPr>
+          <a:xfrm>
+            <a:off x="8460431" y="4651190"/>
+            <a:ext cx="548700" cy="393600"/>
+          </a:xfrm>
+          <a:prstGeom prst="rect">
+            <a:avLst/>
+          </a:prstGeom>
+        </p:spPr>
+        <p:txBody>
+          <a:bodyPr spcFirstLastPara="1" wrap="square" lIns="91425" tIns="91425" rIns="91425" bIns="91425" anchor="ctr" anchorCtr="0">
+            <a:noAutofit/>
+          </a:bodyPr>
+          <a:lstStyle/>
+          <a:p>
+            <a:pPr marL="0" lvl="0" indent="0" algn="r" rtl="0">
+              <a:spcBef>
+                <a:spcPts val="0"/>
+              </a:spcBef>
+              <a:spcAft>
+                <a:spcPts val="0"/>
+              </a:spcAft>
+              <a:buNone/>
+            </a:pPr>
+            <a:fld id="{00000000-1234-1234-1234-123412341234}" type="slidenum">
+              <a:rPr lang="en"/>
+              <a:t>12</a:t>
+            </a:fld>
+            <a:endParaRPr/>
+          </a:p>
+        </p:txBody>
+      </p:sp>
+      <p:pic>
+        <p:nvPicPr>
+          <p:cNvPr id="4" name="图片 3">
+            <a:extLst>
+              <a:ext uri="{FF2B5EF4-FFF2-40B4-BE49-F238E27FC236}">
+                <a16:creationId xmlns:a16="http://schemas.microsoft.com/office/drawing/2014/main" id="{BFE86BBC-FD1B-4801-B5D3-AC55B1EAED76}"/>
+              </a:ext>
+            </a:extLst>
+          </p:cNvPr>
+          <p:cNvPicPr>
+            <a:picLocks noChangeAspect="1"/>
+          </p:cNvPicPr>
+          <p:nvPr/>
+        </p:nvPicPr>
+        <p:blipFill>
+          <a:blip r:embed="rId3"/>
+          <a:stretch>
+            <a:fillRect/>
+          </a:stretch>
+        </p:blipFill>
+        <p:spPr>
+          <a:xfrm>
+            <a:off x="5220015" y="1090472"/>
+            <a:ext cx="3789116" cy="1036590"/>
+          </a:xfrm>
+          <a:prstGeom prst="rect">
+            <a:avLst/>
+          </a:prstGeom>
+        </p:spPr>
+      </p:pic>
+    </p:spTree>
+    <p:extLst>
+      <p:ext uri="{BB962C8B-B14F-4D97-AF65-F5344CB8AC3E}">
+        <p14:creationId xmlns:p14="http://schemas.microsoft.com/office/powerpoint/2010/main" val="3427740428"/>
+      </p:ext>
+    </p:extLst>
+  </p:cSld>
+  <p:clrMapOvr>
+    <a:masterClrMapping/>
+  </p:clrMapOvr>
+</p:sld>
+</file>
+
+<file path=ppt/slides/slide13.xml><?xml version="1.0" encoding="utf-8"?>
+<p:sld xmlns:a="http://schemas.openxmlformats.org/drawingml/2006/main" xmlns:r="http://schemas.openxmlformats.org/officeDocument/2006/relationships" xmlns:p="http://schemas.openxmlformats.org/presentationml/2006/main">
+  <p:cSld>
+    <p:spTree>
+      <p:nvGrpSpPr>
+        <p:cNvPr id="1" name="Shape 104"/>
+        <p:cNvGrpSpPr/>
+        <p:nvPr/>
+      </p:nvGrpSpPr>
+      <p:grpSpPr>
+        <a:xfrm>
+          <a:off x="0" y="0"/>
+          <a:ext cx="0" cy="0"/>
+          <a:chOff x="0" y="0"/>
+          <a:chExt cx="0" cy="0"/>
+        </a:xfrm>
+      </p:grpSpPr>
+      <p:sp>
+        <p:nvSpPr>
+          <p:cNvPr id="105" name="Google Shape;105;p16"/>
+          <p:cNvSpPr txBox="1">
+            <a:spLocks noGrp="1"/>
+          </p:cNvSpPr>
+          <p:nvPr>
+            <p:ph type="title"/>
+          </p:nvPr>
+        </p:nvSpPr>
+        <p:spPr>
+          <a:xfrm>
+            <a:off x="311700" y="294450"/>
+            <a:ext cx="8697432" cy="607800"/>
+          </a:xfrm>
+          <a:prstGeom prst="rect">
+            <a:avLst/>
+          </a:prstGeom>
+        </p:spPr>
+        <p:txBody>
+          <a:bodyPr spcFirstLastPara="1" wrap="square" lIns="91425" tIns="91425" rIns="91425" bIns="91425" anchor="t" anchorCtr="0">
+            <a:noAutofit/>
+          </a:bodyPr>
+          <a:lstStyle/>
+          <a:p>
+            <a:pPr marL="0" lvl="0" indent="0" algn="l" rtl="0">
+              <a:spcBef>
+                <a:spcPts val="0"/>
+              </a:spcBef>
+              <a:spcAft>
+                <a:spcPts val="0"/>
+              </a:spcAft>
+              <a:buNone/>
+            </a:pPr>
+            <a:r>
+              <a:rPr lang="en-US" altLang="zh-CN" sz="2800" dirty="0">
+                <a:latin typeface="微软雅黑" panose="020B0503020204020204" pitchFamily="34" charset="-122"/>
+                <a:ea typeface="微软雅黑" panose="020B0503020204020204" pitchFamily="34" charset="-122"/>
+              </a:rPr>
+              <a:t>Soft Errors</a:t>
+            </a:r>
+            <a:endParaRPr sz="2800" dirty="0">
+              <a:latin typeface="微软雅黑" panose="020B0503020204020204" pitchFamily="34" charset="-122"/>
+              <a:ea typeface="微软雅黑" panose="020B0503020204020204" pitchFamily="34" charset="-122"/>
+            </a:endParaRPr>
+          </a:p>
+        </p:txBody>
+      </p:sp>
+      <p:sp>
+        <p:nvSpPr>
+          <p:cNvPr id="106" name="Google Shape;106;p16"/>
+          <p:cNvSpPr txBox="1">
+            <a:spLocks noGrp="1"/>
+          </p:cNvSpPr>
+          <p:nvPr>
+            <p:ph type="body" idx="1"/>
+          </p:nvPr>
+        </p:nvSpPr>
+        <p:spPr>
+          <a:xfrm>
+            <a:off x="311700" y="902250"/>
+            <a:ext cx="8520600" cy="4025350"/>
+          </a:xfrm>
+          <a:prstGeom prst="rect">
+            <a:avLst/>
+          </a:prstGeom>
+        </p:spPr>
+        <p:txBody>
+          <a:bodyPr spcFirstLastPara="1" wrap="square" lIns="91425" tIns="91425" rIns="91425" bIns="91425" anchor="t" anchorCtr="0">
+            <a:noAutofit/>
+          </a:bodyPr>
+          <a:lstStyle/>
+          <a:p>
+            <a:pPr marL="457200" lvl="0" indent="-342900" algn="l" rtl="0">
+              <a:spcBef>
+                <a:spcPts val="0"/>
+              </a:spcBef>
+              <a:spcAft>
+                <a:spcPts val="0"/>
+              </a:spcAft>
+              <a:buSzPts val="1800"/>
+              <a:buChar char="●"/>
+            </a:pPr>
+            <a:r>
+              <a:rPr lang="zh-CN" altLang="en-US" dirty="0">
+                <a:latin typeface="楷体" panose="02010609060101010101" pitchFamily="49" charset="-122"/>
+                <a:ea typeface="楷体" panose="02010609060101010101" pitchFamily="49" charset="-122"/>
+              </a:rPr>
+              <a:t>处理器中的</a:t>
+            </a:r>
+            <a:r>
+              <a:rPr lang="en-US" altLang="zh-CN" dirty="0">
+                <a:latin typeface="楷体" panose="02010609060101010101" pitchFamily="49" charset="-122"/>
+                <a:ea typeface="楷体" panose="02010609060101010101" pitchFamily="49" charset="-122"/>
+              </a:rPr>
+              <a:t>false DUE</a:t>
+            </a:r>
+            <a:r>
+              <a:rPr lang="zh-CN" altLang="en-US" dirty="0">
+                <a:latin typeface="楷体" panose="02010609060101010101" pitchFamily="49" charset="-122"/>
+                <a:ea typeface="楷体" panose="02010609060101010101" pitchFamily="49" charset="-122"/>
+              </a:rPr>
+              <a:t>事件来源：</a:t>
+            </a:r>
+            <a:endParaRPr lang="en-US" altLang="zh-CN" dirty="0">
+              <a:latin typeface="楷体" panose="02010609060101010101" pitchFamily="49" charset="-122"/>
+              <a:ea typeface="楷体" panose="02010609060101010101" pitchFamily="49" charset="-122"/>
+            </a:endParaRPr>
+          </a:p>
+          <a:p>
+            <a:pPr marL="914400" lvl="1" indent="-317500" algn="l" rtl="0">
+              <a:spcBef>
+                <a:spcPts val="0"/>
+              </a:spcBef>
+              <a:spcAft>
+                <a:spcPts val="0"/>
+              </a:spcAft>
+              <a:buSzPts val="1400"/>
+              <a:buChar char="○"/>
+            </a:pPr>
+            <a:r>
+              <a:rPr lang="zh-CN" altLang="en-US" dirty="0">
+                <a:latin typeface="楷体" panose="02010609060101010101" pitchFamily="49" charset="-122"/>
+                <a:ea typeface="楷体" panose="02010609060101010101" pitchFamily="49" charset="-122"/>
+              </a:rPr>
+              <a:t>是</a:t>
+            </a:r>
+            <a:endParaRPr lang="en-US" altLang="zh-CN" dirty="0">
+              <a:latin typeface="楷体" panose="02010609060101010101" pitchFamily="49" charset="-122"/>
+              <a:ea typeface="楷体" panose="02010609060101010101" pitchFamily="49" charset="-122"/>
+            </a:endParaRPr>
+          </a:p>
+          <a:p>
+            <a:pPr marL="914400" lvl="1" indent="-317500" algn="l" rtl="0">
+              <a:spcBef>
+                <a:spcPts val="0"/>
+              </a:spcBef>
+              <a:spcAft>
+                <a:spcPts val="0"/>
+              </a:spcAft>
+              <a:buSzPts val="1400"/>
+              <a:buChar char="○"/>
+            </a:pPr>
+            <a:endParaRPr lang="en-US" altLang="zh-CN" dirty="0">
+              <a:latin typeface="楷体" panose="02010609060101010101" pitchFamily="49" charset="-122"/>
+              <a:ea typeface="楷体" panose="02010609060101010101" pitchFamily="49" charset="-122"/>
+            </a:endParaRPr>
+          </a:p>
+          <a:p>
+            <a:pPr marL="457200" lvl="0" indent="-342900" algn="l" rtl="0">
+              <a:spcBef>
+                <a:spcPts val="0"/>
+              </a:spcBef>
+              <a:spcAft>
+                <a:spcPts val="0"/>
+              </a:spcAft>
+              <a:buSzPts val="1800"/>
+              <a:buChar char="●"/>
+            </a:pPr>
+            <a:r>
+              <a:rPr lang="en-US" altLang="zh-CN" dirty="0">
+                <a:latin typeface="楷体" panose="02010609060101010101" pitchFamily="49" charset="-122"/>
+                <a:ea typeface="楷体" panose="02010609060101010101" pitchFamily="49" charset="-122"/>
+              </a:rPr>
+              <a:t>ECC</a:t>
+            </a:r>
+            <a:r>
+              <a:rPr lang="zh-CN" altLang="en-US" dirty="0">
+                <a:latin typeface="楷体" panose="02010609060101010101" pitchFamily="49" charset="-122"/>
+                <a:ea typeface="楷体" panose="02010609060101010101" pitchFamily="49" charset="-122"/>
+              </a:rPr>
+              <a:t>：</a:t>
+            </a:r>
+            <a:endParaRPr lang="en-US" altLang="zh-CN" dirty="0">
+              <a:latin typeface="楷体" panose="02010609060101010101" pitchFamily="49" charset="-122"/>
+              <a:ea typeface="楷体" panose="02010609060101010101" pitchFamily="49" charset="-122"/>
+            </a:endParaRPr>
+          </a:p>
+          <a:p>
+            <a:pPr marL="914400" lvl="1" indent="-317500" algn="l" rtl="0">
+              <a:spcBef>
+                <a:spcPts val="0"/>
+              </a:spcBef>
+              <a:spcAft>
+                <a:spcPts val="0"/>
+              </a:spcAft>
+              <a:buSzPts val="1400"/>
+              <a:buChar char="○"/>
+            </a:pPr>
+            <a:endParaRPr lang="en-US" altLang="zh-CN" dirty="0">
+              <a:latin typeface="楷体" panose="02010609060101010101" pitchFamily="49" charset="-122"/>
+              <a:ea typeface="楷体" panose="02010609060101010101" pitchFamily="49" charset="-122"/>
+            </a:endParaRPr>
+          </a:p>
+          <a:p>
+            <a:pPr marL="914400" lvl="1" indent="-317500" algn="l" rtl="0">
+              <a:spcBef>
+                <a:spcPts val="0"/>
+              </a:spcBef>
+              <a:spcAft>
+                <a:spcPts val="0"/>
+              </a:spcAft>
+              <a:buSzPts val="1400"/>
+              <a:buChar char="○"/>
+            </a:pPr>
+            <a:endParaRPr lang="en-US" altLang="zh-CN" dirty="0">
+              <a:latin typeface="楷体" panose="02010609060101010101" pitchFamily="49" charset="-122"/>
+              <a:ea typeface="楷体" panose="02010609060101010101" pitchFamily="49" charset="-122"/>
+            </a:endParaRPr>
+          </a:p>
+        </p:txBody>
+      </p:sp>
+      <p:sp>
+        <p:nvSpPr>
+          <p:cNvPr id="107" name="Google Shape;107;p16"/>
+          <p:cNvSpPr txBox="1">
+            <a:spLocks noGrp="1"/>
+          </p:cNvSpPr>
+          <p:nvPr>
+            <p:ph type="sldNum" idx="12"/>
+          </p:nvPr>
+        </p:nvSpPr>
+        <p:spPr>
+          <a:xfrm>
+            <a:off x="8460431" y="4651190"/>
+            <a:ext cx="548700" cy="393600"/>
+          </a:xfrm>
+          <a:prstGeom prst="rect">
+            <a:avLst/>
+          </a:prstGeom>
+        </p:spPr>
+        <p:txBody>
+          <a:bodyPr spcFirstLastPara="1" wrap="square" lIns="91425" tIns="91425" rIns="91425" bIns="91425" anchor="ctr" anchorCtr="0">
+            <a:noAutofit/>
+          </a:bodyPr>
+          <a:lstStyle/>
+          <a:p>
+            <a:pPr marL="0" lvl="0" indent="0" algn="r" rtl="0">
+              <a:spcBef>
+                <a:spcPts val="0"/>
+              </a:spcBef>
+              <a:spcAft>
+                <a:spcPts val="0"/>
+              </a:spcAft>
+              <a:buNone/>
+            </a:pPr>
+            <a:fld id="{00000000-1234-1234-1234-123412341234}" type="slidenum">
+              <a:rPr lang="en"/>
+              <a:t>13</a:t>
+            </a:fld>
+            <a:endParaRPr/>
+          </a:p>
+        </p:txBody>
+      </p:sp>
+    </p:spTree>
+    <p:extLst>
+      <p:ext uri="{BB962C8B-B14F-4D97-AF65-F5344CB8AC3E}">
+        <p14:creationId xmlns:p14="http://schemas.microsoft.com/office/powerpoint/2010/main" val="772403585"/>
+      </p:ext>
+    </p:extLst>
+  </p:cSld>
+  <p:clrMapOvr>
+    <a:masterClrMapping/>
+  </p:clrMapOvr>
+</p:sld>
+</file>
+
+<file path=ppt/slides/slide14.xml><?xml version="1.0" encoding="utf-8"?>
+<p:sld xmlns:a="http://schemas.openxmlformats.org/drawingml/2006/main" xmlns:r="http://schemas.openxmlformats.org/officeDocument/2006/relationships" xmlns:p="http://schemas.openxmlformats.org/presentationml/2006/main">
+  <p:cSld>
+    <p:spTree>
+      <p:nvGrpSpPr>
+        <p:cNvPr id="1" name="Shape 84"/>
+        <p:cNvGrpSpPr/>
+        <p:nvPr/>
+      </p:nvGrpSpPr>
+      <p:grpSpPr>
+        <a:xfrm>
+          <a:off x="0" y="0"/>
+          <a:ext cx="0" cy="0"/>
+          <a:chOff x="0" y="0"/>
+          <a:chExt cx="0" cy="0"/>
+        </a:xfrm>
+      </p:grpSpPr>
+      <p:sp>
+        <p:nvSpPr>
+          <p:cNvPr id="85" name="Google Shape;85;p13"/>
+          <p:cNvSpPr txBox="1">
+            <a:spLocks noGrp="1"/>
+          </p:cNvSpPr>
+          <p:nvPr>
+            <p:ph type="ctrTitle"/>
+          </p:nvPr>
+        </p:nvSpPr>
+        <p:spPr>
+          <a:xfrm>
+            <a:off x="2694619" y="2114394"/>
+            <a:ext cx="3754762" cy="914712"/>
+          </a:xfrm>
+          <a:prstGeom prst="rect">
+            <a:avLst/>
+          </a:prstGeom>
+        </p:spPr>
+        <p:txBody>
+          <a:bodyPr spcFirstLastPara="1" wrap="square" lIns="91425" tIns="91425" rIns="91425" bIns="91425" anchor="b" anchorCtr="0">
+            <a:noAutofit/>
+          </a:bodyPr>
+          <a:lstStyle/>
+          <a:p>
+            <a:pPr marL="0" lvl="0" indent="0" algn="ctr" rtl="0">
+              <a:spcBef>
+                <a:spcPts val="0"/>
+              </a:spcBef>
+              <a:spcAft>
+                <a:spcPts val="0"/>
+              </a:spcAft>
+              <a:buNone/>
+            </a:pPr>
+            <a:r>
+              <a:rPr lang="zh-CN" altLang="en-US" sz="5400" dirty="0">
+                <a:latin typeface="楷体" panose="02010609060101010101" pitchFamily="49" charset="-122"/>
+                <a:ea typeface="楷体" panose="02010609060101010101" pitchFamily="49" charset="-122"/>
+              </a:rPr>
+              <a:t>冗余</a:t>
+            </a:r>
+            <a:endParaRPr sz="5400" dirty="0">
+              <a:latin typeface="楷体" panose="02010609060101010101" pitchFamily="49" charset="-122"/>
+              <a:ea typeface="楷体" panose="02010609060101010101" pitchFamily="49" charset="-122"/>
+            </a:endParaRPr>
+          </a:p>
+        </p:txBody>
+      </p:sp>
+    </p:spTree>
+    <p:extLst>
+      <p:ext uri="{BB962C8B-B14F-4D97-AF65-F5344CB8AC3E}">
+        <p14:creationId xmlns:p14="http://schemas.microsoft.com/office/powerpoint/2010/main" val="187983868"/>
+      </p:ext>
+    </p:extLst>
+  </p:cSld>
+  <p:clrMapOvr>
+    <a:masterClrMapping/>
+  </p:clrMapOvr>
+</p:sld>
+</file>
+
+<file path=ppt/slides/slide15.xml><?xml version="1.0" encoding="utf-8"?>
+<p:sld xmlns:a="http://schemas.openxmlformats.org/drawingml/2006/main" xmlns:r="http://schemas.openxmlformats.org/officeDocument/2006/relationships" xmlns:p="http://schemas.openxmlformats.org/presentationml/2006/main">
+  <p:cSld>
+    <p:spTree>
+      <p:nvGrpSpPr>
+        <p:cNvPr id="1" name="Shape 104"/>
+        <p:cNvGrpSpPr/>
+        <p:nvPr/>
+      </p:nvGrpSpPr>
+      <p:grpSpPr>
+        <a:xfrm>
+          <a:off x="0" y="0"/>
+          <a:ext cx="0" cy="0"/>
+          <a:chOff x="0" y="0"/>
+          <a:chExt cx="0" cy="0"/>
+        </a:xfrm>
+      </p:grpSpPr>
+      <p:sp>
+        <p:nvSpPr>
+          <p:cNvPr id="105" name="Google Shape;105;p16"/>
+          <p:cNvSpPr txBox="1">
+            <a:spLocks noGrp="1"/>
+          </p:cNvSpPr>
+          <p:nvPr>
+            <p:ph type="title"/>
+          </p:nvPr>
+        </p:nvSpPr>
+        <p:spPr>
+          <a:xfrm>
+            <a:off x="311700" y="294450"/>
+            <a:ext cx="8697432" cy="607800"/>
+          </a:xfrm>
+          <a:prstGeom prst="rect">
+            <a:avLst/>
+          </a:prstGeom>
+        </p:spPr>
+        <p:txBody>
+          <a:bodyPr spcFirstLastPara="1" wrap="square" lIns="91425" tIns="91425" rIns="91425" bIns="91425" anchor="t" anchorCtr="0">
+            <a:noAutofit/>
+          </a:bodyPr>
+          <a:lstStyle/>
+          <a:p>
+            <a:pPr marL="0" lvl="0" indent="0" algn="l" rtl="0">
+              <a:spcBef>
+                <a:spcPts val="0"/>
+              </a:spcBef>
+              <a:spcAft>
+                <a:spcPts val="0"/>
+              </a:spcAft>
+              <a:buNone/>
+            </a:pPr>
+            <a:r>
+              <a:rPr lang="en-US" altLang="zh-CN" sz="2800" dirty="0">
+                <a:latin typeface="微软雅黑" panose="020B0503020204020204" pitchFamily="34" charset="-122"/>
+                <a:ea typeface="微软雅黑" panose="020B0503020204020204" pitchFamily="34" charset="-122"/>
+              </a:rPr>
+              <a:t>Soft Errors</a:t>
+            </a:r>
+            <a:endParaRPr sz="2800" dirty="0">
+              <a:latin typeface="微软雅黑" panose="020B0503020204020204" pitchFamily="34" charset="-122"/>
+              <a:ea typeface="微软雅黑" panose="020B0503020204020204" pitchFamily="34" charset="-122"/>
+            </a:endParaRPr>
+          </a:p>
+        </p:txBody>
+      </p:sp>
+      <p:sp>
+        <p:nvSpPr>
+          <p:cNvPr id="106" name="Google Shape;106;p16"/>
+          <p:cNvSpPr txBox="1">
+            <a:spLocks noGrp="1"/>
+          </p:cNvSpPr>
+          <p:nvPr>
+            <p:ph type="body" idx="1"/>
+          </p:nvPr>
+        </p:nvSpPr>
+        <p:spPr>
+          <a:xfrm>
+            <a:off x="311700" y="902250"/>
+            <a:ext cx="8520600" cy="4025350"/>
+          </a:xfrm>
+          <a:prstGeom prst="rect">
+            <a:avLst/>
+          </a:prstGeom>
+        </p:spPr>
+        <p:txBody>
+          <a:bodyPr spcFirstLastPara="1" wrap="square" lIns="91425" tIns="91425" rIns="91425" bIns="91425" anchor="t" anchorCtr="0">
+            <a:noAutofit/>
+          </a:bodyPr>
+          <a:lstStyle/>
+          <a:p>
+            <a:pPr marL="457200" lvl="0" indent="-342900" algn="l" rtl="0">
+              <a:spcBef>
+                <a:spcPts val="0"/>
+              </a:spcBef>
+              <a:spcAft>
+                <a:spcPts val="0"/>
+              </a:spcAft>
+              <a:buSzPts val="1800"/>
+              <a:buChar char="●"/>
+            </a:pPr>
+            <a:r>
+              <a:rPr lang="en-US" altLang="zh-CN" dirty="0">
+                <a:latin typeface="楷体" panose="02010609060101010101" pitchFamily="49" charset="-122"/>
+                <a:ea typeface="楷体" panose="02010609060101010101" pitchFamily="49" charset="-122"/>
+              </a:rPr>
+              <a:t>Lock-Step</a:t>
+            </a:r>
+            <a:r>
+              <a:rPr lang="zh-CN" altLang="en-US" dirty="0">
+                <a:latin typeface="楷体" panose="02010609060101010101" pitchFamily="49" charset="-122"/>
+                <a:ea typeface="楷体" panose="02010609060101010101" pitchFamily="49" charset="-122"/>
+              </a:rPr>
+              <a:t>：</a:t>
+            </a:r>
+            <a:endParaRPr lang="en-US" altLang="zh-CN" dirty="0">
+              <a:latin typeface="楷体" panose="02010609060101010101" pitchFamily="49" charset="-122"/>
+              <a:ea typeface="楷体" panose="02010609060101010101" pitchFamily="49" charset="-122"/>
+            </a:endParaRPr>
+          </a:p>
+          <a:p>
+            <a:pPr marL="914400" lvl="1" indent="-317500" algn="l" rtl="0">
+              <a:spcBef>
+                <a:spcPts val="0"/>
+              </a:spcBef>
+              <a:spcAft>
+                <a:spcPts val="0"/>
+              </a:spcAft>
+              <a:buSzPts val="1400"/>
+              <a:buChar char="○"/>
+            </a:pPr>
+            <a:endParaRPr lang="en-US" altLang="zh-CN" dirty="0">
+              <a:latin typeface="楷体" panose="02010609060101010101" pitchFamily="49" charset="-122"/>
+              <a:ea typeface="楷体" panose="02010609060101010101" pitchFamily="49" charset="-122"/>
+            </a:endParaRPr>
+          </a:p>
+          <a:p>
+            <a:pPr marL="914400" lvl="1" indent="-317500" algn="l" rtl="0">
+              <a:spcBef>
+                <a:spcPts val="0"/>
+              </a:spcBef>
+              <a:spcAft>
+                <a:spcPts val="0"/>
+              </a:spcAft>
+              <a:buSzPts val="1400"/>
+              <a:buChar char="○"/>
+            </a:pPr>
+            <a:endParaRPr lang="en-US" altLang="zh-CN" dirty="0">
+              <a:latin typeface="楷体" panose="02010609060101010101" pitchFamily="49" charset="-122"/>
+              <a:ea typeface="楷体" panose="02010609060101010101" pitchFamily="49" charset="-122"/>
+            </a:endParaRPr>
+          </a:p>
+          <a:p>
+            <a:pPr marL="457200" lvl="0" indent="-342900" algn="l" rtl="0">
+              <a:spcBef>
+                <a:spcPts val="0"/>
+              </a:spcBef>
+              <a:spcAft>
+                <a:spcPts val="0"/>
+              </a:spcAft>
+              <a:buSzPts val="1800"/>
+              <a:buChar char="●"/>
+            </a:pPr>
+            <a:r>
+              <a:rPr lang="en-US" altLang="zh-CN" dirty="0">
+                <a:latin typeface="楷体" panose="02010609060101010101" pitchFamily="49" charset="-122"/>
+                <a:ea typeface="楷体" panose="02010609060101010101" pitchFamily="49" charset="-122"/>
+              </a:rPr>
+              <a:t>DMR/TMR</a:t>
+            </a:r>
+            <a:r>
+              <a:rPr lang="zh-CN" altLang="en-US" dirty="0">
+                <a:latin typeface="楷体" panose="02010609060101010101" pitchFamily="49" charset="-122"/>
+                <a:ea typeface="楷体" panose="02010609060101010101" pitchFamily="49" charset="-122"/>
+              </a:rPr>
+              <a:t>：</a:t>
+            </a:r>
+            <a:endParaRPr lang="en-US" altLang="zh-CN" dirty="0">
+              <a:latin typeface="楷体" panose="02010609060101010101" pitchFamily="49" charset="-122"/>
+              <a:ea typeface="楷体" panose="02010609060101010101" pitchFamily="49" charset="-122"/>
+            </a:endParaRPr>
+          </a:p>
+          <a:p>
+            <a:pPr marL="914400" lvl="1" indent="-317500" algn="l" rtl="0">
+              <a:spcBef>
+                <a:spcPts val="0"/>
+              </a:spcBef>
+              <a:spcAft>
+                <a:spcPts val="0"/>
+              </a:spcAft>
+              <a:buSzPts val="1400"/>
+              <a:buChar char="○"/>
+            </a:pPr>
+            <a:endParaRPr lang="en-US" altLang="zh-CN" dirty="0">
+              <a:latin typeface="楷体" panose="02010609060101010101" pitchFamily="49" charset="-122"/>
+              <a:ea typeface="楷体" panose="02010609060101010101" pitchFamily="49" charset="-122"/>
+            </a:endParaRPr>
+          </a:p>
+          <a:p>
+            <a:pPr marL="914400" lvl="1" indent="-317500" algn="l" rtl="0">
+              <a:spcBef>
+                <a:spcPts val="0"/>
+              </a:spcBef>
+              <a:spcAft>
+                <a:spcPts val="0"/>
+              </a:spcAft>
+              <a:buSzPts val="1400"/>
+              <a:buChar char="○"/>
+            </a:pPr>
+            <a:endParaRPr lang="en-US" altLang="zh-CN" dirty="0">
+              <a:latin typeface="楷体" panose="02010609060101010101" pitchFamily="49" charset="-122"/>
+              <a:ea typeface="楷体" panose="02010609060101010101" pitchFamily="49" charset="-122"/>
+            </a:endParaRPr>
+          </a:p>
+          <a:p>
+            <a:pPr marL="914400" lvl="1" indent="-317500" algn="l" rtl="0">
+              <a:spcBef>
+                <a:spcPts val="0"/>
+              </a:spcBef>
+              <a:spcAft>
+                <a:spcPts val="0"/>
+              </a:spcAft>
+              <a:buSzPts val="1400"/>
+              <a:buChar char="○"/>
+            </a:pPr>
+            <a:endParaRPr lang="en-US" altLang="zh-CN" dirty="0">
+              <a:latin typeface="楷体" panose="02010609060101010101" pitchFamily="49" charset="-122"/>
+              <a:ea typeface="楷体" panose="02010609060101010101" pitchFamily="49" charset="-122"/>
+            </a:endParaRPr>
+          </a:p>
+        </p:txBody>
+      </p:sp>
+      <p:sp>
+        <p:nvSpPr>
+          <p:cNvPr id="107" name="Google Shape;107;p16"/>
+          <p:cNvSpPr txBox="1">
+            <a:spLocks noGrp="1"/>
+          </p:cNvSpPr>
+          <p:nvPr>
+            <p:ph type="sldNum" idx="12"/>
+          </p:nvPr>
+        </p:nvSpPr>
+        <p:spPr>
+          <a:xfrm>
+            <a:off x="8460431" y="4651190"/>
+            <a:ext cx="548700" cy="393600"/>
+          </a:xfrm>
+          <a:prstGeom prst="rect">
+            <a:avLst/>
+          </a:prstGeom>
+        </p:spPr>
+        <p:txBody>
+          <a:bodyPr spcFirstLastPara="1" wrap="square" lIns="91425" tIns="91425" rIns="91425" bIns="91425" anchor="ctr" anchorCtr="0">
+            <a:noAutofit/>
+          </a:bodyPr>
+          <a:lstStyle/>
+          <a:p>
+            <a:pPr marL="0" lvl="0" indent="0" algn="r" rtl="0">
+              <a:spcBef>
+                <a:spcPts val="0"/>
+              </a:spcBef>
+              <a:spcAft>
+                <a:spcPts val="0"/>
+              </a:spcAft>
+              <a:buNone/>
+            </a:pPr>
+            <a:fld id="{00000000-1234-1234-1234-123412341234}" type="slidenum">
+              <a:rPr lang="en"/>
+              <a:t>15</a:t>
+            </a:fld>
+            <a:endParaRPr/>
+          </a:p>
+        </p:txBody>
+      </p:sp>
+    </p:spTree>
+    <p:extLst>
+      <p:ext uri="{BB962C8B-B14F-4D97-AF65-F5344CB8AC3E}">
+        <p14:creationId xmlns:p14="http://schemas.microsoft.com/office/powerpoint/2010/main" val="3980426973"/>
+      </p:ext>
+    </p:extLst>
+  </p:cSld>
+  <p:clrMapOvr>
+    <a:masterClrMapping/>
+  </p:clrMapOvr>
+</p:sld>
+</file>
+
 <file path=ppt/slides/slide2.xml><?xml version="1.0" encoding="utf-8"?>
 <p:sld xmlns:a="http://schemas.openxmlformats.org/drawingml/2006/main" xmlns:r="http://schemas.openxmlformats.org/officeDocument/2006/relationships" xmlns:p="http://schemas.openxmlformats.org/presentationml/2006/main">
   <p:cSld>
@@ -9498,6 +13871,219 @@
               </a:rPr>
               <a:t>也在快速上升</a:t>
             </a:r>
+            <a:endParaRPr lang="en-US" altLang="zh-CN" dirty="0">
+              <a:latin typeface="楷体" panose="02010609060101010101" pitchFamily="49" charset="-122"/>
+              <a:ea typeface="楷体" panose="02010609060101010101" pitchFamily="49" charset="-122"/>
+            </a:endParaRPr>
+          </a:p>
+          <a:p>
+            <a:pPr marL="457200" lvl="0" indent="-342900" algn="l" rtl="0">
+              <a:spcBef>
+                <a:spcPts val="0"/>
+              </a:spcBef>
+              <a:spcAft>
+                <a:spcPts val="0"/>
+              </a:spcAft>
+              <a:buSzPts val="1800"/>
+              <a:buChar char="●"/>
+            </a:pPr>
+            <a:r>
+              <a:rPr lang="zh-CN" altLang="en-US" dirty="0">
+                <a:latin typeface="楷体" panose="02010609060101010101" pitchFamily="49" charset="-122"/>
+                <a:ea typeface="楷体" panose="02010609060101010101" pitchFamily="49" charset="-122"/>
+              </a:rPr>
+              <a:t>时序脆弱性因子</a:t>
+            </a:r>
+            <a:r>
+              <a:rPr lang="en-US" altLang="zh-CN" dirty="0">
+                <a:latin typeface="楷体" panose="02010609060101010101" pitchFamily="49" charset="-122"/>
+                <a:ea typeface="楷体" panose="02010609060101010101" pitchFamily="49" charset="-122"/>
+              </a:rPr>
+              <a:t>Time Vulnerability Factor</a:t>
+            </a:r>
+            <a:r>
+              <a:rPr lang="zh-CN" altLang="en-US" dirty="0">
+                <a:latin typeface="楷体" panose="02010609060101010101" pitchFamily="49" charset="-122"/>
+                <a:ea typeface="楷体" panose="02010609060101010101" pitchFamily="49" charset="-122"/>
+              </a:rPr>
+              <a:t>：</a:t>
+            </a:r>
+            <a:endParaRPr lang="en-US" altLang="zh-CN" dirty="0">
+              <a:latin typeface="楷体" panose="02010609060101010101" pitchFamily="49" charset="-122"/>
+              <a:ea typeface="楷体" panose="02010609060101010101" pitchFamily="49" charset="-122"/>
+            </a:endParaRPr>
+          </a:p>
+          <a:p>
+            <a:pPr marL="914400" lvl="1" indent="-317500" algn="l" rtl="0">
+              <a:spcBef>
+                <a:spcPts val="0"/>
+              </a:spcBef>
+              <a:spcAft>
+                <a:spcPts val="0"/>
+              </a:spcAft>
+              <a:buSzPts val="1400"/>
+              <a:buChar char="○"/>
+            </a:pPr>
+            <a:r>
+              <a:rPr lang="zh-CN" altLang="en-US" dirty="0">
+                <a:latin typeface="楷体" panose="02010609060101010101" pitchFamily="49" charset="-122"/>
+                <a:ea typeface="楷体" panose="02010609060101010101" pitchFamily="49" charset="-122"/>
+              </a:rPr>
+              <a:t>可以简单认为是在运行过程中，软错误发生时间所占比例。</a:t>
+            </a:r>
+            <a:endParaRPr lang="en-US" altLang="zh-CN" dirty="0">
+              <a:latin typeface="楷体" panose="02010609060101010101" pitchFamily="49" charset="-122"/>
+              <a:ea typeface="楷体" panose="02010609060101010101" pitchFamily="49" charset="-122"/>
+            </a:endParaRPr>
+          </a:p>
+          <a:p>
+            <a:pPr marL="914400" lvl="1" indent="-317500" algn="l" rtl="0">
+              <a:spcBef>
+                <a:spcPts val="0"/>
+              </a:spcBef>
+              <a:spcAft>
+                <a:spcPts val="0"/>
+              </a:spcAft>
+              <a:buSzPts val="1400"/>
+              <a:buChar char="○"/>
+            </a:pPr>
+            <a:r>
+              <a:rPr lang="zh-CN" altLang="en-US" dirty="0">
+                <a:latin typeface="楷体" panose="02010609060101010101" pitchFamily="49" charset="-122"/>
+                <a:ea typeface="楷体" panose="02010609060101010101" pitchFamily="49" charset="-122"/>
+              </a:rPr>
+              <a:t>在 </a:t>
+            </a:r>
+            <a:r>
+              <a:rPr lang="en-US" altLang="zh-CN" dirty="0">
+                <a:latin typeface="楷体" panose="02010609060101010101" pitchFamily="49" charset="-122"/>
+                <a:ea typeface="楷体" panose="02010609060101010101" pitchFamily="49" charset="-122"/>
+              </a:rPr>
+              <a:t>SRAM </a:t>
+            </a:r>
+            <a:r>
+              <a:rPr lang="zh-CN" altLang="en-US" dirty="0">
+                <a:latin typeface="楷体" panose="02010609060101010101" pitchFamily="49" charset="-122"/>
+                <a:ea typeface="楷体" panose="02010609060101010101" pitchFamily="49" charset="-122"/>
+              </a:rPr>
+              <a:t>单元中，该值为 </a:t>
+            </a:r>
+            <a:r>
+              <a:rPr lang="en-US" altLang="zh-CN" dirty="0">
+                <a:latin typeface="楷体" panose="02010609060101010101" pitchFamily="49" charset="-122"/>
+                <a:ea typeface="楷体" panose="02010609060101010101" pitchFamily="49" charset="-122"/>
+              </a:rPr>
+              <a:t>1</a:t>
+            </a:r>
+            <a:r>
+              <a:rPr lang="zh-CN" altLang="en-US" dirty="0">
+                <a:latin typeface="楷体" panose="02010609060101010101" pitchFamily="49" charset="-122"/>
+                <a:ea typeface="楷体" panose="02010609060101010101" pitchFamily="49" charset="-122"/>
+              </a:rPr>
+              <a:t>，而在锁存器和触发器中，该值有所不同，约为 </a:t>
+            </a:r>
+            <a:r>
+              <a:rPr lang="en-US" altLang="zh-CN" dirty="0">
+                <a:latin typeface="楷体" panose="02010609060101010101" pitchFamily="49" charset="-122"/>
+                <a:ea typeface="楷体" panose="02010609060101010101" pitchFamily="49" charset="-122"/>
+              </a:rPr>
+              <a:t>0.5</a:t>
+            </a:r>
+            <a:r>
+              <a:rPr lang="zh-CN" altLang="en-US" dirty="0">
+                <a:latin typeface="楷体" panose="02010609060101010101" pitchFamily="49" charset="-122"/>
+                <a:ea typeface="楷体" panose="02010609060101010101" pitchFamily="49" charset="-122"/>
+              </a:rPr>
+              <a:t>。</a:t>
+            </a:r>
+            <a:endParaRPr lang="en-US" altLang="zh-CN" dirty="0">
+              <a:latin typeface="楷体" panose="02010609060101010101" pitchFamily="49" charset="-122"/>
+              <a:ea typeface="楷体" panose="02010609060101010101" pitchFamily="49" charset="-122"/>
+            </a:endParaRPr>
+          </a:p>
+          <a:p>
+            <a:pPr marL="914400" lvl="1" indent="-317500" algn="l" rtl="0">
+              <a:spcBef>
+                <a:spcPts val="0"/>
+              </a:spcBef>
+              <a:spcAft>
+                <a:spcPts val="0"/>
+              </a:spcAft>
+              <a:buSzPts val="1400"/>
+              <a:buChar char="○"/>
+            </a:pPr>
+            <a:r>
+              <a:rPr lang="zh-CN" altLang="en-US" dirty="0">
+                <a:latin typeface="楷体" panose="02010609060101010101" pitchFamily="49" charset="-122"/>
+                <a:ea typeface="楷体" panose="02010609060101010101" pitchFamily="49" charset="-122"/>
+              </a:rPr>
+              <a:t>比如说触发器，假若</a:t>
+            </a:r>
+            <a:r>
+              <a:rPr lang="en-US" altLang="zh-CN" dirty="0">
+                <a:latin typeface="楷体" panose="02010609060101010101" pitchFamily="49" charset="-122"/>
+                <a:ea typeface="楷体" panose="02010609060101010101" pitchFamily="49" charset="-122"/>
+              </a:rPr>
+              <a:t>α</a:t>
+            </a:r>
+            <a:r>
+              <a:rPr lang="zh-CN" altLang="en-US" dirty="0">
+                <a:latin typeface="楷体" panose="02010609060101010101" pitchFamily="49" charset="-122"/>
+                <a:ea typeface="楷体" panose="02010609060101010101" pitchFamily="49" charset="-122"/>
+              </a:rPr>
+              <a:t>粒子和中子要轰击成功，那么必须要赶在触发器传递逻辑之前</a:t>
+            </a:r>
+            <a:endParaRPr lang="en-US" altLang="zh-CN" dirty="0">
+              <a:latin typeface="楷体" panose="02010609060101010101" pitchFamily="49" charset="-122"/>
+              <a:ea typeface="楷体" panose="02010609060101010101" pitchFamily="49" charset="-122"/>
+            </a:endParaRPr>
+          </a:p>
+          <a:p>
+            <a:pPr marL="914400" lvl="1" indent="-317500" algn="l" rtl="0">
+              <a:spcBef>
+                <a:spcPts val="0"/>
+              </a:spcBef>
+              <a:spcAft>
+                <a:spcPts val="0"/>
+              </a:spcAft>
+              <a:buSzPts val="1400"/>
+              <a:buChar char="○"/>
+            </a:pPr>
+            <a:r>
+              <a:rPr lang="zh-CN" altLang="en-US" dirty="0">
+                <a:latin typeface="楷体" panose="02010609060101010101" pitchFamily="49" charset="-122"/>
+                <a:ea typeface="楷体" panose="02010609060101010101" pitchFamily="49" charset="-122"/>
+              </a:rPr>
+              <a:t>箭头表示传播延迟，</a:t>
+            </a:r>
+            <a:r>
+              <a:rPr lang="en-US" altLang="zh-CN" dirty="0">
+                <a:latin typeface="楷体" panose="02010609060101010101" pitchFamily="49" charset="-122"/>
+                <a:ea typeface="楷体" panose="02010609060101010101" pitchFamily="49" charset="-122"/>
+              </a:rPr>
+              <a:t>WOV</a:t>
+            </a:r>
+            <a:r>
+              <a:rPr lang="zh-CN" altLang="en-US" dirty="0">
+                <a:latin typeface="楷体" panose="02010609060101010101" pitchFamily="49" charset="-122"/>
+                <a:ea typeface="楷体" panose="02010609060101010101" pitchFamily="49" charset="-122"/>
+              </a:rPr>
+              <a:t>指漏洞窗口，</a:t>
+            </a:r>
+            <a:r>
+              <a:rPr lang="en-US" altLang="zh-CN" dirty="0">
+                <a:latin typeface="楷体" panose="02010609060101010101" pitchFamily="49" charset="-122"/>
+                <a:ea typeface="楷体" panose="02010609060101010101" pitchFamily="49" charset="-122"/>
+              </a:rPr>
+              <a:t>TVF=WOV/</a:t>
+            </a:r>
+            <a:r>
+              <a:rPr lang="zh-CN" altLang="en-US" dirty="0">
+                <a:latin typeface="楷体" panose="02010609060101010101" pitchFamily="49" charset="-122"/>
+                <a:ea typeface="楷体" panose="02010609060101010101" pitchFamily="49" charset="-122"/>
+              </a:rPr>
+              <a:t>时钟周期</a:t>
+            </a:r>
           </a:p>
         </p:txBody>
       </p:sp>
@@ -9543,6 +14129,36 @@
           </a:p>
         </p:txBody>
       </p:sp>
+      <p:pic>
+        <p:nvPicPr>
+          <p:cNvPr id="3" name="图片 2">
+            <a:extLst>
+              <a:ext uri="{FF2B5EF4-FFF2-40B4-BE49-F238E27FC236}">
+                <a16:creationId xmlns:a16="http://schemas.microsoft.com/office/drawing/2014/main" id="{98269D38-B310-E5A7-4107-78D2C9577E4C}"/>
+              </a:ext>
+            </a:extLst>
+          </p:cNvPr>
+          <p:cNvPicPr>
+            <a:picLocks noChangeAspect="1"/>
+          </p:cNvPicPr>
+          <p:nvPr/>
+        </p:nvPicPr>
+        <p:blipFill>
+          <a:blip r:embed="rId3"/>
+          <a:stretch>
+            <a:fillRect/>
+          </a:stretch>
+        </p:blipFill>
+        <p:spPr>
+          <a:xfrm>
+            <a:off x="4568166" y="3853682"/>
+            <a:ext cx="4575834" cy="1033454"/>
+          </a:xfrm>
+          <a:prstGeom prst="rect">
+            <a:avLst/>
+          </a:prstGeom>
+        </p:spPr>
+      </p:pic>
     </p:spTree>
     <p:extLst>
       <p:ext uri="{BB962C8B-B14F-4D97-AF65-F5344CB8AC3E}">
@@ -9557,6 +14173,688 @@
 </file>
 
 <file path=ppt/slides/slide6.xml><?xml version="1.0" encoding="utf-8"?>
+<p:sld xmlns:a="http://schemas.openxmlformats.org/drawingml/2006/main" xmlns:r="http://schemas.openxmlformats.org/officeDocument/2006/relationships" xmlns:p="http://schemas.openxmlformats.org/presentationml/2006/main">
+  <p:cSld>
+    <p:spTree>
+      <p:nvGrpSpPr>
+        <p:cNvPr id="1" name="Shape 104"/>
+        <p:cNvGrpSpPr/>
+        <p:nvPr/>
+      </p:nvGrpSpPr>
+      <p:grpSpPr>
+        <a:xfrm>
+          <a:off x="0" y="0"/>
+          <a:ext cx="0" cy="0"/>
+          <a:chOff x="0" y="0"/>
+          <a:chExt cx="0" cy="0"/>
+        </a:xfrm>
+      </p:grpSpPr>
+      <p:sp>
+        <p:nvSpPr>
+          <p:cNvPr id="105" name="Google Shape;105;p16"/>
+          <p:cNvSpPr txBox="1">
+            <a:spLocks noGrp="1"/>
+          </p:cNvSpPr>
+          <p:nvPr>
+            <p:ph type="title"/>
+          </p:nvPr>
+        </p:nvSpPr>
+        <p:spPr>
+          <a:xfrm>
+            <a:off x="311700" y="294450"/>
+            <a:ext cx="8697432" cy="607800"/>
+          </a:xfrm>
+          <a:prstGeom prst="rect">
+            <a:avLst/>
+          </a:prstGeom>
+        </p:spPr>
+        <p:txBody>
+          <a:bodyPr spcFirstLastPara="1" wrap="square" lIns="91425" tIns="91425" rIns="91425" bIns="91425" anchor="t" anchorCtr="0">
+            <a:noAutofit/>
+          </a:bodyPr>
+          <a:lstStyle/>
+          <a:p>
+            <a:pPr marL="0" lvl="0" indent="0" algn="l" rtl="0">
+              <a:spcBef>
+                <a:spcPts val="0"/>
+              </a:spcBef>
+              <a:spcAft>
+                <a:spcPts val="0"/>
+              </a:spcAft>
+              <a:buNone/>
+            </a:pPr>
+            <a:r>
+              <a:rPr lang="en-US" altLang="zh-CN" sz="2800" dirty="0">
+                <a:latin typeface="微软雅黑" panose="020B0503020204020204" pitchFamily="34" charset="-122"/>
+                <a:ea typeface="微软雅黑" panose="020B0503020204020204" pitchFamily="34" charset="-122"/>
+              </a:rPr>
+              <a:t>Soft Errors</a:t>
+            </a:r>
+            <a:endParaRPr sz="2800" dirty="0">
+              <a:latin typeface="微软雅黑" panose="020B0503020204020204" pitchFamily="34" charset="-122"/>
+              <a:ea typeface="微软雅黑" panose="020B0503020204020204" pitchFamily="34" charset="-122"/>
+            </a:endParaRPr>
+          </a:p>
+        </p:txBody>
+      </p:sp>
+      <p:sp>
+        <p:nvSpPr>
+          <p:cNvPr id="106" name="Google Shape;106;p16"/>
+          <p:cNvSpPr txBox="1">
+            <a:spLocks noGrp="1"/>
+          </p:cNvSpPr>
+          <p:nvPr>
+            <p:ph type="body" idx="1"/>
+          </p:nvPr>
+        </p:nvSpPr>
+        <p:spPr>
+          <a:xfrm>
+            <a:off x="311700" y="902250"/>
+            <a:ext cx="8520600" cy="4025350"/>
+          </a:xfrm>
+          <a:prstGeom prst="rect">
+            <a:avLst/>
+          </a:prstGeom>
+        </p:spPr>
+        <p:txBody>
+          <a:bodyPr spcFirstLastPara="1" wrap="square" lIns="91425" tIns="91425" rIns="91425" bIns="91425" anchor="t" anchorCtr="0">
+            <a:noAutofit/>
+          </a:bodyPr>
+          <a:lstStyle/>
+          <a:p>
+            <a:pPr marL="457200" lvl="0" indent="-342900" algn="l" rtl="0">
+              <a:spcBef>
+                <a:spcPts val="0"/>
+              </a:spcBef>
+              <a:spcAft>
+                <a:spcPts val="0"/>
+              </a:spcAft>
+              <a:buSzPts val="1800"/>
+              <a:buChar char="●"/>
+            </a:pPr>
+            <a:r>
+              <a:rPr lang="zh-CN" altLang="en-US" dirty="0">
+                <a:latin typeface="楷体" panose="02010609060101010101" pitchFamily="49" charset="-122"/>
+                <a:ea typeface="楷体" panose="02010609060101010101" pitchFamily="49" charset="-122"/>
+              </a:rPr>
+              <a:t>电路层面降低软错误率：</a:t>
+            </a:r>
+            <a:endParaRPr lang="en-US" altLang="zh-CN" dirty="0">
+              <a:latin typeface="楷体" panose="02010609060101010101" pitchFamily="49" charset="-122"/>
+              <a:ea typeface="楷体" panose="02010609060101010101" pitchFamily="49" charset="-122"/>
+            </a:endParaRPr>
+          </a:p>
+          <a:p>
+            <a:pPr marL="914400" lvl="1" indent="-317500" algn="l" rtl="0">
+              <a:spcBef>
+                <a:spcPts val="0"/>
+              </a:spcBef>
+              <a:spcAft>
+                <a:spcPts val="0"/>
+              </a:spcAft>
+              <a:buSzPts val="1400"/>
+              <a:buChar char="○"/>
+            </a:pPr>
+            <a:r>
+              <a:rPr lang="zh-CN" altLang="en-US" dirty="0">
+                <a:latin typeface="楷体" panose="02010609060101010101" pitchFamily="49" charset="-122"/>
+                <a:ea typeface="楷体" panose="02010609060101010101" pitchFamily="49" charset="-122"/>
+              </a:rPr>
+              <a:t>为电路中的易受攻击节点增加电容，从而增加其临界电荷；</a:t>
+            </a:r>
+            <a:endParaRPr lang="en-US" altLang="zh-CN" dirty="0">
+              <a:latin typeface="楷体" panose="02010609060101010101" pitchFamily="49" charset="-122"/>
+              <a:ea typeface="楷体" panose="02010609060101010101" pitchFamily="49" charset="-122"/>
+            </a:endParaRPr>
+          </a:p>
+          <a:p>
+            <a:pPr marL="914400" lvl="1" indent="-317500" algn="l" rtl="0">
+              <a:spcBef>
+                <a:spcPts val="0"/>
+              </a:spcBef>
+              <a:spcAft>
+                <a:spcPts val="0"/>
+              </a:spcAft>
+              <a:buSzPts val="1400"/>
+              <a:buChar char="○"/>
+            </a:pPr>
+            <a:r>
+              <a:rPr lang="zh-CN" altLang="en-US" dirty="0">
+                <a:latin typeface="楷体" panose="02010609060101010101" pitchFamily="49" charset="-122"/>
+                <a:ea typeface="楷体" panose="02010609060101010101" pitchFamily="49" charset="-122"/>
+              </a:rPr>
+              <a:t>使用额外的晶体管增加抗辐射单元，以在粒子撞击的情况下恢复原始电路的状态。</a:t>
+            </a:r>
+          </a:p>
+        </p:txBody>
+      </p:sp>
+      <p:sp>
+        <p:nvSpPr>
+          <p:cNvPr id="107" name="Google Shape;107;p16"/>
+          <p:cNvSpPr txBox="1">
+            <a:spLocks noGrp="1"/>
+          </p:cNvSpPr>
+          <p:nvPr>
+            <p:ph type="sldNum" idx="12"/>
+          </p:nvPr>
+        </p:nvSpPr>
+        <p:spPr>
+          <a:xfrm>
+            <a:off x="8460431" y="4651190"/>
+            <a:ext cx="548700" cy="393600"/>
+          </a:xfrm>
+          <a:prstGeom prst="rect">
+            <a:avLst/>
+          </a:prstGeom>
+        </p:spPr>
+        <p:txBody>
+          <a:bodyPr spcFirstLastPara="1" wrap="square" lIns="91425" tIns="91425" rIns="91425" bIns="91425" anchor="ctr" anchorCtr="0">
+            <a:noAutofit/>
+          </a:bodyPr>
+          <a:lstStyle/>
+          <a:p>
+            <a:pPr marL="0" lvl="0" indent="0" algn="r" rtl="0">
+              <a:spcBef>
+                <a:spcPts val="0"/>
+              </a:spcBef>
+              <a:spcAft>
+                <a:spcPts val="0"/>
+              </a:spcAft>
+              <a:buNone/>
+            </a:pPr>
+            <a:fld id="{00000000-1234-1234-1234-123412341234}" type="slidenum">
+              <a:rPr lang="en"/>
+              <a:t>6</a:t>
+            </a:fld>
+            <a:endParaRPr/>
+          </a:p>
+        </p:txBody>
+      </p:sp>
+    </p:spTree>
+    <p:extLst>
+      <p:ext uri="{BB962C8B-B14F-4D97-AF65-F5344CB8AC3E}">
+        <p14:creationId xmlns:p14="http://schemas.microsoft.com/office/powerpoint/2010/main" val="3421430500"/>
+      </p:ext>
+    </p:extLst>
+  </p:cSld>
+  <p:clrMapOvr>
+    <a:masterClrMapping/>
+  </p:clrMapOvr>
+</p:sld>
+</file>
+
+<file path=ppt/slides/slide7.xml><?xml version="1.0" encoding="utf-8"?>
+<p:sld xmlns:a="http://schemas.openxmlformats.org/drawingml/2006/main" xmlns:r="http://schemas.openxmlformats.org/officeDocument/2006/relationships" xmlns:p="http://schemas.openxmlformats.org/presentationml/2006/main">
+  <p:cSld>
+    <p:spTree>
+      <p:nvGrpSpPr>
+        <p:cNvPr id="1" name="Shape 84"/>
+        <p:cNvGrpSpPr/>
+        <p:nvPr/>
+      </p:nvGrpSpPr>
+      <p:grpSpPr>
+        <a:xfrm>
+          <a:off x="0" y="0"/>
+          <a:ext cx="0" cy="0"/>
+          <a:chOff x="0" y="0"/>
+          <a:chExt cx="0" cy="0"/>
+        </a:xfrm>
+      </p:grpSpPr>
+      <p:sp>
+        <p:nvSpPr>
+          <p:cNvPr id="85" name="Google Shape;85;p13"/>
+          <p:cNvSpPr txBox="1">
+            <a:spLocks noGrp="1"/>
+          </p:cNvSpPr>
+          <p:nvPr>
+            <p:ph type="ctrTitle"/>
+          </p:nvPr>
+        </p:nvSpPr>
+        <p:spPr>
+          <a:xfrm>
+            <a:off x="2015525" y="2114394"/>
+            <a:ext cx="5112950" cy="914712"/>
+          </a:xfrm>
+          <a:prstGeom prst="rect">
+            <a:avLst/>
+          </a:prstGeom>
+        </p:spPr>
+        <p:txBody>
+          <a:bodyPr spcFirstLastPara="1" wrap="square" lIns="91425" tIns="91425" rIns="91425" bIns="91425" anchor="b" anchorCtr="0">
+            <a:noAutofit/>
+          </a:bodyPr>
+          <a:lstStyle/>
+          <a:p>
+            <a:pPr marL="0" lvl="0" indent="0" algn="ctr" rtl="0">
+              <a:spcBef>
+                <a:spcPts val="0"/>
+              </a:spcBef>
+              <a:spcAft>
+                <a:spcPts val="0"/>
+              </a:spcAft>
+              <a:buNone/>
+            </a:pPr>
+            <a:r>
+              <a:rPr lang="zh-CN" altLang="en-US" sz="5400" dirty="0">
+                <a:latin typeface="楷体" panose="02010609060101010101" pitchFamily="49" charset="-122"/>
+                <a:ea typeface="楷体" panose="02010609060101010101" pitchFamily="49" charset="-122"/>
+              </a:rPr>
+              <a:t>架构可靠性评估</a:t>
+            </a:r>
+          </a:p>
+        </p:txBody>
+      </p:sp>
+    </p:spTree>
+    <p:extLst>
+      <p:ext uri="{BB962C8B-B14F-4D97-AF65-F5344CB8AC3E}">
+        <p14:creationId xmlns:p14="http://schemas.microsoft.com/office/powerpoint/2010/main" val="1718857155"/>
+      </p:ext>
+    </p:extLst>
+  </p:cSld>
+  <p:clrMapOvr>
+    <a:masterClrMapping/>
+  </p:clrMapOvr>
+</p:sld>
+</file>
+
+<file path=ppt/slides/slide8.xml><?xml version="1.0" encoding="utf-8"?>
+<p:sld xmlns:a="http://schemas.openxmlformats.org/drawingml/2006/main" xmlns:r="http://schemas.openxmlformats.org/officeDocument/2006/relationships" xmlns:p="http://schemas.openxmlformats.org/presentationml/2006/main">
+  <p:cSld>
+    <p:spTree>
+      <p:nvGrpSpPr>
+        <p:cNvPr id="1" name="Shape 104"/>
+        <p:cNvGrpSpPr/>
+        <p:nvPr/>
+      </p:nvGrpSpPr>
+      <p:grpSpPr>
+        <a:xfrm>
+          <a:off x="0" y="0"/>
+          <a:ext cx="0" cy="0"/>
+          <a:chOff x="0" y="0"/>
+          <a:chExt cx="0" cy="0"/>
+        </a:xfrm>
+      </p:grpSpPr>
+      <p:sp>
+        <p:nvSpPr>
+          <p:cNvPr id="105" name="Google Shape;105;p16"/>
+          <p:cNvSpPr txBox="1">
+            <a:spLocks noGrp="1"/>
+          </p:cNvSpPr>
+          <p:nvPr>
+            <p:ph type="title"/>
+          </p:nvPr>
+        </p:nvSpPr>
+        <p:spPr>
+          <a:xfrm>
+            <a:off x="311700" y="294450"/>
+            <a:ext cx="8697432" cy="607800"/>
+          </a:xfrm>
+          <a:prstGeom prst="rect">
+            <a:avLst/>
+          </a:prstGeom>
+        </p:spPr>
+        <p:txBody>
+          <a:bodyPr spcFirstLastPara="1" wrap="square" lIns="91425" tIns="91425" rIns="91425" bIns="91425" anchor="t" anchorCtr="0">
+            <a:noAutofit/>
+          </a:bodyPr>
+          <a:lstStyle/>
+          <a:p>
+            <a:pPr marL="0" lvl="0" indent="0" algn="l" rtl="0">
+              <a:spcBef>
+                <a:spcPts val="0"/>
+              </a:spcBef>
+              <a:spcAft>
+                <a:spcPts val="0"/>
+              </a:spcAft>
+              <a:buNone/>
+            </a:pPr>
+            <a:r>
+              <a:rPr lang="en-US" altLang="zh-CN" sz="2800" dirty="0">
+                <a:latin typeface="微软雅黑" panose="020B0503020204020204" pitchFamily="34" charset="-122"/>
+                <a:ea typeface="微软雅黑" panose="020B0503020204020204" pitchFamily="34" charset="-122"/>
+              </a:rPr>
+              <a:t>Soft Errors</a:t>
+            </a:r>
+            <a:endParaRPr sz="2800" dirty="0">
+              <a:latin typeface="微软雅黑" panose="020B0503020204020204" pitchFamily="34" charset="-122"/>
+              <a:ea typeface="微软雅黑" panose="020B0503020204020204" pitchFamily="34" charset="-122"/>
+            </a:endParaRPr>
+          </a:p>
+        </p:txBody>
+      </p:sp>
+      <p:sp>
+        <p:nvSpPr>
+          <p:cNvPr id="106" name="Google Shape;106;p16"/>
+          <p:cNvSpPr txBox="1">
+            <a:spLocks noGrp="1"/>
+          </p:cNvSpPr>
+          <p:nvPr>
+            <p:ph type="body" idx="1"/>
+          </p:nvPr>
+        </p:nvSpPr>
+        <p:spPr>
+          <a:xfrm>
+            <a:off x="311700" y="902250"/>
+            <a:ext cx="8520600" cy="4025350"/>
+          </a:xfrm>
+          <a:prstGeom prst="rect">
+            <a:avLst/>
+          </a:prstGeom>
+        </p:spPr>
+        <p:txBody>
+          <a:bodyPr spcFirstLastPara="1" wrap="square" lIns="91425" tIns="91425" rIns="91425" bIns="91425" anchor="t" anchorCtr="0">
+            <a:noAutofit/>
+          </a:bodyPr>
+          <a:lstStyle/>
+          <a:p>
+            <a:pPr marL="457200" lvl="0" indent="-342900" algn="l" rtl="0">
+              <a:spcBef>
+                <a:spcPts val="0"/>
+              </a:spcBef>
+              <a:spcAft>
+                <a:spcPts val="0"/>
+              </a:spcAft>
+              <a:buSzPts val="1800"/>
+              <a:buChar char="●"/>
+            </a:pPr>
+            <a:r>
+              <a:rPr lang="zh-CN" altLang="en-US" dirty="0">
+                <a:latin typeface="楷体" panose="02010609060101010101" pitchFamily="49" charset="-122"/>
+                <a:ea typeface="楷体" panose="02010609060101010101" pitchFamily="49" charset="-122"/>
+              </a:rPr>
+              <a:t>体系结构脆弱因子</a:t>
+            </a:r>
+            <a:r>
+              <a:rPr lang="en-US" altLang="zh-CN" dirty="0">
+                <a:latin typeface="楷体" panose="02010609060101010101" pitchFamily="49" charset="-122"/>
+                <a:ea typeface="楷体" panose="02010609060101010101" pitchFamily="49" charset="-122"/>
+              </a:rPr>
+              <a:t>AVF</a:t>
+            </a:r>
+            <a:r>
+              <a:rPr lang="zh-CN" altLang="en-US" dirty="0">
+                <a:latin typeface="楷体" panose="02010609060101010101" pitchFamily="49" charset="-122"/>
+                <a:ea typeface="楷体" panose="02010609060101010101" pitchFamily="49" charset="-122"/>
+              </a:rPr>
+              <a:t>：</a:t>
+            </a:r>
+            <a:endParaRPr lang="en-US" altLang="zh-CN" dirty="0">
+              <a:latin typeface="楷体" panose="02010609060101010101" pitchFamily="49" charset="-122"/>
+              <a:ea typeface="楷体" panose="02010609060101010101" pitchFamily="49" charset="-122"/>
+            </a:endParaRPr>
+          </a:p>
+          <a:p>
+            <a:pPr marL="914400" lvl="1" indent="-317500" algn="l" rtl="0">
+              <a:spcBef>
+                <a:spcPts val="0"/>
+              </a:spcBef>
+              <a:spcAft>
+                <a:spcPts val="0"/>
+              </a:spcAft>
+              <a:buSzPts val="1400"/>
+              <a:buChar char="○"/>
+            </a:pPr>
+            <a:endParaRPr lang="en-US" altLang="zh-CN" dirty="0">
+              <a:latin typeface="楷体" panose="02010609060101010101" pitchFamily="49" charset="-122"/>
+              <a:ea typeface="楷体" panose="02010609060101010101" pitchFamily="49" charset="-122"/>
+            </a:endParaRPr>
+          </a:p>
+          <a:p>
+            <a:pPr marL="914400" lvl="1" indent="-317500" algn="l" rtl="0">
+              <a:spcBef>
+                <a:spcPts val="0"/>
+              </a:spcBef>
+              <a:spcAft>
+                <a:spcPts val="0"/>
+              </a:spcAft>
+              <a:buSzPts val="1400"/>
+              <a:buChar char="○"/>
+            </a:pPr>
+            <a:endParaRPr lang="en-US" altLang="zh-CN" dirty="0">
+              <a:latin typeface="楷体" panose="02010609060101010101" pitchFamily="49" charset="-122"/>
+              <a:ea typeface="楷体" panose="02010609060101010101" pitchFamily="49" charset="-122"/>
+            </a:endParaRPr>
+          </a:p>
+          <a:p>
+            <a:pPr marL="457200" lvl="0" indent="-342900" algn="l" rtl="0">
+              <a:spcBef>
+                <a:spcPts val="0"/>
+              </a:spcBef>
+              <a:spcAft>
+                <a:spcPts val="0"/>
+              </a:spcAft>
+              <a:buSzPts val="1800"/>
+              <a:buChar char="●"/>
+            </a:pPr>
+            <a:r>
+              <a:rPr lang="en-US" altLang="zh-CN" dirty="0">
+                <a:latin typeface="楷体" panose="02010609060101010101" pitchFamily="49" charset="-122"/>
+                <a:ea typeface="楷体" panose="02010609060101010101" pitchFamily="49" charset="-122"/>
+              </a:rPr>
+              <a:t>ACE/Un-ACE</a:t>
+            </a:r>
+            <a:r>
+              <a:rPr lang="zh-CN" altLang="en-US" dirty="0">
+                <a:latin typeface="楷体" panose="02010609060101010101" pitchFamily="49" charset="-122"/>
+                <a:ea typeface="楷体" panose="02010609060101010101" pitchFamily="49" charset="-122"/>
+              </a:rPr>
+              <a:t>：</a:t>
+            </a:r>
+            <a:endParaRPr lang="en-US" altLang="zh-CN" dirty="0">
+              <a:latin typeface="楷体" panose="02010609060101010101" pitchFamily="49" charset="-122"/>
+              <a:ea typeface="楷体" panose="02010609060101010101" pitchFamily="49" charset="-122"/>
+            </a:endParaRPr>
+          </a:p>
+          <a:p>
+            <a:pPr marL="914400" lvl="1" indent="-317500" algn="l" rtl="0">
+              <a:spcBef>
+                <a:spcPts val="0"/>
+              </a:spcBef>
+              <a:spcAft>
+                <a:spcPts val="0"/>
+              </a:spcAft>
+              <a:buSzPts val="1400"/>
+              <a:buChar char="○"/>
+            </a:pPr>
+            <a:endParaRPr lang="zh-CN" altLang="en-US" dirty="0">
+              <a:latin typeface="楷体" panose="02010609060101010101" pitchFamily="49" charset="-122"/>
+              <a:ea typeface="楷体" panose="02010609060101010101" pitchFamily="49" charset="-122"/>
+            </a:endParaRPr>
+          </a:p>
+          <a:p>
+            <a:pPr marL="457200" lvl="0" indent="-342900" algn="l" rtl="0">
+              <a:spcBef>
+                <a:spcPts val="0"/>
+              </a:spcBef>
+              <a:spcAft>
+                <a:spcPts val="0"/>
+              </a:spcAft>
+              <a:buSzPts val="1800"/>
+              <a:buChar char="●"/>
+            </a:pPr>
+            <a:r>
+              <a:rPr lang="en-US" altLang="zh-CN" dirty="0">
+                <a:latin typeface="楷体" panose="02010609060101010101" pitchFamily="49" charset="-122"/>
+                <a:ea typeface="楷体" panose="02010609060101010101" pitchFamily="49" charset="-122"/>
+              </a:rPr>
+              <a:t>RAM</a:t>
+            </a:r>
+            <a:r>
+              <a:rPr lang="zh-CN" altLang="en-US" dirty="0">
+                <a:latin typeface="楷体" panose="02010609060101010101" pitchFamily="49" charset="-122"/>
+                <a:ea typeface="楷体" panose="02010609060101010101" pitchFamily="49" charset="-122"/>
+              </a:rPr>
+              <a:t>中</a:t>
+            </a:r>
+            <a:r>
+              <a:rPr lang="en-US" altLang="zh-CN" dirty="0">
+                <a:latin typeface="楷体" panose="02010609060101010101" pitchFamily="49" charset="-122"/>
+                <a:ea typeface="楷体" panose="02010609060101010101" pitchFamily="49" charset="-122"/>
+              </a:rPr>
+              <a:t>AVF</a:t>
+            </a:r>
+            <a:r>
+              <a:rPr lang="zh-CN" altLang="en-US" dirty="0">
+                <a:latin typeface="楷体" panose="02010609060101010101" pitchFamily="49" charset="-122"/>
+                <a:ea typeface="楷体" panose="02010609060101010101" pitchFamily="49" charset="-122"/>
+              </a:rPr>
+              <a:t>：</a:t>
+            </a:r>
+            <a:endParaRPr lang="en-US" altLang="zh-CN" dirty="0">
+              <a:latin typeface="楷体" panose="02010609060101010101" pitchFamily="49" charset="-122"/>
+              <a:ea typeface="楷体" panose="02010609060101010101" pitchFamily="49" charset="-122"/>
+            </a:endParaRPr>
+          </a:p>
+          <a:p>
+            <a:pPr marL="914400" lvl="1" indent="-317500" algn="l" rtl="0">
+              <a:spcBef>
+                <a:spcPts val="0"/>
+              </a:spcBef>
+              <a:spcAft>
+                <a:spcPts val="0"/>
+              </a:spcAft>
+              <a:buSzPts val="1400"/>
+              <a:buChar char="○"/>
+            </a:pPr>
+            <a:endParaRPr lang="zh-CN" altLang="en-US" dirty="0">
+              <a:latin typeface="楷体" panose="02010609060101010101" pitchFamily="49" charset="-122"/>
+              <a:ea typeface="楷体" panose="02010609060101010101" pitchFamily="49" charset="-122"/>
+            </a:endParaRPr>
+          </a:p>
+          <a:p>
+            <a:pPr marL="457200" lvl="0" indent="-342900" algn="l" rtl="0">
+              <a:spcBef>
+                <a:spcPts val="0"/>
+              </a:spcBef>
+              <a:spcAft>
+                <a:spcPts val="0"/>
+              </a:spcAft>
+              <a:buSzPts val="1800"/>
+              <a:buChar char="●"/>
+            </a:pPr>
+            <a:r>
+              <a:rPr lang="en-US" altLang="zh-CN" dirty="0">
+                <a:latin typeface="楷体" panose="02010609060101010101" pitchFamily="49" charset="-122"/>
+                <a:ea typeface="楷体" panose="02010609060101010101" pitchFamily="49" charset="-122"/>
+              </a:rPr>
+              <a:t>CAM</a:t>
+            </a:r>
+            <a:r>
+              <a:rPr lang="zh-CN" altLang="en-US" dirty="0">
+                <a:latin typeface="楷体" panose="02010609060101010101" pitchFamily="49" charset="-122"/>
+                <a:ea typeface="楷体" panose="02010609060101010101" pitchFamily="49" charset="-122"/>
+              </a:rPr>
+              <a:t>中</a:t>
+            </a:r>
+            <a:r>
+              <a:rPr lang="en-US" altLang="zh-CN" dirty="0">
+                <a:latin typeface="楷体" panose="02010609060101010101" pitchFamily="49" charset="-122"/>
+                <a:ea typeface="楷体" panose="02010609060101010101" pitchFamily="49" charset="-122"/>
+              </a:rPr>
+              <a:t>AVF</a:t>
+            </a:r>
+            <a:r>
+              <a:rPr lang="zh-CN" altLang="en-US" dirty="0">
+                <a:latin typeface="楷体" panose="02010609060101010101" pitchFamily="49" charset="-122"/>
+                <a:ea typeface="楷体" panose="02010609060101010101" pitchFamily="49" charset="-122"/>
+              </a:rPr>
+              <a:t>：</a:t>
+            </a:r>
+            <a:endParaRPr lang="en-US" altLang="zh-CN" dirty="0">
+              <a:latin typeface="楷体" panose="02010609060101010101" pitchFamily="49" charset="-122"/>
+              <a:ea typeface="楷体" panose="02010609060101010101" pitchFamily="49" charset="-122"/>
+            </a:endParaRPr>
+          </a:p>
+          <a:p>
+            <a:pPr marL="914400" lvl="1" indent="-317500" algn="l" rtl="0">
+              <a:spcBef>
+                <a:spcPts val="0"/>
+              </a:spcBef>
+              <a:spcAft>
+                <a:spcPts val="0"/>
+              </a:spcAft>
+              <a:buSzPts val="1400"/>
+              <a:buChar char="○"/>
+            </a:pPr>
+            <a:endParaRPr lang="zh-CN" altLang="en-US" dirty="0">
+              <a:latin typeface="楷体" panose="02010609060101010101" pitchFamily="49" charset="-122"/>
+              <a:ea typeface="楷体" panose="02010609060101010101" pitchFamily="49" charset="-122"/>
+            </a:endParaRPr>
+          </a:p>
+          <a:p>
+            <a:pPr marL="914400" lvl="1" indent="-317500" algn="l" rtl="0">
+              <a:spcBef>
+                <a:spcPts val="0"/>
+              </a:spcBef>
+              <a:spcAft>
+                <a:spcPts val="0"/>
+              </a:spcAft>
+              <a:buSzPts val="1400"/>
+              <a:buChar char="○"/>
+            </a:pPr>
+            <a:endParaRPr lang="zh-CN" altLang="en-US" dirty="0">
+              <a:latin typeface="楷体" panose="02010609060101010101" pitchFamily="49" charset="-122"/>
+              <a:ea typeface="楷体" panose="02010609060101010101" pitchFamily="49" charset="-122"/>
+            </a:endParaRPr>
+          </a:p>
+        </p:txBody>
+      </p:sp>
+      <p:sp>
+        <p:nvSpPr>
+          <p:cNvPr id="107" name="Google Shape;107;p16"/>
+          <p:cNvSpPr txBox="1">
+            <a:spLocks noGrp="1"/>
+          </p:cNvSpPr>
+          <p:nvPr>
+            <p:ph type="sldNum" idx="12"/>
+          </p:nvPr>
+        </p:nvSpPr>
+        <p:spPr>
+          <a:xfrm>
+            <a:off x="8460431" y="4651190"/>
+            <a:ext cx="548700" cy="393600"/>
+          </a:xfrm>
+          <a:prstGeom prst="rect">
+            <a:avLst/>
+          </a:prstGeom>
+        </p:spPr>
+        <p:txBody>
+          <a:bodyPr spcFirstLastPara="1" wrap="square" lIns="91425" tIns="91425" rIns="91425" bIns="91425" anchor="ctr" anchorCtr="0">
+            <a:noAutofit/>
+          </a:bodyPr>
+          <a:lstStyle/>
+          <a:p>
+            <a:pPr marL="0" lvl="0" indent="0" algn="r" rtl="0">
+              <a:spcBef>
+                <a:spcPts val="0"/>
+              </a:spcBef>
+              <a:spcAft>
+                <a:spcPts val="0"/>
+              </a:spcAft>
+              <a:buNone/>
+            </a:pPr>
+            <a:fld id="{00000000-1234-1234-1234-123412341234}" type="slidenum">
+              <a:rPr lang="en"/>
+              <a:t>8</a:t>
+            </a:fld>
+            <a:endParaRPr/>
+          </a:p>
+        </p:txBody>
+      </p:sp>
+    </p:spTree>
+    <p:extLst>
+      <p:ext uri="{BB962C8B-B14F-4D97-AF65-F5344CB8AC3E}">
+        <p14:creationId xmlns:p14="http://schemas.microsoft.com/office/powerpoint/2010/main" val="177031235"/>
+      </p:ext>
+    </p:extLst>
+  </p:cSld>
+  <p:clrMapOvr>
+    <a:masterClrMapping/>
+  </p:clrMapOvr>
+</p:sld>
+</file>
+
+<file path=ppt/slides/slide9.xml><?xml version="1.0" encoding="utf-8"?>
 <p:sld xmlns:a="http://schemas.openxmlformats.org/drawingml/2006/main" xmlns:r="http://schemas.openxmlformats.org/officeDocument/2006/relationships" xmlns:p="http://schemas.openxmlformats.org/presentationml/2006/main">
   <p:cSld>
     <p:spTree>
@@ -9624,7 +14922,7 @@
     </p:spTree>
     <p:extLst>
       <p:ext uri="{BB962C8B-B14F-4D97-AF65-F5344CB8AC3E}">
-        <p14:creationId xmlns:p14="http://schemas.microsoft.com/office/powerpoint/2010/main" val="1718857155"/>
+        <p14:creationId xmlns:p14="http://schemas.microsoft.com/office/powerpoint/2010/main" val="2389831365"/>
       </p:ext>
     </p:extLst>
   </p:cSld>

--- a/Report/1-Soft Errors.pptx
+++ b/Report/1-Soft Errors.pptx
@@ -5,7 +5,7 @@
     <p:sldMasterId id="2147483659" r:id="rId1"/>
   </p:sldMasterIdLst>
   <p:notesMasterIdLst>
-    <p:notesMasterId r:id="rId17"/>
+    <p:notesMasterId r:id="rId20"/>
   </p:notesMasterIdLst>
   <p:sldIdLst>
     <p:sldId id="256" r:id="rId2"/>
@@ -14,34 +14,37 @@
     <p:sldId id="286" r:id="rId5"/>
     <p:sldId id="287" r:id="rId6"/>
     <p:sldId id="288" r:id="rId7"/>
-    <p:sldId id="284" r:id="rId8"/>
-    <p:sldId id="290" r:id="rId9"/>
-    <p:sldId id="289" r:id="rId10"/>
-    <p:sldId id="291" r:id="rId11"/>
-    <p:sldId id="292" r:id="rId12"/>
-    <p:sldId id="293" r:id="rId13"/>
-    <p:sldId id="294" r:id="rId14"/>
-    <p:sldId id="295" r:id="rId15"/>
-    <p:sldId id="296" r:id="rId16"/>
+    <p:sldId id="289" r:id="rId8"/>
+    <p:sldId id="291" r:id="rId9"/>
+    <p:sldId id="292" r:id="rId10"/>
+    <p:sldId id="293" r:id="rId11"/>
+    <p:sldId id="294" r:id="rId12"/>
+    <p:sldId id="295" r:id="rId13"/>
+    <p:sldId id="296" r:id="rId14"/>
+    <p:sldId id="297" r:id="rId15"/>
+    <p:sldId id="298" r:id="rId16"/>
+    <p:sldId id="299" r:id="rId17"/>
+    <p:sldId id="284" r:id="rId18"/>
+    <p:sldId id="290" r:id="rId19"/>
   </p:sldIdLst>
   <p:sldSz cx="9144000" cy="5143500" type="screen16x9"/>
   <p:notesSz cx="6858000" cy="9144000"/>
   <p:embeddedFontLst>
     <p:embeddedFont>
       <p:font typeface="Roboto" panose="02000000000000000000" pitchFamily="2" charset="0"/>
-      <p:regular r:id="rId18"/>
-      <p:bold r:id="rId19"/>
-      <p:italic r:id="rId20"/>
-      <p:boldItalic r:id="rId21"/>
+      <p:regular r:id="rId21"/>
+      <p:bold r:id="rId22"/>
+      <p:italic r:id="rId23"/>
+      <p:boldItalic r:id="rId24"/>
     </p:embeddedFont>
     <p:embeddedFont>
       <p:font typeface="楷体" panose="02010609060101010101" pitchFamily="49" charset="-122"/>
-      <p:regular r:id="rId22"/>
+      <p:regular r:id="rId25"/>
     </p:embeddedFont>
     <p:embeddedFont>
       <p:font typeface="微软雅黑" panose="020B0503020204020204" pitchFamily="34" charset="-122"/>
-      <p:regular r:id="rId23"/>
-      <p:bold r:id="rId24"/>
+      <p:regular r:id="rId26"/>
+      <p:bold r:id="rId27"/>
     </p:embeddedFont>
   </p:embeddedFontLst>
   <p:defaultTextStyle>
@@ -952,16 +955,19 @@
               <a:defRPr/>
             </a:pPr>
             <a:r>
-              <a:rPr lang="zh-CN" altLang="en-US" dirty="0">
-                <a:latin typeface="楷体" panose="02010609060101010101" pitchFamily="49" charset="-122"/>
-                <a:ea typeface="楷体" panose="02010609060101010101" pitchFamily="49" charset="-122"/>
-              </a:rPr>
-              <a:t>单个位差错在一个单个位差错中，数据单元中仅有一位发生变化。突发性差错意味着在数据单元中有两位及两位以上的位发生变化。注意：突发性差错的差错并不意味在连续位上出现。突发性差错的长度从第一个差错位到最后一个差错位的长度计算。冗余为了检错或纠正差错，我们需要发送除了数据外的额外（冗余）位。</a:t>
-            </a:r>
-            <a:endParaRPr lang="en-US" altLang="zh-CN" dirty="0">
-              <a:latin typeface="楷体" panose="02010609060101010101" pitchFamily="49" charset="-122"/>
-              <a:ea typeface="楷体" panose="02010609060101010101" pitchFamily="49" charset="-122"/>
-            </a:endParaRPr>
+              <a:rPr lang="en-US" altLang="zh-CN" dirty="0">
+                <a:latin typeface="楷体" panose="02010609060101010101" pitchFamily="49" charset="-122"/>
+                <a:ea typeface="楷体" panose="02010609060101010101" pitchFamily="49" charset="-122"/>
+              </a:rPr>
+              <a:t>CRC</a:t>
+            </a:r>
+            <a:r>
+              <a:rPr lang="zh-CN" altLang="en-US" dirty="0">
+                <a:latin typeface="楷体" panose="02010609060101010101" pitchFamily="49" charset="-122"/>
+                <a:ea typeface="楷体" panose="02010609060101010101" pitchFamily="49" charset="-122"/>
+              </a:rPr>
+              <a:t>码通常⽤于检测突发错误，即位序列中的错误。通常，此类错误在传输线中由于耦合和噪声⽽不是由于软错误⽽出现。</a:t>
+            </a:r>
           </a:p>
           <a:p>
             <a:pPr marL="228600" marR="0" lvl="0" indent="-228600" algn="l" defTabSz="914400" rtl="0" eaLnBrk="1" fontAlgn="auto" latinLnBrk="0" hangingPunct="1">
@@ -988,161 +994,147 @@
                 <a:latin typeface="楷体" panose="02010609060101010101" pitchFamily="49" charset="-122"/>
                 <a:ea typeface="楷体" panose="02010609060101010101" pitchFamily="49" charset="-122"/>
               </a:rPr>
-              <a:t>单比特检错：</a:t>
-            </a:r>
-            <a:r>
-              <a:rPr lang="en-US" altLang="zh-CN" dirty="0">
-                <a:latin typeface="楷体" panose="02010609060101010101" pitchFamily="49" charset="-122"/>
-                <a:ea typeface="楷体" panose="02010609060101010101" pitchFamily="49" charset="-122"/>
-              </a:rPr>
-              <a:t>00</a:t>
-            </a:r>
-            <a:r>
-              <a:rPr lang="zh-CN" altLang="en-US" dirty="0">
-                <a:latin typeface="楷体" panose="02010609060101010101" pitchFamily="49" charset="-122"/>
-                <a:ea typeface="楷体" panose="02010609060101010101" pitchFamily="49" charset="-122"/>
-              </a:rPr>
-              <a:t>和</a:t>
-            </a:r>
-            <a:r>
-              <a:rPr lang="en-US" altLang="zh-CN" dirty="0">
-                <a:latin typeface="楷体" panose="02010609060101010101" pitchFamily="49" charset="-122"/>
-                <a:ea typeface="楷体" panose="02010609060101010101" pitchFamily="49" charset="-122"/>
-              </a:rPr>
-              <a:t>11</a:t>
-            </a:r>
-            <a:r>
-              <a:rPr lang="zh-CN" altLang="en-US" dirty="0">
-                <a:latin typeface="楷体" panose="02010609060101010101" pitchFamily="49" charset="-122"/>
-                <a:ea typeface="楷体" panose="02010609060101010101" pitchFamily="49" charset="-122"/>
-              </a:rPr>
-              <a:t>，第一位是数据位，第二位是校验位。合法码字只有</a:t>
-            </a:r>
-            <a:r>
-              <a:rPr lang="en-US" altLang="zh-CN" dirty="0">
-                <a:latin typeface="楷体" panose="02010609060101010101" pitchFamily="49" charset="-122"/>
-                <a:ea typeface="楷体" panose="02010609060101010101" pitchFamily="49" charset="-122"/>
-              </a:rPr>
-              <a:t>00</a:t>
-            </a:r>
-            <a:r>
-              <a:rPr lang="zh-CN" altLang="en-US" dirty="0">
-                <a:latin typeface="楷体" panose="02010609060101010101" pitchFamily="49" charset="-122"/>
-                <a:ea typeface="楷体" panose="02010609060101010101" pitchFamily="49" charset="-122"/>
-              </a:rPr>
-              <a:t>和</a:t>
-            </a:r>
-            <a:r>
-              <a:rPr lang="en-US" altLang="zh-CN" dirty="0">
-                <a:latin typeface="楷体" panose="02010609060101010101" pitchFamily="49" charset="-122"/>
-                <a:ea typeface="楷体" panose="02010609060101010101" pitchFamily="49" charset="-122"/>
-              </a:rPr>
-              <a:t>11</a:t>
-            </a:r>
-            <a:r>
-              <a:rPr lang="zh-CN" altLang="en-US" dirty="0">
-                <a:latin typeface="楷体" panose="02010609060101010101" pitchFamily="49" charset="-122"/>
-                <a:ea typeface="楷体" panose="02010609060101010101" pitchFamily="49" charset="-122"/>
-              </a:rPr>
-              <a:t>，当</a:t>
-            </a:r>
-            <a:r>
-              <a:rPr lang="en-US" altLang="zh-CN" dirty="0">
-                <a:latin typeface="楷体" panose="02010609060101010101" pitchFamily="49" charset="-122"/>
-                <a:ea typeface="楷体" panose="02010609060101010101" pitchFamily="49" charset="-122"/>
-              </a:rPr>
-              <a:t>α</a:t>
-            </a:r>
-            <a:r>
-              <a:rPr lang="zh-CN" altLang="en-US" dirty="0">
-                <a:latin typeface="楷体" panose="02010609060101010101" pitchFamily="49" charset="-122"/>
-                <a:ea typeface="楷体" panose="02010609060101010101" pitchFamily="49" charset="-122"/>
-              </a:rPr>
-              <a:t>粒子轰击造成翻转，出现</a:t>
-            </a:r>
-            <a:r>
-              <a:rPr lang="en-US" altLang="zh-CN" dirty="0">
-                <a:latin typeface="楷体" panose="02010609060101010101" pitchFamily="49" charset="-122"/>
-                <a:ea typeface="楷体" panose="02010609060101010101" pitchFamily="49" charset="-122"/>
-              </a:rPr>
-              <a:t>01</a:t>
-            </a:r>
-            <a:r>
-              <a:rPr lang="zh-CN" altLang="en-US" dirty="0">
-                <a:latin typeface="楷体" panose="02010609060101010101" pitchFamily="49" charset="-122"/>
-                <a:ea typeface="楷体" panose="02010609060101010101" pitchFamily="49" charset="-122"/>
-              </a:rPr>
-              <a:t>或</a:t>
-            </a:r>
-            <a:r>
-              <a:rPr lang="en-US" altLang="zh-CN" dirty="0">
-                <a:latin typeface="楷体" panose="02010609060101010101" pitchFamily="49" charset="-122"/>
-                <a:ea typeface="楷体" panose="02010609060101010101" pitchFamily="49" charset="-122"/>
-              </a:rPr>
-              <a:t>10</a:t>
-            </a:r>
-            <a:r>
-              <a:rPr lang="zh-CN" altLang="en-US" dirty="0">
-                <a:latin typeface="楷体" panose="02010609060101010101" pitchFamily="49" charset="-122"/>
-                <a:ea typeface="楷体" panose="02010609060101010101" pitchFamily="49" charset="-122"/>
-              </a:rPr>
-              <a:t>，就说明数据出错，但只能检错，并不能知道是</a:t>
-            </a:r>
-            <a:r>
-              <a:rPr lang="en-US" altLang="zh-CN" dirty="0">
-                <a:latin typeface="楷体" panose="02010609060101010101" pitchFamily="49" charset="-122"/>
-                <a:ea typeface="楷体" panose="02010609060101010101" pitchFamily="49" charset="-122"/>
-              </a:rPr>
-              <a:t>00</a:t>
-            </a:r>
-            <a:r>
-              <a:rPr lang="zh-CN" altLang="en-US" dirty="0">
-                <a:latin typeface="楷体" panose="02010609060101010101" pitchFamily="49" charset="-122"/>
-                <a:ea typeface="楷体" panose="02010609060101010101" pitchFamily="49" charset="-122"/>
-              </a:rPr>
-              <a:t>变成</a:t>
-            </a:r>
-            <a:r>
-              <a:rPr lang="en-US" altLang="zh-CN" dirty="0">
-                <a:latin typeface="楷体" panose="02010609060101010101" pitchFamily="49" charset="-122"/>
-                <a:ea typeface="楷体" panose="02010609060101010101" pitchFamily="49" charset="-122"/>
-              </a:rPr>
-              <a:t>01</a:t>
-            </a:r>
-            <a:r>
-              <a:rPr lang="zh-CN" altLang="en-US" dirty="0">
-                <a:latin typeface="楷体" panose="02010609060101010101" pitchFamily="49" charset="-122"/>
-                <a:ea typeface="楷体" panose="02010609060101010101" pitchFamily="49" charset="-122"/>
-              </a:rPr>
-              <a:t>还是</a:t>
-            </a:r>
-            <a:r>
-              <a:rPr lang="en-US" altLang="zh-CN" dirty="0">
-                <a:latin typeface="楷体" panose="02010609060101010101" pitchFamily="49" charset="-122"/>
-                <a:ea typeface="楷体" panose="02010609060101010101" pitchFamily="49" charset="-122"/>
-              </a:rPr>
-              <a:t>11</a:t>
-            </a:r>
-            <a:r>
-              <a:rPr lang="zh-CN" altLang="en-US" dirty="0">
-                <a:latin typeface="楷体" panose="02010609060101010101" pitchFamily="49" charset="-122"/>
-                <a:ea typeface="楷体" panose="02010609060101010101" pitchFamily="49" charset="-122"/>
-              </a:rPr>
-              <a:t>变成</a:t>
-            </a:r>
-            <a:r>
-              <a:rPr lang="en-US" altLang="zh-CN" dirty="0">
-                <a:latin typeface="楷体" panose="02010609060101010101" pitchFamily="49" charset="-122"/>
-                <a:ea typeface="楷体" panose="02010609060101010101" pitchFamily="49" charset="-122"/>
-              </a:rPr>
-              <a:t>01</a:t>
-            </a:r>
-            <a:r>
-              <a:rPr lang="zh-CN" altLang="en-US" dirty="0">
-                <a:latin typeface="楷体" panose="02010609060101010101" pitchFamily="49" charset="-122"/>
-                <a:ea typeface="楷体" panose="02010609060101010101" pitchFamily="49" charset="-122"/>
-              </a:rPr>
-              <a:t>。</a:t>
+              <a:t>软错误通常不会影响传输线，因为传输数据的⾦属线通常可以从 </a:t>
+            </a:r>
+            <a:r>
+              <a:rPr lang="en-US" altLang="zh-CN" dirty="0">
+                <a:latin typeface="楷体" panose="02010609060101010101" pitchFamily="49" charset="-122"/>
+                <a:ea typeface="楷体" panose="02010609060101010101" pitchFamily="49" charset="-122"/>
+              </a:rPr>
+              <a:t>α </a:t>
+            </a:r>
+            <a:r>
+              <a:rPr lang="zh-CN" altLang="en-US" dirty="0">
+                <a:latin typeface="楷体" panose="02010609060101010101" pitchFamily="49" charset="-122"/>
+                <a:ea typeface="楷体" panose="02010609060101010101" pitchFamily="49" charset="-122"/>
+              </a:rPr>
+              <a:t>粒⼦或中⼦撞击中恢复。然⽽，作为保护传输线的副产品，</a:t>
+            </a:r>
+            <a:r>
+              <a:rPr lang="en-US" altLang="zh-CN" dirty="0">
+                <a:latin typeface="楷体" panose="02010609060101010101" pitchFamily="49" charset="-122"/>
+                <a:ea typeface="楷体" panose="02010609060101010101" pitchFamily="49" charset="-122"/>
+              </a:rPr>
+              <a:t>CRC </a:t>
+            </a:r>
+            <a:r>
+              <a:rPr lang="zh-CN" altLang="en-US" dirty="0">
+                <a:latin typeface="楷体" panose="02010609060101010101" pitchFamily="49" charset="-122"/>
+                <a:ea typeface="楷体" panose="02010609060101010101" pitchFamily="49" charset="-122"/>
+              </a:rPr>
+              <a:t>码可以为存储单元提供软错误保护。例如，如果有⼀个缓冲区，在读取数据并解码 </a:t>
+            </a:r>
+            <a:r>
+              <a:rPr lang="en-US" altLang="zh-CN" dirty="0">
+                <a:latin typeface="楷体" panose="02010609060101010101" pitchFamily="49" charset="-122"/>
+                <a:ea typeface="楷体" panose="02010609060101010101" pitchFamily="49" charset="-122"/>
+              </a:rPr>
+              <a:t>CRC </a:t>
+            </a:r>
+            <a:r>
+              <a:rPr lang="zh-CN" altLang="en-US" dirty="0">
+                <a:latin typeface="楷体" panose="02010609060101010101" pitchFamily="49" charset="-122"/>
+                <a:ea typeface="楷体" panose="02010609060101010101" pitchFamily="49" charset="-122"/>
+              </a:rPr>
+              <a:t>之前，将来⾃传输线的数据转储到缓冲区中，则通过 </a:t>
+            </a:r>
+            <a:r>
+              <a:rPr lang="en-US" altLang="zh-CN" dirty="0">
+                <a:latin typeface="楷体" panose="02010609060101010101" pitchFamily="49" charset="-122"/>
+                <a:ea typeface="楷体" panose="02010609060101010101" pitchFamily="49" charset="-122"/>
+              </a:rPr>
+              <a:t>CRC </a:t>
+            </a:r>
+            <a:r>
+              <a:rPr lang="zh-CN" altLang="en-US" dirty="0">
+                <a:latin typeface="楷体" panose="02010609060101010101" pitchFamily="49" charset="-122"/>
+                <a:ea typeface="楷体" panose="02010609060101010101" pitchFamily="49" charset="-122"/>
+              </a:rPr>
+              <a:t>代码保护缓冲区免受软错误的影响。 </a:t>
+            </a:r>
+            <a:r>
+              <a:rPr lang="en-US" altLang="zh-CN" dirty="0">
+                <a:latin typeface="楷体" panose="02010609060101010101" pitchFamily="49" charset="-122"/>
+                <a:ea typeface="楷体" panose="02010609060101010101" pitchFamily="49" charset="-122"/>
+              </a:rPr>
+              <a:t>CRC </a:t>
+            </a:r>
+            <a:r>
+              <a:rPr lang="zh-CN" altLang="en-US" dirty="0">
+                <a:latin typeface="楷体" panose="02010609060101010101" pitchFamily="49" charset="-122"/>
+                <a:ea typeface="楷体" panose="02010609060101010101" pitchFamily="49" charset="-122"/>
+              </a:rPr>
+              <a:t>码本⾝只提供错误检测，因此 </a:t>
+            </a:r>
+            <a:r>
+              <a:rPr lang="en-US" altLang="zh-CN" dirty="0">
+                <a:latin typeface="楷体" panose="02010609060101010101" pitchFamily="49" charset="-122"/>
+                <a:ea typeface="楷体" panose="02010609060101010101" pitchFamily="49" charset="-122"/>
+              </a:rPr>
+              <a:t>CRC </a:t>
+            </a:r>
+            <a:r>
+              <a:rPr lang="zh-CN" altLang="en-US" dirty="0">
+                <a:latin typeface="楷体" panose="02010609060101010101" pitchFamily="49" charset="-122"/>
+                <a:ea typeface="楷体" panose="02010609060101010101" pitchFamily="49" charset="-122"/>
+              </a:rPr>
+              <a:t>码将缓冲区的 </a:t>
+            </a:r>
+            <a:r>
+              <a:rPr lang="en-US" altLang="zh-CN" dirty="0">
+                <a:latin typeface="楷体" panose="02010609060101010101" pitchFamily="49" charset="-122"/>
+                <a:ea typeface="楷体" panose="02010609060101010101" pitchFamily="49" charset="-122"/>
+              </a:rPr>
+              <a:t>SDC AVF </a:t>
+            </a:r>
+            <a:r>
+              <a:rPr lang="zh-CN" altLang="en-US" dirty="0">
+                <a:latin typeface="楷体" panose="02010609060101010101" pitchFamily="49" charset="-122"/>
+                <a:ea typeface="楷体" panose="02010609060101010101" pitchFamily="49" charset="-122"/>
+              </a:rPr>
+              <a:t>降低到接近于零。但是，通常当接收器检测到 </a:t>
+            </a:r>
+            <a:r>
+              <a:rPr lang="en-US" altLang="zh-CN" dirty="0">
+                <a:latin typeface="楷体" panose="02010609060101010101" pitchFamily="49" charset="-122"/>
+                <a:ea typeface="楷体" panose="02010609060101010101" pitchFamily="49" charset="-122"/>
+              </a:rPr>
+              <a:t>CRC</a:t>
+            </a:r>
+            <a:r>
+              <a:rPr lang="zh-CN" altLang="en-US" dirty="0">
+                <a:latin typeface="楷体" panose="02010609060101010101" pitchFamily="49" charset="-122"/>
+                <a:ea typeface="楷体" panose="02010609060101010101" pitchFamily="49" charset="-122"/>
+              </a:rPr>
+              <a:t>错误时，它会向发送器发送回信号以重新发送数据。在这种情况下，缓冲区中的故障数据被恢复，因此缓冲区的 </a:t>
+            </a:r>
+            <a:r>
+              <a:rPr lang="en-US" altLang="zh-CN" dirty="0">
+                <a:latin typeface="楷体" panose="02010609060101010101" pitchFamily="49" charset="-122"/>
+                <a:ea typeface="楷体" panose="02010609060101010101" pitchFamily="49" charset="-122"/>
+              </a:rPr>
+              <a:t>SDC </a:t>
+            </a:r>
+            <a:r>
+              <a:rPr lang="zh-CN" altLang="en-US" dirty="0">
+                <a:latin typeface="楷体" panose="02010609060101010101" pitchFamily="49" charset="-122"/>
+                <a:ea typeface="楷体" panose="02010609060101010101" pitchFamily="49" charset="-122"/>
+              </a:rPr>
+              <a:t>和 </a:t>
+            </a:r>
+            <a:r>
+              <a:rPr lang="en-US" altLang="zh-CN" dirty="0">
+                <a:latin typeface="楷体" panose="02010609060101010101" pitchFamily="49" charset="-122"/>
+                <a:ea typeface="楷体" panose="02010609060101010101" pitchFamily="49" charset="-122"/>
+              </a:rPr>
+              <a:t>DUE AVF </a:t>
+            </a:r>
+            <a:r>
+              <a:rPr lang="zh-CN" altLang="en-US" dirty="0">
+                <a:latin typeface="楷体" panose="02010609060101010101" pitchFamily="49" charset="-122"/>
+                <a:ea typeface="楷体" panose="02010609060101010101" pitchFamily="49" charset="-122"/>
+              </a:rPr>
+              <a:t>都减少到⼏乎为零。</a:t>
             </a:r>
             <a:endParaRPr lang="en-US" altLang="zh-CN" dirty="0">
               <a:latin typeface="楷体" panose="02010609060101010101" pitchFamily="49" charset="-122"/>
@@ -1174,50 +1166,54 @@
                 <a:latin typeface="楷体" panose="02010609060101010101" pitchFamily="49" charset="-122"/>
                 <a:ea typeface="楷体" panose="02010609060101010101" pitchFamily="49" charset="-122"/>
               </a:rPr>
-              <a:t>单比特纠错：</a:t>
-            </a:r>
-            <a:r>
-              <a:rPr lang="en-US" altLang="zh-CN" dirty="0">
-                <a:latin typeface="楷体" panose="02010609060101010101" pitchFamily="49" charset="-122"/>
-                <a:ea typeface="楷体" panose="02010609060101010101" pitchFamily="49" charset="-122"/>
-              </a:rPr>
-              <a:t>001</a:t>
-            </a:r>
-            <a:r>
-              <a:rPr lang="zh-CN" altLang="en-US" dirty="0">
-                <a:latin typeface="楷体" panose="02010609060101010101" pitchFamily="49" charset="-122"/>
-                <a:ea typeface="楷体" panose="02010609060101010101" pitchFamily="49" charset="-122"/>
-              </a:rPr>
-              <a:t>和</a:t>
-            </a:r>
-            <a:r>
-              <a:rPr lang="en-US" altLang="zh-CN" dirty="0">
-                <a:latin typeface="楷体" panose="02010609060101010101" pitchFamily="49" charset="-122"/>
-                <a:ea typeface="楷体" panose="02010609060101010101" pitchFamily="49" charset="-122"/>
-              </a:rPr>
-              <a:t>110</a:t>
-            </a:r>
-            <a:r>
-              <a:rPr lang="zh-CN" altLang="en-US" dirty="0">
-                <a:latin typeface="楷体" panose="02010609060101010101" pitchFamily="49" charset="-122"/>
-                <a:ea typeface="楷体" panose="02010609060101010101" pitchFamily="49" charset="-122"/>
-              </a:rPr>
-              <a:t>。如果变成了</a:t>
-            </a:r>
-            <a:r>
-              <a:rPr lang="en-US" altLang="zh-CN" dirty="0">
-                <a:latin typeface="楷体" panose="02010609060101010101" pitchFamily="49" charset="-122"/>
-                <a:ea typeface="楷体" panose="02010609060101010101" pitchFamily="49" charset="-122"/>
-              </a:rPr>
-              <a:t>101</a:t>
-            </a:r>
-            <a:r>
-              <a:rPr lang="zh-CN" altLang="en-US" dirty="0">
-                <a:latin typeface="楷体" panose="02010609060101010101" pitchFamily="49" charset="-122"/>
-                <a:ea typeface="楷体" panose="02010609060101010101" pitchFamily="49" charset="-122"/>
-              </a:rPr>
-              <a:t>，数据位被击中</a:t>
-            </a:r>
+              <a:t>与海明校验码数据位和校验位穿插不同，</a:t>
+            </a:r>
+            <a:r>
+              <a:rPr lang="en-US" altLang="zh-CN" dirty="0">
+                <a:latin typeface="楷体" panose="02010609060101010101" pitchFamily="49" charset="-122"/>
+                <a:ea typeface="楷体" panose="02010609060101010101" pitchFamily="49" charset="-122"/>
+              </a:rPr>
+              <a:t>CRC</a:t>
+            </a:r>
+            <a:r>
+              <a:rPr lang="zh-CN" altLang="en-US" dirty="0">
+                <a:latin typeface="楷体" panose="02010609060101010101" pitchFamily="49" charset="-122"/>
+                <a:ea typeface="楷体" panose="02010609060101010101" pitchFamily="49" charset="-122"/>
+              </a:rPr>
+              <a:t>码中，校验位（</a:t>
+            </a:r>
+            <a:r>
+              <a:rPr lang="en-US" altLang="zh-CN" dirty="0">
+                <a:latin typeface="楷体" panose="02010609060101010101" pitchFamily="49" charset="-122"/>
+                <a:ea typeface="楷体" panose="02010609060101010101" pitchFamily="49" charset="-122"/>
+              </a:rPr>
+              <a:t>R</a:t>
+            </a:r>
+            <a:r>
+              <a:rPr lang="zh-CN" altLang="en-US" dirty="0">
+                <a:latin typeface="楷体" panose="02010609060101010101" pitchFamily="49" charset="-122"/>
+                <a:ea typeface="楷体" panose="02010609060101010101" pitchFamily="49" charset="-122"/>
+              </a:rPr>
+              <a:t>位）在信息位（</a:t>
+            </a:r>
+            <a:r>
+              <a:rPr lang="en-US" altLang="zh-CN" dirty="0">
+                <a:latin typeface="楷体" panose="02010609060101010101" pitchFamily="49" charset="-122"/>
+                <a:ea typeface="楷体" panose="02010609060101010101" pitchFamily="49" charset="-122"/>
+              </a:rPr>
+              <a:t>K</a:t>
+            </a:r>
+            <a:r>
+              <a:rPr lang="zh-CN" altLang="en-US" dirty="0">
+                <a:latin typeface="楷体" panose="02010609060101010101" pitchFamily="49" charset="-122"/>
+                <a:ea typeface="楷体" panose="02010609060101010101" pitchFamily="49" charset="-122"/>
+              </a:rPr>
+              <a:t>位）后面</a:t>
+            </a:r>
+            <a:endParaRPr lang="en-US" altLang="zh-CN" dirty="0">
+              <a:latin typeface="楷体" panose="02010609060101010101" pitchFamily="49" charset="-122"/>
+              <a:ea typeface="楷体" panose="02010609060101010101" pitchFamily="49" charset="-122"/>
+            </a:endParaRPr>
           </a:p>
           <a:p>
             <a:pPr marL="228600" marR="0" lvl="0" indent="-228600" algn="l" defTabSz="914400" rtl="0" eaLnBrk="1" fontAlgn="auto" latinLnBrk="0" hangingPunct="1">
@@ -1239,7 +1235,7 @@
               <a:tabLst/>
               <a:defRPr/>
             </a:pPr>
-            <a:endParaRPr lang="en-US" altLang="zh-CN" dirty="0">
+            <a:endParaRPr lang="zh-CN" altLang="en-US" dirty="0">
               <a:latin typeface="楷体" panose="02010609060101010101" pitchFamily="49" charset="-122"/>
               <a:ea typeface="楷体" panose="02010609060101010101" pitchFamily="49" charset="-122"/>
             </a:endParaRPr>
@@ -1249,7 +1245,7 @@
     </p:spTree>
     <p:extLst>
       <p:ext uri="{BB962C8B-B14F-4D97-AF65-F5344CB8AC3E}">
-        <p14:creationId xmlns:p14="http://schemas.microsoft.com/office/powerpoint/2010/main" val="4260532835"/>
+        <p14:creationId xmlns:p14="http://schemas.microsoft.com/office/powerpoint/2010/main" val="4124519748"/>
       </p:ext>
     </p:extLst>
   </p:cSld>
@@ -1366,105 +1362,671 @@
                 <a:latin typeface="楷体" panose="02010609060101010101" pitchFamily="49" charset="-122"/>
                 <a:ea typeface="楷体" panose="02010609060101010101" pitchFamily="49" charset="-122"/>
               </a:rPr>
-              <a:t>简单奇偶校验码编码是</a:t>
-            </a:r>
-            <a:r>
-              <a:rPr lang="en-US" altLang="zh-CN" dirty="0">
-                <a:latin typeface="楷体" panose="02010609060101010101" pitchFamily="49" charset="-122"/>
-                <a:ea typeface="楷体" panose="02010609060101010101" pitchFamily="49" charset="-122"/>
-              </a:rPr>
-              <a:t>n=k+1</a:t>
-            </a:r>
-            <a:r>
-              <a:rPr lang="zh-CN" altLang="en-US" dirty="0">
-                <a:latin typeface="楷体" panose="02010609060101010101" pitchFamily="49" charset="-122"/>
-                <a:ea typeface="楷体" panose="02010609060101010101" pitchFamily="49" charset="-122"/>
-              </a:rPr>
-              <a:t>、</a:t>
-            </a:r>
-            <a:r>
-              <a:rPr lang="en-US" altLang="zh-CN" dirty="0">
-                <a:latin typeface="楷体" panose="02010609060101010101" pitchFamily="49" charset="-122"/>
-                <a:ea typeface="楷体" panose="02010609060101010101" pitchFamily="49" charset="-122"/>
-              </a:rPr>
-              <a:t>d m </a:t>
-            </a:r>
-            <a:r>
-              <a:rPr lang="en-US" altLang="zh-CN" dirty="0" err="1">
-                <a:latin typeface="楷体" panose="02010609060101010101" pitchFamily="49" charset="-122"/>
-                <a:ea typeface="楷体" panose="02010609060101010101" pitchFamily="49" charset="-122"/>
-              </a:rPr>
-              <a:t>i</a:t>
-            </a:r>
-            <a:r>
-              <a:rPr lang="en-US" altLang="zh-CN" dirty="0">
-                <a:latin typeface="楷体" panose="02010609060101010101" pitchFamily="49" charset="-122"/>
-                <a:ea typeface="楷体" panose="02010609060101010101" pitchFamily="49" charset="-122"/>
-              </a:rPr>
-              <a:t> n = 2 d_{min}=2d min​ =2</a:t>
-            </a:r>
-            <a:r>
-              <a:rPr lang="zh-CN" altLang="en-US" dirty="0">
-                <a:latin typeface="楷体" panose="02010609060101010101" pitchFamily="49" charset="-122"/>
-                <a:ea typeface="楷体" panose="02010609060101010101" pitchFamily="49" charset="-122"/>
-              </a:rPr>
-              <a:t>的单个位检错码。在发送方：</a:t>
-            </a:r>
-            <a:r>
-              <a:rPr lang="en-US" altLang="zh-CN" dirty="0">
-                <a:latin typeface="楷体" panose="02010609060101010101" pitchFamily="49" charset="-122"/>
-                <a:ea typeface="楷体" panose="02010609060101010101" pitchFamily="49" charset="-122"/>
-              </a:rPr>
-              <a:t>1</a:t>
-            </a:r>
-            <a:r>
-              <a:rPr lang="zh-CN" altLang="en-US" dirty="0">
-                <a:latin typeface="楷体" panose="02010609060101010101" pitchFamily="49" charset="-122"/>
-                <a:ea typeface="楷体" panose="02010609060101010101" pitchFamily="49" charset="-122"/>
-              </a:rPr>
-              <a:t>的个数是偶数个则为</a:t>
-            </a:r>
-            <a:r>
-              <a:rPr lang="en-US" altLang="zh-CN" dirty="0">
-                <a:latin typeface="楷体" panose="02010609060101010101" pitchFamily="49" charset="-122"/>
-                <a:ea typeface="楷体" panose="02010609060101010101" pitchFamily="49" charset="-122"/>
-              </a:rPr>
-              <a:t>0</a:t>
-            </a:r>
-            <a:r>
-              <a:rPr lang="zh-CN" altLang="en-US" dirty="0">
-                <a:latin typeface="楷体" panose="02010609060101010101" pitchFamily="49" charset="-122"/>
-                <a:ea typeface="楷体" panose="02010609060101010101" pitchFamily="49" charset="-122"/>
-              </a:rPr>
-              <a:t>，否则为</a:t>
-            </a:r>
-            <a:r>
-              <a:rPr lang="en-US" altLang="zh-CN" dirty="0">
-                <a:latin typeface="楷体" panose="02010609060101010101" pitchFamily="49" charset="-122"/>
-                <a:ea typeface="楷体" panose="02010609060101010101" pitchFamily="49" charset="-122"/>
-              </a:rPr>
-              <a:t>1</a:t>
-            </a:r>
-            <a:r>
-              <a:rPr lang="zh-CN" altLang="en-US" dirty="0">
-                <a:latin typeface="楷体" panose="02010609060101010101" pitchFamily="49" charset="-122"/>
-                <a:ea typeface="楷体" panose="02010609060101010101" pitchFamily="49" charset="-122"/>
-              </a:rPr>
-              <a:t>。在接收方：</a:t>
-            </a:r>
-            <a:r>
-              <a:rPr lang="en-US" altLang="zh-CN" dirty="0">
-                <a:latin typeface="楷体" panose="02010609060101010101" pitchFamily="49" charset="-122"/>
-                <a:ea typeface="楷体" panose="02010609060101010101" pitchFamily="49" charset="-122"/>
-              </a:rPr>
-              <a:t>1</a:t>
-            </a:r>
-            <a:r>
-              <a:rPr lang="zh-CN" altLang="en-US" dirty="0">
-                <a:latin typeface="楷体" panose="02010609060101010101" pitchFamily="49" charset="-122"/>
-                <a:ea typeface="楷体" panose="02010609060101010101" pitchFamily="49" charset="-122"/>
-              </a:rPr>
-              <a:t>的个数是偶数个则接收，否则丢弃</a:t>
+              <a:t>处理器流水线中，执行单元（例如加法器和乘法器）通常比保持架构状态或流水线中的停顿点</a:t>
+            </a:r>
+            <a:r>
+              <a:rPr lang="en-US" altLang="zh-CN" dirty="0">
+                <a:latin typeface="楷体" panose="02010609060101010101" pitchFamily="49" charset="-122"/>
+                <a:ea typeface="楷体" panose="02010609060101010101" pitchFamily="49" charset="-122"/>
+              </a:rPr>
+              <a:t>(stall point)</a:t>
+            </a:r>
+            <a:r>
+              <a:rPr lang="zh-CN" altLang="en-US" dirty="0">
+                <a:latin typeface="楷体" panose="02010609060101010101" pitchFamily="49" charset="-122"/>
+                <a:ea typeface="楷体" panose="02010609060101010101" pitchFamily="49" charset="-122"/>
+              </a:rPr>
+              <a:t>更不易受到软错误影响。执行单元主要由逻辑电路组成，它们具有⾼级别的逻辑、电⽓和锁存窗⼝屏蔽。相⽐之下，保存架构状态或停顿点的结构由不具有许多这些掩蔽属性的状态位组成。</a:t>
+            </a:r>
+            <a:endParaRPr lang="en-US" altLang="zh-CN" dirty="0">
+              <a:latin typeface="楷体" panose="02010609060101010101" pitchFamily="49" charset="-122"/>
+              <a:ea typeface="楷体" panose="02010609060101010101" pitchFamily="49" charset="-122"/>
+            </a:endParaRPr>
+          </a:p>
+          <a:p>
+            <a:pPr marL="228600" marR="0" lvl="0" indent="-228600" algn="l" defTabSz="914400" rtl="0" eaLnBrk="1" fontAlgn="auto" latinLnBrk="0" hangingPunct="1">
+              <a:lnSpc>
+                <a:spcPct val="100000"/>
+              </a:lnSpc>
+              <a:spcBef>
+                <a:spcPts val="0"/>
+              </a:spcBef>
+              <a:spcAft>
+                <a:spcPts val="0"/>
+              </a:spcAft>
+              <a:buClr>
+                <a:srgbClr val="000000"/>
+              </a:buClr>
+              <a:buSzPts val="1100"/>
+              <a:buFont typeface="Arial"/>
+              <a:buAutoNum type="arabicPeriod"/>
+              <a:tabLst/>
+              <a:defRPr/>
+            </a:pPr>
+            <a:r>
+              <a:rPr lang="zh-CN" altLang="en-US" dirty="0">
+                <a:latin typeface="楷体" panose="02010609060101010101" pitchFamily="49" charset="-122"/>
+                <a:ea typeface="楷体" panose="02010609060101010101" pitchFamily="49" charset="-122"/>
+              </a:rPr>
+              <a:t>流⽔线中的停顿点，例如指令队列，具有⽐执行单元的输⼊或输出锁存器⾼得多的</a:t>
+            </a:r>
+            <a:r>
+              <a:rPr lang="en-US" altLang="zh-CN" dirty="0">
+                <a:latin typeface="楷体" panose="02010609060101010101" pitchFamily="49" charset="-122"/>
+                <a:ea typeface="楷体" panose="02010609060101010101" pitchFamily="49" charset="-122"/>
+              </a:rPr>
+              <a:t>LACE(ACE</a:t>
+            </a:r>
+            <a:r>
+              <a:rPr lang="zh-CN" altLang="en-US" dirty="0"/>
+              <a:t>指令通过结构的延迟</a:t>
+            </a:r>
+            <a:r>
+              <a:rPr lang="en-US" altLang="zh-CN" dirty="0">
+                <a:latin typeface="楷体" panose="02010609060101010101" pitchFamily="49" charset="-122"/>
+                <a:ea typeface="楷体" panose="02010609060101010101" pitchFamily="49" charset="-122"/>
+              </a:rPr>
+              <a:t>)</a:t>
+            </a:r>
+            <a:r>
+              <a:rPr lang="zh-CN" altLang="en-US" dirty="0">
+                <a:latin typeface="楷体" panose="02010609060101010101" pitchFamily="49" charset="-122"/>
+                <a:ea typeface="楷体" panose="02010609060101010101" pitchFamily="49" charset="-122"/>
+              </a:rPr>
+              <a:t>。这是因为管道可能由于缓存未命中或分⽀错误预测⽽备份。相⽐之下，执行单元锁存器的</a:t>
+            </a:r>
+            <a:r>
+              <a:rPr lang="en-US" altLang="zh-CN" dirty="0">
+                <a:latin typeface="楷体" panose="02010609060101010101" pitchFamily="49" charset="-122"/>
+                <a:ea typeface="楷体" panose="02010609060101010101" pitchFamily="49" charset="-122"/>
+              </a:rPr>
+              <a:t>LACE</a:t>
+            </a:r>
+            <a:r>
+              <a:rPr lang="zh-CN" altLang="en-US" dirty="0">
+                <a:latin typeface="楷体" panose="02010609060101010101" pitchFamily="49" charset="-122"/>
+                <a:ea typeface="楷体" panose="02010609060101010101" pitchFamily="49" charset="-122"/>
+              </a:rPr>
+              <a:t>可能要低得多，因为执行单元通常不保存停滞的指令。因此，流⽔线中停顿点的 </a:t>
+            </a:r>
+            <a:r>
+              <a:rPr lang="en-US" altLang="zh-CN" dirty="0">
+                <a:latin typeface="楷体" panose="02010609060101010101" pitchFamily="49" charset="-122"/>
+                <a:ea typeface="楷体" panose="02010609060101010101" pitchFamily="49" charset="-122"/>
+              </a:rPr>
+              <a:t>AVF </a:t>
+            </a:r>
+            <a:r>
+              <a:rPr lang="zh-CN" altLang="en-US" dirty="0">
+                <a:latin typeface="楷体" panose="02010609060101010101" pitchFamily="49" charset="-122"/>
+                <a:ea typeface="楷体" panose="02010609060101010101" pitchFamily="49" charset="-122"/>
+              </a:rPr>
+              <a:t>通常显着⾼于执行单元的 </a:t>
+            </a:r>
+            <a:r>
+              <a:rPr lang="en-US" altLang="zh-CN" dirty="0">
+                <a:latin typeface="楷体" panose="02010609060101010101" pitchFamily="49" charset="-122"/>
+                <a:ea typeface="楷体" panose="02010609060101010101" pitchFamily="49" charset="-122"/>
+              </a:rPr>
+              <a:t>AVF</a:t>
+            </a:r>
+            <a:r>
+              <a:rPr lang="zh-CN" altLang="en-US" dirty="0">
+                <a:latin typeface="楷体" panose="02010609060101010101" pitchFamily="49" charset="-122"/>
+                <a:ea typeface="楷体" panose="02010609060101010101" pitchFamily="49" charset="-122"/>
+              </a:rPr>
+              <a:t>。包含架构状态的结构的暴露窗⼝通常也⾼于执行单元锁存器的暴露窗⼝。因此，流⽔线中具有架构状态和停顿点的结构都⽐执行单元更容易出现软错误。因此，对于软错误，具有架构或停滞状态的结构是保护的第⼀候选者。</a:t>
+            </a:r>
+            <a:endParaRPr lang="en-US" altLang="zh-CN" dirty="0">
+              <a:latin typeface="楷体" panose="02010609060101010101" pitchFamily="49" charset="-122"/>
+              <a:ea typeface="楷体" panose="02010609060101010101" pitchFamily="49" charset="-122"/>
+            </a:endParaRPr>
+          </a:p>
+          <a:p>
+            <a:pPr marL="228600" marR="0" lvl="0" indent="-228600" algn="l" defTabSz="914400" rtl="0" eaLnBrk="1" fontAlgn="auto" latinLnBrk="0" hangingPunct="1">
+              <a:lnSpc>
+                <a:spcPct val="100000"/>
+              </a:lnSpc>
+              <a:spcBef>
+                <a:spcPts val="0"/>
+              </a:spcBef>
+              <a:spcAft>
+                <a:spcPts val="0"/>
+              </a:spcAft>
+              <a:buClr>
+                <a:srgbClr val="000000"/>
+              </a:buClr>
+              <a:buSzPts val="1100"/>
+              <a:buFont typeface="Arial"/>
+              <a:buAutoNum type="arabicPeriod"/>
+              <a:tabLst/>
+              <a:defRPr/>
+            </a:pPr>
+            <a:r>
+              <a:rPr lang="en-US" altLang="zh-CN" dirty="0">
+                <a:latin typeface="楷体" panose="02010609060101010101" pitchFamily="49" charset="-122"/>
+                <a:ea typeface="楷体" panose="02010609060101010101" pitchFamily="49" charset="-122"/>
+              </a:rPr>
+              <a:t>AN</a:t>
+            </a:r>
+            <a:r>
+              <a:rPr lang="zh-CN" altLang="en-US" dirty="0">
+                <a:latin typeface="楷体" panose="02010609060101010101" pitchFamily="49" charset="-122"/>
+                <a:ea typeface="楷体" panose="02010609060101010101" pitchFamily="49" charset="-122"/>
+              </a:rPr>
+              <a:t>码：具体⽽⾔，通过将每个数据字</a:t>
+            </a:r>
+            <a:r>
+              <a:rPr lang="en-US" altLang="zh-CN" dirty="0">
+                <a:latin typeface="楷体" panose="02010609060101010101" pitchFamily="49" charset="-122"/>
+                <a:ea typeface="楷体" panose="02010609060101010101" pitchFamily="49" charset="-122"/>
+              </a:rPr>
+              <a:t>N</a:t>
+            </a:r>
+            <a:r>
+              <a:rPr lang="zh-CN" altLang="en-US" dirty="0">
+                <a:latin typeface="楷体" panose="02010609060101010101" pitchFamily="49" charset="-122"/>
+                <a:ea typeface="楷体" panose="02010609060101010101" pitchFamily="49" charset="-122"/>
+              </a:rPr>
+              <a:t>乘以常数</a:t>
+            </a:r>
+            <a:r>
+              <a:rPr lang="en-US" altLang="zh-CN" dirty="0">
+                <a:latin typeface="楷体" panose="02010609060101010101" pitchFamily="49" charset="-122"/>
+                <a:ea typeface="楷体" panose="02010609060101010101" pitchFamily="49" charset="-122"/>
+              </a:rPr>
+              <a:t>A</a:t>
+            </a:r>
+            <a:r>
+              <a:rPr lang="zh-CN" altLang="en-US" dirty="0">
+                <a:latin typeface="楷体" panose="02010609060101010101" pitchFamily="49" charset="-122"/>
+                <a:ea typeface="楷体" panose="02010609060101010101" pitchFamily="49" charset="-122"/>
+              </a:rPr>
+              <a:t>来形成</a:t>
+            </a:r>
+            <a:r>
+              <a:rPr lang="en-US" altLang="zh-CN" dirty="0">
+                <a:latin typeface="楷体" panose="02010609060101010101" pitchFamily="49" charset="-122"/>
+                <a:ea typeface="楷体" panose="02010609060101010101" pitchFamily="49" charset="-122"/>
+              </a:rPr>
+              <a:t>AN</a:t>
+            </a:r>
+            <a:r>
+              <a:rPr lang="zh-CN" altLang="en-US" dirty="0">
+                <a:latin typeface="楷体" panose="02010609060101010101" pitchFamily="49" charset="-122"/>
+                <a:ea typeface="楷体" panose="02010609060101010101" pitchFamily="49" charset="-122"/>
+              </a:rPr>
+              <a:t>码（因此，名称为</a:t>
+            </a:r>
+            <a:r>
+              <a:rPr lang="en-US" altLang="zh-CN" dirty="0">
+                <a:latin typeface="楷体" panose="02010609060101010101" pitchFamily="49" charset="-122"/>
+                <a:ea typeface="楷体" panose="02010609060101010101" pitchFamily="49" charset="-122"/>
+              </a:rPr>
+              <a:t>AN</a:t>
+            </a:r>
+            <a:r>
+              <a:rPr lang="zh-CN" altLang="en-US" dirty="0">
+                <a:latin typeface="楷体" panose="02010609060101010101" pitchFamily="49" charset="-122"/>
+                <a:ea typeface="楷体" panose="02010609060101010101" pitchFamily="49" charset="-122"/>
+              </a:rPr>
+              <a:t>码）。由于</a:t>
+            </a:r>
+            <a:r>
+              <a:rPr lang="en-US" altLang="zh-CN" dirty="0">
+                <a:latin typeface="楷体" panose="02010609060101010101" pitchFamily="49" charset="-122"/>
+                <a:ea typeface="楷体" panose="02010609060101010101" pitchFamily="49" charset="-122"/>
+              </a:rPr>
+              <a:t>A(N1+N2) = A(N1) + A(N2)</a:t>
+            </a:r>
+            <a:r>
+              <a:rPr lang="zh-CN" altLang="en-US" dirty="0">
+                <a:latin typeface="楷体" panose="02010609060101010101" pitchFamily="49" charset="-122"/>
+                <a:ea typeface="楷体" panose="02010609060101010101" pitchFamily="49" charset="-122"/>
+              </a:rPr>
+              <a:t>和</a:t>
+            </a:r>
+            <a:r>
+              <a:rPr lang="en-US" altLang="zh-CN" dirty="0">
+                <a:latin typeface="楷体" panose="02010609060101010101" pitchFamily="49" charset="-122"/>
+                <a:ea typeface="楷体" panose="02010609060101010101" pitchFamily="49" charset="-122"/>
+              </a:rPr>
+              <a:t>A(N1 - N2) = A(N1) - A(N2)</a:t>
+            </a:r>
+            <a:r>
+              <a:rPr lang="zh-CN" altLang="en-US" dirty="0">
+                <a:latin typeface="楷体" panose="02010609060101010101" pitchFamily="49" charset="-122"/>
+                <a:ea typeface="楷体" panose="02010609060101010101" pitchFamily="49" charset="-122"/>
+              </a:rPr>
+              <a:t>， </a:t>
+            </a:r>
+            <a:r>
+              <a:rPr lang="en-US" altLang="zh-CN" dirty="0">
+                <a:latin typeface="楷体" panose="02010609060101010101" pitchFamily="49" charset="-122"/>
+                <a:ea typeface="楷体" panose="02010609060101010101" pitchFamily="49" charset="-122"/>
+              </a:rPr>
+              <a:t>AN </a:t>
+            </a:r>
+            <a:r>
+              <a:rPr lang="zh-CN" altLang="en-US" dirty="0">
+                <a:latin typeface="楷体" panose="02010609060101010101" pitchFamily="49" charset="-122"/>
+                <a:ea typeface="楷体" panose="02010609060101010101" pitchFamily="49" charset="-122"/>
+              </a:rPr>
+              <a:t>码可⽤于加法或减法运算。 </a:t>
+            </a:r>
+            <a:r>
+              <a:rPr lang="en-US" altLang="zh-CN" dirty="0">
+                <a:latin typeface="楷体" panose="02010609060101010101" pitchFamily="49" charset="-122"/>
+                <a:ea typeface="楷体" panose="02010609060101010101" pitchFamily="49" charset="-122"/>
+              </a:rPr>
+              <a:t>A</a:t>
+            </a:r>
+            <a:r>
+              <a:rPr lang="zh-CN" altLang="en-US" dirty="0">
+                <a:latin typeface="楷体" panose="02010609060101010101" pitchFamily="49" charset="-122"/>
+                <a:ea typeface="楷体" panose="02010609060101010101" pitchFamily="49" charset="-122"/>
+              </a:rPr>
+              <a:t>的选择决定了对 </a:t>
+            </a:r>
+            <a:r>
+              <a:rPr lang="en-US" altLang="zh-CN" dirty="0">
+                <a:latin typeface="楷体" panose="02010609060101010101" pitchFamily="49" charset="-122"/>
+                <a:ea typeface="楷体" panose="02010609060101010101" pitchFamily="49" charset="-122"/>
+              </a:rPr>
+              <a:t>N </a:t>
+            </a:r>
+            <a:r>
+              <a:rPr lang="zh-CN" altLang="en-US" dirty="0">
+                <a:latin typeface="楷体" panose="02010609060101010101" pitchFamily="49" charset="-122"/>
+                <a:ea typeface="楷体" panose="02010609060101010101" pitchFamily="49" charset="-122"/>
+              </a:rPr>
+              <a:t>进行编码所需的额外⽐特。</a:t>
+            </a:r>
+            <a:r>
+              <a:rPr lang="en-US" altLang="zh-CN" dirty="0">
+                <a:latin typeface="楷体" panose="02010609060101010101" pitchFamily="49" charset="-122"/>
+                <a:ea typeface="楷体" panose="02010609060101010101" pitchFamily="49" charset="-122"/>
+              </a:rPr>
+              <a:t>A</a:t>
+            </a:r>
+            <a:r>
+              <a:rPr lang="zh-CN" altLang="en-US" dirty="0">
+                <a:latin typeface="楷体" panose="02010609060101010101" pitchFamily="49" charset="-122"/>
+                <a:ea typeface="楷体" panose="02010609060101010101" pitchFamily="49" charset="-122"/>
+              </a:rPr>
+              <a:t>的典型值为</a:t>
+            </a:r>
+            <a:r>
+              <a:rPr lang="en-US" altLang="zh-CN" dirty="0">
+                <a:latin typeface="楷体" panose="02010609060101010101" pitchFamily="49" charset="-122"/>
+                <a:ea typeface="楷体" panose="02010609060101010101" pitchFamily="49" charset="-122"/>
+              </a:rPr>
+              <a:t>3</a:t>
+            </a:r>
+            <a:r>
+              <a:rPr lang="zh-CN" altLang="en-US" dirty="0">
+                <a:latin typeface="楷体" panose="02010609060101010101" pitchFamily="49" charset="-122"/>
+                <a:ea typeface="楷体" panose="02010609060101010101" pitchFamily="49" charset="-122"/>
+              </a:rPr>
+              <a:t>，因为</a:t>
+            </a:r>
+            <a:r>
+              <a:rPr lang="en-US" altLang="zh-CN" dirty="0">
+                <a:latin typeface="楷体" panose="02010609060101010101" pitchFamily="49" charset="-122"/>
+                <a:ea typeface="楷体" panose="02010609060101010101" pitchFamily="49" charset="-122"/>
+              </a:rPr>
+              <a:t>3N = 2N + N</a:t>
+            </a:r>
+            <a:r>
+              <a:rPr lang="zh-CN" altLang="en-US" dirty="0">
+                <a:latin typeface="楷体" panose="02010609060101010101" pitchFamily="49" charset="-122"/>
+                <a:ea typeface="楷体" panose="02010609060101010101" pitchFamily="49" charset="-122"/>
+              </a:rPr>
+              <a:t>，这可以通过</a:t>
+            </a:r>
+            <a:r>
+              <a:rPr lang="en-US" altLang="zh-CN" dirty="0">
+                <a:latin typeface="楷体" panose="02010609060101010101" pitchFamily="49" charset="-122"/>
+                <a:ea typeface="楷体" panose="02010609060101010101" pitchFamily="49" charset="-122"/>
+              </a:rPr>
+              <a:t>N</a:t>
+            </a:r>
+            <a:r>
+              <a:rPr lang="zh-CN" altLang="en-US" dirty="0">
+                <a:latin typeface="楷体" panose="02010609060101010101" pitchFamily="49" charset="-122"/>
+                <a:ea typeface="楷体" panose="02010609060101010101" pitchFamily="49" charset="-122"/>
+              </a:rPr>
+              <a:t>的左移然后与</a:t>
+            </a:r>
+            <a:r>
+              <a:rPr lang="en-US" altLang="zh-CN" dirty="0">
+                <a:latin typeface="楷体" panose="02010609060101010101" pitchFamily="49" charset="-122"/>
+                <a:ea typeface="楷体" panose="02010609060101010101" pitchFamily="49" charset="-122"/>
+              </a:rPr>
+              <a:t>N</a:t>
+            </a:r>
+            <a:r>
+              <a:rPr lang="zh-CN" altLang="en-US" dirty="0">
+                <a:latin typeface="楷体" panose="02010609060101010101" pitchFamily="49" charset="-122"/>
+                <a:ea typeface="楷体" panose="02010609060101010101" pitchFamily="49" charset="-122"/>
+              </a:rPr>
+              <a:t>本⾝相加得出。</a:t>
+            </a:r>
+            <a:endParaRPr lang="en-US" altLang="zh-CN" dirty="0">
+              <a:latin typeface="楷体" panose="02010609060101010101" pitchFamily="49" charset="-122"/>
+              <a:ea typeface="楷体" panose="02010609060101010101" pitchFamily="49" charset="-122"/>
+            </a:endParaRPr>
+          </a:p>
+          <a:p>
+            <a:pPr marL="228600" marR="0" lvl="0" indent="-228600" algn="l" defTabSz="914400" rtl="0" eaLnBrk="1" fontAlgn="auto" latinLnBrk="0" hangingPunct="1">
+              <a:lnSpc>
+                <a:spcPct val="100000"/>
+              </a:lnSpc>
+              <a:spcBef>
+                <a:spcPts val="0"/>
+              </a:spcBef>
+              <a:spcAft>
+                <a:spcPts val="0"/>
+              </a:spcAft>
+              <a:buClr>
+                <a:srgbClr val="000000"/>
+              </a:buClr>
+              <a:buSzPts val="1100"/>
+              <a:buFont typeface="Arial"/>
+              <a:buAutoNum type="arabicPeriod"/>
+              <a:tabLst/>
+              <a:defRPr/>
+            </a:pPr>
+            <a:r>
+              <a:rPr lang="zh-CN" altLang="en-US" dirty="0">
+                <a:latin typeface="楷体" panose="02010609060101010101" pitchFamily="49" charset="-122"/>
+                <a:ea typeface="楷体" panose="02010609060101010101" pitchFamily="49" charset="-122"/>
+              </a:rPr>
+              <a:t>剩余码：与  </a:t>
+            </a:r>
+            <a:r>
+              <a:rPr lang="en-US" altLang="zh-CN" dirty="0">
+                <a:latin typeface="楷体" panose="02010609060101010101" pitchFamily="49" charset="-122"/>
+                <a:ea typeface="楷体" panose="02010609060101010101" pitchFamily="49" charset="-122"/>
+              </a:rPr>
+              <a:t>AN  </a:t>
+            </a:r>
+            <a:r>
+              <a:rPr lang="zh-CN" altLang="en-US" dirty="0">
+                <a:latin typeface="楷体" panose="02010609060101010101" pitchFamily="49" charset="-122"/>
+                <a:ea typeface="楷体" panose="02010609060101010101" pitchFamily="49" charset="-122"/>
+              </a:rPr>
+              <a:t>代码不同，它们是可分离的代码，适用于各种执行单元，例如整数加法、减法、乘法和除法，以及移位操作此外，（</a:t>
+            </a:r>
+            <a:r>
+              <a:rPr lang="en-US" altLang="zh-CN" dirty="0">
+                <a:latin typeface="楷体" panose="02010609060101010101" pitchFamily="49" charset="-122"/>
+                <a:ea typeface="楷体" panose="02010609060101010101" pitchFamily="49" charset="-122"/>
+              </a:rPr>
+              <a:t>N1+N2</a:t>
+            </a:r>
+            <a:r>
+              <a:rPr lang="zh-CN" altLang="en-US" dirty="0">
+                <a:latin typeface="楷体" panose="02010609060101010101" pitchFamily="49" charset="-122"/>
+                <a:ea typeface="楷体" panose="02010609060101010101" pitchFamily="49" charset="-122"/>
+              </a:rPr>
+              <a:t>）</a:t>
+            </a:r>
+            <a:r>
+              <a:rPr lang="en-US" altLang="zh-CN" dirty="0">
+                <a:latin typeface="楷体" panose="02010609060101010101" pitchFamily="49" charset="-122"/>
+                <a:ea typeface="楷体" panose="02010609060101010101" pitchFamily="49" charset="-122"/>
+              </a:rPr>
+              <a:t>mod M=</a:t>
+            </a:r>
+            <a:r>
+              <a:rPr lang="zh-CN" altLang="en-US" dirty="0">
+                <a:latin typeface="楷体" panose="02010609060101010101" pitchFamily="49" charset="-122"/>
+                <a:ea typeface="楷体" panose="02010609060101010101" pitchFamily="49" charset="-122"/>
+              </a:rPr>
+              <a:t>（（</a:t>
+            </a:r>
+            <a:r>
+              <a:rPr lang="en-US" altLang="zh-CN" dirty="0">
+                <a:latin typeface="楷体" panose="02010609060101010101" pitchFamily="49" charset="-122"/>
+                <a:ea typeface="楷体" panose="02010609060101010101" pitchFamily="49" charset="-122"/>
+              </a:rPr>
+              <a:t>N1 mod M</a:t>
+            </a:r>
+            <a:r>
+              <a:rPr lang="zh-CN" altLang="en-US" dirty="0">
+                <a:latin typeface="楷体" panose="02010609060101010101" pitchFamily="49" charset="-122"/>
+                <a:ea typeface="楷体" panose="02010609060101010101" pitchFamily="49" charset="-122"/>
+              </a:rPr>
+              <a:t>）</a:t>
+            </a:r>
+            <a:r>
+              <a:rPr lang="en-US" altLang="zh-CN" dirty="0">
+                <a:latin typeface="楷体" panose="02010609060101010101" pitchFamily="49" charset="-122"/>
+                <a:ea typeface="楷体" panose="02010609060101010101" pitchFamily="49" charset="-122"/>
+              </a:rPr>
+              <a:t>+</a:t>
+            </a:r>
+            <a:r>
+              <a:rPr lang="zh-CN" altLang="en-US" dirty="0">
+                <a:latin typeface="楷体" panose="02010609060101010101" pitchFamily="49" charset="-122"/>
+                <a:ea typeface="楷体" panose="02010609060101010101" pitchFamily="49" charset="-122"/>
+              </a:rPr>
+              <a:t>（</a:t>
+            </a:r>
+            <a:r>
+              <a:rPr lang="en-US" altLang="zh-CN" dirty="0">
+                <a:latin typeface="楷体" panose="02010609060101010101" pitchFamily="49" charset="-122"/>
+                <a:ea typeface="楷体" panose="02010609060101010101" pitchFamily="49" charset="-122"/>
+              </a:rPr>
+              <a:t>N2 mod M</a:t>
+            </a:r>
+            <a:r>
+              <a:rPr lang="zh-CN" altLang="en-US" dirty="0">
+                <a:latin typeface="楷体" panose="02010609060101010101" pitchFamily="49" charset="-122"/>
+                <a:ea typeface="楷体" panose="02010609060101010101" pitchFamily="49" charset="-122"/>
+              </a:rPr>
+              <a:t>））</a:t>
+            </a:r>
+            <a:r>
+              <a:rPr lang="en-US" altLang="zh-CN" dirty="0">
+                <a:latin typeface="楷体" panose="02010609060101010101" pitchFamily="49" charset="-122"/>
+                <a:ea typeface="楷体" panose="02010609060101010101" pitchFamily="49" charset="-122"/>
+              </a:rPr>
+              <a:t>mod M</a:t>
+            </a:r>
+            <a:r>
+              <a:rPr lang="zh-CN" altLang="en-US" dirty="0">
+                <a:latin typeface="楷体" panose="02010609060101010101" pitchFamily="49" charset="-122"/>
+                <a:ea typeface="楷体" panose="02010609060101010101" pitchFamily="49" charset="-122"/>
+              </a:rPr>
+              <a:t>。例如，</a:t>
+            </a:r>
+            <a:r>
+              <a:rPr lang="en-US" altLang="zh-CN" dirty="0">
+                <a:latin typeface="楷体" panose="02010609060101010101" pitchFamily="49" charset="-122"/>
+                <a:ea typeface="楷体" panose="02010609060101010101" pitchFamily="49" charset="-122"/>
+              </a:rPr>
+              <a:t>N1=10</a:t>
+            </a:r>
+            <a:r>
+              <a:rPr lang="zh-CN" altLang="en-US" dirty="0">
+                <a:latin typeface="楷体" panose="02010609060101010101" pitchFamily="49" charset="-122"/>
+                <a:ea typeface="楷体" panose="02010609060101010101" pitchFamily="49" charset="-122"/>
+              </a:rPr>
+              <a:t>，</a:t>
+            </a:r>
+            <a:r>
+              <a:rPr lang="en-US" altLang="zh-CN" dirty="0">
+                <a:latin typeface="楷体" panose="02010609060101010101" pitchFamily="49" charset="-122"/>
+                <a:ea typeface="楷体" panose="02010609060101010101" pitchFamily="49" charset="-122"/>
+              </a:rPr>
+              <a:t>N2=9</a:t>
+            </a:r>
+            <a:r>
+              <a:rPr lang="zh-CN" altLang="en-US" dirty="0">
+                <a:latin typeface="楷体" panose="02010609060101010101" pitchFamily="49" charset="-122"/>
+                <a:ea typeface="楷体" panose="02010609060101010101" pitchFamily="49" charset="-122"/>
+              </a:rPr>
+              <a:t>，</a:t>
+            </a:r>
+            <a:r>
+              <a:rPr lang="en-US" altLang="zh-CN" dirty="0">
+                <a:latin typeface="楷体" panose="02010609060101010101" pitchFamily="49" charset="-122"/>
+                <a:ea typeface="楷体" panose="02010609060101010101" pitchFamily="49" charset="-122"/>
+              </a:rPr>
+              <a:t>M=3</a:t>
+            </a:r>
+            <a:r>
+              <a:rPr lang="zh-CN" altLang="en-US" dirty="0">
+                <a:latin typeface="楷体" panose="02010609060101010101" pitchFamily="49" charset="-122"/>
+                <a:ea typeface="楷体" panose="02010609060101010101" pitchFamily="49" charset="-122"/>
+              </a:rPr>
+              <a:t>。然后</a:t>
+            </a:r>
+            <a:r>
+              <a:rPr lang="en-US" altLang="zh-CN" dirty="0">
+                <a:latin typeface="楷体" panose="02010609060101010101" pitchFamily="49" charset="-122"/>
+                <a:ea typeface="楷体" panose="02010609060101010101" pitchFamily="49" charset="-122"/>
+              </a:rPr>
+              <a:t>19 mod 3=1</a:t>
+            </a:r>
+            <a:r>
+              <a:rPr lang="zh-CN" altLang="en-US" dirty="0">
+                <a:latin typeface="楷体" panose="02010609060101010101" pitchFamily="49" charset="-122"/>
+                <a:ea typeface="楷体" panose="02010609060101010101" pitchFamily="49" charset="-122"/>
+              </a:rPr>
+              <a:t>（方程式左侧），以及（（</a:t>
+            </a:r>
+            <a:r>
+              <a:rPr lang="en-US" altLang="zh-CN" dirty="0">
+                <a:latin typeface="楷体" panose="02010609060101010101" pitchFamily="49" charset="-122"/>
+                <a:ea typeface="楷体" panose="02010609060101010101" pitchFamily="49" charset="-122"/>
+              </a:rPr>
+              <a:t>10 mod 3</a:t>
+            </a:r>
+            <a:r>
+              <a:rPr lang="zh-CN" altLang="en-US" dirty="0">
+                <a:latin typeface="楷体" panose="02010609060101010101" pitchFamily="49" charset="-122"/>
+                <a:ea typeface="楷体" panose="02010609060101010101" pitchFamily="49" charset="-122"/>
+              </a:rPr>
+              <a:t>）</a:t>
+            </a:r>
+            <a:r>
+              <a:rPr lang="en-US" altLang="zh-CN" dirty="0">
+                <a:latin typeface="楷体" panose="02010609060101010101" pitchFamily="49" charset="-122"/>
+                <a:ea typeface="楷体" panose="02010609060101010101" pitchFamily="49" charset="-122"/>
+              </a:rPr>
+              <a:t>+</a:t>
+            </a:r>
+            <a:r>
+              <a:rPr lang="zh-CN" altLang="en-US" dirty="0">
+                <a:latin typeface="楷体" panose="02010609060101010101" pitchFamily="49" charset="-122"/>
+                <a:ea typeface="楷体" panose="02010609060101010101" pitchFamily="49" charset="-122"/>
+              </a:rPr>
+              <a:t>（</a:t>
+            </a:r>
+            <a:r>
+              <a:rPr lang="en-US" altLang="zh-CN" dirty="0">
+                <a:latin typeface="楷体" panose="02010609060101010101" pitchFamily="49" charset="-122"/>
+                <a:ea typeface="楷体" panose="02010609060101010101" pitchFamily="49" charset="-122"/>
+              </a:rPr>
+              <a:t>9 mod 3</a:t>
+            </a:r>
+            <a:r>
+              <a:rPr lang="zh-CN" altLang="en-US" dirty="0">
+                <a:latin typeface="楷体" panose="02010609060101010101" pitchFamily="49" charset="-122"/>
+                <a:ea typeface="楷体" panose="02010609060101010101" pitchFamily="49" charset="-122"/>
+              </a:rPr>
+              <a:t>））</a:t>
+            </a:r>
+            <a:r>
+              <a:rPr lang="en-US" altLang="zh-CN" dirty="0">
+                <a:latin typeface="楷体" panose="02010609060101010101" pitchFamily="49" charset="-122"/>
+                <a:ea typeface="楷体" panose="02010609060101010101" pitchFamily="49" charset="-122"/>
+              </a:rPr>
+              <a:t>mod 3=</a:t>
+            </a:r>
+            <a:r>
+              <a:rPr lang="zh-CN" altLang="en-US" dirty="0">
+                <a:latin typeface="楷体" panose="02010609060101010101" pitchFamily="49" charset="-122"/>
+                <a:ea typeface="楷体" panose="02010609060101010101" pitchFamily="49" charset="-122"/>
+              </a:rPr>
+              <a:t>（</a:t>
+            </a:r>
+            <a:r>
+              <a:rPr lang="en-US" altLang="zh-CN" dirty="0">
+                <a:latin typeface="楷体" panose="02010609060101010101" pitchFamily="49" charset="-122"/>
+                <a:ea typeface="楷体" panose="02010609060101010101" pitchFamily="49" charset="-122"/>
+              </a:rPr>
+              <a:t>1+0</a:t>
+            </a:r>
+            <a:r>
+              <a:rPr lang="zh-CN" altLang="en-US" dirty="0">
+                <a:latin typeface="楷体" panose="02010609060101010101" pitchFamily="49" charset="-122"/>
+                <a:ea typeface="楷体" panose="02010609060101010101" pitchFamily="49" charset="-122"/>
+              </a:rPr>
+              <a:t>）</a:t>
+            </a:r>
+            <a:r>
+              <a:rPr lang="en-US" altLang="zh-CN" dirty="0">
+                <a:latin typeface="楷体" panose="02010609060101010101" pitchFamily="49" charset="-122"/>
+                <a:ea typeface="楷体" panose="02010609060101010101" pitchFamily="49" charset="-122"/>
+              </a:rPr>
+              <a:t>mod 3=1</a:t>
+            </a:r>
+            <a:r>
+              <a:rPr lang="zh-CN" altLang="en-US" dirty="0">
+                <a:latin typeface="楷体" panose="02010609060101010101" pitchFamily="49" charset="-122"/>
+                <a:ea typeface="楷体" panose="02010609060101010101" pitchFamily="49" charset="-122"/>
+              </a:rPr>
+              <a:t>（方程式右侧）。</a:t>
+            </a:r>
+            <a:endParaRPr lang="en-US" altLang="zh-CN" dirty="0">
+              <a:latin typeface="楷体" panose="02010609060101010101" pitchFamily="49" charset="-122"/>
+              <a:ea typeface="楷体" panose="02010609060101010101" pitchFamily="49" charset="-122"/>
+            </a:endParaRPr>
+          </a:p>
+          <a:p>
+            <a:pPr marL="228600" marR="0" lvl="0" indent="-228600" algn="l" defTabSz="914400" rtl="0" eaLnBrk="1" fontAlgn="auto" latinLnBrk="0" hangingPunct="1">
+              <a:lnSpc>
+                <a:spcPct val="100000"/>
+              </a:lnSpc>
+              <a:spcBef>
+                <a:spcPts val="0"/>
+              </a:spcBef>
+              <a:spcAft>
+                <a:spcPts val="0"/>
+              </a:spcAft>
+              <a:buClr>
+                <a:srgbClr val="000000"/>
+              </a:buClr>
+              <a:buSzPts val="1100"/>
+              <a:buFont typeface="Arial"/>
+              <a:buAutoNum type="arabicPeriod"/>
+              <a:tabLst/>
+              <a:defRPr/>
+            </a:pPr>
+            <a:r>
+              <a:rPr lang="zh-CN" altLang="en-US" dirty="0">
+                <a:latin typeface="楷体" panose="02010609060101010101" pitchFamily="49" charset="-122"/>
+                <a:ea typeface="楷体" panose="02010609060101010101" pitchFamily="49" charset="-122"/>
+              </a:rPr>
+              <a:t>为了增加可靠性，我们需要在传输数据后加上一些冗余的码字。如果接收方能够通过它们直接纠正错误，那么我们就称之为纠错码（</a:t>
+            </a:r>
+            <a:r>
+              <a:rPr lang="en-US" altLang="zh-CN" dirty="0">
+                <a:latin typeface="楷体" panose="02010609060101010101" pitchFamily="49" charset="-122"/>
+                <a:ea typeface="楷体" panose="02010609060101010101" pitchFamily="49" charset="-122"/>
+              </a:rPr>
+              <a:t>Error Correcting Code</a:t>
+            </a:r>
+            <a:r>
+              <a:rPr lang="zh-CN" altLang="en-US" dirty="0">
+                <a:latin typeface="楷体" panose="02010609060101010101" pitchFamily="49" charset="-122"/>
+                <a:ea typeface="楷体" panose="02010609060101010101" pitchFamily="49" charset="-122"/>
+              </a:rPr>
+              <a:t>）</a:t>
             </a:r>
           </a:p>
         </p:txBody>
@@ -1472,7 +2034,7 @@
     </p:spTree>
     <p:extLst>
       <p:ext uri="{BB962C8B-B14F-4D97-AF65-F5344CB8AC3E}">
-        <p14:creationId xmlns:p14="http://schemas.microsoft.com/office/powerpoint/2010/main" val="2116581055"/>
+        <p14:creationId xmlns:p14="http://schemas.microsoft.com/office/powerpoint/2010/main" val="146745797"/>
       </p:ext>
     </p:extLst>
   </p:cSld>
@@ -1487,7 +2049,7 @@
   <p:cSld>
     <p:spTree>
       <p:nvGrpSpPr>
-        <p:cNvPr id="1" name="Shape 101"/>
+        <p:cNvPr id="1" name="Shape 81"/>
         <p:cNvGrpSpPr/>
         <p:nvPr/>
       </p:nvGrpSpPr>
@@ -1501,7 +2063,7 @@
       </p:grpSpPr>
       <p:sp>
         <p:nvSpPr>
-          <p:cNvPr id="102" name="Google Shape;102;g46f3085334_0_92:notes"/>
+          <p:cNvPr id="82" name="Google Shape;82;p:notes"/>
           <p:cNvSpPr>
             <a:spLocks noGrp="1" noRot="1" noChangeAspect="1"/>
           </p:cNvSpPr>
@@ -1542,7 +2104,7 @@
       </p:sp>
       <p:sp>
         <p:nvSpPr>
-          <p:cNvPr id="103" name="Google Shape;103;g46f3085334_0_92:notes"/>
+          <p:cNvPr id="83" name="Google Shape;83;p:notes"/>
           <p:cNvSpPr txBox="1">
             <a:spLocks noGrp="1"/>
           </p:cNvSpPr>
@@ -1565,36 +2127,23 @@
           </a:bodyPr>
           <a:lstStyle/>
           <a:p>
-            <a:pPr marL="228600" marR="0" lvl="0" indent="-228600" algn="l" defTabSz="914400" rtl="0" eaLnBrk="1" fontAlgn="auto" latinLnBrk="0" hangingPunct="1">
-              <a:lnSpc>
-                <a:spcPct val="100000"/>
-              </a:lnSpc>
-              <a:spcBef>
-                <a:spcPts val="0"/>
-              </a:spcBef>
-              <a:spcAft>
-                <a:spcPts val="0"/>
-              </a:spcAft>
-              <a:buClr>
-                <a:srgbClr val="000000"/>
-              </a:buClr>
-              <a:buSzPts val="1100"/>
-              <a:buFont typeface="Arial"/>
-              <a:buAutoNum type="arabicPeriod"/>
-              <a:tabLst/>
-              <a:defRPr/>
-            </a:pPr>
-            <a:endParaRPr lang="zh-CN" altLang="en-US" dirty="0">
-              <a:latin typeface="楷体" panose="02010609060101010101" pitchFamily="49" charset="-122"/>
-              <a:ea typeface="楷体" panose="02010609060101010101" pitchFamily="49" charset="-122"/>
-            </a:endParaRPr>
+            <a:pPr marL="0" lvl="0" indent="0" algn="l" rtl="0">
+              <a:spcBef>
+                <a:spcPts val="0"/>
+              </a:spcBef>
+              <a:spcAft>
+                <a:spcPts val="0"/>
+              </a:spcAft>
+              <a:buNone/>
+            </a:pPr>
+            <a:endParaRPr/>
           </a:p>
         </p:txBody>
       </p:sp>
     </p:spTree>
     <p:extLst>
       <p:ext uri="{BB962C8B-B14F-4D97-AF65-F5344CB8AC3E}">
-        <p14:creationId xmlns:p14="http://schemas.microsoft.com/office/powerpoint/2010/main" val="4124519748"/>
+        <p14:creationId xmlns:p14="http://schemas.microsoft.com/office/powerpoint/2010/main" val="1934226721"/>
       </p:ext>
     </p:extLst>
   </p:cSld>
@@ -1706,17 +2255,62 @@
               <a:tabLst/>
               <a:defRPr/>
             </a:pPr>
-            <a:endParaRPr lang="zh-CN" altLang="en-US" dirty="0">
-              <a:latin typeface="楷体" panose="02010609060101010101" pitchFamily="49" charset="-122"/>
-              <a:ea typeface="楷体" panose="02010609060101010101" pitchFamily="49" charset="-122"/>
-            </a:endParaRPr>
+            <a:r>
+              <a:rPr lang="zh-CN" altLang="en-US" dirty="0">
+                <a:latin typeface="楷体" panose="02010609060101010101" pitchFamily="49" charset="-122"/>
+                <a:ea typeface="楷体" panose="02010609060101010101" pitchFamily="49" charset="-122"/>
+              </a:rPr>
+              <a:t>在  </a:t>
+            </a:r>
+            <a:r>
+              <a:rPr lang="en-US" altLang="zh-CN" dirty="0">
+                <a:latin typeface="楷体" panose="02010609060101010101" pitchFamily="49" charset="-122"/>
+                <a:ea typeface="楷体" panose="02010609060101010101" pitchFamily="49" charset="-122"/>
+              </a:rPr>
+              <a:t>RMT  </a:t>
+            </a:r>
+            <a:r>
+              <a:rPr lang="zh-CN" altLang="en-US" dirty="0">
+                <a:latin typeface="楷体" panose="02010609060101010101" pitchFamily="49" charset="-122"/>
+                <a:ea typeface="楷体" panose="02010609060101010101" pitchFamily="49" charset="-122"/>
+              </a:rPr>
+              <a:t>中，仅比较来自冗余流的已提交指令是否不匹配。运行冗余线程的底层硬件上下文可以是处理器内核或多线程处理器中的硬件线程。运行冗余线程的硬件上下文可能在同一周期内具有不同的状态。必须比较哪些输出取决于球体的大小。如果复制范围包括处理器内核和内存，则只需比较输出到  </a:t>
+            </a:r>
+            <a:r>
+              <a:rPr lang="en-US" altLang="zh-CN" dirty="0">
+                <a:latin typeface="楷体" panose="02010609060101010101" pitchFamily="49" charset="-122"/>
+                <a:ea typeface="楷体" panose="02010609060101010101" pitchFamily="49" charset="-122"/>
+              </a:rPr>
+              <a:t>I/O  </a:t>
+            </a:r>
+            <a:r>
+              <a:rPr lang="zh-CN" altLang="en-US" dirty="0">
+                <a:latin typeface="楷体" panose="02010609060101010101" pitchFamily="49" charset="-122"/>
+                <a:ea typeface="楷体" panose="02010609060101010101" pitchFamily="49" charset="-122"/>
+              </a:rPr>
+              <a:t>设备的不匹配情况。输入必须在  </a:t>
+            </a:r>
+            <a:r>
+              <a:rPr lang="en-US" altLang="zh-CN" dirty="0">
+                <a:latin typeface="楷体" panose="02010609060101010101" pitchFamily="49" charset="-122"/>
+                <a:ea typeface="楷体" panose="02010609060101010101" pitchFamily="49" charset="-122"/>
+              </a:rPr>
+              <a:t>RMT  </a:t>
+            </a:r>
+            <a:r>
+              <a:rPr lang="zh-CN" altLang="en-US" dirty="0">
+                <a:latin typeface="楷体" panose="02010609060101010101" pitchFamily="49" charset="-122"/>
+                <a:ea typeface="楷体" panose="02010609060101010101" pitchFamily="49" charset="-122"/>
+              </a:rPr>
+              <a:t>系统中仔细复制，因为底层冗余上下文在同一循环中具有不同的状态。</a:t>
+            </a:r>
           </a:p>
         </p:txBody>
       </p:sp>
     </p:spTree>
     <p:extLst>
       <p:ext uri="{BB962C8B-B14F-4D97-AF65-F5344CB8AC3E}">
-        <p14:creationId xmlns:p14="http://schemas.microsoft.com/office/powerpoint/2010/main" val="146745797"/>
+        <p14:creationId xmlns:p14="http://schemas.microsoft.com/office/powerpoint/2010/main" val="442786503"/>
       </p:ext>
     </p:extLst>
   </p:cSld>
@@ -1727,6 +2321,881 @@
 </file>
 
 <file path=ppt/notesSlides/notesSlide14.xml><?xml version="1.0" encoding="utf-8"?>
+<p:notes xmlns:a="http://schemas.openxmlformats.org/drawingml/2006/main" xmlns:r="http://schemas.openxmlformats.org/officeDocument/2006/relationships" xmlns:p="http://schemas.openxmlformats.org/presentationml/2006/main" showMasterSp="0" showMasterPhAnim="0">
+  <p:cSld>
+    <p:spTree>
+      <p:nvGrpSpPr>
+        <p:cNvPr id="1" name="Shape 101"/>
+        <p:cNvGrpSpPr/>
+        <p:nvPr/>
+      </p:nvGrpSpPr>
+      <p:grpSpPr>
+        <a:xfrm>
+          <a:off x="0" y="0"/>
+          <a:ext cx="0" cy="0"/>
+          <a:chOff x="0" y="0"/>
+          <a:chExt cx="0" cy="0"/>
+        </a:xfrm>
+      </p:grpSpPr>
+      <p:sp>
+        <p:nvSpPr>
+          <p:cNvPr id="102" name="Google Shape;102;g46f3085334_0_92:notes"/>
+          <p:cNvSpPr>
+            <a:spLocks noGrp="1" noRot="1" noChangeAspect="1"/>
+          </p:cNvSpPr>
+          <p:nvPr>
+            <p:ph type="sldImg" idx="2"/>
+          </p:nvPr>
+        </p:nvSpPr>
+        <p:spPr>
+          <a:xfrm>
+            <a:off x="381000" y="685800"/>
+            <a:ext cx="6096000" cy="3429000"/>
+          </a:xfrm>
+          <a:custGeom>
+            <a:avLst/>
+            <a:gdLst/>
+            <a:ahLst/>
+            <a:cxnLst/>
+            <a:rect l="l" t="t" r="r" b="b"/>
+            <a:pathLst>
+              <a:path w="120000" h="120000" extrusionOk="0">
+                <a:moveTo>
+                  <a:pt x="0" y="0"/>
+                </a:moveTo>
+                <a:lnTo>
+                  <a:pt x="120000" y="0"/>
+                </a:lnTo>
+                <a:lnTo>
+                  <a:pt x="120000" y="120000"/>
+                </a:lnTo>
+                <a:lnTo>
+                  <a:pt x="0" y="120000"/>
+                </a:lnTo>
+                <a:close/>
+              </a:path>
+            </a:pathLst>
+          </a:custGeom>
+        </p:spPr>
+      </p:sp>
+      <p:sp>
+        <p:nvSpPr>
+          <p:cNvPr id="103" name="Google Shape;103;g46f3085334_0_92:notes"/>
+          <p:cNvSpPr txBox="1">
+            <a:spLocks noGrp="1"/>
+          </p:cNvSpPr>
+          <p:nvPr>
+            <p:ph type="body" idx="1"/>
+          </p:nvPr>
+        </p:nvSpPr>
+        <p:spPr>
+          <a:xfrm>
+            <a:off x="685800" y="4343400"/>
+            <a:ext cx="5486400" cy="4114800"/>
+          </a:xfrm>
+          <a:prstGeom prst="rect">
+            <a:avLst/>
+          </a:prstGeom>
+        </p:spPr>
+        <p:txBody>
+          <a:bodyPr spcFirstLastPara="1" wrap="square" lIns="91425" tIns="91425" rIns="91425" bIns="91425" anchor="t" anchorCtr="0">
+            <a:noAutofit/>
+          </a:bodyPr>
+          <a:lstStyle/>
+          <a:p>
+            <a:pPr marL="228600" marR="0" lvl="0" indent="-228600" algn="l" defTabSz="914400" rtl="0" eaLnBrk="1" fontAlgn="auto" latinLnBrk="0" hangingPunct="1">
+              <a:lnSpc>
+                <a:spcPct val="100000"/>
+              </a:lnSpc>
+              <a:spcBef>
+                <a:spcPts val="0"/>
+              </a:spcBef>
+              <a:spcAft>
+                <a:spcPts val="0"/>
+              </a:spcAft>
+              <a:buClr>
+                <a:srgbClr val="000000"/>
+              </a:buClr>
+              <a:buSzPts val="1100"/>
+              <a:buFont typeface="Arial"/>
+              <a:buAutoNum type="arabicPeriod"/>
+              <a:tabLst/>
+              <a:defRPr/>
+            </a:pPr>
+            <a:r>
+              <a:rPr lang="en-US" altLang="zh-CN" dirty="0" err="1">
+                <a:latin typeface="楷体" panose="02010609060101010101" pitchFamily="49" charset="-122"/>
+                <a:ea typeface="楷体" panose="02010609060101010101" pitchFamily="49" charset="-122"/>
+              </a:rPr>
+              <a:t>ftServer</a:t>
+            </a:r>
+            <a:r>
+              <a:rPr lang="en-US" altLang="zh-CN" dirty="0">
+                <a:latin typeface="楷体" panose="02010609060101010101" pitchFamily="49" charset="-122"/>
+                <a:ea typeface="楷体" panose="02010609060101010101" pitchFamily="49" charset="-122"/>
+              </a:rPr>
+              <a:t>  </a:t>
+            </a:r>
+            <a:r>
+              <a:rPr lang="zh-CN" altLang="en-US" dirty="0">
+                <a:latin typeface="楷体" panose="02010609060101010101" pitchFamily="49" charset="-122"/>
+                <a:ea typeface="楷体" panose="02010609060101010101" pitchFamily="49" charset="-122"/>
+              </a:rPr>
+              <a:t>有两种配置：</a:t>
+            </a:r>
+            <a:r>
+              <a:rPr lang="en-US" altLang="zh-CN" dirty="0">
+                <a:latin typeface="楷体" panose="02010609060101010101" pitchFamily="49" charset="-122"/>
+                <a:ea typeface="楷体" panose="02010609060101010101" pitchFamily="49" charset="-122"/>
+              </a:rPr>
+              <a:t>DMR  </a:t>
+            </a:r>
+            <a:r>
+              <a:rPr lang="zh-CN" altLang="en-US" dirty="0">
+                <a:latin typeface="楷体" panose="02010609060101010101" pitchFamily="49" charset="-122"/>
+                <a:ea typeface="楷体" panose="02010609060101010101" pitchFamily="49" charset="-122"/>
+              </a:rPr>
+              <a:t>或  </a:t>
+            </a:r>
+            <a:r>
+              <a:rPr lang="en-US" altLang="zh-CN" dirty="0">
+                <a:latin typeface="楷体" panose="02010609060101010101" pitchFamily="49" charset="-122"/>
+                <a:ea typeface="楷体" panose="02010609060101010101" pitchFamily="49" charset="-122"/>
+              </a:rPr>
+              <a:t>TMR</a:t>
+            </a:r>
+            <a:r>
+              <a:rPr lang="zh-CN" altLang="en-US" dirty="0">
+                <a:latin typeface="楷体" panose="02010609060101010101" pitchFamily="49" charset="-122"/>
+                <a:ea typeface="楷体" panose="02010609060101010101" pitchFamily="49" charset="-122"/>
+              </a:rPr>
+              <a:t>。在  </a:t>
+            </a:r>
+            <a:r>
+              <a:rPr lang="en-US" altLang="zh-CN" dirty="0">
+                <a:latin typeface="楷体" panose="02010609060101010101" pitchFamily="49" charset="-122"/>
+                <a:ea typeface="楷体" panose="02010609060101010101" pitchFamily="49" charset="-122"/>
+              </a:rPr>
+              <a:t>DMR  </a:t>
+            </a:r>
+            <a:r>
+              <a:rPr lang="zh-CN" altLang="en-US" dirty="0">
+                <a:latin typeface="楷体" panose="02010609060101010101" pitchFamily="49" charset="-122"/>
+                <a:ea typeface="楷体" panose="02010609060101010101" pitchFamily="49" charset="-122"/>
+              </a:rPr>
+              <a:t>配置中，复制范围包括双冗余锁步处理器、主内存双副本和芯片组双副本。图中的“故障检测和隔离”组件由输出比较器和输入复制器组成。输出比较在流量通过之前在  </a:t>
+            </a:r>
+            <a:r>
+              <a:rPr lang="en-US" altLang="zh-CN" dirty="0">
+                <a:latin typeface="楷体" panose="02010609060101010101" pitchFamily="49" charset="-122"/>
+                <a:ea typeface="楷体" panose="02010609060101010101" pitchFamily="49" charset="-122"/>
+              </a:rPr>
+              <a:t>I/O  </a:t>
+            </a:r>
+            <a:r>
+              <a:rPr lang="zh-CN" altLang="en-US" dirty="0">
+                <a:latin typeface="楷体" panose="02010609060101010101" pitchFamily="49" charset="-122"/>
+                <a:ea typeface="楷体" panose="02010609060101010101" pitchFamily="49" charset="-122"/>
+              </a:rPr>
+              <a:t>边界完成进入  </a:t>
+            </a:r>
+            <a:r>
+              <a:rPr lang="en-US" altLang="zh-CN" dirty="0">
+                <a:latin typeface="楷体" panose="02010609060101010101" pitchFamily="49" charset="-122"/>
+                <a:ea typeface="楷体" panose="02010609060101010101" pitchFamily="49" charset="-122"/>
+              </a:rPr>
+              <a:t>PCI2</a:t>
+            </a:r>
+            <a:r>
+              <a:rPr lang="zh-CN" altLang="en-US" dirty="0">
+                <a:latin typeface="楷体" panose="02010609060101010101" pitchFamily="49" charset="-122"/>
+                <a:ea typeface="楷体" panose="02010609060101010101" pitchFamily="49" charset="-122"/>
+              </a:rPr>
+              <a:t>总线。输入复制也在  </a:t>
+            </a:r>
+            <a:r>
+              <a:rPr lang="en-US" altLang="zh-CN" dirty="0">
+                <a:latin typeface="楷体" panose="02010609060101010101" pitchFamily="49" charset="-122"/>
+                <a:ea typeface="楷体" panose="02010609060101010101" pitchFamily="49" charset="-122"/>
+              </a:rPr>
+              <a:t>I/O  </a:t>
+            </a:r>
+            <a:r>
+              <a:rPr lang="zh-CN" altLang="en-US" dirty="0">
+                <a:latin typeface="楷体" panose="02010609060101010101" pitchFamily="49" charset="-122"/>
+                <a:ea typeface="楷体" panose="02010609060101010101" pitchFamily="49" charset="-122"/>
+              </a:rPr>
+              <a:t>边界完成。输出比较器、输入复制器和  </a:t>
+            </a:r>
+            <a:r>
+              <a:rPr lang="en-US" altLang="zh-CN" dirty="0">
+                <a:latin typeface="楷体" panose="02010609060101010101" pitchFamily="49" charset="-122"/>
+                <a:ea typeface="楷体" panose="02010609060101010101" pitchFamily="49" charset="-122"/>
+              </a:rPr>
+              <a:t>I/O  </a:t>
+            </a:r>
+            <a:r>
+              <a:rPr lang="zh-CN" altLang="en-US" dirty="0">
+                <a:latin typeface="楷体" panose="02010609060101010101" pitchFamily="49" charset="-122"/>
+                <a:ea typeface="楷体" panose="02010609060101010101" pitchFamily="49" charset="-122"/>
+              </a:rPr>
+              <a:t>组件本身（例如，</a:t>
+            </a:r>
+            <a:r>
+              <a:rPr lang="en-US" altLang="zh-CN" dirty="0">
+                <a:latin typeface="楷体" panose="02010609060101010101" pitchFamily="49" charset="-122"/>
+                <a:ea typeface="楷体" panose="02010609060101010101" pitchFamily="49" charset="-122"/>
+              </a:rPr>
+              <a:t>PCI  </a:t>
+            </a:r>
+            <a:r>
+              <a:rPr lang="zh-CN" altLang="en-US" dirty="0">
+                <a:latin typeface="楷体" panose="02010609060101010101" pitchFamily="49" charset="-122"/>
+                <a:ea typeface="楷体" panose="02010609060101010101" pitchFamily="49" charset="-122"/>
+              </a:rPr>
+              <a:t>总线、磁盘）被镜像以增加容错能力。以太网网络适配器未镜像，但具有三个备份适配器。在传输过程中，会使用所有四个适配器，但只能在单个适配器上接收数据包。</a:t>
+            </a:r>
+            <a:endParaRPr lang="en-US" altLang="zh-CN" dirty="0">
+              <a:latin typeface="楷体" panose="02010609060101010101" pitchFamily="49" charset="-122"/>
+              <a:ea typeface="楷体" panose="02010609060101010101" pitchFamily="49" charset="-122"/>
+            </a:endParaRPr>
+          </a:p>
+          <a:p>
+            <a:pPr marL="228600" marR="0" lvl="0" indent="-228600" algn="l" defTabSz="914400" rtl="0" eaLnBrk="1" fontAlgn="auto" latinLnBrk="0" hangingPunct="1">
+              <a:lnSpc>
+                <a:spcPct val="100000"/>
+              </a:lnSpc>
+              <a:spcBef>
+                <a:spcPts val="0"/>
+              </a:spcBef>
+              <a:spcAft>
+                <a:spcPts val="0"/>
+              </a:spcAft>
+              <a:buClr>
+                <a:srgbClr val="000000"/>
+              </a:buClr>
+              <a:buSzPts val="1100"/>
+              <a:buFont typeface="Arial"/>
+              <a:buAutoNum type="arabicPeriod"/>
+              <a:tabLst/>
+              <a:defRPr/>
+            </a:pPr>
+            <a:r>
+              <a:rPr lang="zh-CN" altLang="en-US" dirty="0">
+                <a:latin typeface="楷体" panose="02010609060101010101" pitchFamily="49" charset="-122"/>
+                <a:ea typeface="楷体" panose="02010609060101010101" pitchFamily="49" charset="-122"/>
+              </a:rPr>
+              <a:t>与  </a:t>
+            </a:r>
+            <a:r>
+              <a:rPr lang="en-US" altLang="zh-CN" dirty="0">
+                <a:latin typeface="楷体" panose="02010609060101010101" pitchFamily="49" charset="-122"/>
+                <a:ea typeface="楷体" panose="02010609060101010101" pitchFamily="49" charset="-122"/>
+              </a:rPr>
+              <a:t>Stratus  </a:t>
+            </a:r>
+            <a:r>
+              <a:rPr lang="en-US" altLang="zh-CN" dirty="0" err="1">
+                <a:latin typeface="楷体" panose="02010609060101010101" pitchFamily="49" charset="-122"/>
+                <a:ea typeface="楷体" panose="02010609060101010101" pitchFamily="49" charset="-122"/>
+              </a:rPr>
+              <a:t>ftServer</a:t>
+            </a:r>
+            <a:r>
+              <a:rPr lang="en-US" altLang="zh-CN" dirty="0">
+                <a:latin typeface="楷体" panose="02010609060101010101" pitchFamily="49" charset="-122"/>
+                <a:ea typeface="楷体" panose="02010609060101010101" pitchFamily="49" charset="-122"/>
+              </a:rPr>
+              <a:t>  </a:t>
+            </a:r>
+            <a:r>
+              <a:rPr lang="zh-CN" altLang="en-US" dirty="0">
+                <a:latin typeface="楷体" panose="02010609060101010101" pitchFamily="49" charset="-122"/>
+                <a:ea typeface="楷体" panose="02010609060101010101" pitchFamily="49" charset="-122"/>
+              </a:rPr>
+              <a:t>系统不同，惠普的</a:t>
+            </a:r>
+            <a:r>
+              <a:rPr lang="en-US" altLang="zh-CN" dirty="0">
+                <a:latin typeface="楷体" panose="02010609060101010101" pitchFamily="49" charset="-122"/>
+                <a:ea typeface="楷体" panose="02010609060101010101" pitchFamily="49" charset="-122"/>
+              </a:rPr>
+              <a:t>NonStop  Himalaya</a:t>
+            </a:r>
+            <a:r>
+              <a:rPr lang="zh-CN" altLang="en-US" dirty="0">
+                <a:latin typeface="楷体" panose="02010609060101010101" pitchFamily="49" charset="-122"/>
+                <a:ea typeface="楷体" panose="02010609060101010101" pitchFamily="49" charset="-122"/>
+              </a:rPr>
+              <a:t>体系结构中的主内存在复制范围之外。因此，不间断架构不必复制整个主存储器。相反，它使用  </a:t>
+            </a:r>
+            <a:r>
+              <a:rPr lang="en-US" altLang="zh-CN" dirty="0">
+                <a:latin typeface="楷体" panose="02010609060101010101" pitchFamily="49" charset="-122"/>
+                <a:ea typeface="楷体" panose="02010609060101010101" pitchFamily="49" charset="-122"/>
+              </a:rPr>
+              <a:t>ECC </a:t>
+            </a:r>
+            <a:r>
+              <a:rPr lang="zh-CN" altLang="en-US" dirty="0">
+                <a:latin typeface="楷体" panose="02010609060101010101" pitchFamily="49" charset="-122"/>
+                <a:ea typeface="楷体" panose="02010609060101010101" pitchFamily="49" charset="-122"/>
+              </a:rPr>
+              <a:t>保护主内存。为了提供故障恢复，</a:t>
+            </a:r>
+            <a:r>
+              <a:rPr lang="en-US" altLang="zh-CN" dirty="0">
+                <a:latin typeface="楷体" panose="02010609060101010101" pitchFamily="49" charset="-122"/>
+                <a:ea typeface="楷体" panose="02010609060101010101" pitchFamily="49" charset="-122"/>
+              </a:rPr>
+              <a:t>NonStop  Himalaya  </a:t>
+            </a:r>
+            <a:r>
+              <a:rPr lang="zh-CN" altLang="en-US" dirty="0">
+                <a:latin typeface="楷体" panose="02010609060101010101" pitchFamily="49" charset="-122"/>
+                <a:ea typeface="楷体" panose="02010609060101010101" pitchFamily="49" charset="-122"/>
+              </a:rPr>
+              <a:t>服务器使用由  </a:t>
+            </a:r>
+            <a:r>
+              <a:rPr lang="en-US" altLang="zh-CN" dirty="0">
+                <a:latin typeface="楷体" panose="02010609060101010101" pitchFamily="49" charset="-122"/>
+                <a:ea typeface="楷体" panose="02010609060101010101" pitchFamily="49" charset="-122"/>
+              </a:rPr>
+              <a:t>NonStop  </a:t>
+            </a:r>
+            <a:r>
+              <a:rPr lang="zh-CN" altLang="en-US" dirty="0">
+                <a:latin typeface="楷体" panose="02010609060101010101" pitchFamily="49" charset="-122"/>
+                <a:ea typeface="楷体" panose="02010609060101010101" pitchFamily="49" charset="-122"/>
+              </a:rPr>
+              <a:t>内核实现的进程对。进程对中的一个进程被设计为主进程，而另一个进程被设计为备份。主进程在一对  </a:t>
+            </a:r>
+            <a:r>
+              <a:rPr lang="en-US" altLang="zh-CN" dirty="0" err="1">
+                <a:latin typeface="楷体" panose="02010609060101010101" pitchFamily="49" charset="-122"/>
+                <a:ea typeface="楷体" panose="02010609060101010101" pitchFamily="49" charset="-122"/>
+              </a:rPr>
+              <a:t>Lockstepped</a:t>
+            </a:r>
+            <a:r>
+              <a:rPr lang="en-US" altLang="zh-CN" dirty="0">
+                <a:latin typeface="楷体" panose="02010609060101010101" pitchFamily="49" charset="-122"/>
+                <a:ea typeface="楷体" panose="02010609060101010101" pitchFamily="49" charset="-122"/>
+              </a:rPr>
+              <a:t>  </a:t>
+            </a:r>
+            <a:r>
+              <a:rPr lang="zh-CN" altLang="en-US" dirty="0">
+                <a:latin typeface="楷体" panose="02010609060101010101" pitchFamily="49" charset="-122"/>
+                <a:ea typeface="楷体" panose="02010609060101010101" pitchFamily="49" charset="-122"/>
+              </a:rPr>
+              <a:t>处理器上运行，并定期向备份进程发送检查点信息，备份进程也在一对  </a:t>
+            </a:r>
+            <a:r>
+              <a:rPr lang="en-US" altLang="zh-CN" dirty="0" err="1">
+                <a:latin typeface="楷体" panose="02010609060101010101" pitchFamily="49" charset="-122"/>
+                <a:ea typeface="楷体" panose="02010609060101010101" pitchFamily="49" charset="-122"/>
+              </a:rPr>
+              <a:t>Lockstepped</a:t>
+            </a:r>
+            <a:r>
+              <a:rPr lang="en-US" altLang="zh-CN" dirty="0">
+                <a:latin typeface="楷体" panose="02010609060101010101" pitchFamily="49" charset="-122"/>
+                <a:ea typeface="楷体" panose="02010609060101010101" pitchFamily="49" charset="-122"/>
+              </a:rPr>
+              <a:t>  </a:t>
+            </a:r>
+            <a:r>
+              <a:rPr lang="zh-CN" altLang="en-US" dirty="0">
+                <a:latin typeface="楷体" panose="02010609060101010101" pitchFamily="49" charset="-122"/>
+                <a:ea typeface="楷体" panose="02010609060101010101" pitchFamily="49" charset="-122"/>
+              </a:rPr>
+              <a:t>处理器上运行。当主进程遇到锁步错误时，备份进程接管并继续运行。 </a:t>
+            </a:r>
+            <a:endParaRPr lang="en-US" altLang="zh-CN" dirty="0">
+              <a:latin typeface="楷体" panose="02010609060101010101" pitchFamily="49" charset="-122"/>
+              <a:ea typeface="楷体" panose="02010609060101010101" pitchFamily="49" charset="-122"/>
+            </a:endParaRPr>
+          </a:p>
+          <a:p>
+            <a:pPr marL="228600" marR="0" lvl="0" indent="-228600" algn="l" defTabSz="914400" rtl="0" eaLnBrk="1" fontAlgn="auto" latinLnBrk="0" hangingPunct="1">
+              <a:lnSpc>
+                <a:spcPct val="100000"/>
+              </a:lnSpc>
+              <a:spcBef>
+                <a:spcPts val="0"/>
+              </a:spcBef>
+              <a:spcAft>
+                <a:spcPts val="0"/>
+              </a:spcAft>
+              <a:buClr>
+                <a:srgbClr val="000000"/>
+              </a:buClr>
+              <a:buSzPts val="1100"/>
+              <a:buFont typeface="Arial"/>
+              <a:buAutoNum type="arabicPeriod"/>
+              <a:tabLst/>
+              <a:defRPr/>
+            </a:pPr>
+            <a:r>
+              <a:rPr lang="en-US" altLang="zh-CN" dirty="0">
+                <a:latin typeface="楷体" panose="02010609060101010101" pitchFamily="49" charset="-122"/>
+                <a:ea typeface="楷体" panose="02010609060101010101" pitchFamily="49" charset="-122"/>
+              </a:rPr>
+              <a:t>G5</a:t>
+            </a:r>
+            <a:r>
+              <a:rPr lang="zh-CN" altLang="en-US" dirty="0">
+                <a:latin typeface="楷体" panose="02010609060101010101" pitchFamily="49" charset="-122"/>
+                <a:ea typeface="楷体" panose="02010609060101010101" pitchFamily="49" charset="-122"/>
+              </a:rPr>
+              <a:t>由四个单元组成：缓冲控制元件（</a:t>
+            </a:r>
+            <a:r>
+              <a:rPr lang="en-US" altLang="zh-CN" dirty="0">
+                <a:latin typeface="楷体" panose="02010609060101010101" pitchFamily="49" charset="-122"/>
+                <a:ea typeface="楷体" panose="02010609060101010101" pitchFamily="49" charset="-122"/>
+              </a:rPr>
+              <a:t>BCE</a:t>
+            </a:r>
+            <a:r>
+              <a:rPr lang="zh-CN" altLang="en-US" dirty="0">
+                <a:latin typeface="楷体" panose="02010609060101010101" pitchFamily="49" charset="-122"/>
+                <a:ea typeface="楷体" panose="02010609060101010101" pitchFamily="49" charset="-122"/>
+              </a:rPr>
+              <a:t>）、</a:t>
+            </a:r>
+            <a:r>
+              <a:rPr lang="en-US" altLang="zh-CN" dirty="0">
+                <a:latin typeface="楷体" panose="02010609060101010101" pitchFamily="49" charset="-122"/>
+                <a:ea typeface="楷体" panose="02010609060101010101" pitchFamily="49" charset="-122"/>
+              </a:rPr>
+              <a:t>I</a:t>
+            </a:r>
+            <a:r>
+              <a:rPr lang="zh-CN" altLang="en-US" dirty="0">
+                <a:latin typeface="楷体" panose="02010609060101010101" pitchFamily="49" charset="-122"/>
+                <a:ea typeface="楷体" panose="02010609060101010101" pitchFamily="49" charset="-122"/>
+              </a:rPr>
+              <a:t>单元、</a:t>
+            </a:r>
+            <a:r>
+              <a:rPr lang="en-US" altLang="zh-CN" dirty="0">
+                <a:latin typeface="楷体" panose="02010609060101010101" pitchFamily="49" charset="-122"/>
+                <a:ea typeface="楷体" panose="02010609060101010101" pitchFamily="49" charset="-122"/>
+              </a:rPr>
+              <a:t>E</a:t>
+            </a:r>
+            <a:r>
+              <a:rPr lang="zh-CN" altLang="en-US" dirty="0">
+                <a:latin typeface="楷体" panose="02010609060101010101" pitchFamily="49" charset="-122"/>
+                <a:ea typeface="楷体" panose="02010609060101010101" pitchFamily="49" charset="-122"/>
+              </a:rPr>
+              <a:t>单元和</a:t>
+            </a:r>
+            <a:r>
+              <a:rPr lang="en-US" altLang="zh-CN" dirty="0">
+                <a:latin typeface="楷体" panose="02010609060101010101" pitchFamily="49" charset="-122"/>
+                <a:ea typeface="楷体" panose="02010609060101010101" pitchFamily="49" charset="-122"/>
+              </a:rPr>
+              <a:t>R</a:t>
+            </a:r>
+            <a:r>
+              <a:rPr lang="zh-CN" altLang="en-US" dirty="0">
+                <a:latin typeface="楷体" panose="02010609060101010101" pitchFamily="49" charset="-122"/>
+                <a:ea typeface="楷体" panose="02010609060101010101" pitchFamily="49" charset="-122"/>
+              </a:rPr>
+              <a:t>单元。  </a:t>
+            </a:r>
+            <a:r>
+              <a:rPr lang="en-US" altLang="zh-CN" dirty="0">
+                <a:latin typeface="楷体" panose="02010609060101010101" pitchFamily="49" charset="-122"/>
+                <a:ea typeface="楷体" panose="02010609060101010101" pitchFamily="49" charset="-122"/>
+              </a:rPr>
+              <a:t>BCE  </a:t>
+            </a:r>
+            <a:r>
+              <a:rPr lang="zh-CN" altLang="en-US" dirty="0">
+                <a:latin typeface="楷体" panose="02010609060101010101" pitchFamily="49" charset="-122"/>
+                <a:ea typeface="楷体" panose="02010609060101010101" pitchFamily="49" charset="-122"/>
+              </a:rPr>
+              <a:t>由  </a:t>
+            </a:r>
+            <a:r>
+              <a:rPr lang="en-US" altLang="zh-CN" dirty="0">
+                <a:latin typeface="楷体" panose="02010609060101010101" pitchFamily="49" charset="-122"/>
+                <a:ea typeface="楷体" panose="02010609060101010101" pitchFamily="49" charset="-122"/>
+              </a:rPr>
+              <a:t>L1  </a:t>
+            </a:r>
+            <a:r>
+              <a:rPr lang="zh-CN" altLang="en-US" dirty="0">
+                <a:latin typeface="楷体" panose="02010609060101010101" pitchFamily="49" charset="-122"/>
+                <a:ea typeface="楷体" panose="02010609060101010101" pitchFamily="49" charset="-122"/>
+              </a:rPr>
+              <a:t>缓存和  </a:t>
+            </a:r>
+            <a:r>
+              <a:rPr lang="en-US" altLang="zh-CN" dirty="0">
+                <a:latin typeface="楷体" panose="02010609060101010101" pitchFamily="49" charset="-122"/>
+                <a:ea typeface="楷体" panose="02010609060101010101" pitchFamily="49" charset="-122"/>
+              </a:rPr>
+              <a:t>TLB  </a:t>
+            </a:r>
+            <a:r>
+              <a:rPr lang="zh-CN" altLang="en-US" dirty="0">
+                <a:latin typeface="楷体" panose="02010609060101010101" pitchFamily="49" charset="-122"/>
+                <a:ea typeface="楷体" panose="02010609060101010101" pitchFamily="49" charset="-122"/>
+              </a:rPr>
+              <a:t>组成。  </a:t>
+            </a:r>
+            <a:r>
+              <a:rPr lang="en-US" altLang="zh-CN" dirty="0">
+                <a:latin typeface="楷体" panose="02010609060101010101" pitchFamily="49" charset="-122"/>
+                <a:ea typeface="楷体" panose="02010609060101010101" pitchFamily="49" charset="-122"/>
+              </a:rPr>
+              <a:t>I  </a:t>
+            </a:r>
+            <a:r>
+              <a:rPr lang="zh-CN" altLang="en-US" dirty="0">
+                <a:latin typeface="楷体" panose="02010609060101010101" pitchFamily="49" charset="-122"/>
+                <a:ea typeface="楷体" panose="02010609060101010101" pitchFamily="49" charset="-122"/>
+              </a:rPr>
+              <a:t>单元负责指令获取、解码、地址生成和向  </a:t>
+            </a:r>
+            <a:r>
+              <a:rPr lang="en-US" altLang="zh-CN" dirty="0">
+                <a:latin typeface="楷体" panose="02010609060101010101" pitchFamily="49" charset="-122"/>
+                <a:ea typeface="楷体" panose="02010609060101010101" pitchFamily="49" charset="-122"/>
+              </a:rPr>
+              <a:t>E  </a:t>
+            </a:r>
+            <a:r>
+              <a:rPr lang="zh-CN" altLang="en-US" dirty="0">
+                <a:latin typeface="楷体" panose="02010609060101010101" pitchFamily="49" charset="-122"/>
+                <a:ea typeface="楷体" panose="02010609060101010101" pitchFamily="49" charset="-122"/>
+              </a:rPr>
+              <a:t>单元发布指令的发布队列。  </a:t>
+            </a:r>
+            <a:r>
+              <a:rPr lang="en-US" altLang="zh-CN" dirty="0">
+                <a:latin typeface="楷体" panose="02010609060101010101" pitchFamily="49" charset="-122"/>
+                <a:ea typeface="楷体" panose="02010609060101010101" pitchFamily="49" charset="-122"/>
+              </a:rPr>
+              <a:t>E  </a:t>
+            </a:r>
+            <a:r>
+              <a:rPr lang="zh-CN" altLang="en-US" dirty="0">
+                <a:latin typeface="楷体" panose="02010609060101010101" pitchFamily="49" charset="-122"/>
+                <a:ea typeface="楷体" panose="02010609060101010101" pitchFamily="49" charset="-122"/>
+              </a:rPr>
+              <a:t>单元由执行单元和寄存器文件的本地副本组成。  </a:t>
+            </a:r>
+            <a:r>
+              <a:rPr lang="en-US" altLang="zh-CN" dirty="0">
+                <a:latin typeface="楷体" panose="02010609060101010101" pitchFamily="49" charset="-122"/>
+                <a:ea typeface="楷体" panose="02010609060101010101" pitchFamily="49" charset="-122"/>
+              </a:rPr>
+              <a:t>R  </a:t>
+            </a:r>
+            <a:r>
+              <a:rPr lang="zh-CN" altLang="en-US" dirty="0">
+                <a:latin typeface="楷体" panose="02010609060101010101" pitchFamily="49" charset="-122"/>
+                <a:ea typeface="楷体" panose="02010609060101010101" pitchFamily="49" charset="-122"/>
+              </a:rPr>
+              <a:t>单元负责故障检测和恢复。它保存处理器的整个微体系结构状态（包括体系结构寄存器文件）、计时设施和其他杂项状态信息的检查点副本。</a:t>
+            </a:r>
+            <a:r>
+              <a:rPr lang="en-US" altLang="zh-CN" dirty="0">
+                <a:latin typeface="楷体" panose="02010609060101010101" pitchFamily="49" charset="-122"/>
+                <a:ea typeface="楷体" panose="02010609060101010101" pitchFamily="49" charset="-122"/>
+              </a:rPr>
+              <a:t>4  G5  </a:t>
+            </a:r>
+            <a:r>
+              <a:rPr lang="zh-CN" altLang="en-US" dirty="0">
+                <a:latin typeface="楷体" panose="02010609060101010101" pitchFamily="49" charset="-122"/>
+                <a:ea typeface="楷体" panose="02010609060101010101" pitchFamily="49" charset="-122"/>
+              </a:rPr>
+              <a:t>中的复制范围由复制的  </a:t>
+            </a:r>
+            <a:r>
+              <a:rPr lang="en-US" altLang="zh-CN" dirty="0">
+                <a:latin typeface="楷体" panose="02010609060101010101" pitchFamily="49" charset="-122"/>
+                <a:ea typeface="楷体" panose="02010609060101010101" pitchFamily="49" charset="-122"/>
+              </a:rPr>
+              <a:t>I  </a:t>
+            </a:r>
+            <a:r>
+              <a:rPr lang="zh-CN" altLang="en-US" dirty="0">
+                <a:latin typeface="楷体" panose="02010609060101010101" pitchFamily="49" charset="-122"/>
+                <a:ea typeface="楷体" panose="02010609060101010101" pitchFamily="49" charset="-122"/>
+              </a:rPr>
+              <a:t>和  </a:t>
+            </a:r>
+            <a:r>
+              <a:rPr lang="en-US" altLang="zh-CN" dirty="0">
+                <a:latin typeface="楷体" panose="02010609060101010101" pitchFamily="49" charset="-122"/>
+                <a:ea typeface="楷体" panose="02010609060101010101" pitchFamily="49" charset="-122"/>
+              </a:rPr>
+              <a:t>E  </a:t>
+            </a:r>
+            <a:r>
+              <a:rPr lang="zh-CN" altLang="en-US" dirty="0">
+                <a:latin typeface="楷体" panose="02010609060101010101" pitchFamily="49" charset="-122"/>
+                <a:ea typeface="楷体" panose="02010609060101010101" pitchFamily="49" charset="-122"/>
+              </a:rPr>
+              <a:t>单元组成。图 显示了来自复制单元的信号（虚线箭头）。对架构寄存器文件（在  </a:t>
+            </a:r>
+            <a:r>
+              <a:rPr lang="en-US" altLang="zh-CN" dirty="0">
+                <a:latin typeface="楷体" panose="02010609060101010101" pitchFamily="49" charset="-122"/>
+                <a:ea typeface="楷体" panose="02010609060101010101" pitchFamily="49" charset="-122"/>
+              </a:rPr>
+              <a:t>R  </a:t>
+            </a:r>
+            <a:r>
+              <a:rPr lang="zh-CN" altLang="en-US" dirty="0">
+                <a:latin typeface="楷体" panose="02010609060101010101" pitchFamily="49" charset="-122"/>
+                <a:ea typeface="楷体" panose="02010609060101010101" pitchFamily="49" charset="-122"/>
+              </a:rPr>
+              <a:t>单元中）或高速缓存（在  </a:t>
+            </a:r>
+            <a:r>
+              <a:rPr lang="en-US" altLang="zh-CN" dirty="0">
+                <a:latin typeface="楷体" panose="02010609060101010101" pitchFamily="49" charset="-122"/>
+                <a:ea typeface="楷体" panose="02010609060101010101" pitchFamily="49" charset="-122"/>
+              </a:rPr>
+              <a:t>BCE  </a:t>
+            </a:r>
+            <a:r>
+              <a:rPr lang="zh-CN" altLang="en-US" dirty="0">
+                <a:latin typeface="楷体" panose="02010609060101010101" pitchFamily="49" charset="-122"/>
+                <a:ea typeface="楷体" panose="02010609060101010101" pitchFamily="49" charset="-122"/>
+              </a:rPr>
+              <a:t>中）的任何更新都必须首先检查是否存在故障（输出比较）。同样，任何输入到  </a:t>
+            </a:r>
+            <a:r>
+              <a:rPr lang="en-US" altLang="zh-CN" dirty="0">
+                <a:latin typeface="楷体" panose="02010609060101010101" pitchFamily="49" charset="-122"/>
+                <a:ea typeface="楷体" panose="02010609060101010101" pitchFamily="49" charset="-122"/>
+              </a:rPr>
+              <a:t>I  </a:t>
+            </a:r>
+            <a:r>
+              <a:rPr lang="zh-CN" altLang="en-US" dirty="0">
+                <a:latin typeface="楷体" panose="02010609060101010101" pitchFamily="49" charset="-122"/>
+                <a:ea typeface="楷体" panose="02010609060101010101" pitchFamily="49" charset="-122"/>
+              </a:rPr>
+              <a:t>或  </a:t>
+            </a:r>
+            <a:r>
+              <a:rPr lang="en-US" altLang="zh-CN" dirty="0">
+                <a:latin typeface="楷体" panose="02010609060101010101" pitchFamily="49" charset="-122"/>
+                <a:ea typeface="楷体" panose="02010609060101010101" pitchFamily="49" charset="-122"/>
+              </a:rPr>
+              <a:t>E  </a:t>
+            </a:r>
+            <a:r>
+              <a:rPr lang="zh-CN" altLang="en-US" dirty="0">
+                <a:latin typeface="楷体" panose="02010609060101010101" pitchFamily="49" charset="-122"/>
+                <a:ea typeface="楷体" panose="02010609060101010101" pitchFamily="49" charset="-122"/>
+              </a:rPr>
+              <a:t>单元的输入都必须适当地复制（输入复制）。与  </a:t>
+            </a:r>
+            <a:r>
+              <a:rPr lang="en-US" altLang="zh-CN" dirty="0">
+                <a:latin typeface="楷体" panose="02010609060101010101" pitchFamily="49" charset="-122"/>
+                <a:ea typeface="楷体" panose="02010609060101010101" pitchFamily="49" charset="-122"/>
+              </a:rPr>
+              <a:t>Stratus  </a:t>
+            </a:r>
+            <a:r>
+              <a:rPr lang="zh-CN" altLang="en-US" dirty="0">
+                <a:latin typeface="楷体" panose="02010609060101010101" pitchFamily="49" charset="-122"/>
+                <a:ea typeface="楷体" panose="02010609060101010101" pitchFamily="49" charset="-122"/>
+              </a:rPr>
+              <a:t>的  </a:t>
+            </a:r>
+            <a:r>
+              <a:rPr lang="en-US" altLang="zh-CN" dirty="0" err="1">
+                <a:latin typeface="楷体" panose="02010609060101010101" pitchFamily="49" charset="-122"/>
+                <a:ea typeface="楷体" panose="02010609060101010101" pitchFamily="49" charset="-122"/>
+              </a:rPr>
+              <a:t>ftServer</a:t>
+            </a:r>
+            <a:r>
+              <a:rPr lang="en-US" altLang="zh-CN" dirty="0">
+                <a:latin typeface="楷体" panose="02010609060101010101" pitchFamily="49" charset="-122"/>
+                <a:ea typeface="楷体" panose="02010609060101010101" pitchFamily="49" charset="-122"/>
+              </a:rPr>
+              <a:t>  </a:t>
+            </a:r>
+            <a:r>
+              <a:rPr lang="zh-CN" altLang="en-US" dirty="0">
+                <a:latin typeface="楷体" panose="02010609060101010101" pitchFamily="49" charset="-122"/>
+                <a:ea typeface="楷体" panose="02010609060101010101" pitchFamily="49" charset="-122"/>
+              </a:rPr>
+              <a:t>或  </a:t>
+            </a:r>
+            <a:r>
+              <a:rPr lang="en-US" altLang="zh-CN" dirty="0">
+                <a:latin typeface="楷体" panose="02010609060101010101" pitchFamily="49" charset="-122"/>
+                <a:ea typeface="楷体" panose="02010609060101010101" pitchFamily="49" charset="-122"/>
+              </a:rPr>
+              <a:t>Tandem  </a:t>
+            </a:r>
+            <a:r>
+              <a:rPr lang="zh-CN" altLang="en-US" dirty="0">
+                <a:latin typeface="楷体" panose="02010609060101010101" pitchFamily="49" charset="-122"/>
+                <a:ea typeface="楷体" panose="02010609060101010101" pitchFamily="49" charset="-122"/>
+              </a:rPr>
+              <a:t>的  </a:t>
+            </a:r>
+            <a:r>
+              <a:rPr lang="en-US" altLang="zh-CN" dirty="0">
+                <a:latin typeface="楷体" panose="02010609060101010101" pitchFamily="49" charset="-122"/>
+                <a:ea typeface="楷体" panose="02010609060101010101" pitchFamily="49" charset="-122"/>
+              </a:rPr>
+              <a:t>NonStop  Himalaya  Architecture  </a:t>
+            </a:r>
+            <a:r>
+              <a:rPr lang="zh-CN" altLang="en-US" dirty="0">
+                <a:latin typeface="楷体" panose="02010609060101010101" pitchFamily="49" charset="-122"/>
+                <a:ea typeface="楷体" panose="02010609060101010101" pitchFamily="49" charset="-122"/>
+              </a:rPr>
+              <a:t>不同，</a:t>
+            </a:r>
+            <a:r>
+              <a:rPr lang="en-US" altLang="zh-CN" dirty="0">
+                <a:latin typeface="楷体" panose="02010609060101010101" pitchFamily="49" charset="-122"/>
+                <a:ea typeface="楷体" panose="02010609060101010101" pitchFamily="49" charset="-122"/>
+              </a:rPr>
+              <a:t>IBM  </a:t>
+            </a:r>
+            <a:r>
+              <a:rPr lang="zh-CN" altLang="en-US" dirty="0">
+                <a:latin typeface="楷体" panose="02010609060101010101" pitchFamily="49" charset="-122"/>
+                <a:ea typeface="楷体" panose="02010609060101010101" pitchFamily="49" charset="-122"/>
+              </a:rPr>
+              <a:t>机器中的复制范围要小得多。  </a:t>
+            </a:r>
+            <a:r>
+              <a:rPr lang="en-US" altLang="zh-CN" dirty="0">
+                <a:latin typeface="楷体" panose="02010609060101010101" pitchFamily="49" charset="-122"/>
+                <a:ea typeface="楷体" panose="02010609060101010101" pitchFamily="49" charset="-122"/>
+              </a:rPr>
+              <a:t>G5  </a:t>
+            </a:r>
+            <a:r>
+              <a:rPr lang="zh-CN" altLang="en-US" dirty="0">
+                <a:latin typeface="楷体" panose="02010609060101010101" pitchFamily="49" charset="-122"/>
+                <a:ea typeface="楷体" panose="02010609060101010101" pitchFamily="49" charset="-122"/>
+              </a:rPr>
+              <a:t>的复制范围不仅不包括主内存和  </a:t>
+            </a:r>
+            <a:r>
+              <a:rPr lang="en-US" altLang="zh-CN" dirty="0">
+                <a:latin typeface="楷体" panose="02010609060101010101" pitchFamily="49" charset="-122"/>
+                <a:ea typeface="楷体" panose="02010609060101010101" pitchFamily="49" charset="-122"/>
+              </a:rPr>
+              <a:t>I/O  </a:t>
+            </a:r>
+            <a:r>
+              <a:rPr lang="zh-CN" altLang="en-US" dirty="0">
+                <a:latin typeface="楷体" panose="02010609060101010101" pitchFamily="49" charset="-122"/>
+                <a:ea typeface="楷体" panose="02010609060101010101" pitchFamily="49" charset="-122"/>
+              </a:rPr>
+              <a:t>组件，还包括缓存和架构寄存器文件。</a:t>
+            </a:r>
+            <a:r>
+              <a:rPr lang="en-US" altLang="zh-CN" dirty="0">
+                <a:latin typeface="楷体" panose="02010609060101010101" pitchFamily="49" charset="-122"/>
+                <a:ea typeface="楷体" panose="02010609060101010101" pitchFamily="49" charset="-122"/>
+              </a:rPr>
+              <a:t>BCE  </a:t>
+            </a:r>
+            <a:r>
+              <a:rPr lang="zh-CN" altLang="en-US" dirty="0">
+                <a:latin typeface="楷体" panose="02010609060101010101" pitchFamily="49" charset="-122"/>
+                <a:ea typeface="楷体" panose="02010609060101010101" pitchFamily="49" charset="-122"/>
+              </a:rPr>
+              <a:t>和  </a:t>
+            </a:r>
+            <a:r>
+              <a:rPr lang="en-US" altLang="zh-CN" dirty="0">
+                <a:latin typeface="楷体" panose="02010609060101010101" pitchFamily="49" charset="-122"/>
+                <a:ea typeface="楷体" panose="02010609060101010101" pitchFamily="49" charset="-122"/>
+              </a:rPr>
+              <a:t>R  </a:t>
+            </a:r>
+            <a:r>
+              <a:rPr lang="zh-CN" altLang="en-US" dirty="0">
+                <a:latin typeface="楷体" panose="02010609060101010101" pitchFamily="49" charset="-122"/>
+                <a:ea typeface="楷体" panose="02010609060101010101" pitchFamily="49" charset="-122"/>
+              </a:rPr>
+              <a:t>单元中的阵列必须受到保护，以实现完整的故障覆盖。尽管架构寄存器文件位于  </a:t>
+            </a:r>
+            <a:r>
+              <a:rPr lang="en-US" altLang="zh-CN" dirty="0">
+                <a:latin typeface="楷体" panose="02010609060101010101" pitchFamily="49" charset="-122"/>
+                <a:ea typeface="楷体" panose="02010609060101010101" pitchFamily="49" charset="-122"/>
+              </a:rPr>
+              <a:t>R  </a:t>
+            </a:r>
+            <a:r>
+              <a:rPr lang="zh-CN" altLang="en-US" dirty="0">
+                <a:latin typeface="楷体" panose="02010609060101010101" pitchFamily="49" charset="-122"/>
+                <a:ea typeface="楷体" panose="02010609060101010101" pitchFamily="49" charset="-122"/>
+              </a:rPr>
+              <a:t>单元中的复制范围之外，但  </a:t>
+            </a:r>
+            <a:r>
+              <a:rPr lang="en-US" altLang="zh-CN" dirty="0">
+                <a:latin typeface="楷体" panose="02010609060101010101" pitchFamily="49" charset="-122"/>
+                <a:ea typeface="楷体" panose="02010609060101010101" pitchFamily="49" charset="-122"/>
+              </a:rPr>
+              <a:t>G5  </a:t>
+            </a:r>
+            <a:r>
+              <a:rPr lang="zh-CN" altLang="en-US" dirty="0">
+                <a:latin typeface="楷体" panose="02010609060101010101" pitchFamily="49" charset="-122"/>
+                <a:ea typeface="楷体" panose="02010609060101010101" pitchFamily="49" charset="-122"/>
+              </a:rPr>
+              <a:t>在  </a:t>
+            </a:r>
+            <a:r>
+              <a:rPr lang="en-US" altLang="zh-CN" dirty="0">
+                <a:latin typeface="楷体" panose="02010609060101010101" pitchFamily="49" charset="-122"/>
+                <a:ea typeface="楷体" panose="02010609060101010101" pitchFamily="49" charset="-122"/>
+              </a:rPr>
+              <a:t>E  </a:t>
+            </a:r>
+            <a:r>
+              <a:rPr lang="zh-CN" altLang="en-US" dirty="0">
+                <a:latin typeface="楷体" panose="02010609060101010101" pitchFamily="49" charset="-122"/>
+                <a:ea typeface="楷体" panose="02010609060101010101" pitchFamily="49" charset="-122"/>
+              </a:rPr>
+              <a:t>单元中维护寄存器文件的影子副本以加快执行速度。</a:t>
+            </a:r>
+          </a:p>
+        </p:txBody>
+      </p:sp>
+    </p:spTree>
+    <p:extLst>
+      <p:ext uri="{BB962C8B-B14F-4D97-AF65-F5344CB8AC3E}">
+        <p14:creationId xmlns:p14="http://schemas.microsoft.com/office/powerpoint/2010/main" val="2806950045"/>
+      </p:ext>
+    </p:extLst>
+  </p:cSld>
+  <p:clrMapOvr>
+    <a:masterClrMapping/>
+  </p:clrMapOvr>
+</p:notes>
+</file>
+
+<file path=ppt/notesSlides/notesSlide15.xml><?xml version="1.0" encoding="utf-8"?>
 <p:notes xmlns:a="http://schemas.openxmlformats.org/drawingml/2006/main" xmlns:r="http://schemas.openxmlformats.org/officeDocument/2006/relationships" xmlns:p="http://schemas.openxmlformats.org/presentationml/2006/main" showMasterSp="0" showMasterPhAnim="0">
   <p:cSld>
     <p:spTree>
@@ -1825,7 +3294,7 @@
     </p:spTree>
     <p:extLst>
       <p:ext uri="{BB962C8B-B14F-4D97-AF65-F5344CB8AC3E}">
-        <p14:creationId xmlns:p14="http://schemas.microsoft.com/office/powerpoint/2010/main" val="1934226721"/>
+        <p14:creationId xmlns:p14="http://schemas.microsoft.com/office/powerpoint/2010/main" val="474149682"/>
       </p:ext>
     </p:extLst>
   </p:cSld>
@@ -1835,7 +3304,7 @@
 </p:notes>
 </file>
 
-<file path=ppt/notesSlides/notesSlide15.xml><?xml version="1.0" encoding="utf-8"?>
+<file path=ppt/notesSlides/notesSlide16.xml><?xml version="1.0" encoding="utf-8"?>
 <p:notes xmlns:a="http://schemas.openxmlformats.org/drawingml/2006/main" xmlns:r="http://schemas.openxmlformats.org/officeDocument/2006/relationships" xmlns:p="http://schemas.openxmlformats.org/presentationml/2006/main" showMasterSp="0" showMasterPhAnim="0">
   <p:cSld>
     <p:spTree>
@@ -1947,7 +3416,238 @@
     </p:spTree>
     <p:extLst>
       <p:ext uri="{BB962C8B-B14F-4D97-AF65-F5344CB8AC3E}">
-        <p14:creationId xmlns:p14="http://schemas.microsoft.com/office/powerpoint/2010/main" val="442786503"/>
+        <p14:creationId xmlns:p14="http://schemas.microsoft.com/office/powerpoint/2010/main" val="1926935592"/>
+      </p:ext>
+    </p:extLst>
+  </p:cSld>
+  <p:clrMapOvr>
+    <a:masterClrMapping/>
+  </p:clrMapOvr>
+</p:notes>
+</file>
+
+<file path=ppt/notesSlides/notesSlide17.xml><?xml version="1.0" encoding="utf-8"?>
+<p:notes xmlns:a="http://schemas.openxmlformats.org/drawingml/2006/main" xmlns:r="http://schemas.openxmlformats.org/officeDocument/2006/relationships" xmlns:p="http://schemas.openxmlformats.org/presentationml/2006/main" showMasterSp="0" showMasterPhAnim="0">
+  <p:cSld>
+    <p:spTree>
+      <p:nvGrpSpPr>
+        <p:cNvPr id="1" name="Shape 81"/>
+        <p:cNvGrpSpPr/>
+        <p:nvPr/>
+      </p:nvGrpSpPr>
+      <p:grpSpPr>
+        <a:xfrm>
+          <a:off x="0" y="0"/>
+          <a:ext cx="0" cy="0"/>
+          <a:chOff x="0" y="0"/>
+          <a:chExt cx="0" cy="0"/>
+        </a:xfrm>
+      </p:grpSpPr>
+      <p:sp>
+        <p:nvSpPr>
+          <p:cNvPr id="82" name="Google Shape;82;p:notes"/>
+          <p:cNvSpPr>
+            <a:spLocks noGrp="1" noRot="1" noChangeAspect="1"/>
+          </p:cNvSpPr>
+          <p:nvPr>
+            <p:ph type="sldImg" idx="2"/>
+          </p:nvPr>
+        </p:nvSpPr>
+        <p:spPr>
+          <a:xfrm>
+            <a:off x="381000" y="685800"/>
+            <a:ext cx="6096000" cy="3429000"/>
+          </a:xfrm>
+          <a:custGeom>
+            <a:avLst/>
+            <a:gdLst/>
+            <a:ahLst/>
+            <a:cxnLst/>
+            <a:rect l="l" t="t" r="r" b="b"/>
+            <a:pathLst>
+              <a:path w="120000" h="120000" extrusionOk="0">
+                <a:moveTo>
+                  <a:pt x="0" y="0"/>
+                </a:moveTo>
+                <a:lnTo>
+                  <a:pt x="120000" y="0"/>
+                </a:lnTo>
+                <a:lnTo>
+                  <a:pt x="120000" y="120000"/>
+                </a:lnTo>
+                <a:lnTo>
+                  <a:pt x="0" y="120000"/>
+                </a:lnTo>
+                <a:close/>
+              </a:path>
+            </a:pathLst>
+          </a:custGeom>
+        </p:spPr>
+      </p:sp>
+      <p:sp>
+        <p:nvSpPr>
+          <p:cNvPr id="83" name="Google Shape;83;p:notes"/>
+          <p:cNvSpPr txBox="1">
+            <a:spLocks noGrp="1"/>
+          </p:cNvSpPr>
+          <p:nvPr>
+            <p:ph type="body" idx="1"/>
+          </p:nvPr>
+        </p:nvSpPr>
+        <p:spPr>
+          <a:xfrm>
+            <a:off x="685800" y="4343400"/>
+            <a:ext cx="5486400" cy="4114800"/>
+          </a:xfrm>
+          <a:prstGeom prst="rect">
+            <a:avLst/>
+          </a:prstGeom>
+        </p:spPr>
+        <p:txBody>
+          <a:bodyPr spcFirstLastPara="1" wrap="square" lIns="91425" tIns="91425" rIns="91425" bIns="91425" anchor="t" anchorCtr="0">
+            <a:noAutofit/>
+          </a:bodyPr>
+          <a:lstStyle/>
+          <a:p>
+            <a:pPr marL="0" lvl="0" indent="0" algn="l" rtl="0">
+              <a:spcBef>
+                <a:spcPts val="0"/>
+              </a:spcBef>
+              <a:spcAft>
+                <a:spcPts val="0"/>
+              </a:spcAft>
+              <a:buNone/>
+            </a:pPr>
+            <a:endParaRPr/>
+          </a:p>
+        </p:txBody>
+      </p:sp>
+    </p:spTree>
+    <p:extLst>
+      <p:ext uri="{BB962C8B-B14F-4D97-AF65-F5344CB8AC3E}">
+        <p14:creationId xmlns:p14="http://schemas.microsoft.com/office/powerpoint/2010/main" val="1260413496"/>
+      </p:ext>
+    </p:extLst>
+  </p:cSld>
+  <p:clrMapOvr>
+    <a:masterClrMapping/>
+  </p:clrMapOvr>
+</p:notes>
+</file>
+
+<file path=ppt/notesSlides/notesSlide18.xml><?xml version="1.0" encoding="utf-8"?>
+<p:notes xmlns:a="http://schemas.openxmlformats.org/drawingml/2006/main" xmlns:r="http://schemas.openxmlformats.org/officeDocument/2006/relationships" xmlns:p="http://schemas.openxmlformats.org/presentationml/2006/main" showMasterSp="0" showMasterPhAnim="0">
+  <p:cSld>
+    <p:spTree>
+      <p:nvGrpSpPr>
+        <p:cNvPr id="1" name="Shape 101"/>
+        <p:cNvGrpSpPr/>
+        <p:nvPr/>
+      </p:nvGrpSpPr>
+      <p:grpSpPr>
+        <a:xfrm>
+          <a:off x="0" y="0"/>
+          <a:ext cx="0" cy="0"/>
+          <a:chOff x="0" y="0"/>
+          <a:chExt cx="0" cy="0"/>
+        </a:xfrm>
+      </p:grpSpPr>
+      <p:sp>
+        <p:nvSpPr>
+          <p:cNvPr id="102" name="Google Shape;102;g46f3085334_0_92:notes"/>
+          <p:cNvSpPr>
+            <a:spLocks noGrp="1" noRot="1" noChangeAspect="1"/>
+          </p:cNvSpPr>
+          <p:nvPr>
+            <p:ph type="sldImg" idx="2"/>
+          </p:nvPr>
+        </p:nvSpPr>
+        <p:spPr>
+          <a:xfrm>
+            <a:off x="381000" y="685800"/>
+            <a:ext cx="6096000" cy="3429000"/>
+          </a:xfrm>
+          <a:custGeom>
+            <a:avLst/>
+            <a:gdLst/>
+            <a:ahLst/>
+            <a:cxnLst/>
+            <a:rect l="l" t="t" r="r" b="b"/>
+            <a:pathLst>
+              <a:path w="120000" h="120000" extrusionOk="0">
+                <a:moveTo>
+                  <a:pt x="0" y="0"/>
+                </a:moveTo>
+                <a:lnTo>
+                  <a:pt x="120000" y="0"/>
+                </a:lnTo>
+                <a:lnTo>
+                  <a:pt x="120000" y="120000"/>
+                </a:lnTo>
+                <a:lnTo>
+                  <a:pt x="0" y="120000"/>
+                </a:lnTo>
+                <a:close/>
+              </a:path>
+            </a:pathLst>
+          </a:custGeom>
+        </p:spPr>
+      </p:sp>
+      <p:sp>
+        <p:nvSpPr>
+          <p:cNvPr id="103" name="Google Shape;103;g46f3085334_0_92:notes"/>
+          <p:cNvSpPr txBox="1">
+            <a:spLocks noGrp="1"/>
+          </p:cNvSpPr>
+          <p:nvPr>
+            <p:ph type="body" idx="1"/>
+          </p:nvPr>
+        </p:nvSpPr>
+        <p:spPr>
+          <a:xfrm>
+            <a:off x="685800" y="4343400"/>
+            <a:ext cx="5486400" cy="4114800"/>
+          </a:xfrm>
+          <a:prstGeom prst="rect">
+            <a:avLst/>
+          </a:prstGeom>
+        </p:spPr>
+        <p:txBody>
+          <a:bodyPr spcFirstLastPara="1" wrap="square" lIns="91425" tIns="91425" rIns="91425" bIns="91425" anchor="t" anchorCtr="0">
+            <a:noAutofit/>
+          </a:bodyPr>
+          <a:lstStyle/>
+          <a:p>
+            <a:pPr marL="228600" marR="0" lvl="0" indent="-228600" algn="l" defTabSz="914400" rtl="0" eaLnBrk="1" fontAlgn="auto" latinLnBrk="0" hangingPunct="1">
+              <a:lnSpc>
+                <a:spcPct val="100000"/>
+              </a:lnSpc>
+              <a:spcBef>
+                <a:spcPts val="0"/>
+              </a:spcBef>
+              <a:spcAft>
+                <a:spcPts val="0"/>
+              </a:spcAft>
+              <a:buClr>
+                <a:srgbClr val="000000"/>
+              </a:buClr>
+              <a:buSzPts val="1100"/>
+              <a:buFont typeface="Arial"/>
+              <a:buAutoNum type="arabicPeriod"/>
+              <a:tabLst/>
+              <a:defRPr/>
+            </a:pPr>
+            <a:endParaRPr lang="en-US" altLang="zh-CN" dirty="0">
+              <a:latin typeface="楷体" panose="02010609060101010101" pitchFamily="49" charset="-122"/>
+              <a:ea typeface="楷体" panose="02010609060101010101" pitchFamily="49" charset="-122"/>
+            </a:endParaRPr>
+          </a:p>
+        </p:txBody>
+      </p:sp>
+    </p:spTree>
+    <p:extLst>
+      <p:ext uri="{BB962C8B-B14F-4D97-AF65-F5344CB8AC3E}">
+        <p14:creationId xmlns:p14="http://schemas.microsoft.com/office/powerpoint/2010/main" val="3808794101"/>
       </p:ext>
     </p:extLst>
   </p:cSld>
@@ -4126,7 +5826,7 @@
     </p:spTree>
     <p:extLst>
       <p:ext uri="{BB962C8B-B14F-4D97-AF65-F5344CB8AC3E}">
-        <p14:creationId xmlns:p14="http://schemas.microsoft.com/office/powerpoint/2010/main" val="1260413496"/>
+        <p14:creationId xmlns:p14="http://schemas.microsoft.com/office/powerpoint/2010/main" val="2353050568"/>
       </p:ext>
     </p:extLst>
   </p:cSld>
@@ -4238,6 +5938,294 @@
               <a:tabLst/>
               <a:defRPr/>
             </a:pPr>
+            <a:r>
+              <a:rPr lang="zh-CN" altLang="en-US" dirty="0">
+                <a:latin typeface="楷体" panose="02010609060101010101" pitchFamily="49" charset="-122"/>
+                <a:ea typeface="楷体" panose="02010609060101010101" pitchFamily="49" charset="-122"/>
+              </a:rPr>
+              <a:t>单个位差错在一个单个位差错中，数据单元中仅有一位发生变化。突发性差错意味着在数据单元中有两位及两位以上的位发生变化。注意：突发性差错的差错并不意味在连续位上出现。突发性差错的长度从第一个差错位到最后一个差错位的长度计算。冗余为了检错或纠正差错，我们需要发送除了数据外的额外（冗余）位。</a:t>
+            </a:r>
+            <a:endParaRPr lang="en-US" altLang="zh-CN" dirty="0">
+              <a:latin typeface="楷体" panose="02010609060101010101" pitchFamily="49" charset="-122"/>
+              <a:ea typeface="楷体" panose="02010609060101010101" pitchFamily="49" charset="-122"/>
+            </a:endParaRPr>
+          </a:p>
+          <a:p>
+            <a:pPr marL="228600" marR="0" lvl="0" indent="-228600" algn="l" defTabSz="914400" rtl="0" eaLnBrk="1" fontAlgn="auto" latinLnBrk="0" hangingPunct="1">
+              <a:lnSpc>
+                <a:spcPct val="100000"/>
+              </a:lnSpc>
+              <a:spcBef>
+                <a:spcPts val="0"/>
+              </a:spcBef>
+              <a:spcAft>
+                <a:spcPts val="0"/>
+              </a:spcAft>
+              <a:buClr>
+                <a:srgbClr val="000000"/>
+              </a:buClr>
+              <a:buSzPts val="1100"/>
+              <a:buFont typeface="Arial"/>
+              <a:buAutoNum type="arabicPeriod"/>
+              <a:tabLst/>
+              <a:defRPr/>
+            </a:pPr>
+            <a:r>
+              <a:rPr lang="zh-CN" altLang="en-US" dirty="0">
+                <a:latin typeface="楷体" panose="02010609060101010101" pitchFamily="49" charset="-122"/>
+                <a:ea typeface="楷体" panose="02010609060101010101" pitchFamily="49" charset="-122"/>
+              </a:rPr>
+              <a:t>单比特检错：</a:t>
+            </a:r>
+            <a:r>
+              <a:rPr lang="en-US" altLang="zh-CN" dirty="0">
+                <a:latin typeface="楷体" panose="02010609060101010101" pitchFamily="49" charset="-122"/>
+                <a:ea typeface="楷体" panose="02010609060101010101" pitchFamily="49" charset="-122"/>
+              </a:rPr>
+              <a:t>00</a:t>
+            </a:r>
+            <a:r>
+              <a:rPr lang="zh-CN" altLang="en-US" dirty="0">
+                <a:latin typeface="楷体" panose="02010609060101010101" pitchFamily="49" charset="-122"/>
+                <a:ea typeface="楷体" panose="02010609060101010101" pitchFamily="49" charset="-122"/>
+              </a:rPr>
+              <a:t>和</a:t>
+            </a:r>
+            <a:r>
+              <a:rPr lang="en-US" altLang="zh-CN" dirty="0">
+                <a:latin typeface="楷体" panose="02010609060101010101" pitchFamily="49" charset="-122"/>
+                <a:ea typeface="楷体" panose="02010609060101010101" pitchFamily="49" charset="-122"/>
+              </a:rPr>
+              <a:t>11</a:t>
+            </a:r>
+            <a:r>
+              <a:rPr lang="zh-CN" altLang="en-US" dirty="0">
+                <a:latin typeface="楷体" panose="02010609060101010101" pitchFamily="49" charset="-122"/>
+                <a:ea typeface="楷体" panose="02010609060101010101" pitchFamily="49" charset="-122"/>
+              </a:rPr>
+              <a:t>，第一位是数据位，第二位是校验位。合法码字只有</a:t>
+            </a:r>
+            <a:r>
+              <a:rPr lang="en-US" altLang="zh-CN" dirty="0">
+                <a:latin typeface="楷体" panose="02010609060101010101" pitchFamily="49" charset="-122"/>
+                <a:ea typeface="楷体" panose="02010609060101010101" pitchFamily="49" charset="-122"/>
+              </a:rPr>
+              <a:t>00</a:t>
+            </a:r>
+            <a:r>
+              <a:rPr lang="zh-CN" altLang="en-US" dirty="0">
+                <a:latin typeface="楷体" panose="02010609060101010101" pitchFamily="49" charset="-122"/>
+                <a:ea typeface="楷体" panose="02010609060101010101" pitchFamily="49" charset="-122"/>
+              </a:rPr>
+              <a:t>和</a:t>
+            </a:r>
+            <a:r>
+              <a:rPr lang="en-US" altLang="zh-CN" dirty="0">
+                <a:latin typeface="楷体" panose="02010609060101010101" pitchFamily="49" charset="-122"/>
+                <a:ea typeface="楷体" panose="02010609060101010101" pitchFamily="49" charset="-122"/>
+              </a:rPr>
+              <a:t>11</a:t>
+            </a:r>
+            <a:r>
+              <a:rPr lang="zh-CN" altLang="en-US" dirty="0">
+                <a:latin typeface="楷体" panose="02010609060101010101" pitchFamily="49" charset="-122"/>
+                <a:ea typeface="楷体" panose="02010609060101010101" pitchFamily="49" charset="-122"/>
+              </a:rPr>
+              <a:t>，当</a:t>
+            </a:r>
+            <a:r>
+              <a:rPr lang="en-US" altLang="zh-CN" dirty="0">
+                <a:latin typeface="楷体" panose="02010609060101010101" pitchFamily="49" charset="-122"/>
+                <a:ea typeface="楷体" panose="02010609060101010101" pitchFamily="49" charset="-122"/>
+              </a:rPr>
+              <a:t>α</a:t>
+            </a:r>
+            <a:r>
+              <a:rPr lang="zh-CN" altLang="en-US" dirty="0">
+                <a:latin typeface="楷体" panose="02010609060101010101" pitchFamily="49" charset="-122"/>
+                <a:ea typeface="楷体" panose="02010609060101010101" pitchFamily="49" charset="-122"/>
+              </a:rPr>
+              <a:t>粒子轰击造成翻转，出现</a:t>
+            </a:r>
+            <a:r>
+              <a:rPr lang="en-US" altLang="zh-CN" dirty="0">
+                <a:latin typeface="楷体" panose="02010609060101010101" pitchFamily="49" charset="-122"/>
+                <a:ea typeface="楷体" panose="02010609060101010101" pitchFamily="49" charset="-122"/>
+              </a:rPr>
+              <a:t>01</a:t>
+            </a:r>
+            <a:r>
+              <a:rPr lang="zh-CN" altLang="en-US" dirty="0">
+                <a:latin typeface="楷体" panose="02010609060101010101" pitchFamily="49" charset="-122"/>
+                <a:ea typeface="楷体" panose="02010609060101010101" pitchFamily="49" charset="-122"/>
+              </a:rPr>
+              <a:t>或</a:t>
+            </a:r>
+            <a:r>
+              <a:rPr lang="en-US" altLang="zh-CN" dirty="0">
+                <a:latin typeface="楷体" panose="02010609060101010101" pitchFamily="49" charset="-122"/>
+                <a:ea typeface="楷体" panose="02010609060101010101" pitchFamily="49" charset="-122"/>
+              </a:rPr>
+              <a:t>10</a:t>
+            </a:r>
+            <a:r>
+              <a:rPr lang="zh-CN" altLang="en-US" dirty="0">
+                <a:latin typeface="楷体" panose="02010609060101010101" pitchFamily="49" charset="-122"/>
+                <a:ea typeface="楷体" panose="02010609060101010101" pitchFamily="49" charset="-122"/>
+              </a:rPr>
+              <a:t>，就说明数据出错，但只能检错，并不能知道是</a:t>
+            </a:r>
+            <a:r>
+              <a:rPr lang="en-US" altLang="zh-CN" dirty="0">
+                <a:latin typeface="楷体" panose="02010609060101010101" pitchFamily="49" charset="-122"/>
+                <a:ea typeface="楷体" panose="02010609060101010101" pitchFamily="49" charset="-122"/>
+              </a:rPr>
+              <a:t>00</a:t>
+            </a:r>
+            <a:r>
+              <a:rPr lang="zh-CN" altLang="en-US" dirty="0">
+                <a:latin typeface="楷体" panose="02010609060101010101" pitchFamily="49" charset="-122"/>
+                <a:ea typeface="楷体" panose="02010609060101010101" pitchFamily="49" charset="-122"/>
+              </a:rPr>
+              <a:t>变成</a:t>
+            </a:r>
+            <a:r>
+              <a:rPr lang="en-US" altLang="zh-CN" dirty="0">
+                <a:latin typeface="楷体" panose="02010609060101010101" pitchFamily="49" charset="-122"/>
+                <a:ea typeface="楷体" panose="02010609060101010101" pitchFamily="49" charset="-122"/>
+              </a:rPr>
+              <a:t>01</a:t>
+            </a:r>
+            <a:r>
+              <a:rPr lang="zh-CN" altLang="en-US" dirty="0">
+                <a:latin typeface="楷体" panose="02010609060101010101" pitchFamily="49" charset="-122"/>
+                <a:ea typeface="楷体" panose="02010609060101010101" pitchFamily="49" charset="-122"/>
+              </a:rPr>
+              <a:t>还是</a:t>
+            </a:r>
+            <a:r>
+              <a:rPr lang="en-US" altLang="zh-CN" dirty="0">
+                <a:latin typeface="楷体" panose="02010609060101010101" pitchFamily="49" charset="-122"/>
+                <a:ea typeface="楷体" panose="02010609060101010101" pitchFamily="49" charset="-122"/>
+              </a:rPr>
+              <a:t>11</a:t>
+            </a:r>
+            <a:r>
+              <a:rPr lang="zh-CN" altLang="en-US" dirty="0">
+                <a:latin typeface="楷体" panose="02010609060101010101" pitchFamily="49" charset="-122"/>
+                <a:ea typeface="楷体" panose="02010609060101010101" pitchFamily="49" charset="-122"/>
+              </a:rPr>
+              <a:t>变成</a:t>
+            </a:r>
+            <a:r>
+              <a:rPr lang="en-US" altLang="zh-CN" dirty="0">
+                <a:latin typeface="楷体" panose="02010609060101010101" pitchFamily="49" charset="-122"/>
+                <a:ea typeface="楷体" panose="02010609060101010101" pitchFamily="49" charset="-122"/>
+              </a:rPr>
+              <a:t>01</a:t>
+            </a:r>
+            <a:r>
+              <a:rPr lang="zh-CN" altLang="en-US" dirty="0">
+                <a:latin typeface="楷体" panose="02010609060101010101" pitchFamily="49" charset="-122"/>
+                <a:ea typeface="楷体" panose="02010609060101010101" pitchFamily="49" charset="-122"/>
+              </a:rPr>
+              <a:t>。</a:t>
+            </a:r>
+            <a:endParaRPr lang="en-US" altLang="zh-CN" dirty="0">
+              <a:latin typeface="楷体" panose="02010609060101010101" pitchFamily="49" charset="-122"/>
+              <a:ea typeface="楷体" panose="02010609060101010101" pitchFamily="49" charset="-122"/>
+            </a:endParaRPr>
+          </a:p>
+          <a:p>
+            <a:pPr marL="228600" marR="0" lvl="0" indent="-228600" algn="l" defTabSz="914400" rtl="0" eaLnBrk="1" fontAlgn="auto" latinLnBrk="0" hangingPunct="1">
+              <a:lnSpc>
+                <a:spcPct val="100000"/>
+              </a:lnSpc>
+              <a:spcBef>
+                <a:spcPts val="0"/>
+              </a:spcBef>
+              <a:spcAft>
+                <a:spcPts val="0"/>
+              </a:spcAft>
+              <a:buClr>
+                <a:srgbClr val="000000"/>
+              </a:buClr>
+              <a:buSzPts val="1100"/>
+              <a:buFont typeface="Arial"/>
+              <a:buAutoNum type="arabicPeriod"/>
+              <a:tabLst/>
+              <a:defRPr/>
+            </a:pPr>
+            <a:r>
+              <a:rPr lang="zh-CN" altLang="en-US" dirty="0">
+                <a:latin typeface="楷体" panose="02010609060101010101" pitchFamily="49" charset="-122"/>
+                <a:ea typeface="楷体" panose="02010609060101010101" pitchFamily="49" charset="-122"/>
+              </a:rPr>
+              <a:t>单比特纠错：</a:t>
+            </a:r>
+            <a:r>
+              <a:rPr lang="en-US" altLang="zh-CN" dirty="0">
+                <a:latin typeface="楷体" panose="02010609060101010101" pitchFamily="49" charset="-122"/>
+                <a:ea typeface="楷体" panose="02010609060101010101" pitchFamily="49" charset="-122"/>
+              </a:rPr>
+              <a:t>001</a:t>
+            </a:r>
+            <a:r>
+              <a:rPr lang="zh-CN" altLang="en-US" dirty="0">
+                <a:latin typeface="楷体" panose="02010609060101010101" pitchFamily="49" charset="-122"/>
+                <a:ea typeface="楷体" panose="02010609060101010101" pitchFamily="49" charset="-122"/>
+              </a:rPr>
+              <a:t>和</a:t>
+            </a:r>
+            <a:r>
+              <a:rPr lang="en-US" altLang="zh-CN" dirty="0">
+                <a:latin typeface="楷体" panose="02010609060101010101" pitchFamily="49" charset="-122"/>
+                <a:ea typeface="楷体" panose="02010609060101010101" pitchFamily="49" charset="-122"/>
+              </a:rPr>
+              <a:t>110</a:t>
+            </a:r>
+            <a:r>
+              <a:rPr lang="zh-CN" altLang="en-US" dirty="0">
+                <a:latin typeface="楷体" panose="02010609060101010101" pitchFamily="49" charset="-122"/>
+                <a:ea typeface="楷体" panose="02010609060101010101" pitchFamily="49" charset="-122"/>
+              </a:rPr>
+              <a:t>。如果变成了</a:t>
+            </a:r>
+            <a:r>
+              <a:rPr lang="en-US" altLang="zh-CN" dirty="0">
+                <a:latin typeface="楷体" panose="02010609060101010101" pitchFamily="49" charset="-122"/>
+                <a:ea typeface="楷体" panose="02010609060101010101" pitchFamily="49" charset="-122"/>
+              </a:rPr>
+              <a:t>101</a:t>
+            </a:r>
+            <a:r>
+              <a:rPr lang="zh-CN" altLang="en-US" dirty="0">
+                <a:latin typeface="楷体" panose="02010609060101010101" pitchFamily="49" charset="-122"/>
+                <a:ea typeface="楷体" panose="02010609060101010101" pitchFamily="49" charset="-122"/>
+              </a:rPr>
+              <a:t>，数据位被击中</a:t>
+            </a:r>
+          </a:p>
+          <a:p>
+            <a:pPr marL="228600" marR="0" lvl="0" indent="-228600" algn="l" defTabSz="914400" rtl="0" eaLnBrk="1" fontAlgn="auto" latinLnBrk="0" hangingPunct="1">
+              <a:lnSpc>
+                <a:spcPct val="100000"/>
+              </a:lnSpc>
+              <a:spcBef>
+                <a:spcPts val="0"/>
+              </a:spcBef>
+              <a:spcAft>
+                <a:spcPts val="0"/>
+              </a:spcAft>
+              <a:buClr>
+                <a:srgbClr val="000000"/>
+              </a:buClr>
+              <a:buSzPts val="1100"/>
+              <a:buFont typeface="Arial"/>
+              <a:buAutoNum type="arabicPeriod"/>
+              <a:tabLst/>
+              <a:defRPr/>
+            </a:pPr>
             <a:endParaRPr lang="en-US" altLang="zh-CN" dirty="0">
               <a:latin typeface="楷体" panose="02010609060101010101" pitchFamily="49" charset="-122"/>
               <a:ea typeface="楷体" panose="02010609060101010101" pitchFamily="49" charset="-122"/>
@@ -4248,7 +6236,7 @@
     </p:spTree>
     <p:extLst>
       <p:ext uri="{BB962C8B-B14F-4D97-AF65-F5344CB8AC3E}">
-        <p14:creationId xmlns:p14="http://schemas.microsoft.com/office/powerpoint/2010/main" val="3808794101"/>
+        <p14:creationId xmlns:p14="http://schemas.microsoft.com/office/powerpoint/2010/main" val="4260532835"/>
       </p:ext>
     </p:extLst>
   </p:cSld>
@@ -4263,7 +6251,7 @@
   <p:cSld>
     <p:spTree>
       <p:nvGrpSpPr>
-        <p:cNvPr id="1" name="Shape 81"/>
+        <p:cNvPr id="1" name="Shape 101"/>
         <p:cNvGrpSpPr/>
         <p:nvPr/>
       </p:nvGrpSpPr>
@@ -4277,7 +6265,7 @@
       </p:grpSpPr>
       <p:sp>
         <p:nvSpPr>
-          <p:cNvPr id="82" name="Google Shape;82;p:notes"/>
+          <p:cNvPr id="102" name="Google Shape;102;g46f3085334_0_92:notes"/>
           <p:cNvSpPr>
             <a:spLocks noGrp="1" noRot="1" noChangeAspect="1"/>
           </p:cNvSpPr>
@@ -4318,7 +6306,7 @@
       </p:sp>
       <p:sp>
         <p:nvSpPr>
-          <p:cNvPr id="83" name="Google Shape;83;p:notes"/>
+          <p:cNvPr id="103" name="Google Shape;103;g46f3085334_0_92:notes"/>
           <p:cNvSpPr txBox="1">
             <a:spLocks noGrp="1"/>
           </p:cNvSpPr>
@@ -4341,23 +6329,137 @@
           </a:bodyPr>
           <a:lstStyle/>
           <a:p>
-            <a:pPr marL="0" lvl="0" indent="0" algn="l" rtl="0">
-              <a:spcBef>
-                <a:spcPts val="0"/>
-              </a:spcBef>
-              <a:spcAft>
-                <a:spcPts val="0"/>
-              </a:spcAft>
-              <a:buNone/>
-            </a:pPr>
-            <a:endParaRPr/>
+            <a:pPr marL="228600" marR="0" lvl="0" indent="-228600" algn="l" defTabSz="914400" rtl="0" eaLnBrk="1" fontAlgn="auto" latinLnBrk="0" hangingPunct="1">
+              <a:lnSpc>
+                <a:spcPct val="100000"/>
+              </a:lnSpc>
+              <a:spcBef>
+                <a:spcPts val="0"/>
+              </a:spcBef>
+              <a:spcAft>
+                <a:spcPts val="0"/>
+              </a:spcAft>
+              <a:buClr>
+                <a:srgbClr val="000000"/>
+              </a:buClr>
+              <a:buSzPts val="1100"/>
+              <a:buFont typeface="Arial"/>
+              <a:buAutoNum type="arabicPeriod"/>
+              <a:tabLst/>
+              <a:defRPr/>
+            </a:pPr>
+            <a:r>
+              <a:rPr lang="zh-CN" altLang="en-US" dirty="0">
+                <a:latin typeface="楷体" panose="02010609060101010101" pitchFamily="49" charset="-122"/>
+                <a:ea typeface="楷体" panose="02010609060101010101" pitchFamily="49" charset="-122"/>
+              </a:rPr>
+              <a:t>简单奇偶校验码编码是</a:t>
+            </a:r>
+            <a:r>
+              <a:rPr lang="en-US" altLang="zh-CN" dirty="0">
+                <a:latin typeface="楷体" panose="02010609060101010101" pitchFamily="49" charset="-122"/>
+                <a:ea typeface="楷体" panose="02010609060101010101" pitchFamily="49" charset="-122"/>
+              </a:rPr>
+              <a:t>n=k+1</a:t>
+            </a:r>
+            <a:r>
+              <a:rPr lang="zh-CN" altLang="en-US" dirty="0">
+                <a:latin typeface="楷体" panose="02010609060101010101" pitchFamily="49" charset="-122"/>
+                <a:ea typeface="楷体" panose="02010609060101010101" pitchFamily="49" charset="-122"/>
+              </a:rPr>
+              <a:t>、</a:t>
+            </a:r>
+            <a:r>
+              <a:rPr lang="en-US" altLang="zh-CN" dirty="0">
+                <a:latin typeface="楷体" panose="02010609060101010101" pitchFamily="49" charset="-122"/>
+                <a:ea typeface="楷体" panose="02010609060101010101" pitchFamily="49" charset="-122"/>
+              </a:rPr>
+              <a:t>d m </a:t>
+            </a:r>
+            <a:r>
+              <a:rPr lang="en-US" altLang="zh-CN" dirty="0" err="1">
+                <a:latin typeface="楷体" panose="02010609060101010101" pitchFamily="49" charset="-122"/>
+                <a:ea typeface="楷体" panose="02010609060101010101" pitchFamily="49" charset="-122"/>
+              </a:rPr>
+              <a:t>i</a:t>
+            </a:r>
+            <a:r>
+              <a:rPr lang="en-US" altLang="zh-CN" dirty="0">
+                <a:latin typeface="楷体" panose="02010609060101010101" pitchFamily="49" charset="-122"/>
+                <a:ea typeface="楷体" panose="02010609060101010101" pitchFamily="49" charset="-122"/>
+              </a:rPr>
+              <a:t> n = 2 d_{min}=2d min​ =2</a:t>
+            </a:r>
+            <a:r>
+              <a:rPr lang="zh-CN" altLang="en-US" dirty="0">
+                <a:latin typeface="楷体" panose="02010609060101010101" pitchFamily="49" charset="-122"/>
+                <a:ea typeface="楷体" panose="02010609060101010101" pitchFamily="49" charset="-122"/>
+              </a:rPr>
+              <a:t>的单个位检错码。在发送方：</a:t>
+            </a:r>
+            <a:r>
+              <a:rPr lang="en-US" altLang="zh-CN" dirty="0">
+                <a:latin typeface="楷体" panose="02010609060101010101" pitchFamily="49" charset="-122"/>
+                <a:ea typeface="楷体" panose="02010609060101010101" pitchFamily="49" charset="-122"/>
+              </a:rPr>
+              <a:t>1</a:t>
+            </a:r>
+            <a:r>
+              <a:rPr lang="zh-CN" altLang="en-US" dirty="0">
+                <a:latin typeface="楷体" panose="02010609060101010101" pitchFamily="49" charset="-122"/>
+                <a:ea typeface="楷体" panose="02010609060101010101" pitchFamily="49" charset="-122"/>
+              </a:rPr>
+              <a:t>的个数是偶数个则为</a:t>
+            </a:r>
+            <a:r>
+              <a:rPr lang="en-US" altLang="zh-CN" dirty="0">
+                <a:latin typeface="楷体" panose="02010609060101010101" pitchFamily="49" charset="-122"/>
+                <a:ea typeface="楷体" panose="02010609060101010101" pitchFamily="49" charset="-122"/>
+              </a:rPr>
+              <a:t>0</a:t>
+            </a:r>
+            <a:r>
+              <a:rPr lang="zh-CN" altLang="en-US" dirty="0">
+                <a:latin typeface="楷体" panose="02010609060101010101" pitchFamily="49" charset="-122"/>
+                <a:ea typeface="楷体" panose="02010609060101010101" pitchFamily="49" charset="-122"/>
+              </a:rPr>
+              <a:t>，否则为</a:t>
+            </a:r>
+            <a:r>
+              <a:rPr lang="en-US" altLang="zh-CN" dirty="0">
+                <a:latin typeface="楷体" panose="02010609060101010101" pitchFamily="49" charset="-122"/>
+                <a:ea typeface="楷体" panose="02010609060101010101" pitchFamily="49" charset="-122"/>
+              </a:rPr>
+              <a:t>1</a:t>
+            </a:r>
+            <a:r>
+              <a:rPr lang="zh-CN" altLang="en-US" dirty="0">
+                <a:latin typeface="楷体" panose="02010609060101010101" pitchFamily="49" charset="-122"/>
+                <a:ea typeface="楷体" panose="02010609060101010101" pitchFamily="49" charset="-122"/>
+              </a:rPr>
+              <a:t>。在接收方：</a:t>
+            </a:r>
+            <a:r>
+              <a:rPr lang="en-US" altLang="zh-CN" dirty="0">
+                <a:latin typeface="楷体" panose="02010609060101010101" pitchFamily="49" charset="-122"/>
+                <a:ea typeface="楷体" panose="02010609060101010101" pitchFamily="49" charset="-122"/>
+              </a:rPr>
+              <a:t>1</a:t>
+            </a:r>
+            <a:r>
+              <a:rPr lang="zh-CN" altLang="en-US" dirty="0">
+                <a:latin typeface="楷体" panose="02010609060101010101" pitchFamily="49" charset="-122"/>
+                <a:ea typeface="楷体" panose="02010609060101010101" pitchFamily="49" charset="-122"/>
+              </a:rPr>
+              <a:t>的个数是偶数个则接收，否则丢弃</a:t>
+            </a:r>
           </a:p>
         </p:txBody>
       </p:sp>
     </p:spTree>
     <p:extLst>
       <p:ext uri="{BB962C8B-B14F-4D97-AF65-F5344CB8AC3E}">
-        <p14:creationId xmlns:p14="http://schemas.microsoft.com/office/powerpoint/2010/main" val="2353050568"/>
+        <p14:creationId xmlns:p14="http://schemas.microsoft.com/office/powerpoint/2010/main" val="2116581055"/>
       </p:ext>
     </p:extLst>
   </p:cSld>
@@ -10283,7 +12385,7 @@
                 <a:latin typeface="楷体" panose="02010609060101010101" pitchFamily="49" charset="-122"/>
                 <a:ea typeface="楷体" panose="02010609060101010101" pitchFamily="49" charset="-122"/>
               </a:rPr>
-              <a:t>检错方案：</a:t>
+              <a:t>交错奇偶校验：</a:t>
             </a:r>
             <a:endParaRPr lang="en-US" altLang="zh-CN" dirty="0">
               <a:latin typeface="楷体" panose="02010609060101010101" pitchFamily="49" charset="-122"/>
@@ -10306,7 +12408,7 @@
                 <a:latin typeface="楷体" panose="02010609060101010101" pitchFamily="49" charset="-122"/>
                 <a:ea typeface="楷体" panose="02010609060101010101" pitchFamily="49" charset="-122"/>
               </a:rPr>
-              <a:t>冗余校验位添加到一组数据位，从而可以通过检查校验位来检测或纠正错误。减少错误代码中使用的校验位的数量对于减少错误检测和纠正的开销通常很重要。</a:t>
+              <a:t>交错的奇偶校验可以检测空间上连续的多位故障</a:t>
             </a:r>
             <a:endParaRPr lang="en-US" altLang="zh-CN" dirty="0">
               <a:latin typeface="楷体" panose="02010609060101010101" pitchFamily="49" charset="-122"/>
@@ -10314,22 +12416,36 @@
             </a:endParaRPr>
           </a:p>
           <a:p>
-            <a:pPr marL="457200" lvl="0" indent="-342900" algn="l" rtl="0">
-              <a:spcBef>
-                <a:spcPts val="0"/>
-              </a:spcBef>
-              <a:spcAft>
-                <a:spcPts val="0"/>
-              </a:spcAft>
-              <a:buSzPts val="1800"/>
-              <a:buChar char="●"/>
-            </a:pPr>
-            <a:r>
-              <a:rPr lang="zh-CN" altLang="en-US" dirty="0">
-                <a:latin typeface="楷体" panose="02010609060101010101" pitchFamily="49" charset="-122"/>
-                <a:ea typeface="楷体" panose="02010609060101010101" pitchFamily="49" charset="-122"/>
-              </a:rPr>
-              <a:t>块编码：</a:t>
+            <a:pPr marL="914400" lvl="1" indent="-317500" algn="l" rtl="0">
+              <a:spcBef>
+                <a:spcPts val="0"/>
+              </a:spcBef>
+              <a:spcAft>
+                <a:spcPts val="0"/>
+              </a:spcAft>
+              <a:buSzPts val="1400"/>
+              <a:buChar char="○"/>
+            </a:pPr>
+            <a:r>
+              <a:rPr lang="zh-CN" altLang="en-US" dirty="0">
+                <a:latin typeface="楷体" panose="02010609060101010101" pitchFamily="49" charset="-122"/>
+                <a:ea typeface="楷体" panose="02010609060101010101" pitchFamily="49" charset="-122"/>
+              </a:rPr>
+              <a:t>如果</a:t>
+            </a:r>
+            <a:r>
+              <a:rPr lang="en-US" altLang="zh-CN" dirty="0">
+                <a:latin typeface="楷体" panose="02010609060101010101" pitchFamily="49" charset="-122"/>
+                <a:ea typeface="楷体" panose="02010609060101010101" pitchFamily="49" charset="-122"/>
+              </a:rPr>
+              <a:t>α</a:t>
+            </a:r>
+            <a:r>
+              <a:rPr lang="zh-CN" altLang="en-US" dirty="0">
+                <a:latin typeface="楷体" panose="02010609060101010101" pitchFamily="49" charset="-122"/>
+                <a:ea typeface="楷体" panose="02010609060101010101" pitchFamily="49" charset="-122"/>
+              </a:rPr>
+              <a:t>粒子或中子撞击破坏了两个连续位，那么</a:t>
             </a:r>
             <a:endParaRPr lang="en-US" altLang="zh-CN" dirty="0">
               <a:latin typeface="楷体" panose="02010609060101010101" pitchFamily="49" charset="-122"/>
@@ -10337,7 +12453,7 @@
             </a:endParaRPr>
           </a:p>
           <a:p>
-            <a:pPr marL="914400" lvl="1" indent="-317500" algn="l" rtl="0">
+            <a:pPr marL="596900" lvl="1" indent="0" algn="l" rtl="0">
               <a:spcBef>
                 <a:spcPts val="0"/>
               </a:spcBef>
@@ -10345,189 +12461,35 @@
                 <a:spcPts val="0"/>
               </a:spcAft>
               <a:buSzPts val="1400"/>
-              <a:buChar char="○"/>
-            </a:pPr>
-            <a:r>
-              <a:rPr lang="zh-CN" altLang="en-US" dirty="0">
-                <a:latin typeface="楷体" panose="02010609060101010101" pitchFamily="49" charset="-122"/>
-                <a:ea typeface="楷体" panose="02010609060101010101" pitchFamily="49" charset="-122"/>
-              </a:rPr>
-              <a:t>每个块有</a:t>
-            </a:r>
-            <a:r>
-              <a:rPr lang="en-US" altLang="zh-CN" dirty="0">
-                <a:latin typeface="楷体" panose="02010609060101010101" pitchFamily="49" charset="-122"/>
-                <a:ea typeface="楷体" panose="02010609060101010101" pitchFamily="49" charset="-122"/>
-              </a:rPr>
-              <a:t>k</a:t>
-            </a:r>
-            <a:r>
-              <a:rPr lang="zh-CN" altLang="en-US" dirty="0">
-                <a:latin typeface="楷体" panose="02010609060101010101" pitchFamily="49" charset="-122"/>
-                <a:ea typeface="楷体" panose="02010609060101010101" pitchFamily="49" charset="-122"/>
-              </a:rPr>
-              <a:t>位，称为</a:t>
-            </a:r>
-            <a:r>
-              <a:rPr lang="zh-CN" altLang="en-US" b="1" dirty="0">
-                <a:latin typeface="楷体" panose="02010609060101010101" pitchFamily="49" charset="-122"/>
-                <a:ea typeface="楷体" panose="02010609060101010101" pitchFamily="49" charset="-122"/>
-              </a:rPr>
-              <a:t>数据字</a:t>
-            </a:r>
-            <a:r>
-              <a:rPr lang="zh-CN" altLang="en-US" dirty="0">
-                <a:latin typeface="楷体" panose="02010609060101010101" pitchFamily="49" charset="-122"/>
-                <a:ea typeface="楷体" panose="02010609060101010101" pitchFamily="49" charset="-122"/>
-              </a:rPr>
-              <a:t>。并在此基础上增加</a:t>
-            </a:r>
-            <a:r>
-              <a:rPr lang="en-US" altLang="zh-CN" dirty="0">
-                <a:latin typeface="楷体" panose="02010609060101010101" pitchFamily="49" charset="-122"/>
-                <a:ea typeface="楷体" panose="02010609060101010101" pitchFamily="49" charset="-122"/>
-              </a:rPr>
-              <a:t>r</a:t>
-            </a:r>
-            <a:r>
-              <a:rPr lang="zh-CN" altLang="en-US" dirty="0">
-                <a:latin typeface="楷体" panose="02010609060101010101" pitchFamily="49" charset="-122"/>
-                <a:ea typeface="楷体" panose="02010609060101010101" pitchFamily="49" charset="-122"/>
-              </a:rPr>
-              <a:t>位冗余位，使其构成</a:t>
-            </a:r>
-            <a:r>
-              <a:rPr lang="en-US" altLang="zh-CN" dirty="0">
-                <a:latin typeface="楷体" panose="02010609060101010101" pitchFamily="49" charset="-122"/>
-                <a:ea typeface="楷体" panose="02010609060101010101" pitchFamily="49" charset="-122"/>
-              </a:rPr>
-              <a:t>n=</a:t>
-            </a:r>
-            <a:r>
-              <a:rPr lang="en-US" altLang="zh-CN" dirty="0" err="1">
-                <a:latin typeface="楷体" panose="02010609060101010101" pitchFamily="49" charset="-122"/>
-                <a:ea typeface="楷体" panose="02010609060101010101" pitchFamily="49" charset="-122"/>
-              </a:rPr>
-              <a:t>k+r</a:t>
-            </a:r>
-            <a:r>
-              <a:rPr lang="zh-CN" altLang="en-US" dirty="0">
-                <a:latin typeface="楷体" panose="02010609060101010101" pitchFamily="49" charset="-122"/>
-                <a:ea typeface="楷体" panose="02010609060101010101" pitchFamily="49" charset="-122"/>
-              </a:rPr>
-              <a:t>位的</a:t>
-            </a:r>
-            <a:r>
-              <a:rPr lang="zh-CN" altLang="en-US" b="1" dirty="0">
-                <a:latin typeface="楷体" panose="02010609060101010101" pitchFamily="49" charset="-122"/>
-                <a:ea typeface="楷体" panose="02010609060101010101" pitchFamily="49" charset="-122"/>
-              </a:rPr>
-              <a:t>码字</a:t>
-            </a:r>
-            <a:endParaRPr lang="en-US" altLang="zh-CN" b="1" dirty="0">
-              <a:latin typeface="楷体" panose="02010609060101010101" pitchFamily="49" charset="-122"/>
-              <a:ea typeface="楷体" panose="02010609060101010101" pitchFamily="49" charset="-122"/>
-            </a:endParaRPr>
-          </a:p>
-          <a:p>
-            <a:pPr marL="914400" lvl="1" indent="-317500" algn="l" rtl="0">
-              <a:spcBef>
-                <a:spcPts val="0"/>
-              </a:spcBef>
-              <a:spcAft>
-                <a:spcPts val="0"/>
-              </a:spcAft>
-              <a:buSzPts val="1400"/>
-              <a:buChar char="○"/>
-            </a:pPr>
-            <a:r>
-              <a:rPr lang="en-US" altLang="zh-CN" dirty="0">
-                <a:latin typeface="楷体" panose="02010609060101010101" pitchFamily="49" charset="-122"/>
-                <a:ea typeface="楷体" panose="02010609060101010101" pitchFamily="49" charset="-122"/>
-              </a:rPr>
-              <a:t>k</a:t>
-            </a:r>
-            <a:r>
-              <a:rPr lang="zh-CN" altLang="en-US" dirty="0">
-                <a:latin typeface="楷体" panose="02010609060101010101" pitchFamily="49" charset="-122"/>
-                <a:ea typeface="楷体" panose="02010609060101010101" pitchFamily="49" charset="-122"/>
-              </a:rPr>
-              <a:t>位数据字共有</a:t>
-            </a:r>
-            <a:r>
-              <a:rPr lang="en-US" altLang="zh-CN" dirty="0">
-                <a:latin typeface="楷体" panose="02010609060101010101" pitchFamily="49" charset="-122"/>
-                <a:ea typeface="楷体" panose="02010609060101010101" pitchFamily="49" charset="-122"/>
-              </a:rPr>
-              <a:t>2^k</a:t>
-            </a:r>
-            <a:r>
-              <a:rPr lang="zh-CN" altLang="en-US" dirty="0">
-                <a:latin typeface="楷体" panose="02010609060101010101" pitchFamily="49" charset="-122"/>
-                <a:ea typeface="楷体" panose="02010609060101010101" pitchFamily="49" charset="-122"/>
-              </a:rPr>
-              <a:t>种组合，</a:t>
-            </a:r>
-            <a:r>
-              <a:rPr lang="en-US" altLang="zh-CN" dirty="0">
-                <a:latin typeface="楷体" panose="02010609060101010101" pitchFamily="49" charset="-122"/>
-                <a:ea typeface="楷体" panose="02010609060101010101" pitchFamily="49" charset="-122"/>
-              </a:rPr>
-              <a:t>n</a:t>
-            </a:r>
-            <a:r>
-              <a:rPr lang="zh-CN" altLang="en-US" dirty="0">
-                <a:latin typeface="楷体" panose="02010609060101010101" pitchFamily="49" charset="-122"/>
-                <a:ea typeface="楷体" panose="02010609060101010101" pitchFamily="49" charset="-122"/>
-              </a:rPr>
-              <a:t>位码字共有</a:t>
-            </a:r>
-            <a:r>
-              <a:rPr lang="en-US" altLang="zh-CN" dirty="0">
-                <a:latin typeface="楷体" panose="02010609060101010101" pitchFamily="49" charset="-122"/>
-                <a:ea typeface="楷体" panose="02010609060101010101" pitchFamily="49" charset="-122"/>
-              </a:rPr>
-              <a:t>2^n</a:t>
-            </a:r>
-            <a:r>
-              <a:rPr lang="zh-CN" altLang="en-US" dirty="0">
-                <a:latin typeface="楷体" panose="02010609060101010101" pitchFamily="49" charset="-122"/>
-                <a:ea typeface="楷体" panose="02010609060101010101" pitchFamily="49" charset="-122"/>
-              </a:rPr>
-              <a:t>种组合。那么这就意味着有</a:t>
-            </a:r>
-            <a:r>
-              <a:rPr lang="en-US" altLang="zh-CN" dirty="0">
-                <a:latin typeface="楷体" panose="02010609060101010101" pitchFamily="49" charset="-122"/>
-                <a:ea typeface="楷体" panose="02010609060101010101" pitchFamily="49" charset="-122"/>
-              </a:rPr>
-              <a:t>2^n−2^k</a:t>
-            </a:r>
-            <a:r>
-              <a:rPr lang="zh-CN" altLang="en-US" dirty="0">
-                <a:latin typeface="楷体" panose="02010609060101010101" pitchFamily="49" charset="-122"/>
-                <a:ea typeface="楷体" panose="02010609060101010101" pitchFamily="49" charset="-122"/>
-              </a:rPr>
-              <a:t>个码字承载的数据字是无用的。这些码字为无效或非法码。</a:t>
-            </a:r>
-          </a:p>
-          <a:p>
-            <a:pPr marL="457200" lvl="0" indent="-342900" algn="l" rtl="0">
-              <a:spcBef>
-                <a:spcPts val="0"/>
-              </a:spcBef>
-              <a:spcAft>
-                <a:spcPts val="0"/>
-              </a:spcAft>
-              <a:buSzPts val="1800"/>
-              <a:buChar char="●"/>
-            </a:pPr>
-            <a:r>
-              <a:rPr lang="zh-CN" altLang="en-US" dirty="0">
-                <a:latin typeface="楷体" panose="02010609060101010101" pitchFamily="49" charset="-122"/>
-                <a:ea typeface="楷体" panose="02010609060101010101" pitchFamily="49" charset="-122"/>
-              </a:rPr>
-              <a:t>单比特检错纠错简单示例：</a:t>
+              <a:buNone/>
+            </a:pPr>
+            <a:r>
+              <a:rPr lang="en-US" altLang="zh-CN" dirty="0">
+                <a:latin typeface="楷体" panose="02010609060101010101" pitchFamily="49" charset="-122"/>
+                <a:ea typeface="楷体" panose="02010609060101010101" pitchFamily="49" charset="-122"/>
+              </a:rPr>
+              <a:t>    Code Word 1</a:t>
+            </a:r>
+            <a:r>
+              <a:rPr lang="zh-CN" altLang="en-US" dirty="0">
+                <a:latin typeface="楷体" panose="02010609060101010101" pitchFamily="49" charset="-122"/>
+                <a:ea typeface="楷体" panose="02010609060101010101" pitchFamily="49" charset="-122"/>
+              </a:rPr>
+              <a:t>和</a:t>
+            </a:r>
+            <a:r>
+              <a:rPr lang="en-US" altLang="zh-CN" dirty="0">
+                <a:latin typeface="楷体" panose="02010609060101010101" pitchFamily="49" charset="-122"/>
+                <a:ea typeface="楷体" panose="02010609060101010101" pitchFamily="49" charset="-122"/>
+              </a:rPr>
+              <a:t>Code Word 2</a:t>
+            </a:r>
+            <a:r>
+              <a:rPr lang="zh-CN" altLang="en-US" dirty="0">
+                <a:latin typeface="楷体" panose="02010609060101010101" pitchFamily="49" charset="-122"/>
+                <a:ea typeface="楷体" panose="02010609060101010101" pitchFamily="49" charset="-122"/>
+              </a:rPr>
+              <a:t>均检测到错误。</a:t>
             </a:r>
             <a:endParaRPr lang="en-US" altLang="zh-CN" dirty="0">
               <a:latin typeface="楷体" panose="02010609060101010101" pitchFamily="49" charset="-122"/>
@@ -10535,7 +12497,7 @@
             </a:endParaRPr>
           </a:p>
           <a:p>
-            <a:pPr marL="914400" lvl="1" indent="-317500" algn="l" rtl="0">
+            <a:pPr marL="596900" lvl="1" indent="0" algn="l" rtl="0">
               <a:spcBef>
                 <a:spcPts val="0"/>
               </a:spcBef>
@@ -10543,91 +12505,44 @@
                 <a:spcPts val="0"/>
               </a:spcAft>
               <a:buSzPts val="1400"/>
-              <a:buChar char="○"/>
-            </a:pPr>
-            <a:r>
-              <a:rPr lang="zh-CN" altLang="en-US" dirty="0">
-                <a:latin typeface="楷体" panose="02010609060101010101" pitchFamily="49" charset="-122"/>
-                <a:ea typeface="楷体" panose="02010609060101010101" pitchFamily="49" charset="-122"/>
-              </a:rPr>
-              <a:t>比如说对于单比特，增加一位冗余位作为校验位，构成</a:t>
-            </a:r>
-            <a:r>
-              <a:rPr lang="en-US" altLang="zh-CN" dirty="0">
-                <a:latin typeface="楷体" panose="02010609060101010101" pitchFamily="49" charset="-122"/>
-                <a:ea typeface="楷体" panose="02010609060101010101" pitchFamily="49" charset="-122"/>
-              </a:rPr>
-              <a:t>2=1+1</a:t>
-            </a:r>
-            <a:r>
-              <a:rPr lang="zh-CN" altLang="en-US" dirty="0">
-                <a:latin typeface="楷体" panose="02010609060101010101" pitchFamily="49" charset="-122"/>
-                <a:ea typeface="楷体" panose="02010609060101010101" pitchFamily="49" charset="-122"/>
-              </a:rPr>
-              <a:t>的码字  </a:t>
-            </a:r>
-            <a:r>
-              <a:rPr lang="en-US" altLang="zh-CN" b="1" dirty="0">
-                <a:latin typeface="楷体" panose="02010609060101010101" pitchFamily="49" charset="-122"/>
-                <a:ea typeface="楷体" panose="02010609060101010101" pitchFamily="49" charset="-122"/>
-              </a:rPr>
-              <a:t>00  11</a:t>
-            </a:r>
-          </a:p>
-          <a:p>
-            <a:pPr marL="914400" lvl="1" indent="-317500" algn="l" rtl="0">
-              <a:spcBef>
-                <a:spcPts val="0"/>
-              </a:spcBef>
-              <a:spcAft>
-                <a:spcPts val="0"/>
-              </a:spcAft>
-              <a:buSzPts val="1400"/>
-              <a:buChar char="○"/>
-            </a:pPr>
-            <a:r>
-              <a:rPr lang="zh-CN" altLang="en-US" dirty="0">
-                <a:latin typeface="楷体" panose="02010609060101010101" pitchFamily="49" charset="-122"/>
-                <a:ea typeface="楷体" panose="02010609060101010101" pitchFamily="49" charset="-122"/>
-              </a:rPr>
-              <a:t>但只能检错，不能纠错。</a:t>
-            </a:r>
+              <a:buNone/>
+            </a:pPr>
             <a:endParaRPr lang="en-US" altLang="zh-CN" dirty="0">
               <a:latin typeface="楷体" panose="02010609060101010101" pitchFamily="49" charset="-122"/>
               <a:ea typeface="楷体" panose="02010609060101010101" pitchFamily="49" charset="-122"/>
             </a:endParaRPr>
           </a:p>
           <a:p>
-            <a:pPr marL="914400" lvl="1" indent="-317500" algn="l" rtl="0">
-              <a:spcBef>
-                <a:spcPts val="0"/>
-              </a:spcBef>
-              <a:spcAft>
-                <a:spcPts val="0"/>
-              </a:spcAft>
-              <a:buSzPts val="1400"/>
-              <a:buChar char="○"/>
-            </a:pPr>
-            <a:r>
-              <a:rPr lang="zh-CN" altLang="en-US" dirty="0">
-                <a:latin typeface="楷体" panose="02010609060101010101" pitchFamily="49" charset="-122"/>
-                <a:ea typeface="楷体" panose="02010609060101010101" pitchFamily="49" charset="-122"/>
-              </a:rPr>
-              <a:t>为了实现纠错，再增加一位冗余位，合法码字包括</a:t>
-            </a:r>
-            <a:r>
-              <a:rPr lang="en-US" altLang="zh-CN" dirty="0">
-                <a:latin typeface="楷体" panose="02010609060101010101" pitchFamily="49" charset="-122"/>
-                <a:ea typeface="楷体" panose="02010609060101010101" pitchFamily="49" charset="-122"/>
-              </a:rPr>
-              <a:t>001 110 </a:t>
-            </a:r>
-            <a:r>
-              <a:rPr lang="zh-CN" altLang="en-US" dirty="0">
-                <a:latin typeface="楷体" panose="02010609060101010101" pitchFamily="49" charset="-122"/>
-                <a:ea typeface="楷体" panose="02010609060101010101" pitchFamily="49" charset="-122"/>
-              </a:rPr>
-              <a:t>第一位是数据位，后面是校验位</a:t>
+            <a:pPr marL="457200" lvl="0" indent="-342900" algn="l" rtl="0">
+              <a:spcBef>
+                <a:spcPts val="0"/>
+              </a:spcBef>
+              <a:spcAft>
+                <a:spcPts val="0"/>
+              </a:spcAft>
+              <a:buSzPts val="1800"/>
+              <a:buChar char="●"/>
+            </a:pPr>
+            <a:r>
+              <a:rPr lang="zh-CN" altLang="en-US" dirty="0">
+                <a:latin typeface="楷体" panose="02010609060101010101" pitchFamily="49" charset="-122"/>
+                <a:ea typeface="楷体" panose="02010609060101010101" pitchFamily="49" charset="-122"/>
+              </a:rPr>
+              <a:t>单纠错双检错</a:t>
+            </a:r>
+            <a:r>
+              <a:rPr lang="en-US" altLang="zh-CN" dirty="0">
+                <a:latin typeface="楷体" panose="02010609060101010101" pitchFamily="49" charset="-122"/>
+                <a:ea typeface="楷体" panose="02010609060101010101" pitchFamily="49" charset="-122"/>
+              </a:rPr>
+              <a:t>(SECDED) </a:t>
+            </a:r>
+            <a:r>
+              <a:rPr lang="zh-CN" altLang="en-US" dirty="0">
+                <a:latin typeface="楷体" panose="02010609060101010101" pitchFamily="49" charset="-122"/>
+                <a:ea typeface="楷体" panose="02010609060101010101" pitchFamily="49" charset="-122"/>
+              </a:rPr>
+              <a:t>汉明码：</a:t>
             </a:r>
             <a:endParaRPr lang="en-US" altLang="zh-CN" dirty="0">
               <a:latin typeface="楷体" panose="02010609060101010101" pitchFamily="49" charset="-122"/>
@@ -10650,55 +12565,8 @@
                 <a:latin typeface="楷体" panose="02010609060101010101" pitchFamily="49" charset="-122"/>
                 <a:ea typeface="楷体" panose="02010609060101010101" pitchFamily="49" charset="-122"/>
               </a:rPr>
-              <a:t>如果码字是</a:t>
-            </a:r>
-            <a:r>
-              <a:rPr lang="en-US" altLang="zh-CN" dirty="0">
-                <a:latin typeface="楷体" panose="02010609060101010101" pitchFamily="49" charset="-122"/>
-                <a:ea typeface="楷体" panose="02010609060101010101" pitchFamily="49" charset="-122"/>
-              </a:rPr>
-              <a:t>101</a:t>
-            </a:r>
-            <a:r>
-              <a:rPr lang="zh-CN" altLang="en-US" dirty="0">
-                <a:latin typeface="楷体" panose="02010609060101010101" pitchFamily="49" charset="-122"/>
-                <a:ea typeface="楷体" panose="02010609060101010101" pitchFamily="49" charset="-122"/>
-              </a:rPr>
-              <a:t>，那么就是数据位出错，由</a:t>
-            </a:r>
-            <a:r>
-              <a:rPr lang="en-US" altLang="zh-CN" dirty="0">
-                <a:latin typeface="楷体" panose="02010609060101010101" pitchFamily="49" charset="-122"/>
-                <a:ea typeface="楷体" panose="02010609060101010101" pitchFamily="49" charset="-122"/>
-              </a:rPr>
-              <a:t>0</a:t>
-            </a:r>
-            <a:r>
-              <a:rPr lang="zh-CN" altLang="en-US" dirty="0">
-                <a:latin typeface="楷体" panose="02010609060101010101" pitchFamily="49" charset="-122"/>
-                <a:ea typeface="楷体" panose="02010609060101010101" pitchFamily="49" charset="-122"/>
-              </a:rPr>
-              <a:t>翻转成了</a:t>
-            </a:r>
-            <a:r>
-              <a:rPr lang="en-US" altLang="zh-CN" dirty="0">
-                <a:latin typeface="楷体" panose="02010609060101010101" pitchFamily="49" charset="-122"/>
-                <a:ea typeface="楷体" panose="02010609060101010101" pitchFamily="49" charset="-122"/>
-              </a:rPr>
-              <a:t>1</a:t>
-            </a:r>
-          </a:p>
-          <a:p>
-            <a:pPr marL="914400" lvl="1" indent="-317500" algn="l" rtl="0">
-              <a:spcBef>
-                <a:spcPts val="0"/>
-              </a:spcBef>
-              <a:spcAft>
-                <a:spcPts val="0"/>
-              </a:spcAft>
-              <a:buSzPts val="1400"/>
-              <a:buChar char="○"/>
-            </a:pPr>
+              <a:t>依据奇偶校验，根据分组可纠正一位错误</a:t>
+            </a:r>
             <a:endParaRPr lang="en-US" altLang="zh-CN" dirty="0">
               <a:latin typeface="楷体" panose="02010609060101010101" pitchFamily="49" charset="-122"/>
               <a:ea typeface="楷体" panose="02010609060101010101" pitchFamily="49" charset="-122"/>
@@ -10720,8 +12588,163 @@
                 <a:latin typeface="楷体" panose="02010609060101010101" pitchFamily="49" charset="-122"/>
                 <a:ea typeface="楷体" panose="02010609060101010101" pitchFamily="49" charset="-122"/>
               </a:rPr>
-              <a:t>检错和纠错所需的校验位数不同，码字的检测或纠正错误数量有限</a:t>
-            </a:r>
+              <a:t>若加上全局校验位，可检出两位错误</a:t>
+            </a:r>
+            <a:endParaRPr lang="en-US" altLang="zh-CN" dirty="0">
+              <a:latin typeface="楷体" panose="02010609060101010101" pitchFamily="49" charset="-122"/>
+              <a:ea typeface="楷体" panose="02010609060101010101" pitchFamily="49" charset="-122"/>
+            </a:endParaRPr>
+          </a:p>
+          <a:p>
+            <a:pPr marL="914400" lvl="1" indent="-317500" algn="l" rtl="0">
+              <a:spcBef>
+                <a:spcPts val="0"/>
+              </a:spcBef>
+              <a:spcAft>
+                <a:spcPts val="0"/>
+              </a:spcAft>
+              <a:buSzPts val="1400"/>
+              <a:buChar char="○"/>
+            </a:pPr>
+            <a:endParaRPr lang="en-US" altLang="zh-CN" dirty="0">
+              <a:latin typeface="楷体" panose="02010609060101010101" pitchFamily="49" charset="-122"/>
+              <a:ea typeface="楷体" panose="02010609060101010101" pitchFamily="49" charset="-122"/>
+            </a:endParaRPr>
+          </a:p>
+          <a:p>
+            <a:pPr marL="457200" lvl="0" indent="-342900" algn="l" rtl="0">
+              <a:spcBef>
+                <a:spcPts val="0"/>
+              </a:spcBef>
+              <a:spcAft>
+                <a:spcPts val="0"/>
+              </a:spcAft>
+              <a:buSzPts val="1800"/>
+              <a:buChar char="●"/>
+            </a:pPr>
+            <a:r>
+              <a:rPr lang="en-US" altLang="zh-CN" dirty="0">
+                <a:latin typeface="楷体" panose="02010609060101010101" pitchFamily="49" charset="-122"/>
+                <a:ea typeface="楷体" panose="02010609060101010101" pitchFamily="49" charset="-122"/>
+              </a:rPr>
+              <a:t>CRC</a:t>
+            </a:r>
+            <a:r>
+              <a:rPr lang="zh-CN" altLang="en-US" dirty="0">
+                <a:latin typeface="楷体" panose="02010609060101010101" pitchFamily="49" charset="-122"/>
+                <a:ea typeface="楷体" panose="02010609060101010101" pitchFamily="49" charset="-122"/>
+              </a:rPr>
+              <a:t>校验</a:t>
+            </a:r>
+            <a:r>
+              <a:rPr lang="en-US" altLang="zh-CN" dirty="0">
+                <a:latin typeface="楷体" panose="02010609060101010101" pitchFamily="49" charset="-122"/>
+                <a:ea typeface="楷体" panose="02010609060101010101" pitchFamily="49" charset="-122"/>
+              </a:rPr>
+              <a:t>(</a:t>
+            </a:r>
+            <a:r>
+              <a:rPr lang="zh-CN" altLang="en-US" dirty="0">
+                <a:latin typeface="楷体" panose="02010609060101010101" pitchFamily="49" charset="-122"/>
+                <a:ea typeface="楷体" panose="02010609060101010101" pitchFamily="49" charset="-122"/>
+              </a:rPr>
+              <a:t>循环冗余编码</a:t>
+            </a:r>
+            <a:r>
+              <a:rPr lang="en-US" altLang="zh-CN" dirty="0">
+                <a:latin typeface="楷体" panose="02010609060101010101" pitchFamily="49" charset="-122"/>
+                <a:ea typeface="楷体" panose="02010609060101010101" pitchFamily="49" charset="-122"/>
+              </a:rPr>
+              <a:t>)</a:t>
+            </a:r>
+            <a:r>
+              <a:rPr lang="zh-CN" altLang="en-US" dirty="0">
+                <a:latin typeface="楷体" panose="02010609060101010101" pitchFamily="49" charset="-122"/>
+                <a:ea typeface="楷体" panose="02010609060101010101" pitchFamily="49" charset="-122"/>
+              </a:rPr>
+              <a:t>：</a:t>
+            </a:r>
+            <a:endParaRPr lang="en-US" altLang="zh-CN" dirty="0">
+              <a:latin typeface="楷体" panose="02010609060101010101" pitchFamily="49" charset="-122"/>
+              <a:ea typeface="楷体" panose="02010609060101010101" pitchFamily="49" charset="-122"/>
+            </a:endParaRPr>
+          </a:p>
+          <a:p>
+            <a:pPr marL="914400" lvl="1" indent="-317500" algn="l" rtl="0">
+              <a:spcBef>
+                <a:spcPts val="0"/>
+              </a:spcBef>
+              <a:spcAft>
+                <a:spcPts val="0"/>
+              </a:spcAft>
+              <a:buSzPts val="1400"/>
+              <a:buChar char="○"/>
+            </a:pPr>
+            <a:r>
+              <a:rPr lang="en-US" altLang="zh-CN" dirty="0">
+                <a:latin typeface="楷体" panose="02010609060101010101" pitchFamily="49" charset="-122"/>
+                <a:ea typeface="楷体" panose="02010609060101010101" pitchFamily="49" charset="-122"/>
+              </a:rPr>
+              <a:t>CRC</a:t>
+            </a:r>
+            <a:r>
+              <a:rPr lang="zh-CN" altLang="en-US" dirty="0">
+                <a:latin typeface="楷体" panose="02010609060101010101" pitchFamily="49" charset="-122"/>
+                <a:ea typeface="楷体" panose="02010609060101010101" pitchFamily="49" charset="-122"/>
+              </a:rPr>
+              <a:t>原理基于多项式除法，</a:t>
+            </a:r>
+            <a:r>
+              <a:rPr lang="en-US" altLang="zh-CN" dirty="0">
+                <a:latin typeface="楷体" panose="02010609060101010101" pitchFamily="49" charset="-122"/>
+                <a:ea typeface="楷体" panose="02010609060101010101" pitchFamily="49" charset="-122"/>
+              </a:rPr>
+              <a:t>CRC</a:t>
+            </a:r>
+            <a:r>
+              <a:rPr lang="zh-CN" altLang="en-US" dirty="0">
+                <a:latin typeface="楷体" panose="02010609060101010101" pitchFamily="49" charset="-122"/>
+                <a:ea typeface="楷体" panose="02010609060101010101" pitchFamily="49" charset="-122"/>
+              </a:rPr>
+              <a:t>将代码字视为多项式，例如</a:t>
+            </a:r>
+            <a:r>
+              <a:rPr lang="en-US" altLang="zh-CN" dirty="0">
+                <a:latin typeface="楷体" panose="02010609060101010101" pitchFamily="49" charset="-122"/>
+                <a:ea typeface="楷体" panose="02010609060101010101" pitchFamily="49" charset="-122"/>
+              </a:rPr>
+              <a:t>1010</a:t>
+            </a:r>
+            <a:r>
+              <a:rPr lang="zh-CN" altLang="en-US" dirty="0">
+                <a:latin typeface="楷体" panose="02010609060101010101" pitchFamily="49" charset="-122"/>
+                <a:ea typeface="楷体" panose="02010609060101010101" pitchFamily="49" charset="-122"/>
+              </a:rPr>
+              <a:t>表示为多项式</a:t>
+            </a:r>
+            <a:r>
+              <a:rPr lang="en-US" altLang="zh-CN" dirty="0">
+                <a:latin typeface="楷体" panose="02010609060101010101" pitchFamily="49" charset="-122"/>
+                <a:ea typeface="楷体" panose="02010609060101010101" pitchFamily="49" charset="-122"/>
+              </a:rPr>
+              <a:t>x^3+x</a:t>
+            </a:r>
+          </a:p>
+          <a:p>
+            <a:pPr marL="914400" lvl="1" indent="-317500" algn="l" rtl="0">
+              <a:spcBef>
+                <a:spcPts val="0"/>
+              </a:spcBef>
+              <a:spcAft>
+                <a:spcPts val="0"/>
+              </a:spcAft>
+              <a:buSzPts val="1400"/>
+              <a:buChar char="○"/>
+            </a:pPr>
+            <a:endParaRPr lang="en-US" altLang="zh-CN" dirty="0">
+              <a:latin typeface="楷体" panose="02010609060101010101" pitchFamily="49" charset="-122"/>
+              <a:ea typeface="楷体" panose="02010609060101010101" pitchFamily="49" charset="-122"/>
+            </a:endParaRPr>
           </a:p>
         </p:txBody>
       </p:sp>
@@ -10767,10 +12790,70 @@
           </a:p>
         </p:txBody>
       </p:sp>
+      <p:pic>
+        <p:nvPicPr>
+          <p:cNvPr id="4" name="图片 3">
+            <a:extLst>
+              <a:ext uri="{FF2B5EF4-FFF2-40B4-BE49-F238E27FC236}">
+                <a16:creationId xmlns:a16="http://schemas.microsoft.com/office/drawing/2014/main" id="{BFE86BBC-FD1B-4801-B5D3-AC55B1EAED76}"/>
+              </a:ext>
+            </a:extLst>
+          </p:cNvPr>
+          <p:cNvPicPr>
+            <a:picLocks noChangeAspect="1"/>
+          </p:cNvPicPr>
+          <p:nvPr/>
+        </p:nvPicPr>
+        <p:blipFill>
+          <a:blip r:embed="rId3"/>
+          <a:stretch>
+            <a:fillRect/>
+          </a:stretch>
+        </p:blipFill>
+        <p:spPr>
+          <a:xfrm>
+            <a:off x="5220015" y="1090472"/>
+            <a:ext cx="3789116" cy="1036590"/>
+          </a:xfrm>
+          <a:prstGeom prst="rect">
+            <a:avLst/>
+          </a:prstGeom>
+        </p:spPr>
+      </p:pic>
+      <p:pic>
+        <p:nvPicPr>
+          <p:cNvPr id="3" name="图片 2">
+            <a:extLst>
+              <a:ext uri="{FF2B5EF4-FFF2-40B4-BE49-F238E27FC236}">
+                <a16:creationId xmlns:a16="http://schemas.microsoft.com/office/drawing/2014/main" id="{99F2B4AE-0002-6383-85A5-AF6C51CCC597}"/>
+              </a:ext>
+            </a:extLst>
+          </p:cNvPr>
+          <p:cNvPicPr>
+            <a:picLocks noChangeAspect="1"/>
+          </p:cNvPicPr>
+          <p:nvPr/>
+        </p:nvPicPr>
+        <p:blipFill>
+          <a:blip r:embed="rId4"/>
+          <a:stretch>
+            <a:fillRect/>
+          </a:stretch>
+        </p:blipFill>
+        <p:spPr>
+          <a:xfrm>
+            <a:off x="2123659" y="3876917"/>
+            <a:ext cx="3629756" cy="968322"/>
+          </a:xfrm>
+          <a:prstGeom prst="rect">
+            <a:avLst/>
+          </a:prstGeom>
+        </p:spPr>
+      </p:pic>
     </p:spTree>
     <p:extLst>
       <p:ext uri="{BB962C8B-B14F-4D97-AF65-F5344CB8AC3E}">
-        <p14:creationId xmlns:p14="http://schemas.microsoft.com/office/powerpoint/2010/main" val="3106843281"/>
+        <p14:creationId xmlns:p14="http://schemas.microsoft.com/office/powerpoint/2010/main" val="3427740428"/>
       </p:ext>
     </p:extLst>
   </p:cSld>
@@ -10885,7 +12968,7 @@
                 <a:latin typeface="楷体" panose="02010609060101010101" pitchFamily="49" charset="-122"/>
                 <a:ea typeface="楷体" panose="02010609060101010101" pitchFamily="49" charset="-122"/>
               </a:rPr>
-              <a:t>汉明距离：</a:t>
+              <a:t>流水线中执行单元的错误检测：</a:t>
             </a:r>
             <a:endParaRPr lang="en-US" altLang="zh-CN" dirty="0">
               <a:latin typeface="楷体" panose="02010609060101010101" pitchFamily="49" charset="-122"/>
@@ -10908,7 +12991,21 @@
                 <a:latin typeface="楷体" panose="02010609060101010101" pitchFamily="49" charset="-122"/>
                 <a:ea typeface="楷体" panose="02010609060101010101" pitchFamily="49" charset="-122"/>
               </a:rPr>
-              <a:t>两个（相同长度）字符串对应位置的不同字符的数量</a:t>
+              <a:t>流水线中的停顿点</a:t>
+            </a:r>
+            <a:r>
+              <a:rPr lang="en-US" altLang="zh-CN" dirty="0">
+                <a:latin typeface="楷体" panose="02010609060101010101" pitchFamily="49" charset="-122"/>
+                <a:ea typeface="楷体" panose="02010609060101010101" pitchFamily="49" charset="-122"/>
+              </a:rPr>
+              <a:t>(stall point)</a:t>
+            </a:r>
+            <a:r>
+              <a:rPr lang="zh-CN" altLang="en-US" dirty="0">
+                <a:latin typeface="楷体" panose="02010609060101010101" pitchFamily="49" charset="-122"/>
+                <a:ea typeface="楷体" panose="02010609060101010101" pitchFamily="49" charset="-122"/>
+              </a:rPr>
+              <a:t>，例如指令队列，要比执行单元更容易出现软错误。</a:t>
             </a:r>
             <a:endParaRPr lang="en-US" altLang="zh-CN" dirty="0">
               <a:latin typeface="楷体" panose="02010609060101010101" pitchFamily="49" charset="-122"/>
@@ -10927,25 +13024,60 @@
               <a:buChar char="○"/>
             </a:pPr>
             <a:r>
-              <a:rPr lang="zh-CN" altLang="en-US" dirty="0">
-                <a:latin typeface="楷体" panose="02010609060101010101" pitchFamily="49" charset="-122"/>
-                <a:ea typeface="楷体" panose="02010609060101010101" pitchFamily="49" charset="-122"/>
-              </a:rPr>
-              <a:t>在一组字中，</a:t>
-            </a:r>
-            <a:r>
-              <a:rPr lang="zh-CN" altLang="en-US" b="1" dirty="0">
-                <a:latin typeface="楷体" panose="02010609060101010101" pitchFamily="49" charset="-122"/>
-                <a:ea typeface="楷体" panose="02010609060101010101" pitchFamily="49" charset="-122"/>
-              </a:rPr>
-              <a:t>最小汉明距离</a:t>
-            </a:r>
-            <a:r>
-              <a:rPr lang="zh-CN" altLang="en-US" dirty="0">
-                <a:latin typeface="楷体" panose="02010609060101010101" pitchFamily="49" charset="-122"/>
-                <a:ea typeface="楷体" panose="02010609060101010101" pitchFamily="49" charset="-122"/>
-              </a:rPr>
-              <a:t>是所有可能对中的最小的汉明距离</a:t>
+              <a:rPr lang="en-US" altLang="zh-CN" dirty="0">
+                <a:latin typeface="楷体" panose="02010609060101010101" pitchFamily="49" charset="-122"/>
+                <a:ea typeface="楷体" panose="02010609060101010101" pitchFamily="49" charset="-122"/>
+              </a:rPr>
+              <a:t>AN</a:t>
+            </a:r>
+            <a:r>
+              <a:rPr lang="zh-CN" altLang="en-US" dirty="0">
+                <a:latin typeface="楷体" panose="02010609060101010101" pitchFamily="49" charset="-122"/>
+                <a:ea typeface="楷体" panose="02010609060101010101" pitchFamily="49" charset="-122"/>
+              </a:rPr>
+              <a:t>码：也称乘积码</a:t>
+            </a:r>
+            <a:r>
+              <a:rPr lang="en-US" altLang="zh-CN" dirty="0">
+                <a:latin typeface="楷体" panose="02010609060101010101" pitchFamily="49" charset="-122"/>
+                <a:ea typeface="楷体" panose="02010609060101010101" pitchFamily="49" charset="-122"/>
+              </a:rPr>
+              <a:t>(product codes)</a:t>
+            </a:r>
+            <a:r>
+              <a:rPr lang="zh-CN" altLang="en-US" dirty="0">
+                <a:latin typeface="楷体" panose="02010609060101010101" pitchFamily="49" charset="-122"/>
+                <a:ea typeface="楷体" panose="02010609060101010101" pitchFamily="49" charset="-122"/>
+              </a:rPr>
+              <a:t>，使用于加减法运算单元，原理是对于加减法，</a:t>
+            </a:r>
+            <a:r>
+              <a:rPr lang="en-US" altLang="zh-CN" dirty="0">
+                <a:latin typeface="楷体" panose="02010609060101010101" pitchFamily="49" charset="-122"/>
+                <a:ea typeface="楷体" panose="02010609060101010101" pitchFamily="49" charset="-122"/>
+              </a:rPr>
+              <a:t>A(N1±N2)=A(N1)±A(N2)</a:t>
+            </a:r>
+            <a:r>
+              <a:rPr lang="zh-CN" altLang="en-US" dirty="0">
+                <a:latin typeface="楷体" panose="02010609060101010101" pitchFamily="49" charset="-122"/>
+                <a:ea typeface="楷体" panose="02010609060101010101" pitchFamily="49" charset="-122"/>
+              </a:rPr>
+              <a:t>，</a:t>
+            </a:r>
+            <a:r>
+              <a:rPr lang="en-US" altLang="zh-CN" dirty="0">
+                <a:latin typeface="楷体" panose="02010609060101010101" pitchFamily="49" charset="-122"/>
+                <a:ea typeface="楷体" panose="02010609060101010101" pitchFamily="49" charset="-122"/>
+              </a:rPr>
+              <a:t>A</a:t>
+            </a:r>
+            <a:r>
+              <a:rPr lang="zh-CN" altLang="en-US" dirty="0">
+                <a:latin typeface="楷体" panose="02010609060101010101" pitchFamily="49" charset="-122"/>
+                <a:ea typeface="楷体" panose="02010609060101010101" pitchFamily="49" charset="-122"/>
+              </a:rPr>
+              <a:t>为常数</a:t>
             </a:r>
             <a:endParaRPr lang="en-US" altLang="zh-CN" dirty="0">
               <a:latin typeface="楷体" panose="02010609060101010101" pitchFamily="49" charset="-122"/>
@@ -10968,83 +13100,78 @@
                 <a:latin typeface="楷体" panose="02010609060101010101" pitchFamily="49" charset="-122"/>
                 <a:ea typeface="楷体" panose="02010609060101010101" pitchFamily="49" charset="-122"/>
               </a:rPr>
-              <a:t>比如</a:t>
-            </a:r>
-            <a:r>
-              <a:rPr lang="en-US" altLang="zh-CN" dirty="0">
-                <a:latin typeface="楷体" panose="02010609060101010101" pitchFamily="49" charset="-122"/>
-                <a:ea typeface="楷体" panose="02010609060101010101" pitchFamily="49" charset="-122"/>
-              </a:rPr>
-              <a:t>000</a:t>
-            </a:r>
-            <a:r>
-              <a:rPr lang="zh-CN" altLang="en-US" dirty="0">
-                <a:latin typeface="楷体" panose="02010609060101010101" pitchFamily="49" charset="-122"/>
-                <a:ea typeface="楷体" panose="02010609060101010101" pitchFamily="49" charset="-122"/>
-              </a:rPr>
-              <a:t>、</a:t>
-            </a:r>
-            <a:r>
-              <a:rPr lang="en-US" altLang="zh-CN" dirty="0">
-                <a:latin typeface="楷体" panose="02010609060101010101" pitchFamily="49" charset="-122"/>
-                <a:ea typeface="楷体" panose="02010609060101010101" pitchFamily="49" charset="-122"/>
-              </a:rPr>
-              <a:t>011</a:t>
-            </a:r>
-            <a:r>
-              <a:rPr lang="zh-CN" altLang="en-US" dirty="0">
-                <a:latin typeface="楷体" panose="02010609060101010101" pitchFamily="49" charset="-122"/>
-                <a:ea typeface="楷体" panose="02010609060101010101" pitchFamily="49" charset="-122"/>
-              </a:rPr>
-              <a:t>、</a:t>
-            </a:r>
-            <a:r>
-              <a:rPr lang="en-US" altLang="zh-CN" dirty="0">
-                <a:latin typeface="楷体" panose="02010609060101010101" pitchFamily="49" charset="-122"/>
-                <a:ea typeface="楷体" panose="02010609060101010101" pitchFamily="49" charset="-122"/>
-              </a:rPr>
-              <a:t>101</a:t>
-            </a:r>
-            <a:r>
-              <a:rPr lang="zh-CN" altLang="en-US" dirty="0">
-                <a:latin typeface="楷体" panose="02010609060101010101" pitchFamily="49" charset="-122"/>
-                <a:ea typeface="楷体" panose="02010609060101010101" pitchFamily="49" charset="-122"/>
-              </a:rPr>
-              <a:t>、</a:t>
-            </a:r>
-            <a:r>
-              <a:rPr lang="en-US" altLang="zh-CN" dirty="0">
-                <a:latin typeface="楷体" panose="02010609060101010101" pitchFamily="49" charset="-122"/>
-                <a:ea typeface="楷体" panose="02010609060101010101" pitchFamily="49" charset="-122"/>
-              </a:rPr>
-              <a:t>110</a:t>
-            </a:r>
-            <a:r>
-              <a:rPr lang="zh-CN" altLang="en-US" dirty="0">
-                <a:latin typeface="楷体" panose="02010609060101010101" pitchFamily="49" charset="-122"/>
-                <a:ea typeface="楷体" panose="02010609060101010101" pitchFamily="49" charset="-122"/>
-              </a:rPr>
-              <a:t>的最小汉明距离是</a:t>
-            </a:r>
-            <a:r>
-              <a:rPr lang="en-US" altLang="zh-CN" dirty="0">
-                <a:latin typeface="楷体" panose="02010609060101010101" pitchFamily="49" charset="-122"/>
-                <a:ea typeface="楷体" panose="02010609060101010101" pitchFamily="49" charset="-122"/>
-              </a:rPr>
-              <a:t>2</a:t>
-            </a:r>
-          </a:p>
-          <a:p>
-            <a:pPr marL="914400" lvl="1" indent="-317500" algn="l" rtl="0">
-              <a:spcBef>
-                <a:spcPts val="0"/>
-              </a:spcBef>
-              <a:spcAft>
-                <a:spcPts val="0"/>
-              </a:spcAft>
-              <a:buSzPts val="1400"/>
-              <a:buChar char="○"/>
-            </a:pPr>
+              <a:t>剩余码</a:t>
+            </a:r>
+            <a:r>
+              <a:rPr lang="en-US" altLang="zh-CN" dirty="0">
+                <a:latin typeface="楷体" panose="02010609060101010101" pitchFamily="49" charset="-122"/>
+                <a:ea typeface="楷体" panose="02010609060101010101" pitchFamily="49" charset="-122"/>
+              </a:rPr>
+              <a:t>(Residue Codes)</a:t>
+            </a:r>
+            <a:r>
+              <a:rPr lang="zh-CN" altLang="en-US" dirty="0">
+                <a:latin typeface="楷体" panose="02010609060101010101" pitchFamily="49" charset="-122"/>
+                <a:ea typeface="楷体" panose="02010609060101010101" pitchFamily="49" charset="-122"/>
+              </a:rPr>
+              <a:t>：操作数</a:t>
+            </a:r>
+            <a:r>
+              <a:rPr lang="en-US" altLang="zh-CN" dirty="0">
+                <a:latin typeface="楷体" panose="02010609060101010101" pitchFamily="49" charset="-122"/>
+                <a:ea typeface="楷体" panose="02010609060101010101" pitchFamily="49" charset="-122"/>
+              </a:rPr>
+              <a:t>N</a:t>
+            </a:r>
+            <a:r>
+              <a:rPr lang="zh-CN" altLang="en-US" dirty="0">
+                <a:latin typeface="楷体" panose="02010609060101010101" pitchFamily="49" charset="-122"/>
+                <a:ea typeface="楷体" panose="02010609060101010101" pitchFamily="49" charset="-122"/>
+              </a:rPr>
+              <a:t>将被表示为一个数对</a:t>
+            </a:r>
+            <a:r>
+              <a:rPr lang="en-US" altLang="zh-CN" dirty="0">
+                <a:latin typeface="楷体" panose="02010609060101010101" pitchFamily="49" charset="-122"/>
+                <a:ea typeface="楷体" panose="02010609060101010101" pitchFamily="49" charset="-122"/>
+              </a:rPr>
+              <a:t>(N,C(N))</a:t>
+            </a:r>
+            <a:r>
+              <a:rPr lang="zh-CN" altLang="en-US" dirty="0">
+                <a:latin typeface="楷体" panose="02010609060101010101" pitchFamily="49" charset="-122"/>
+                <a:ea typeface="楷体" panose="02010609060101010101" pitchFamily="49" charset="-122"/>
+              </a:rPr>
+              <a:t>，其中</a:t>
+            </a:r>
+            <a:r>
+              <a:rPr lang="en-US" altLang="zh-CN" dirty="0">
+                <a:latin typeface="楷体" panose="02010609060101010101" pitchFamily="49" charset="-122"/>
+                <a:ea typeface="楷体" panose="02010609060101010101" pitchFamily="49" charset="-122"/>
+              </a:rPr>
+              <a:t>C(N)=N mod A</a:t>
+            </a:r>
+            <a:r>
+              <a:rPr lang="zh-CN" altLang="en-US" dirty="0">
+                <a:latin typeface="楷体" panose="02010609060101010101" pitchFamily="49" charset="-122"/>
+                <a:ea typeface="楷体" panose="02010609060101010101" pitchFamily="49" charset="-122"/>
+              </a:rPr>
+              <a:t>是校验部分，常数</a:t>
+            </a:r>
+            <a:r>
+              <a:rPr lang="en-US" altLang="zh-CN" dirty="0">
+                <a:latin typeface="楷体" panose="02010609060101010101" pitchFamily="49" charset="-122"/>
+                <a:ea typeface="楷体" panose="02010609060101010101" pitchFamily="49" charset="-122"/>
+              </a:rPr>
+              <a:t>A</a:t>
+            </a:r>
+            <a:r>
+              <a:rPr lang="zh-CN" altLang="en-US" dirty="0">
+                <a:latin typeface="楷体" panose="02010609060101010101" pitchFamily="49" charset="-122"/>
+                <a:ea typeface="楷体" panose="02010609060101010101" pitchFamily="49" charset="-122"/>
+              </a:rPr>
+              <a:t>为校验模数。</a:t>
+            </a:r>
             <a:endParaRPr lang="en-US" altLang="zh-CN" dirty="0">
               <a:latin typeface="楷体" panose="02010609060101010101" pitchFamily="49" charset="-122"/>
               <a:ea typeface="楷体" panose="02010609060101010101" pitchFamily="49" charset="-122"/>
@@ -11061,22 +13188,97 @@
               <a:buSzPts val="1400"/>
               <a:buChar char="○"/>
             </a:pPr>
+            <a:r>
+              <a:rPr lang="en-US" altLang="zh-CN" dirty="0">
+                <a:latin typeface="楷体" panose="02010609060101010101" pitchFamily="49" charset="-122"/>
+                <a:ea typeface="楷体" panose="02010609060101010101" pitchFamily="49" charset="-122"/>
+              </a:rPr>
+              <a:t>(N1+N2)</a:t>
+            </a:r>
+            <a:r>
+              <a:rPr lang="zh-CN" altLang="en-US" dirty="0">
+                <a:latin typeface="楷体" panose="02010609060101010101" pitchFamily="49" charset="-122"/>
+                <a:ea typeface="楷体" panose="02010609060101010101" pitchFamily="49" charset="-122"/>
+              </a:rPr>
+              <a:t> </a:t>
+            </a:r>
+            <a:r>
+              <a:rPr lang="en-US" altLang="zh-CN" dirty="0">
+                <a:latin typeface="楷体" panose="02010609060101010101" pitchFamily="49" charset="-122"/>
+                <a:ea typeface="楷体" panose="02010609060101010101" pitchFamily="49" charset="-122"/>
+              </a:rPr>
+              <a:t>mod M=((N1 mod M)+(N2 mod M))</a:t>
+            </a:r>
+            <a:r>
+              <a:rPr lang="zh-CN" altLang="en-US" dirty="0">
+                <a:latin typeface="楷体" panose="02010609060101010101" pitchFamily="49" charset="-122"/>
+                <a:ea typeface="楷体" panose="02010609060101010101" pitchFamily="49" charset="-122"/>
+              </a:rPr>
+              <a:t> </a:t>
+            </a:r>
+            <a:r>
+              <a:rPr lang="en-US" altLang="zh-CN" dirty="0">
+                <a:latin typeface="楷体" panose="02010609060101010101" pitchFamily="49" charset="-122"/>
+                <a:ea typeface="楷体" panose="02010609060101010101" pitchFamily="49" charset="-122"/>
+              </a:rPr>
+              <a:t>mod M</a:t>
+            </a:r>
+          </a:p>
+          <a:p>
+            <a:pPr marL="914400" lvl="1" indent="-317500" algn="l" rtl="0">
+              <a:spcBef>
+                <a:spcPts val="0"/>
+              </a:spcBef>
+              <a:spcAft>
+                <a:spcPts val="0"/>
+              </a:spcAft>
+              <a:buSzPts val="1400"/>
+              <a:buChar char="○"/>
+            </a:pPr>
+            <a:r>
+              <a:rPr lang="zh-CN" altLang="en-US" dirty="0">
+                <a:latin typeface="楷体" panose="02010609060101010101" pitchFamily="49" charset="-122"/>
+                <a:ea typeface="楷体" panose="02010609060101010101" pitchFamily="49" charset="-122"/>
+              </a:rPr>
+              <a:t>奇偶预测电路等</a:t>
+            </a:r>
             <a:endParaRPr lang="en-US" altLang="zh-CN" dirty="0">
               <a:latin typeface="楷体" panose="02010609060101010101" pitchFamily="49" charset="-122"/>
               <a:ea typeface="楷体" panose="02010609060101010101" pitchFamily="49" charset="-122"/>
             </a:endParaRPr>
           </a:p>
           <a:p>
-            <a:pPr marL="914400" lvl="1" indent="-317500" algn="l" rtl="0">
-              <a:spcBef>
-                <a:spcPts val="0"/>
-              </a:spcBef>
-              <a:spcAft>
-                <a:spcPts val="0"/>
-              </a:spcAft>
-              <a:buSzPts val="1400"/>
-              <a:buChar char="○"/>
-            </a:pPr>
+            <a:pPr marL="457200" lvl="0" indent="-342900" algn="l" rtl="0">
+              <a:spcBef>
+                <a:spcPts val="0"/>
+              </a:spcBef>
+              <a:spcAft>
+                <a:spcPts val="0"/>
+              </a:spcAft>
+              <a:buSzPts val="1800"/>
+              <a:buChar char="●"/>
+            </a:pPr>
+            <a:r>
+              <a:rPr lang="zh-CN" altLang="en-US" dirty="0">
+                <a:latin typeface="楷体" panose="02010609060101010101" pitchFamily="49" charset="-122"/>
+                <a:ea typeface="楷体" panose="02010609060101010101" pitchFamily="49" charset="-122"/>
+              </a:rPr>
+              <a:t>处理器中的</a:t>
+            </a:r>
+            <a:r>
+              <a:rPr lang="en-US" altLang="zh-CN" dirty="0">
+                <a:latin typeface="楷体" panose="02010609060101010101" pitchFamily="49" charset="-122"/>
+                <a:ea typeface="楷体" panose="02010609060101010101" pitchFamily="49" charset="-122"/>
+              </a:rPr>
+              <a:t>false DUE</a:t>
+            </a:r>
+            <a:r>
+              <a:rPr lang="zh-CN" altLang="en-US" dirty="0">
+                <a:latin typeface="楷体" panose="02010609060101010101" pitchFamily="49" charset="-122"/>
+                <a:ea typeface="楷体" panose="02010609060101010101" pitchFamily="49" charset="-122"/>
+              </a:rPr>
+              <a:t>事件来源：</a:t>
+            </a:r>
             <a:endParaRPr lang="en-US" altLang="zh-CN" dirty="0">
               <a:latin typeface="楷体" panose="02010609060101010101" pitchFamily="49" charset="-122"/>
               <a:ea typeface="楷体" panose="02010609060101010101" pitchFamily="49" charset="-122"/>
@@ -11093,28 +13295,35 @@
               <a:buSzPts val="1400"/>
               <a:buChar char="○"/>
             </a:pPr>
+            <a:r>
+              <a:rPr lang="zh-CN" altLang="en-US" dirty="0">
+                <a:latin typeface="楷体" panose="02010609060101010101" pitchFamily="49" charset="-122"/>
+                <a:ea typeface="楷体" panose="02010609060101010101" pitchFamily="49" charset="-122"/>
+              </a:rPr>
+              <a:t>例如分支预测器，即使受到撞击发生软错误，但不会影响功能，只会暂时影响性能</a:t>
+            </a:r>
             <a:endParaRPr lang="en-US" altLang="zh-CN" dirty="0">
               <a:latin typeface="楷体" panose="02010609060101010101" pitchFamily="49" charset="-122"/>
               <a:ea typeface="楷体" panose="02010609060101010101" pitchFamily="49" charset="-122"/>
             </a:endParaRPr>
           </a:p>
           <a:p>
-            <a:pPr marL="457200" lvl="0" indent="-342900" algn="l" rtl="0">
-              <a:spcBef>
-                <a:spcPts val="0"/>
-              </a:spcBef>
-              <a:spcAft>
-                <a:spcPts val="0"/>
-              </a:spcAft>
-              <a:buSzPts val="1800"/>
-              <a:buChar char="●"/>
-            </a:pPr>
-            <a:r>
-              <a:rPr lang="zh-CN" altLang="en-US" dirty="0">
-                <a:latin typeface="楷体" panose="02010609060101010101" pitchFamily="49" charset="-122"/>
-                <a:ea typeface="楷体" panose="02010609060101010101" pitchFamily="49" charset="-122"/>
-              </a:rPr>
-              <a:t>简单奇偶校验：</a:t>
+            <a:pPr marL="914400" lvl="1" indent="-317500" algn="l" rtl="0">
+              <a:spcBef>
+                <a:spcPts val="0"/>
+              </a:spcBef>
+              <a:spcAft>
+                <a:spcPts val="0"/>
+              </a:spcAft>
+              <a:buSzPts val="1400"/>
+              <a:buChar char="○"/>
+            </a:pPr>
+            <a:r>
+              <a:rPr lang="zh-CN" altLang="en-US" dirty="0">
+                <a:latin typeface="楷体" panose="02010609060101010101" pitchFamily="49" charset="-122"/>
+                <a:ea typeface="楷体" panose="02010609060101010101" pitchFamily="49" charset="-122"/>
+              </a:rPr>
+              <a:t>例如一些预测指令和不会影响结果的指令等，未使用到的条件分支等</a:t>
             </a:r>
             <a:endParaRPr lang="en-US" altLang="zh-CN" dirty="0">
               <a:latin typeface="楷体" panose="02010609060101010101" pitchFamily="49" charset="-122"/>
@@ -11122,82 +13331,33 @@
             </a:endParaRPr>
           </a:p>
           <a:p>
-            <a:pPr marL="914400" lvl="1" indent="-317500" algn="l" rtl="0">
-              <a:spcBef>
-                <a:spcPts val="0"/>
-              </a:spcBef>
-              <a:spcAft>
-                <a:spcPts val="0"/>
-              </a:spcAft>
-              <a:buSzPts val="1400"/>
-              <a:buChar char="○"/>
-            </a:pPr>
-            <a:r>
-              <a:rPr lang="zh-CN" altLang="en-US" dirty="0">
-                <a:latin typeface="楷体" panose="02010609060101010101" pitchFamily="49" charset="-122"/>
-                <a:ea typeface="楷体" panose="02010609060101010101" pitchFamily="49" charset="-122"/>
-              </a:rPr>
-              <a:t>例：奇校验   发送端 </a:t>
-            </a:r>
-            <a:r>
-              <a:rPr lang="en-US" altLang="zh-CN" dirty="0">
-                <a:latin typeface="楷体" panose="02010609060101010101" pitchFamily="49" charset="-122"/>
-                <a:ea typeface="楷体" panose="02010609060101010101" pitchFamily="49" charset="-122"/>
-              </a:rPr>
-              <a:t>0 010 ----</a:t>
-            </a:r>
-            <a:r>
-              <a:rPr lang="en-US" altLang="zh-CN" dirty="0">
-                <a:latin typeface="楷体" panose="02010609060101010101" pitchFamily="49" charset="-122"/>
-                <a:ea typeface="楷体" panose="02010609060101010101" pitchFamily="49" charset="-122"/>
-                <a:sym typeface="Wingdings" panose="05000000000000000000" pitchFamily="2" charset="2"/>
-              </a:rPr>
-              <a:t> </a:t>
-            </a:r>
-            <a:r>
-              <a:rPr lang="zh-CN" altLang="en-US" dirty="0">
-                <a:latin typeface="楷体" panose="02010609060101010101" pitchFamily="49" charset="-122"/>
-                <a:ea typeface="楷体" panose="02010609060101010101" pitchFamily="49" charset="-122"/>
-                <a:sym typeface="Wingdings" panose="05000000000000000000" pitchFamily="2" charset="2"/>
-              </a:rPr>
-              <a:t>接收端 对</a:t>
-            </a:r>
-            <a:r>
-              <a:rPr lang="en-US" altLang="zh-CN" dirty="0">
-                <a:latin typeface="楷体" panose="02010609060101010101" pitchFamily="49" charset="-122"/>
-                <a:ea typeface="楷体" panose="02010609060101010101" pitchFamily="49" charset="-122"/>
-                <a:sym typeface="Wingdings" panose="05000000000000000000" pitchFamily="2" charset="2"/>
-              </a:rPr>
-              <a:t>0010</a:t>
-            </a:r>
-            <a:r>
-              <a:rPr lang="zh-CN" altLang="en-US" dirty="0">
-                <a:latin typeface="楷体" panose="02010609060101010101" pitchFamily="49" charset="-122"/>
-                <a:ea typeface="楷体" panose="02010609060101010101" pitchFamily="49" charset="-122"/>
-                <a:sym typeface="Wingdings" panose="05000000000000000000" pitchFamily="2" charset="2"/>
-              </a:rPr>
-              <a:t>异或，得到结果</a:t>
-            </a:r>
-            <a:r>
-              <a:rPr lang="en-US" altLang="zh-CN" dirty="0">
-                <a:latin typeface="楷体" panose="02010609060101010101" pitchFamily="49" charset="-122"/>
-                <a:ea typeface="楷体" panose="02010609060101010101" pitchFamily="49" charset="-122"/>
-                <a:sym typeface="Wingdings" panose="05000000000000000000" pitchFamily="2" charset="2"/>
-              </a:rPr>
-              <a:t>1</a:t>
-            </a:r>
-            <a:r>
-              <a:rPr lang="zh-CN" altLang="en-US" dirty="0">
-                <a:latin typeface="楷体" panose="02010609060101010101" pitchFamily="49" charset="-122"/>
-                <a:ea typeface="楷体" panose="02010609060101010101" pitchFamily="49" charset="-122"/>
-                <a:sym typeface="Wingdings" panose="05000000000000000000" pitchFamily="2" charset="2"/>
-              </a:rPr>
-              <a:t>，符合奇校验</a:t>
+            <a:pPr marL="457200" lvl="0" indent="-342900" algn="l" rtl="0">
+              <a:spcBef>
+                <a:spcPts val="0"/>
+              </a:spcBef>
+              <a:spcAft>
+                <a:spcPts val="0"/>
+              </a:spcAft>
+              <a:buSzPts val="1800"/>
+              <a:buChar char="●"/>
+            </a:pPr>
+            <a:r>
+              <a:rPr lang="en-US" altLang="zh-CN" dirty="0">
+                <a:latin typeface="楷体" panose="02010609060101010101" pitchFamily="49" charset="-122"/>
+                <a:ea typeface="楷体" panose="02010609060101010101" pitchFamily="49" charset="-122"/>
+              </a:rPr>
+              <a:t>ECC</a:t>
+            </a:r>
+            <a:r>
+              <a:rPr lang="zh-CN" altLang="en-US" dirty="0">
+                <a:latin typeface="楷体" panose="02010609060101010101" pitchFamily="49" charset="-122"/>
+                <a:ea typeface="楷体" panose="02010609060101010101" pitchFamily="49" charset="-122"/>
+              </a:rPr>
+              <a:t>：</a:t>
             </a:r>
             <a:endParaRPr lang="en-US" altLang="zh-CN" dirty="0">
               <a:latin typeface="楷体" panose="02010609060101010101" pitchFamily="49" charset="-122"/>
               <a:ea typeface="楷体" panose="02010609060101010101" pitchFamily="49" charset="-122"/>
-              <a:sym typeface="Wingdings" panose="05000000000000000000" pitchFamily="2" charset="2"/>
             </a:endParaRPr>
           </a:p>
           <a:p>
@@ -11215,18 +13375,55 @@
               <a:rPr lang="zh-CN" altLang="en-US" dirty="0">
                 <a:latin typeface="楷体" panose="02010609060101010101" pitchFamily="49" charset="-122"/>
                 <a:ea typeface="楷体" panose="02010609060101010101" pitchFamily="49" charset="-122"/>
-                <a:sym typeface="Wingdings" panose="05000000000000000000" pitchFamily="2" charset="2"/>
-              </a:rPr>
-              <a:t>奇偶校验只能检测单比特错误或奇数个错误。</a:t>
-            </a:r>
-            <a:r>
-              <a:rPr lang="en-US" altLang="zh-CN" dirty="0">
-                <a:latin typeface="楷体" panose="02010609060101010101" pitchFamily="49" charset="-122"/>
-                <a:ea typeface="楷体" panose="02010609060101010101" pitchFamily="49" charset="-122"/>
-              </a:rPr>
-              <a:t> </a:t>
-            </a:r>
-            <a:endParaRPr lang="zh-CN" altLang="en-US" dirty="0">
+              </a:rPr>
+              <a:t>纠错码，</a:t>
+            </a:r>
+            <a:r>
+              <a:rPr lang="en-US" altLang="zh-CN" dirty="0">
+                <a:latin typeface="楷体" panose="02010609060101010101" pitchFamily="49" charset="-122"/>
+                <a:ea typeface="楷体" panose="02010609060101010101" pitchFamily="49" charset="-122"/>
+              </a:rPr>
+              <a:t>Error Correcting Code</a:t>
+            </a:r>
+          </a:p>
+          <a:p>
+            <a:pPr marL="914400" lvl="1" indent="-317500" algn="l" rtl="0">
+              <a:spcBef>
+                <a:spcPts val="0"/>
+              </a:spcBef>
+              <a:spcAft>
+                <a:spcPts val="0"/>
+              </a:spcAft>
+              <a:buSzPts val="1400"/>
+              <a:buChar char="○"/>
+            </a:pPr>
+            <a:r>
+              <a:rPr lang="zh-CN" altLang="en-US" dirty="0">
+                <a:latin typeface="楷体" panose="02010609060101010101" pitchFamily="49" charset="-122"/>
+                <a:ea typeface="楷体" panose="02010609060101010101" pitchFamily="49" charset="-122"/>
+              </a:rPr>
+              <a:t>汉明码等都属于</a:t>
+            </a:r>
+            <a:r>
+              <a:rPr lang="en-US" altLang="zh-CN" dirty="0">
+                <a:latin typeface="楷体" panose="02010609060101010101" pitchFamily="49" charset="-122"/>
+                <a:ea typeface="楷体" panose="02010609060101010101" pitchFamily="49" charset="-122"/>
+              </a:rPr>
+              <a:t>ECC</a:t>
+            </a:r>
+          </a:p>
+          <a:p>
+            <a:pPr marL="914400" lvl="1" indent="-317500" algn="l" rtl="0">
+              <a:spcBef>
+                <a:spcPts val="0"/>
+              </a:spcBef>
+              <a:spcAft>
+                <a:spcPts val="0"/>
+              </a:spcAft>
+              <a:buSzPts val="1400"/>
+              <a:buChar char="○"/>
+            </a:pPr>
+            <a:endParaRPr lang="en-US" altLang="zh-CN" dirty="0">
               <a:latin typeface="楷体" panose="02010609060101010101" pitchFamily="49" charset="-122"/>
               <a:ea typeface="楷体" panose="02010609060101010101" pitchFamily="49" charset="-122"/>
             </a:endParaRPr>
@@ -11280,529 +13477,7 @@
           <p:cNvPr id="3" name="图片 2">
             <a:extLst>
               <a:ext uri="{FF2B5EF4-FFF2-40B4-BE49-F238E27FC236}">
-                <a16:creationId xmlns:a16="http://schemas.microsoft.com/office/drawing/2014/main" id="{2110C616-948A-3433-2140-841E70701DDB}"/>
-              </a:ext>
-            </a:extLst>
-          </p:cNvPr>
-          <p:cNvPicPr>
-            <a:picLocks noChangeAspect="1"/>
-          </p:cNvPicPr>
-          <p:nvPr/>
-        </p:nvPicPr>
-        <p:blipFill rotWithShape="1">
-          <a:blip r:embed="rId3"/>
-          <a:srcRect t="10543"/>
-          <a:stretch/>
-        </p:blipFill>
-        <p:spPr>
-          <a:xfrm>
-            <a:off x="3916906" y="2100852"/>
-            <a:ext cx="5227093" cy="799068"/>
-          </a:xfrm>
-          <a:prstGeom prst="rect">
-            <a:avLst/>
-          </a:prstGeom>
-        </p:spPr>
-      </p:pic>
-      <p:pic>
-        <p:nvPicPr>
-          <p:cNvPr id="5" name="图片 4">
-            <a:extLst>
-              <a:ext uri="{FF2B5EF4-FFF2-40B4-BE49-F238E27FC236}">
-                <a16:creationId xmlns:a16="http://schemas.microsoft.com/office/drawing/2014/main" id="{3EA9A4A2-72D4-04AC-F152-ADFCF4BAAC81}"/>
-              </a:ext>
-            </a:extLst>
-          </p:cNvPr>
-          <p:cNvPicPr>
-            <a:picLocks noChangeAspect="1"/>
-          </p:cNvPicPr>
-          <p:nvPr/>
-        </p:nvPicPr>
-        <p:blipFill>
-          <a:blip r:embed="rId4"/>
-          <a:stretch>
-            <a:fillRect/>
-          </a:stretch>
-        </p:blipFill>
-        <p:spPr>
-          <a:xfrm>
-            <a:off x="7030686" y="1374604"/>
-            <a:ext cx="1552575" cy="438150"/>
-          </a:xfrm>
-          <a:prstGeom prst="rect">
-            <a:avLst/>
-          </a:prstGeom>
-        </p:spPr>
-      </p:pic>
-    </p:spTree>
-    <p:extLst>
-      <p:ext uri="{BB962C8B-B14F-4D97-AF65-F5344CB8AC3E}">
-        <p14:creationId xmlns:p14="http://schemas.microsoft.com/office/powerpoint/2010/main" val="929400319"/>
-      </p:ext>
-    </p:extLst>
-  </p:cSld>
-  <p:clrMapOvr>
-    <a:masterClrMapping/>
-  </p:clrMapOvr>
-</p:sld>
-</file>
-
-<file path=ppt/slides/slide12.xml><?xml version="1.0" encoding="utf-8"?>
-<p:sld xmlns:a="http://schemas.openxmlformats.org/drawingml/2006/main" xmlns:r="http://schemas.openxmlformats.org/officeDocument/2006/relationships" xmlns:p="http://schemas.openxmlformats.org/presentationml/2006/main">
-  <p:cSld>
-    <p:spTree>
-      <p:nvGrpSpPr>
-        <p:cNvPr id="1" name="Shape 104"/>
-        <p:cNvGrpSpPr/>
-        <p:nvPr/>
-      </p:nvGrpSpPr>
-      <p:grpSpPr>
-        <a:xfrm>
-          <a:off x="0" y="0"/>
-          <a:ext cx="0" cy="0"/>
-          <a:chOff x="0" y="0"/>
-          <a:chExt cx="0" cy="0"/>
-        </a:xfrm>
-      </p:grpSpPr>
-      <p:sp>
-        <p:nvSpPr>
-          <p:cNvPr id="105" name="Google Shape;105;p16"/>
-          <p:cNvSpPr txBox="1">
-            <a:spLocks noGrp="1"/>
-          </p:cNvSpPr>
-          <p:nvPr>
-            <p:ph type="title"/>
-          </p:nvPr>
-        </p:nvSpPr>
-        <p:spPr>
-          <a:xfrm>
-            <a:off x="311700" y="294450"/>
-            <a:ext cx="8697432" cy="607800"/>
-          </a:xfrm>
-          <a:prstGeom prst="rect">
-            <a:avLst/>
-          </a:prstGeom>
-        </p:spPr>
-        <p:txBody>
-          <a:bodyPr spcFirstLastPara="1" wrap="square" lIns="91425" tIns="91425" rIns="91425" bIns="91425" anchor="t" anchorCtr="0">
-            <a:noAutofit/>
-          </a:bodyPr>
-          <a:lstStyle/>
-          <a:p>
-            <a:pPr marL="0" lvl="0" indent="0" algn="l" rtl="0">
-              <a:spcBef>
-                <a:spcPts val="0"/>
-              </a:spcBef>
-              <a:spcAft>
-                <a:spcPts val="0"/>
-              </a:spcAft>
-              <a:buNone/>
-            </a:pPr>
-            <a:r>
-              <a:rPr lang="en-US" altLang="zh-CN" sz="2800" dirty="0">
-                <a:latin typeface="微软雅黑" panose="020B0503020204020204" pitchFamily="34" charset="-122"/>
-                <a:ea typeface="微软雅黑" panose="020B0503020204020204" pitchFamily="34" charset="-122"/>
-              </a:rPr>
-              <a:t>Soft Errors</a:t>
-            </a:r>
-            <a:endParaRPr sz="2800" dirty="0">
-              <a:latin typeface="微软雅黑" panose="020B0503020204020204" pitchFamily="34" charset="-122"/>
-              <a:ea typeface="微软雅黑" panose="020B0503020204020204" pitchFamily="34" charset="-122"/>
-            </a:endParaRPr>
-          </a:p>
-        </p:txBody>
-      </p:sp>
-      <p:sp>
-        <p:nvSpPr>
-          <p:cNvPr id="106" name="Google Shape;106;p16"/>
-          <p:cNvSpPr txBox="1">
-            <a:spLocks noGrp="1"/>
-          </p:cNvSpPr>
-          <p:nvPr>
-            <p:ph type="body" idx="1"/>
-          </p:nvPr>
-        </p:nvSpPr>
-        <p:spPr>
-          <a:xfrm>
-            <a:off x="311700" y="902250"/>
-            <a:ext cx="8520600" cy="4025350"/>
-          </a:xfrm>
-          <a:prstGeom prst="rect">
-            <a:avLst/>
-          </a:prstGeom>
-        </p:spPr>
-        <p:txBody>
-          <a:bodyPr spcFirstLastPara="1" wrap="square" lIns="91425" tIns="91425" rIns="91425" bIns="91425" anchor="t" anchorCtr="0">
-            <a:noAutofit/>
-          </a:bodyPr>
-          <a:lstStyle/>
-          <a:p>
-            <a:pPr marL="457200" lvl="0" indent="-342900" algn="l" rtl="0">
-              <a:spcBef>
-                <a:spcPts val="0"/>
-              </a:spcBef>
-              <a:spcAft>
-                <a:spcPts val="0"/>
-              </a:spcAft>
-              <a:buSzPts val="1800"/>
-              <a:buChar char="●"/>
-            </a:pPr>
-            <a:r>
-              <a:rPr lang="zh-CN" altLang="en-US" dirty="0">
-                <a:latin typeface="楷体" panose="02010609060101010101" pitchFamily="49" charset="-122"/>
-                <a:ea typeface="楷体" panose="02010609060101010101" pitchFamily="49" charset="-122"/>
-              </a:rPr>
-              <a:t>交错奇偶校验：</a:t>
-            </a:r>
-            <a:endParaRPr lang="en-US" altLang="zh-CN" dirty="0">
-              <a:latin typeface="楷体" panose="02010609060101010101" pitchFamily="49" charset="-122"/>
-              <a:ea typeface="楷体" panose="02010609060101010101" pitchFamily="49" charset="-122"/>
-            </a:endParaRPr>
-          </a:p>
-          <a:p>
-            <a:pPr marL="914400" lvl="1" indent="-317500" algn="l" rtl="0">
-              <a:spcBef>
-                <a:spcPts val="0"/>
-              </a:spcBef>
-              <a:spcAft>
-                <a:spcPts val="0"/>
-              </a:spcAft>
-              <a:buSzPts val="1400"/>
-              <a:buChar char="○"/>
-            </a:pPr>
-            <a:r>
-              <a:rPr lang="zh-CN" altLang="en-US" dirty="0">
-                <a:latin typeface="楷体" panose="02010609060101010101" pitchFamily="49" charset="-122"/>
-                <a:ea typeface="楷体" panose="02010609060101010101" pitchFamily="49" charset="-122"/>
-              </a:rPr>
-              <a:t>交错的奇偶校验可以检测空间上连续的多位故障</a:t>
-            </a:r>
-            <a:endParaRPr lang="en-US" altLang="zh-CN" dirty="0">
-              <a:latin typeface="楷体" panose="02010609060101010101" pitchFamily="49" charset="-122"/>
-              <a:ea typeface="楷体" panose="02010609060101010101" pitchFamily="49" charset="-122"/>
-            </a:endParaRPr>
-          </a:p>
-          <a:p>
-            <a:pPr marL="914400" lvl="1" indent="-317500" algn="l" rtl="0">
-              <a:spcBef>
-                <a:spcPts val="0"/>
-              </a:spcBef>
-              <a:spcAft>
-                <a:spcPts val="0"/>
-              </a:spcAft>
-              <a:buSzPts val="1400"/>
-              <a:buChar char="○"/>
-            </a:pPr>
-            <a:r>
-              <a:rPr lang="zh-CN" altLang="en-US" dirty="0">
-                <a:latin typeface="楷体" panose="02010609060101010101" pitchFamily="49" charset="-122"/>
-                <a:ea typeface="楷体" panose="02010609060101010101" pitchFamily="49" charset="-122"/>
-              </a:rPr>
-              <a:t>如果</a:t>
-            </a:r>
-            <a:r>
-              <a:rPr lang="en-US" altLang="zh-CN" dirty="0">
-                <a:latin typeface="楷体" panose="02010609060101010101" pitchFamily="49" charset="-122"/>
-                <a:ea typeface="楷体" panose="02010609060101010101" pitchFamily="49" charset="-122"/>
-              </a:rPr>
-              <a:t>α</a:t>
-            </a:r>
-            <a:r>
-              <a:rPr lang="zh-CN" altLang="en-US" dirty="0">
-                <a:latin typeface="楷体" panose="02010609060101010101" pitchFamily="49" charset="-122"/>
-                <a:ea typeface="楷体" panose="02010609060101010101" pitchFamily="49" charset="-122"/>
-              </a:rPr>
-              <a:t>粒子或中子撞击破坏了两个连续位，那么</a:t>
-            </a:r>
-            <a:endParaRPr lang="en-US" altLang="zh-CN" dirty="0">
-              <a:latin typeface="楷体" panose="02010609060101010101" pitchFamily="49" charset="-122"/>
-              <a:ea typeface="楷体" panose="02010609060101010101" pitchFamily="49" charset="-122"/>
-            </a:endParaRPr>
-          </a:p>
-          <a:p>
-            <a:pPr marL="596900" lvl="1" indent="0" algn="l" rtl="0">
-              <a:spcBef>
-                <a:spcPts val="0"/>
-              </a:spcBef>
-              <a:spcAft>
-                <a:spcPts val="0"/>
-              </a:spcAft>
-              <a:buSzPts val="1400"/>
-              <a:buNone/>
-            </a:pPr>
-            <a:r>
-              <a:rPr lang="en-US" altLang="zh-CN" dirty="0">
-                <a:latin typeface="楷体" panose="02010609060101010101" pitchFamily="49" charset="-122"/>
-                <a:ea typeface="楷体" panose="02010609060101010101" pitchFamily="49" charset="-122"/>
-              </a:rPr>
-              <a:t>    Code Word 1</a:t>
-            </a:r>
-            <a:r>
-              <a:rPr lang="zh-CN" altLang="en-US" dirty="0">
-                <a:latin typeface="楷体" panose="02010609060101010101" pitchFamily="49" charset="-122"/>
-                <a:ea typeface="楷体" panose="02010609060101010101" pitchFamily="49" charset="-122"/>
-              </a:rPr>
-              <a:t>和</a:t>
-            </a:r>
-            <a:r>
-              <a:rPr lang="en-US" altLang="zh-CN" dirty="0">
-                <a:latin typeface="楷体" panose="02010609060101010101" pitchFamily="49" charset="-122"/>
-                <a:ea typeface="楷体" panose="02010609060101010101" pitchFamily="49" charset="-122"/>
-              </a:rPr>
-              <a:t>Code Word 2</a:t>
-            </a:r>
-            <a:r>
-              <a:rPr lang="zh-CN" altLang="en-US" dirty="0">
-                <a:latin typeface="楷体" panose="02010609060101010101" pitchFamily="49" charset="-122"/>
-                <a:ea typeface="楷体" panose="02010609060101010101" pitchFamily="49" charset="-122"/>
-              </a:rPr>
-              <a:t>均检测到错误。</a:t>
-            </a:r>
-            <a:endParaRPr lang="en-US" altLang="zh-CN" dirty="0">
-              <a:latin typeface="楷体" panose="02010609060101010101" pitchFamily="49" charset="-122"/>
-              <a:ea typeface="楷体" panose="02010609060101010101" pitchFamily="49" charset="-122"/>
-            </a:endParaRPr>
-          </a:p>
-          <a:p>
-            <a:pPr marL="457200" lvl="0" indent="-342900" algn="l" rtl="0">
-              <a:spcBef>
-                <a:spcPts val="0"/>
-              </a:spcBef>
-              <a:spcAft>
-                <a:spcPts val="0"/>
-              </a:spcAft>
-              <a:buSzPts val="1800"/>
-              <a:buChar char="●"/>
-            </a:pPr>
-            <a:r>
-              <a:rPr lang="zh-CN" altLang="en-US" dirty="0">
-                <a:latin typeface="楷体" panose="02010609060101010101" pitchFamily="49" charset="-122"/>
-                <a:ea typeface="楷体" panose="02010609060101010101" pitchFamily="49" charset="-122"/>
-              </a:rPr>
-              <a:t>单纠错双检错</a:t>
-            </a:r>
-            <a:r>
-              <a:rPr lang="en-US" altLang="zh-CN" dirty="0">
-                <a:latin typeface="楷体" panose="02010609060101010101" pitchFamily="49" charset="-122"/>
-                <a:ea typeface="楷体" panose="02010609060101010101" pitchFamily="49" charset="-122"/>
-              </a:rPr>
-              <a:t>(SECDED) </a:t>
-            </a:r>
-            <a:r>
-              <a:rPr lang="zh-CN" altLang="en-US" dirty="0">
-                <a:latin typeface="楷体" panose="02010609060101010101" pitchFamily="49" charset="-122"/>
-                <a:ea typeface="楷体" panose="02010609060101010101" pitchFamily="49" charset="-122"/>
-              </a:rPr>
-              <a:t>汉明码：</a:t>
-            </a:r>
-            <a:endParaRPr lang="en-US" altLang="zh-CN" dirty="0">
-              <a:latin typeface="楷体" panose="02010609060101010101" pitchFamily="49" charset="-122"/>
-              <a:ea typeface="楷体" panose="02010609060101010101" pitchFamily="49" charset="-122"/>
-            </a:endParaRPr>
-          </a:p>
-          <a:p>
-            <a:pPr marL="914400" lvl="1" indent="-317500" algn="l" rtl="0">
-              <a:spcBef>
-                <a:spcPts val="0"/>
-              </a:spcBef>
-              <a:spcAft>
-                <a:spcPts val="0"/>
-              </a:spcAft>
-              <a:buSzPts val="1400"/>
-              <a:buChar char="○"/>
-            </a:pPr>
-            <a:endParaRPr lang="en-US" altLang="zh-CN" dirty="0">
-              <a:latin typeface="楷体" panose="02010609060101010101" pitchFamily="49" charset="-122"/>
-              <a:ea typeface="楷体" panose="02010609060101010101" pitchFamily="49" charset="-122"/>
-            </a:endParaRPr>
-          </a:p>
-          <a:p>
-            <a:pPr marL="457200" lvl="0" indent="-342900" algn="l" rtl="0">
-              <a:spcBef>
-                <a:spcPts val="0"/>
-              </a:spcBef>
-              <a:spcAft>
-                <a:spcPts val="0"/>
-              </a:spcAft>
-              <a:buSzPts val="1800"/>
-              <a:buChar char="●"/>
-            </a:pPr>
-            <a:r>
-              <a:rPr lang="en-US" altLang="zh-CN" dirty="0">
-                <a:latin typeface="楷体" panose="02010609060101010101" pitchFamily="49" charset="-122"/>
-                <a:ea typeface="楷体" panose="02010609060101010101" pitchFamily="49" charset="-122"/>
-              </a:rPr>
-              <a:t>CRC</a:t>
-            </a:r>
-            <a:r>
-              <a:rPr lang="zh-CN" altLang="en-US" dirty="0">
-                <a:latin typeface="楷体" panose="02010609060101010101" pitchFamily="49" charset="-122"/>
-                <a:ea typeface="楷体" panose="02010609060101010101" pitchFamily="49" charset="-122"/>
-              </a:rPr>
-              <a:t>校验</a:t>
-            </a:r>
-            <a:r>
-              <a:rPr lang="en-US" altLang="zh-CN" dirty="0">
-                <a:latin typeface="楷体" panose="02010609060101010101" pitchFamily="49" charset="-122"/>
-                <a:ea typeface="楷体" panose="02010609060101010101" pitchFamily="49" charset="-122"/>
-              </a:rPr>
-              <a:t>(</a:t>
-            </a:r>
-            <a:r>
-              <a:rPr lang="zh-CN" altLang="en-US" dirty="0">
-                <a:latin typeface="楷体" panose="02010609060101010101" pitchFamily="49" charset="-122"/>
-                <a:ea typeface="楷体" panose="02010609060101010101" pitchFamily="49" charset="-122"/>
-              </a:rPr>
-              <a:t>循环冗余编码</a:t>
-            </a:r>
-            <a:r>
-              <a:rPr lang="en-US" altLang="zh-CN" dirty="0">
-                <a:latin typeface="楷体" panose="02010609060101010101" pitchFamily="49" charset="-122"/>
-                <a:ea typeface="楷体" panose="02010609060101010101" pitchFamily="49" charset="-122"/>
-              </a:rPr>
-              <a:t>)</a:t>
-            </a:r>
-            <a:r>
-              <a:rPr lang="zh-CN" altLang="en-US" dirty="0">
-                <a:latin typeface="楷体" panose="02010609060101010101" pitchFamily="49" charset="-122"/>
-                <a:ea typeface="楷体" panose="02010609060101010101" pitchFamily="49" charset="-122"/>
-              </a:rPr>
-              <a:t>：</a:t>
-            </a:r>
-            <a:endParaRPr lang="en-US" altLang="zh-CN" dirty="0">
-              <a:latin typeface="楷体" panose="02010609060101010101" pitchFamily="49" charset="-122"/>
-              <a:ea typeface="楷体" panose="02010609060101010101" pitchFamily="49" charset="-122"/>
-            </a:endParaRPr>
-          </a:p>
-          <a:p>
-            <a:pPr marL="914400" lvl="1" indent="-317500" algn="l" rtl="0">
-              <a:spcBef>
-                <a:spcPts val="0"/>
-              </a:spcBef>
-              <a:spcAft>
-                <a:spcPts val="0"/>
-              </a:spcAft>
-              <a:buSzPts val="1400"/>
-              <a:buChar char="○"/>
-            </a:pPr>
-            <a:endParaRPr lang="en-US" altLang="zh-CN" dirty="0">
-              <a:latin typeface="楷体" panose="02010609060101010101" pitchFamily="49" charset="-122"/>
-              <a:ea typeface="楷体" panose="02010609060101010101" pitchFamily="49" charset="-122"/>
-            </a:endParaRPr>
-          </a:p>
-          <a:p>
-            <a:pPr marL="457200" lvl="0" indent="-342900" algn="l" rtl="0">
-              <a:spcBef>
-                <a:spcPts val="0"/>
-              </a:spcBef>
-              <a:spcAft>
-                <a:spcPts val="0"/>
-              </a:spcAft>
-              <a:buSzPts val="1800"/>
-              <a:buChar char="●"/>
-            </a:pPr>
-            <a:r>
-              <a:rPr lang="zh-CN" altLang="en-US" dirty="0">
-                <a:latin typeface="楷体" panose="02010609060101010101" pitchFamily="49" charset="-122"/>
-                <a:ea typeface="楷体" panose="02010609060101010101" pitchFamily="49" charset="-122"/>
-              </a:rPr>
-              <a:t>流水线中执行单元的错误检测：</a:t>
-            </a:r>
-            <a:endParaRPr lang="en-US" altLang="zh-CN" dirty="0">
-              <a:latin typeface="楷体" panose="02010609060101010101" pitchFamily="49" charset="-122"/>
-              <a:ea typeface="楷体" panose="02010609060101010101" pitchFamily="49" charset="-122"/>
-            </a:endParaRPr>
-          </a:p>
-          <a:p>
-            <a:pPr marL="914400" lvl="1" indent="-317500" algn="l" rtl="0">
-              <a:spcBef>
-                <a:spcPts val="0"/>
-              </a:spcBef>
-              <a:spcAft>
-                <a:spcPts val="0"/>
-              </a:spcAft>
-              <a:buSzPts val="1400"/>
-              <a:buChar char="○"/>
-            </a:pPr>
-            <a:r>
-              <a:rPr lang="en-US" altLang="zh-CN" dirty="0">
-                <a:latin typeface="楷体" panose="02010609060101010101" pitchFamily="49" charset="-122"/>
-                <a:ea typeface="楷体" panose="02010609060101010101" pitchFamily="49" charset="-122"/>
-              </a:rPr>
-              <a:t>AN</a:t>
-            </a:r>
-            <a:r>
-              <a:rPr lang="zh-CN" altLang="en-US" dirty="0">
-                <a:latin typeface="楷体" panose="02010609060101010101" pitchFamily="49" charset="-122"/>
-                <a:ea typeface="楷体" panose="02010609060101010101" pitchFamily="49" charset="-122"/>
-              </a:rPr>
-              <a:t>码、残差码</a:t>
-            </a:r>
-            <a:r>
-              <a:rPr lang="en-US" altLang="zh-CN" dirty="0">
-                <a:latin typeface="楷体" panose="02010609060101010101" pitchFamily="49" charset="-122"/>
-                <a:ea typeface="楷体" panose="02010609060101010101" pitchFamily="49" charset="-122"/>
-              </a:rPr>
-              <a:t>(Residue Codes)</a:t>
-            </a:r>
-            <a:r>
-              <a:rPr lang="zh-CN" altLang="en-US" dirty="0">
-                <a:latin typeface="楷体" panose="02010609060101010101" pitchFamily="49" charset="-122"/>
-                <a:ea typeface="楷体" panose="02010609060101010101" pitchFamily="49" charset="-122"/>
-              </a:rPr>
-              <a:t>、奇偶预测</a:t>
-            </a:r>
-          </a:p>
-        </p:txBody>
-      </p:sp>
-      <p:sp>
-        <p:nvSpPr>
-          <p:cNvPr id="107" name="Google Shape;107;p16"/>
-          <p:cNvSpPr txBox="1">
-            <a:spLocks noGrp="1"/>
-          </p:cNvSpPr>
-          <p:nvPr>
-            <p:ph type="sldNum" idx="12"/>
-          </p:nvPr>
-        </p:nvSpPr>
-        <p:spPr>
-          <a:xfrm>
-            <a:off x="8460431" y="4651190"/>
-            <a:ext cx="548700" cy="393600"/>
-          </a:xfrm>
-          <a:prstGeom prst="rect">
-            <a:avLst/>
-          </a:prstGeom>
-        </p:spPr>
-        <p:txBody>
-          <a:bodyPr spcFirstLastPara="1" wrap="square" lIns="91425" tIns="91425" rIns="91425" bIns="91425" anchor="ctr" anchorCtr="0">
-            <a:noAutofit/>
-          </a:bodyPr>
-          <a:lstStyle/>
-          <a:p>
-            <a:pPr marL="0" lvl="0" indent="0" algn="r" rtl="0">
-              <a:spcBef>
-                <a:spcPts val="0"/>
-              </a:spcBef>
-              <a:spcAft>
-                <a:spcPts val="0"/>
-              </a:spcAft>
-              <a:buNone/>
-            </a:pPr>
-            <a:fld id="{00000000-1234-1234-1234-123412341234}" type="slidenum">
-              <a:rPr lang="en"/>
-              <a:t>12</a:t>
-            </a:fld>
-            <a:endParaRPr/>
-          </a:p>
-        </p:txBody>
-      </p:sp>
-      <p:pic>
-        <p:nvPicPr>
-          <p:cNvPr id="4" name="图片 3">
-            <a:extLst>
-              <a:ext uri="{FF2B5EF4-FFF2-40B4-BE49-F238E27FC236}">
-                <a16:creationId xmlns:a16="http://schemas.microsoft.com/office/drawing/2014/main" id="{BFE86BBC-FD1B-4801-B5D3-AC55B1EAED76}"/>
+                <a16:creationId xmlns:a16="http://schemas.microsoft.com/office/drawing/2014/main" id="{A316606B-5AB8-B4CF-5846-526A4C2C8584}"/>
               </a:ext>
             </a:extLst>
           </p:cNvPr>
@@ -11819,8 +13494,8 @@
         </p:blipFill>
         <p:spPr>
           <a:xfrm>
-            <a:off x="5220015" y="1090472"/>
-            <a:ext cx="3789116" cy="1036590"/>
+            <a:off x="6045200" y="2298567"/>
+            <a:ext cx="3098800" cy="1080270"/>
           </a:xfrm>
           <a:prstGeom prst="rect">
             <a:avLst/>
@@ -11830,7 +13505,85 @@
     </p:spTree>
     <p:extLst>
       <p:ext uri="{BB962C8B-B14F-4D97-AF65-F5344CB8AC3E}">
-        <p14:creationId xmlns:p14="http://schemas.microsoft.com/office/powerpoint/2010/main" val="3427740428"/>
+        <p14:creationId xmlns:p14="http://schemas.microsoft.com/office/powerpoint/2010/main" val="772403585"/>
+      </p:ext>
+    </p:extLst>
+  </p:cSld>
+  <p:clrMapOvr>
+    <a:masterClrMapping/>
+  </p:clrMapOvr>
+</p:sld>
+</file>
+
+<file path=ppt/slides/slide12.xml><?xml version="1.0" encoding="utf-8"?>
+<p:sld xmlns:a="http://schemas.openxmlformats.org/drawingml/2006/main" xmlns:r="http://schemas.openxmlformats.org/officeDocument/2006/relationships" xmlns:p="http://schemas.openxmlformats.org/presentationml/2006/main">
+  <p:cSld>
+    <p:spTree>
+      <p:nvGrpSpPr>
+        <p:cNvPr id="1" name="Shape 84"/>
+        <p:cNvGrpSpPr/>
+        <p:nvPr/>
+      </p:nvGrpSpPr>
+      <p:grpSpPr>
+        <a:xfrm>
+          <a:off x="0" y="0"/>
+          <a:ext cx="0" cy="0"/>
+          <a:chOff x="0" y="0"/>
+          <a:chExt cx="0" cy="0"/>
+        </a:xfrm>
+      </p:grpSpPr>
+      <p:sp>
+        <p:nvSpPr>
+          <p:cNvPr id="85" name="Google Shape;85;p13"/>
+          <p:cNvSpPr txBox="1">
+            <a:spLocks noGrp="1"/>
+          </p:cNvSpPr>
+          <p:nvPr>
+            <p:ph type="ctrTitle"/>
+          </p:nvPr>
+        </p:nvSpPr>
+        <p:spPr>
+          <a:xfrm>
+            <a:off x="2694619" y="2114394"/>
+            <a:ext cx="3754762" cy="914712"/>
+          </a:xfrm>
+          <a:prstGeom prst="rect">
+            <a:avLst/>
+          </a:prstGeom>
+        </p:spPr>
+        <p:txBody>
+          <a:bodyPr spcFirstLastPara="1" wrap="square" lIns="91425" tIns="91425" rIns="91425" bIns="91425" anchor="b" anchorCtr="0">
+            <a:noAutofit/>
+          </a:bodyPr>
+          <a:lstStyle/>
+          <a:p>
+            <a:pPr marL="0" lvl="0" indent="0" algn="ctr" rtl="0">
+              <a:spcBef>
+                <a:spcPts val="0"/>
+              </a:spcBef>
+              <a:spcAft>
+                <a:spcPts val="0"/>
+              </a:spcAft>
+              <a:buNone/>
+            </a:pPr>
+            <a:r>
+              <a:rPr lang="zh-CN" altLang="en-US" sz="5400" dirty="0">
+                <a:latin typeface="楷体" panose="02010609060101010101" pitchFamily="49" charset="-122"/>
+                <a:ea typeface="楷体" panose="02010609060101010101" pitchFamily="49" charset="-122"/>
+              </a:rPr>
+              <a:t>冗余</a:t>
+            </a:r>
+            <a:endParaRPr sz="5400" dirty="0">
+              <a:latin typeface="楷体" panose="02010609060101010101" pitchFamily="49" charset="-122"/>
+              <a:ea typeface="楷体" panose="02010609060101010101" pitchFamily="49" charset="-122"/>
+            </a:endParaRPr>
+          </a:p>
+        </p:txBody>
+      </p:sp>
+    </p:spTree>
+    <p:extLst>
+      <p:ext uri="{BB962C8B-B14F-4D97-AF65-F5344CB8AC3E}">
+        <p14:creationId xmlns:p14="http://schemas.microsoft.com/office/powerpoint/2010/main" val="187983868"/>
       </p:ext>
     </p:extLst>
   </p:cSld>
@@ -11945,21 +13698,7 @@
                 <a:latin typeface="楷体" panose="02010609060101010101" pitchFamily="49" charset="-122"/>
                 <a:ea typeface="楷体" panose="02010609060101010101" pitchFamily="49" charset="-122"/>
               </a:rPr>
-              <a:t>处理器中的</a:t>
-            </a:r>
-            <a:r>
-              <a:rPr lang="en-US" altLang="zh-CN" dirty="0">
-                <a:latin typeface="楷体" panose="02010609060101010101" pitchFamily="49" charset="-122"/>
-                <a:ea typeface="楷体" panose="02010609060101010101" pitchFamily="49" charset="-122"/>
-              </a:rPr>
-              <a:t>false DUE</a:t>
-            </a:r>
-            <a:r>
-              <a:rPr lang="zh-CN" altLang="en-US" dirty="0">
-                <a:latin typeface="楷体" panose="02010609060101010101" pitchFamily="49" charset="-122"/>
-                <a:ea typeface="楷体" panose="02010609060101010101" pitchFamily="49" charset="-122"/>
-              </a:rPr>
-              <a:t>事件来源：</a:t>
+              <a:t>冗余：</a:t>
             </a:r>
             <a:endParaRPr lang="en-US" altLang="zh-CN" dirty="0">
               <a:latin typeface="楷体" panose="02010609060101010101" pitchFamily="49" charset="-122"/>
@@ -11982,7 +13721,7 @@
                 <a:latin typeface="楷体" panose="02010609060101010101" pitchFamily="49" charset="-122"/>
                 <a:ea typeface="楷体" panose="02010609060101010101" pitchFamily="49" charset="-122"/>
               </a:rPr>
-              <a:t>是</a:t>
+              <a:t>简单来说，即复制。多个相同副本冗余执行相同程序，然后比较执行流的输出结果。</a:t>
             </a:r>
             <a:endParaRPr lang="en-US" altLang="zh-CN" dirty="0">
               <a:latin typeface="楷体" panose="02010609060101010101" pitchFamily="49" charset="-122"/>
@@ -12000,12 +13739,79 @@
               <a:buSzPts val="1400"/>
               <a:buChar char="○"/>
             </a:pPr>
+            <a:r>
+              <a:rPr lang="zh-CN" altLang="en-US" b="1" dirty="0">
+                <a:latin typeface="楷体" panose="02010609060101010101" pitchFamily="49" charset="-122"/>
+                <a:ea typeface="楷体" panose="02010609060101010101" pitchFamily="49" charset="-122"/>
+              </a:rPr>
+              <a:t>复制范围</a:t>
+            </a:r>
+            <a:r>
+              <a:rPr lang="zh-CN" altLang="en-US" dirty="0">
+                <a:latin typeface="楷体" panose="02010609060101010101" pitchFamily="49" charset="-122"/>
+                <a:ea typeface="楷体" panose="02010609060101010101" pitchFamily="49" charset="-122"/>
+              </a:rPr>
+              <a:t>和</a:t>
+            </a:r>
+            <a:r>
+              <a:rPr lang="zh-CN" altLang="en-US" b="1" dirty="0">
+                <a:latin typeface="楷体" panose="02010609060101010101" pitchFamily="49" charset="-122"/>
+                <a:ea typeface="楷体" panose="02010609060101010101" pitchFamily="49" charset="-122"/>
+              </a:rPr>
+              <a:t>输出比较器</a:t>
+            </a:r>
+            <a:r>
+              <a:rPr lang="zh-CN" altLang="en-US" dirty="0">
+                <a:latin typeface="楷体" panose="02010609060101010101" pitchFamily="49" charset="-122"/>
+                <a:ea typeface="楷体" panose="02010609060101010101" pitchFamily="49" charset="-122"/>
+              </a:rPr>
+              <a:t>是冗余的核心。</a:t>
+            </a:r>
             <a:endParaRPr lang="en-US" altLang="zh-CN" dirty="0">
               <a:latin typeface="楷体" panose="02010609060101010101" pitchFamily="49" charset="-122"/>
               <a:ea typeface="楷体" panose="02010609060101010101" pitchFamily="49" charset="-122"/>
             </a:endParaRPr>
           </a:p>
           <a:p>
+            <a:pPr marL="914400" lvl="1" indent="-317500" algn="l" rtl="0">
+              <a:spcBef>
+                <a:spcPts val="0"/>
+              </a:spcBef>
+              <a:spcAft>
+                <a:spcPts val="0"/>
+              </a:spcAft>
+              <a:buSzPts val="1400"/>
+              <a:buChar char="○"/>
+            </a:pPr>
+            <a:r>
+              <a:rPr lang="zh-CN" altLang="en-US" dirty="0">
+                <a:latin typeface="楷体" panose="02010609060101010101" pitchFamily="49" charset="-122"/>
+                <a:ea typeface="楷体" panose="02010609060101010101" pitchFamily="49" charset="-122"/>
+              </a:rPr>
+              <a:t>必须比较离开复制范围的任何输出以检查不匹配和相应的故障。复制范围内的任何输入都必须适当地复制并传送到范围内的正确节点。</a:t>
+            </a:r>
+            <a:endParaRPr lang="en-US" altLang="zh-CN" dirty="0">
+              <a:latin typeface="楷体" panose="02010609060101010101" pitchFamily="49" charset="-122"/>
+              <a:ea typeface="楷体" panose="02010609060101010101" pitchFamily="49" charset="-122"/>
+            </a:endParaRPr>
+          </a:p>
+          <a:p>
+            <a:pPr marL="914400" lvl="1" indent="-317500" algn="l" rtl="0">
+              <a:spcBef>
+                <a:spcPts val="0"/>
+              </a:spcBef>
+              <a:spcAft>
+                <a:spcPts val="0"/>
+              </a:spcAft>
+              <a:buSzPts val="1400"/>
+              <a:buChar char="○"/>
+            </a:pPr>
+            <a:endParaRPr lang="en-US" altLang="zh-CN" dirty="0">
+              <a:latin typeface="楷体" panose="02010609060101010101" pitchFamily="49" charset="-122"/>
+              <a:ea typeface="楷体" panose="02010609060101010101" pitchFamily="49" charset="-122"/>
+            </a:endParaRPr>
+          </a:p>
+          <a:p>
             <a:pPr marL="457200" lvl="0" indent="-342900" algn="l" rtl="0">
               <a:spcBef>
                 <a:spcPts val="0"/>
@@ -12017,19 +13823,353 @@
               <a:buChar char="●"/>
             </a:pPr>
             <a:r>
-              <a:rPr lang="en-US" altLang="zh-CN" dirty="0">
-                <a:latin typeface="楷体" panose="02010609060101010101" pitchFamily="49" charset="-122"/>
-                <a:ea typeface="楷体" panose="02010609060101010101" pitchFamily="49" charset="-122"/>
-              </a:rPr>
-              <a:t>ECC</a:t>
-            </a:r>
-            <a:r>
-              <a:rPr lang="zh-CN" altLang="en-US" dirty="0">
-                <a:latin typeface="楷体" panose="02010609060101010101" pitchFamily="49" charset="-122"/>
-                <a:ea typeface="楷体" panose="02010609060101010101" pitchFamily="49" charset="-122"/>
-              </a:rPr>
-              <a:t>：</a:t>
-            </a:r>
+              <a:rPr lang="zh-CN" altLang="en-US" dirty="0">
+                <a:latin typeface="楷体" panose="02010609060101010101" pitchFamily="49" charset="-122"/>
+                <a:ea typeface="楷体" panose="02010609060101010101" pitchFamily="49" charset="-122"/>
+              </a:rPr>
+              <a:t>分类：</a:t>
+            </a:r>
+            <a:endParaRPr lang="en-US" altLang="zh-CN" dirty="0">
+              <a:latin typeface="楷体" panose="02010609060101010101" pitchFamily="49" charset="-122"/>
+              <a:ea typeface="楷体" panose="02010609060101010101" pitchFamily="49" charset="-122"/>
+            </a:endParaRPr>
+          </a:p>
+          <a:p>
+            <a:pPr marL="914400" lvl="1" indent="-317500" algn="l" rtl="0">
+              <a:spcBef>
+                <a:spcPts val="0"/>
+              </a:spcBef>
+              <a:spcAft>
+                <a:spcPts val="0"/>
+              </a:spcAft>
+              <a:buSzPts val="1400"/>
+              <a:buChar char="○"/>
+            </a:pPr>
+            <a:r>
+              <a:rPr lang="zh-CN" altLang="en-US" dirty="0">
+                <a:latin typeface="楷体" panose="02010609060101010101" pitchFamily="49" charset="-122"/>
+                <a:ea typeface="楷体" panose="02010609060101010101" pitchFamily="49" charset="-122"/>
+              </a:rPr>
+              <a:t>按数量：</a:t>
+            </a:r>
+            <a:r>
+              <a:rPr lang="en-US" altLang="zh-CN" dirty="0">
+                <a:latin typeface="楷体" panose="02010609060101010101" pitchFamily="49" charset="-122"/>
+                <a:ea typeface="楷体" panose="02010609060101010101" pitchFamily="49" charset="-122"/>
+              </a:rPr>
+              <a:t>DMR(</a:t>
+            </a:r>
+            <a:r>
+              <a:rPr lang="zh-CN" altLang="en-US" dirty="0">
+                <a:latin typeface="楷体" panose="02010609060101010101" pitchFamily="49" charset="-122"/>
+                <a:ea typeface="楷体" panose="02010609060101010101" pitchFamily="49" charset="-122"/>
+              </a:rPr>
+              <a:t>双模冗余</a:t>
+            </a:r>
+            <a:r>
+              <a:rPr lang="en-US" altLang="zh-CN" dirty="0">
+                <a:latin typeface="楷体" panose="02010609060101010101" pitchFamily="49" charset="-122"/>
+                <a:ea typeface="楷体" panose="02010609060101010101" pitchFamily="49" charset="-122"/>
+              </a:rPr>
+              <a:t>)</a:t>
+            </a:r>
+            <a:r>
+              <a:rPr lang="zh-CN" altLang="en-US" dirty="0">
+                <a:latin typeface="楷体" panose="02010609060101010101" pitchFamily="49" charset="-122"/>
+                <a:ea typeface="楷体" panose="02010609060101010101" pitchFamily="49" charset="-122"/>
+              </a:rPr>
+              <a:t>和</a:t>
+            </a:r>
+            <a:r>
+              <a:rPr lang="en-US" altLang="zh-CN" dirty="0">
+                <a:latin typeface="楷体" panose="02010609060101010101" pitchFamily="49" charset="-122"/>
+                <a:ea typeface="楷体" panose="02010609060101010101" pitchFamily="49" charset="-122"/>
+              </a:rPr>
+              <a:t>TMR(</a:t>
+            </a:r>
+            <a:r>
+              <a:rPr lang="zh-CN" altLang="en-US" dirty="0">
+                <a:latin typeface="楷体" panose="02010609060101010101" pitchFamily="49" charset="-122"/>
+                <a:ea typeface="楷体" panose="02010609060101010101" pitchFamily="49" charset="-122"/>
+              </a:rPr>
+              <a:t>三模冗余</a:t>
+            </a:r>
+            <a:r>
+              <a:rPr lang="en-US" altLang="zh-CN" dirty="0">
+                <a:latin typeface="楷体" panose="02010609060101010101" pitchFamily="49" charset="-122"/>
+                <a:ea typeface="楷体" panose="02010609060101010101" pitchFamily="49" charset="-122"/>
+              </a:rPr>
+              <a:t>)</a:t>
+            </a:r>
+          </a:p>
+          <a:p>
+            <a:pPr marL="914400" lvl="1" indent="-317500" algn="l" rtl="0">
+              <a:spcBef>
+                <a:spcPts val="0"/>
+              </a:spcBef>
+              <a:spcAft>
+                <a:spcPts val="0"/>
+              </a:spcAft>
+              <a:buSzPts val="1400"/>
+              <a:buChar char="○"/>
+            </a:pPr>
+            <a:r>
+              <a:rPr lang="en-US" altLang="zh-CN" dirty="0">
+                <a:latin typeface="楷体" panose="02010609060101010101" pitchFamily="49" charset="-122"/>
+                <a:ea typeface="楷体" panose="02010609060101010101" pitchFamily="49" charset="-122"/>
+              </a:rPr>
+              <a:t>DMR</a:t>
+            </a:r>
+            <a:r>
+              <a:rPr lang="zh-CN" altLang="en-US" dirty="0">
+                <a:latin typeface="楷体" panose="02010609060101010101" pitchFamily="49" charset="-122"/>
+                <a:ea typeface="楷体" panose="02010609060101010101" pitchFamily="49" charset="-122"/>
+              </a:rPr>
+              <a:t>中，按是否周期比较分：</a:t>
+            </a:r>
+            <a:r>
+              <a:rPr lang="en-US" altLang="zh-CN" dirty="0">
+                <a:latin typeface="楷体" panose="02010609060101010101" pitchFamily="49" charset="-122"/>
+                <a:ea typeface="楷体" panose="02010609060101010101" pitchFamily="49" charset="-122"/>
+              </a:rPr>
+              <a:t>Lock-Step(</a:t>
+            </a:r>
+            <a:r>
+              <a:rPr lang="zh-CN" altLang="en-US" dirty="0">
+                <a:latin typeface="楷体" panose="02010609060101010101" pitchFamily="49" charset="-122"/>
+                <a:ea typeface="楷体" panose="02010609060101010101" pitchFamily="49" charset="-122"/>
+              </a:rPr>
+              <a:t>锁步</a:t>
+            </a:r>
+            <a:r>
+              <a:rPr lang="en-US" altLang="zh-CN" dirty="0">
+                <a:latin typeface="楷体" panose="02010609060101010101" pitchFamily="49" charset="-122"/>
+                <a:ea typeface="楷体" panose="02010609060101010101" pitchFamily="49" charset="-122"/>
+              </a:rPr>
+              <a:t>)</a:t>
+            </a:r>
+            <a:r>
+              <a:rPr lang="zh-CN" altLang="en-US" dirty="0">
+                <a:latin typeface="楷体" panose="02010609060101010101" pitchFamily="49" charset="-122"/>
+                <a:ea typeface="楷体" panose="02010609060101010101" pitchFamily="49" charset="-122"/>
+              </a:rPr>
+              <a:t>和</a:t>
+            </a:r>
+            <a:r>
+              <a:rPr lang="en-US" altLang="zh-CN" dirty="0">
+                <a:latin typeface="楷体" panose="02010609060101010101" pitchFamily="49" charset="-122"/>
+                <a:ea typeface="楷体" panose="02010609060101010101" pitchFamily="49" charset="-122"/>
+              </a:rPr>
+              <a:t>RMT(Redundant Multithreading </a:t>
+            </a:r>
+            <a:r>
+              <a:rPr lang="zh-CN" altLang="en-US" dirty="0">
+                <a:latin typeface="楷体" panose="02010609060101010101" pitchFamily="49" charset="-122"/>
+                <a:ea typeface="楷体" panose="02010609060101010101" pitchFamily="49" charset="-122"/>
+              </a:rPr>
+              <a:t>冗余多线程</a:t>
+            </a:r>
+            <a:r>
+              <a:rPr lang="en-US" altLang="zh-CN" dirty="0">
+                <a:latin typeface="楷体" panose="02010609060101010101" pitchFamily="49" charset="-122"/>
+                <a:ea typeface="楷体" panose="02010609060101010101" pitchFamily="49" charset="-122"/>
+              </a:rPr>
+              <a:t>)</a:t>
+            </a:r>
+            <a:r>
+              <a:rPr lang="zh-CN" altLang="en-US" dirty="0">
+                <a:latin typeface="楷体" panose="02010609060101010101" pitchFamily="49" charset="-122"/>
+                <a:ea typeface="楷体" panose="02010609060101010101" pitchFamily="49" charset="-122"/>
+              </a:rPr>
+              <a:t>。</a:t>
+            </a:r>
+            <a:endParaRPr lang="en-US" altLang="zh-CN" dirty="0">
+              <a:latin typeface="楷体" panose="02010609060101010101" pitchFamily="49" charset="-122"/>
+              <a:ea typeface="楷体" panose="02010609060101010101" pitchFamily="49" charset="-122"/>
+            </a:endParaRPr>
+          </a:p>
+          <a:p>
+            <a:pPr marL="914400" lvl="1" indent="-317500" algn="l" rtl="0">
+              <a:spcBef>
+                <a:spcPts val="0"/>
+              </a:spcBef>
+              <a:spcAft>
+                <a:spcPts val="0"/>
+              </a:spcAft>
+              <a:buSzPts val="1400"/>
+              <a:buChar char="○"/>
+            </a:pPr>
+            <a:endParaRPr lang="en-US" altLang="zh-CN" dirty="0">
+              <a:latin typeface="楷体" panose="02010609060101010101" pitchFamily="49" charset="-122"/>
+              <a:ea typeface="楷体" panose="02010609060101010101" pitchFamily="49" charset="-122"/>
+            </a:endParaRPr>
+          </a:p>
+          <a:p>
+            <a:pPr marL="914400" lvl="1" indent="-317500" algn="l" rtl="0">
+              <a:spcBef>
+                <a:spcPts val="0"/>
+              </a:spcBef>
+              <a:spcAft>
+                <a:spcPts val="0"/>
+              </a:spcAft>
+              <a:buSzPts val="1400"/>
+              <a:buChar char="○"/>
+            </a:pPr>
+            <a:r>
+              <a:rPr lang="en-US" altLang="zh-CN" dirty="0">
+                <a:latin typeface="楷体" panose="02010609060101010101" pitchFamily="49" charset="-122"/>
+                <a:ea typeface="楷体" panose="02010609060101010101" pitchFamily="49" charset="-122"/>
+              </a:rPr>
+              <a:t>Lock-Step</a:t>
+            </a:r>
+            <a:r>
+              <a:rPr lang="zh-CN" altLang="en-US" dirty="0">
+                <a:latin typeface="楷体" panose="02010609060101010101" pitchFamily="49" charset="-122"/>
+                <a:ea typeface="楷体" panose="02010609060101010101" pitchFamily="49" charset="-122"/>
+              </a:rPr>
+              <a:t>中，冗余会在两个独立但相同的处理器内核上运行。处理器内核在</a:t>
+            </a:r>
+            <a:r>
+              <a:rPr lang="zh-CN" altLang="en-US" b="1" dirty="0">
+                <a:latin typeface="楷体" panose="02010609060101010101" pitchFamily="49" charset="-122"/>
+                <a:ea typeface="楷体" panose="02010609060101010101" pitchFamily="49" charset="-122"/>
+              </a:rPr>
+              <a:t>每个周期中必须具有完全相同的状态</a:t>
+            </a:r>
+            <a:r>
+              <a:rPr lang="zh-CN" altLang="en-US" dirty="0">
+                <a:latin typeface="楷体" panose="02010609060101010101" pitchFamily="49" charset="-122"/>
+                <a:ea typeface="楷体" panose="02010609060101010101" pitchFamily="49" charset="-122"/>
+              </a:rPr>
+              <a:t>，输入必须在相同的周期边界被复制并送到两个处理器内核。               </a:t>
+            </a:r>
+            <a:endParaRPr lang="en-US" altLang="zh-CN" dirty="0">
+              <a:latin typeface="楷体" panose="02010609060101010101" pitchFamily="49" charset="-122"/>
+              <a:ea typeface="楷体" panose="02010609060101010101" pitchFamily="49" charset="-122"/>
+            </a:endParaRPr>
+          </a:p>
+          <a:p>
+            <a:pPr marL="914400" lvl="1" indent="-317500" algn="l" rtl="0">
+              <a:spcBef>
+                <a:spcPts val="0"/>
+              </a:spcBef>
+              <a:spcAft>
+                <a:spcPts val="0"/>
+              </a:spcAft>
+              <a:buSzPts val="1400"/>
+              <a:buChar char="○"/>
+            </a:pPr>
+            <a:r>
+              <a:rPr lang="en-US" altLang="zh-CN" dirty="0">
+                <a:latin typeface="楷体" panose="02010609060101010101" pitchFamily="49" charset="-122"/>
+                <a:ea typeface="楷体" panose="02010609060101010101" pitchFamily="49" charset="-122"/>
+              </a:rPr>
+              <a:t>RMT</a:t>
+            </a:r>
+            <a:r>
+              <a:rPr lang="zh-CN" altLang="en-US" dirty="0">
+                <a:latin typeface="楷体" panose="02010609060101010101" pitchFamily="49" charset="-122"/>
+                <a:ea typeface="楷体" panose="02010609060101010101" pitchFamily="49" charset="-122"/>
+              </a:rPr>
+              <a:t>也称松散锁步</a:t>
+            </a:r>
+            <a:r>
+              <a:rPr lang="en-US" altLang="zh-CN" dirty="0">
+                <a:latin typeface="楷体" panose="02010609060101010101" pitchFamily="49" charset="-122"/>
+                <a:ea typeface="楷体" panose="02010609060101010101" pitchFamily="49" charset="-122"/>
+              </a:rPr>
+              <a:t>(</a:t>
+            </a:r>
+            <a:r>
+              <a:rPr lang="en-US" altLang="zh-CN" b="0" i="0" dirty="0">
+                <a:effectLst/>
+                <a:latin typeface="Times New Roman" panose="02020603050405020304" pitchFamily="18" charset="0"/>
+              </a:rPr>
+              <a:t>loose </a:t>
+            </a:r>
+            <a:r>
+              <a:rPr lang="en-US" altLang="zh-CN" b="0" i="0" dirty="0" err="1">
+                <a:effectLst/>
+                <a:latin typeface="Times New Roman" panose="02020603050405020304" pitchFamily="18" charset="0"/>
+              </a:rPr>
+              <a:t>Lockstepping</a:t>
+            </a:r>
+            <a:r>
+              <a:rPr lang="en-US" altLang="zh-CN" dirty="0">
+                <a:latin typeface="楷体" panose="02010609060101010101" pitchFamily="49" charset="-122"/>
+                <a:ea typeface="楷体" panose="02010609060101010101" pitchFamily="49" charset="-122"/>
+              </a:rPr>
+              <a:t>)</a:t>
+            </a:r>
+            <a:r>
+              <a:rPr lang="zh-CN" altLang="en-US" dirty="0">
+                <a:latin typeface="楷体" panose="02010609060101010101" pitchFamily="49" charset="-122"/>
+                <a:ea typeface="楷体" panose="02010609060101010101" pitchFamily="49" charset="-122"/>
+              </a:rPr>
+              <a:t>，仅比较来自冗余流的已提交指令</a:t>
+            </a:r>
+            <a:endParaRPr lang="en-US" altLang="zh-CN" dirty="0">
+              <a:latin typeface="楷体" panose="02010609060101010101" pitchFamily="49" charset="-122"/>
+              <a:ea typeface="楷体" panose="02010609060101010101" pitchFamily="49" charset="-122"/>
+            </a:endParaRPr>
+          </a:p>
+          <a:p>
+            <a:pPr marL="596900" lvl="1" indent="0" algn="l" rtl="0">
+              <a:spcBef>
+                <a:spcPts val="0"/>
+              </a:spcBef>
+              <a:spcAft>
+                <a:spcPts val="0"/>
+              </a:spcAft>
+              <a:buSzPts val="1400"/>
+              <a:buNone/>
+            </a:pPr>
+            <a:r>
+              <a:rPr lang="en-US" altLang="zh-CN" dirty="0">
+                <a:latin typeface="楷体" panose="02010609060101010101" pitchFamily="49" charset="-122"/>
+                <a:ea typeface="楷体" panose="02010609060101010101" pitchFamily="49" charset="-122"/>
+              </a:rPr>
+              <a:t>   </a:t>
+            </a:r>
+            <a:r>
+              <a:rPr lang="zh-CN" altLang="en-US" dirty="0">
+                <a:latin typeface="楷体" panose="02010609060101010101" pitchFamily="49" charset="-122"/>
+                <a:ea typeface="楷体" panose="02010609060101010101" pitchFamily="49" charset="-122"/>
+              </a:rPr>
+              <a:t>是否不匹配，内核状态并不要求周期一致。</a:t>
+            </a:r>
+            <a:endParaRPr lang="en-US" altLang="zh-CN" dirty="0">
+              <a:latin typeface="楷体" panose="02010609060101010101" pitchFamily="49" charset="-122"/>
+              <a:ea typeface="楷体" panose="02010609060101010101" pitchFamily="49" charset="-122"/>
+            </a:endParaRPr>
+          </a:p>
+          <a:p>
+            <a:pPr marL="114300" lvl="0" indent="0" algn="l" rtl="0">
+              <a:spcBef>
+                <a:spcPts val="0"/>
+              </a:spcBef>
+              <a:spcAft>
+                <a:spcPts val="0"/>
+              </a:spcAft>
+              <a:buSzPts val="1800"/>
+              <a:buNone/>
+            </a:pPr>
+            <a:endParaRPr lang="en-US" altLang="zh-CN" dirty="0">
+              <a:latin typeface="楷体" panose="02010609060101010101" pitchFamily="49" charset="-122"/>
+              <a:ea typeface="楷体" panose="02010609060101010101" pitchFamily="49" charset="-122"/>
+            </a:endParaRPr>
+          </a:p>
+          <a:p>
+            <a:pPr marL="914400" lvl="1" indent="-317500" algn="l" rtl="0">
+              <a:spcBef>
+                <a:spcPts val="0"/>
+              </a:spcBef>
+              <a:spcAft>
+                <a:spcPts val="0"/>
+              </a:spcAft>
+              <a:buSzPts val="1400"/>
+              <a:buChar char="○"/>
+            </a:pPr>
             <a:endParaRPr lang="en-US" altLang="zh-CN" dirty="0">
               <a:latin typeface="楷体" panose="02010609060101010101" pitchFamily="49" charset="-122"/>
               <a:ea typeface="楷体" panose="02010609060101010101" pitchFamily="49" charset="-122"/>
@@ -12114,7 +14254,7 @@
     </p:spTree>
     <p:extLst>
       <p:ext uri="{BB962C8B-B14F-4D97-AF65-F5344CB8AC3E}">
-        <p14:creationId xmlns:p14="http://schemas.microsoft.com/office/powerpoint/2010/main" val="772403585"/>
+        <p14:creationId xmlns:p14="http://schemas.microsoft.com/office/powerpoint/2010/main" val="3980426973"/>
       </p:ext>
     </p:extLst>
   </p:cSld>
@@ -12125,6 +14265,385 @@
 </file>
 
 <file path=ppt/slides/slide14.xml><?xml version="1.0" encoding="utf-8"?>
+<p:sld xmlns:a="http://schemas.openxmlformats.org/drawingml/2006/main" xmlns:r="http://schemas.openxmlformats.org/officeDocument/2006/relationships" xmlns:p="http://schemas.openxmlformats.org/presentationml/2006/main">
+  <p:cSld>
+    <p:spTree>
+      <p:nvGrpSpPr>
+        <p:cNvPr id="1" name="Shape 104"/>
+        <p:cNvGrpSpPr/>
+        <p:nvPr/>
+      </p:nvGrpSpPr>
+      <p:grpSpPr>
+        <a:xfrm>
+          <a:off x="0" y="0"/>
+          <a:ext cx="0" cy="0"/>
+          <a:chOff x="0" y="0"/>
+          <a:chExt cx="0" cy="0"/>
+        </a:xfrm>
+      </p:grpSpPr>
+      <p:sp>
+        <p:nvSpPr>
+          <p:cNvPr id="105" name="Google Shape;105;p16"/>
+          <p:cNvSpPr txBox="1">
+            <a:spLocks noGrp="1"/>
+          </p:cNvSpPr>
+          <p:nvPr>
+            <p:ph type="title"/>
+          </p:nvPr>
+        </p:nvSpPr>
+        <p:spPr>
+          <a:xfrm>
+            <a:off x="311700" y="294450"/>
+            <a:ext cx="8697432" cy="607800"/>
+          </a:xfrm>
+          <a:prstGeom prst="rect">
+            <a:avLst/>
+          </a:prstGeom>
+        </p:spPr>
+        <p:txBody>
+          <a:bodyPr spcFirstLastPara="1" wrap="square" lIns="91425" tIns="91425" rIns="91425" bIns="91425" anchor="t" anchorCtr="0">
+            <a:noAutofit/>
+          </a:bodyPr>
+          <a:lstStyle/>
+          <a:p>
+            <a:pPr marL="0" lvl="0" indent="0" algn="l" rtl="0">
+              <a:spcBef>
+                <a:spcPts val="0"/>
+              </a:spcBef>
+              <a:spcAft>
+                <a:spcPts val="0"/>
+              </a:spcAft>
+              <a:buNone/>
+            </a:pPr>
+            <a:r>
+              <a:rPr lang="en-US" altLang="zh-CN" sz="2800" dirty="0">
+                <a:latin typeface="微软雅黑" panose="020B0503020204020204" pitchFamily="34" charset="-122"/>
+                <a:ea typeface="微软雅黑" panose="020B0503020204020204" pitchFamily="34" charset="-122"/>
+              </a:rPr>
+              <a:t>Soft Errors</a:t>
+            </a:r>
+            <a:endParaRPr sz="2800" dirty="0">
+              <a:latin typeface="微软雅黑" panose="020B0503020204020204" pitchFamily="34" charset="-122"/>
+              <a:ea typeface="微软雅黑" panose="020B0503020204020204" pitchFamily="34" charset="-122"/>
+            </a:endParaRPr>
+          </a:p>
+        </p:txBody>
+      </p:sp>
+      <p:sp>
+        <p:nvSpPr>
+          <p:cNvPr id="106" name="Google Shape;106;p16"/>
+          <p:cNvSpPr txBox="1">
+            <a:spLocks noGrp="1"/>
+          </p:cNvSpPr>
+          <p:nvPr>
+            <p:ph type="body" idx="1"/>
+          </p:nvPr>
+        </p:nvSpPr>
+        <p:spPr>
+          <a:xfrm>
+            <a:off x="311700" y="902250"/>
+            <a:ext cx="8520600" cy="4025350"/>
+          </a:xfrm>
+          <a:prstGeom prst="rect">
+            <a:avLst/>
+          </a:prstGeom>
+        </p:spPr>
+        <p:txBody>
+          <a:bodyPr spcFirstLastPara="1" wrap="square" lIns="91425" tIns="91425" rIns="91425" bIns="91425" anchor="t" anchorCtr="0">
+            <a:noAutofit/>
+          </a:bodyPr>
+          <a:lstStyle/>
+          <a:p>
+            <a:pPr marL="457200" lvl="0" indent="-342900" algn="l" rtl="0">
+              <a:spcBef>
+                <a:spcPts val="0"/>
+              </a:spcBef>
+              <a:spcAft>
+                <a:spcPts val="0"/>
+              </a:spcAft>
+              <a:buSzPts val="1800"/>
+              <a:buChar char="●"/>
+            </a:pPr>
+            <a:r>
+              <a:rPr lang="en-US" altLang="zh-CN" dirty="0">
+                <a:latin typeface="楷体" panose="02010609060101010101" pitchFamily="49" charset="-122"/>
+                <a:ea typeface="楷体" panose="02010609060101010101" pitchFamily="49" charset="-122"/>
+              </a:rPr>
+              <a:t>Lock-Step</a:t>
+            </a:r>
+            <a:r>
+              <a:rPr lang="zh-CN" altLang="en-US" dirty="0">
+                <a:latin typeface="楷体" panose="02010609060101010101" pitchFamily="49" charset="-122"/>
+                <a:ea typeface="楷体" panose="02010609060101010101" pitchFamily="49" charset="-122"/>
+              </a:rPr>
+              <a:t>：</a:t>
+            </a:r>
+            <a:endParaRPr lang="en-US" altLang="zh-CN" dirty="0">
+              <a:latin typeface="楷体" panose="02010609060101010101" pitchFamily="49" charset="-122"/>
+              <a:ea typeface="楷体" panose="02010609060101010101" pitchFamily="49" charset="-122"/>
+            </a:endParaRPr>
+          </a:p>
+          <a:p>
+            <a:pPr marL="914400" lvl="1" indent="-317500" algn="l" rtl="0">
+              <a:spcBef>
+                <a:spcPts val="0"/>
+              </a:spcBef>
+              <a:spcAft>
+                <a:spcPts val="0"/>
+              </a:spcAft>
+              <a:buSzPts val="1400"/>
+              <a:buChar char="○"/>
+            </a:pPr>
+            <a:r>
+              <a:rPr lang="zh-CN" altLang="en-US" dirty="0">
+                <a:latin typeface="楷体" panose="02010609060101010101" pitchFamily="49" charset="-122"/>
+                <a:ea typeface="楷体" panose="02010609060101010101" pitchFamily="49" charset="-122"/>
+              </a:rPr>
+              <a:t>例如：</a:t>
+            </a:r>
+            <a:r>
+              <a:rPr lang="en-US" altLang="zh-CN" dirty="0" err="1">
+                <a:latin typeface="楷体" panose="02010609060101010101" pitchFamily="49" charset="-122"/>
+                <a:ea typeface="楷体" panose="02010609060101010101" pitchFamily="49" charset="-122"/>
+              </a:rPr>
+              <a:t>ftServer</a:t>
+            </a:r>
+            <a:r>
+              <a:rPr lang="zh-CN" altLang="en-US" dirty="0">
+                <a:latin typeface="楷体" panose="02010609060101010101" pitchFamily="49" charset="-122"/>
+                <a:ea typeface="楷体" panose="02010609060101010101" pitchFamily="49" charset="-122"/>
+              </a:rPr>
+              <a:t>处理器复制范围包括主存。</a:t>
+            </a:r>
+            <a:r>
+              <a:rPr lang="en-US" altLang="zh-CN" dirty="0">
+                <a:latin typeface="楷体" panose="02010609060101010101" pitchFamily="49" charset="-122"/>
+                <a:ea typeface="楷体" panose="02010609060101010101" pitchFamily="49" charset="-122"/>
+              </a:rPr>
+              <a:t>Himalaya</a:t>
+            </a:r>
+            <a:r>
+              <a:rPr lang="zh-CN" altLang="en-US" dirty="0">
+                <a:latin typeface="楷体" panose="02010609060101010101" pitchFamily="49" charset="-122"/>
+                <a:ea typeface="楷体" panose="02010609060101010101" pitchFamily="49" charset="-122"/>
+              </a:rPr>
+              <a:t>处理器复制范围不包括主存储器，比较了处理器本身产生的输出。</a:t>
+            </a:r>
+            <a:r>
+              <a:rPr lang="en-US" altLang="zh-CN" dirty="0">
+                <a:latin typeface="楷体" panose="02010609060101010101" pitchFamily="49" charset="-122"/>
+                <a:ea typeface="楷体" panose="02010609060101010101" pitchFamily="49" charset="-122"/>
+              </a:rPr>
+              <a:t>IBM Z</a:t>
+            </a:r>
+            <a:r>
+              <a:rPr lang="zh-CN" altLang="en-US" dirty="0">
+                <a:latin typeface="楷体" panose="02010609060101010101" pitchFamily="49" charset="-122"/>
+                <a:ea typeface="楷体" panose="02010609060101010101" pitchFamily="49" charset="-122"/>
+              </a:rPr>
+              <a:t>处理器只在处理器内部复制流水线结构。</a:t>
+            </a:r>
+            <a:endParaRPr lang="en-US" altLang="zh-CN" dirty="0">
+              <a:latin typeface="楷体" panose="02010609060101010101" pitchFamily="49" charset="-122"/>
+              <a:ea typeface="楷体" panose="02010609060101010101" pitchFamily="49" charset="-122"/>
+            </a:endParaRPr>
+          </a:p>
+          <a:p>
+            <a:pPr marL="914400" lvl="1" indent="-317500" algn="l" rtl="0">
+              <a:spcBef>
+                <a:spcPts val="0"/>
+              </a:spcBef>
+              <a:spcAft>
+                <a:spcPts val="0"/>
+              </a:spcAft>
+              <a:buSzPts val="1400"/>
+              <a:buChar char="○"/>
+            </a:pPr>
+            <a:endParaRPr lang="en-US" altLang="zh-CN" dirty="0">
+              <a:latin typeface="楷体" panose="02010609060101010101" pitchFamily="49" charset="-122"/>
+              <a:ea typeface="楷体" panose="02010609060101010101" pitchFamily="49" charset="-122"/>
+            </a:endParaRPr>
+          </a:p>
+          <a:p>
+            <a:pPr marL="914400" lvl="1" indent="-317500" algn="l" rtl="0">
+              <a:spcBef>
+                <a:spcPts val="0"/>
+              </a:spcBef>
+              <a:spcAft>
+                <a:spcPts val="0"/>
+              </a:spcAft>
+              <a:buSzPts val="1400"/>
+              <a:buChar char="○"/>
+            </a:pPr>
+            <a:endParaRPr lang="en-US" altLang="zh-CN" dirty="0">
+              <a:latin typeface="楷体" panose="02010609060101010101" pitchFamily="49" charset="-122"/>
+              <a:ea typeface="楷体" panose="02010609060101010101" pitchFamily="49" charset="-122"/>
+            </a:endParaRPr>
+          </a:p>
+          <a:p>
+            <a:pPr marL="914400" lvl="1" indent="-317500" algn="l" rtl="0">
+              <a:spcBef>
+                <a:spcPts val="0"/>
+              </a:spcBef>
+              <a:spcAft>
+                <a:spcPts val="0"/>
+              </a:spcAft>
+              <a:buSzPts val="1400"/>
+              <a:buChar char="○"/>
+            </a:pPr>
+            <a:endParaRPr lang="en-US" altLang="zh-CN" dirty="0">
+              <a:latin typeface="楷体" panose="02010609060101010101" pitchFamily="49" charset="-122"/>
+              <a:ea typeface="楷体" panose="02010609060101010101" pitchFamily="49" charset="-122"/>
+            </a:endParaRPr>
+          </a:p>
+        </p:txBody>
+      </p:sp>
+      <p:sp>
+        <p:nvSpPr>
+          <p:cNvPr id="107" name="Google Shape;107;p16"/>
+          <p:cNvSpPr txBox="1">
+            <a:spLocks noGrp="1"/>
+          </p:cNvSpPr>
+          <p:nvPr>
+            <p:ph type="sldNum" idx="12"/>
+          </p:nvPr>
+        </p:nvSpPr>
+        <p:spPr>
+          <a:xfrm>
+            <a:off x="8460431" y="4651190"/>
+            <a:ext cx="548700" cy="393600"/>
+          </a:xfrm>
+          <a:prstGeom prst="rect">
+            <a:avLst/>
+          </a:prstGeom>
+        </p:spPr>
+        <p:txBody>
+          <a:bodyPr spcFirstLastPara="1" wrap="square" lIns="91425" tIns="91425" rIns="91425" bIns="91425" anchor="ctr" anchorCtr="0">
+            <a:noAutofit/>
+          </a:bodyPr>
+          <a:lstStyle/>
+          <a:p>
+            <a:pPr marL="0" lvl="0" indent="0" algn="r" rtl="0">
+              <a:spcBef>
+                <a:spcPts val="0"/>
+              </a:spcBef>
+              <a:spcAft>
+                <a:spcPts val="0"/>
+              </a:spcAft>
+              <a:buNone/>
+            </a:pPr>
+            <a:fld id="{00000000-1234-1234-1234-123412341234}" type="slidenum">
+              <a:rPr lang="en"/>
+              <a:t>14</a:t>
+            </a:fld>
+            <a:endParaRPr/>
+          </a:p>
+        </p:txBody>
+      </p:sp>
+      <p:pic>
+        <p:nvPicPr>
+          <p:cNvPr id="3" name="图片 2">
+            <a:extLst>
+              <a:ext uri="{FF2B5EF4-FFF2-40B4-BE49-F238E27FC236}">
+                <a16:creationId xmlns:a16="http://schemas.microsoft.com/office/drawing/2014/main" id="{4355F358-AD81-7D0E-E9F1-25769AEF67FE}"/>
+              </a:ext>
+            </a:extLst>
+          </p:cNvPr>
+          <p:cNvPicPr>
+            <a:picLocks noChangeAspect="1"/>
+          </p:cNvPicPr>
+          <p:nvPr/>
+        </p:nvPicPr>
+        <p:blipFill>
+          <a:blip r:embed="rId3"/>
+          <a:stretch>
+            <a:fillRect/>
+          </a:stretch>
+        </p:blipFill>
+        <p:spPr>
+          <a:xfrm>
+            <a:off x="134868" y="2260600"/>
+            <a:ext cx="3115960" cy="1671852"/>
+          </a:xfrm>
+          <a:prstGeom prst="rect">
+            <a:avLst/>
+          </a:prstGeom>
+        </p:spPr>
+      </p:pic>
+      <p:pic>
+        <p:nvPicPr>
+          <p:cNvPr id="5" name="图片 4">
+            <a:extLst>
+              <a:ext uri="{FF2B5EF4-FFF2-40B4-BE49-F238E27FC236}">
+                <a16:creationId xmlns:a16="http://schemas.microsoft.com/office/drawing/2014/main" id="{4F0E039D-BC69-977A-4D73-F2BA621EAD90}"/>
+              </a:ext>
+            </a:extLst>
+          </p:cNvPr>
+          <p:cNvPicPr>
+            <a:picLocks noChangeAspect="1"/>
+          </p:cNvPicPr>
+          <p:nvPr/>
+        </p:nvPicPr>
+        <p:blipFill>
+          <a:blip r:embed="rId4"/>
+          <a:stretch>
+            <a:fillRect/>
+          </a:stretch>
+        </p:blipFill>
+        <p:spPr>
+          <a:xfrm>
+            <a:off x="3545284" y="2138559"/>
+            <a:ext cx="2802341" cy="1915933"/>
+          </a:xfrm>
+          <a:prstGeom prst="rect">
+            <a:avLst/>
+          </a:prstGeom>
+        </p:spPr>
+      </p:pic>
+      <p:pic>
+        <p:nvPicPr>
+          <p:cNvPr id="7" name="图片 6">
+            <a:extLst>
+              <a:ext uri="{FF2B5EF4-FFF2-40B4-BE49-F238E27FC236}">
+                <a16:creationId xmlns:a16="http://schemas.microsoft.com/office/drawing/2014/main" id="{4661E19C-30AE-DAFA-46B8-C1FFA2585709}"/>
+              </a:ext>
+            </a:extLst>
+          </p:cNvPr>
+          <p:cNvPicPr>
+            <a:picLocks noChangeAspect="1"/>
+          </p:cNvPicPr>
+          <p:nvPr/>
+        </p:nvPicPr>
+        <p:blipFill>
+          <a:blip r:embed="rId5"/>
+          <a:stretch>
+            <a:fillRect/>
+          </a:stretch>
+        </p:blipFill>
+        <p:spPr>
+          <a:xfrm>
+            <a:off x="6642081" y="1907919"/>
+            <a:ext cx="2367050" cy="2743271"/>
+          </a:xfrm>
+          <a:prstGeom prst="rect">
+            <a:avLst/>
+          </a:prstGeom>
+        </p:spPr>
+      </p:pic>
+    </p:spTree>
+    <p:extLst>
+      <p:ext uri="{BB962C8B-B14F-4D97-AF65-F5344CB8AC3E}">
+        <p14:creationId xmlns:p14="http://schemas.microsoft.com/office/powerpoint/2010/main" val="1166683166"/>
+      </p:ext>
+    </p:extLst>
+  </p:cSld>
+  <p:clrMapOvr>
+    <a:masterClrMapping/>
+  </p:clrMapOvr>
+</p:sld>
+</file>
+
+<file path=ppt/slides/slide15.xml><?xml version="1.0" encoding="utf-8"?>
 <p:sld xmlns:a="http://schemas.openxmlformats.org/drawingml/2006/main" xmlns:r="http://schemas.openxmlformats.org/officeDocument/2006/relationships" xmlns:p="http://schemas.openxmlformats.org/presentationml/2006/main">
   <p:cSld>
     <p:spTree>
@@ -12180,7 +14699,7 @@
                 <a:latin typeface="楷体" panose="02010609060101010101" pitchFamily="49" charset="-122"/>
                 <a:ea typeface="楷体" panose="02010609060101010101" pitchFamily="49" charset="-122"/>
               </a:rPr>
-              <a:t>冗余</a:t>
+              <a:t>错误恢复</a:t>
             </a:r>
             <a:endParaRPr sz="5400" dirty="0">
               <a:latin typeface="楷体" panose="02010609060101010101" pitchFamily="49" charset="-122"/>
@@ -12192,7 +14711,7 @@
     </p:spTree>
     <p:extLst>
       <p:ext uri="{BB962C8B-B14F-4D97-AF65-F5344CB8AC3E}">
-        <p14:creationId xmlns:p14="http://schemas.microsoft.com/office/powerpoint/2010/main" val="187983868"/>
+        <p14:creationId xmlns:p14="http://schemas.microsoft.com/office/powerpoint/2010/main" val="3124689930"/>
       </p:ext>
     </p:extLst>
   </p:cSld>
@@ -12202,7 +14721,7 @@
 </p:sld>
 </file>
 
-<file path=ppt/slides/slide15.xml><?xml version="1.0" encoding="utf-8"?>
+<file path=ppt/slides/slide16.xml><?xml version="1.0" encoding="utf-8"?>
 <p:sld xmlns:a="http://schemas.openxmlformats.org/drawingml/2006/main" xmlns:r="http://schemas.openxmlformats.org/officeDocument/2006/relationships" xmlns:p="http://schemas.openxmlformats.org/presentationml/2006/main">
   <p:cSld>
     <p:spTree>
@@ -12303,18 +14822,11 @@
               <a:buChar char="●"/>
             </a:pPr>
             <a:r>
-              <a:rPr lang="en-US" altLang="zh-CN" dirty="0">
-                <a:latin typeface="楷体" panose="02010609060101010101" pitchFamily="49" charset="-122"/>
-                <a:ea typeface="楷体" panose="02010609060101010101" pitchFamily="49" charset="-122"/>
-              </a:rPr>
-              <a:t>Lock-Step</a:t>
-            </a:r>
-            <a:r>
-              <a:rPr lang="zh-CN" altLang="en-US" dirty="0">
-                <a:latin typeface="楷体" panose="02010609060101010101" pitchFamily="49" charset="-122"/>
-                <a:ea typeface="楷体" panose="02010609060101010101" pitchFamily="49" charset="-122"/>
-              </a:rPr>
-              <a:t>：</a:t>
+              <a:rPr lang="zh-CN" altLang="en-US" dirty="0">
+                <a:latin typeface="楷体" panose="02010609060101010101" pitchFamily="49" charset="-122"/>
+                <a:ea typeface="楷体" panose="02010609060101010101" pitchFamily="49" charset="-122"/>
+              </a:rPr>
+              <a:t>前向错误恢复机制：</a:t>
             </a:r>
             <a:endParaRPr lang="en-US" altLang="zh-CN" dirty="0">
               <a:latin typeface="楷体" panose="02010609060101010101" pitchFamily="49" charset="-122"/>
@@ -12332,6 +14844,13 @@
               <a:buSzPts val="1400"/>
               <a:buChar char="○"/>
             </a:pPr>
+            <a:r>
+              <a:rPr lang="zh-CN" altLang="en-US" dirty="0">
+                <a:latin typeface="楷体" panose="02010609060101010101" pitchFamily="49" charset="-122"/>
+                <a:ea typeface="楷体" panose="02010609060101010101" pitchFamily="49" charset="-122"/>
+              </a:rPr>
+              <a:t>在前向错误恢复中，系统可以在检测到故障后从其当前状态继续执行。前向错误恢复方案通常保持一个冗余的、最新的无错误状态，系统可以从该状态继续执行。相反，后向错误恢复方案通常会回滚到系统先前的无错误状态。</a:t>
+            </a:r>
             <a:endParaRPr lang="en-US" altLang="zh-CN" dirty="0">
               <a:latin typeface="楷体" panose="02010609060101010101" pitchFamily="49" charset="-122"/>
               <a:ea typeface="楷体" panose="02010609060101010101" pitchFamily="49" charset="-122"/>
@@ -12354,29 +14873,22 @@
             </a:endParaRPr>
           </a:p>
           <a:p>
-            <a:pPr marL="457200" lvl="0" indent="-342900" algn="l" rtl="0">
-              <a:spcBef>
-                <a:spcPts val="0"/>
-              </a:spcBef>
-              <a:spcAft>
-                <a:spcPts val="0"/>
-              </a:spcAft>
-              <a:buSzPts val="1800"/>
-              <a:buChar char="●"/>
-            </a:pPr>
-            <a:r>
-              <a:rPr lang="en-US" altLang="zh-CN" dirty="0">
-                <a:latin typeface="楷体" panose="02010609060101010101" pitchFamily="49" charset="-122"/>
-                <a:ea typeface="楷体" panose="02010609060101010101" pitchFamily="49" charset="-122"/>
-              </a:rPr>
-              <a:t>DMR/TMR</a:t>
-            </a:r>
-            <a:r>
-              <a:rPr lang="zh-CN" altLang="en-US" dirty="0">
-                <a:latin typeface="楷体" panose="02010609060101010101" pitchFamily="49" charset="-122"/>
-                <a:ea typeface="楷体" panose="02010609060101010101" pitchFamily="49" charset="-122"/>
-              </a:rPr>
-              <a:t>：</a:t>
+            <a:pPr marL="914400" lvl="1" indent="-317500" algn="l" rtl="0">
+              <a:spcBef>
+                <a:spcPts val="0"/>
+              </a:spcBef>
+              <a:spcAft>
+                <a:spcPts val="0"/>
+              </a:spcAft>
+              <a:buSzPts val="1400"/>
+              <a:buChar char="○"/>
+            </a:pPr>
+            <a:r>
+              <a:rPr lang="zh-CN" altLang="en-US" dirty="0">
+                <a:latin typeface="楷体" panose="02010609060101010101" pitchFamily="49" charset="-122"/>
+                <a:ea typeface="楷体" panose="02010609060101010101" pitchFamily="49" charset="-122"/>
+              </a:rPr>
+              <a:t>故障转移系统：</a:t>
             </a:r>
             <a:endParaRPr lang="en-US" altLang="zh-CN" dirty="0">
               <a:latin typeface="楷体" panose="02010609060101010101" pitchFamily="49" charset="-122"/>
@@ -12398,6 +14910,95 @@
               <a:latin typeface="楷体" panose="02010609060101010101" pitchFamily="49" charset="-122"/>
               <a:ea typeface="楷体" panose="02010609060101010101" pitchFamily="49" charset="-122"/>
             </a:endParaRPr>
+          </a:p>
+          <a:p>
+            <a:pPr marL="914400" lvl="1" indent="-317500" algn="l" rtl="0">
+              <a:spcBef>
+                <a:spcPts val="0"/>
+              </a:spcBef>
+              <a:spcAft>
+                <a:spcPts val="0"/>
+              </a:spcAft>
+              <a:buSzPts val="1400"/>
+              <a:buChar char="○"/>
+            </a:pPr>
+            <a:r>
+              <a:rPr lang="en-US" altLang="zh-CN" dirty="0">
+                <a:latin typeface="楷体" panose="02010609060101010101" pitchFamily="49" charset="-122"/>
+                <a:ea typeface="楷体" panose="02010609060101010101" pitchFamily="49" charset="-122"/>
+              </a:rPr>
+              <a:t>DMR</a:t>
+            </a:r>
+          </a:p>
+          <a:p>
+            <a:pPr marL="914400" lvl="1" indent="-317500" algn="l" rtl="0">
+              <a:spcBef>
+                <a:spcPts val="0"/>
+              </a:spcBef>
+              <a:spcAft>
+                <a:spcPts val="0"/>
+              </a:spcAft>
+              <a:buSzPts val="1400"/>
+              <a:buChar char="○"/>
+            </a:pPr>
+            <a:endParaRPr lang="en-US" altLang="zh-CN" dirty="0">
+              <a:latin typeface="楷体" panose="02010609060101010101" pitchFamily="49" charset="-122"/>
+              <a:ea typeface="楷体" panose="02010609060101010101" pitchFamily="49" charset="-122"/>
+            </a:endParaRPr>
+          </a:p>
+          <a:p>
+            <a:pPr marL="914400" lvl="1" indent="-317500" algn="l" rtl="0">
+              <a:spcBef>
+                <a:spcPts val="0"/>
+              </a:spcBef>
+              <a:spcAft>
+                <a:spcPts val="0"/>
+              </a:spcAft>
+              <a:buSzPts val="1400"/>
+              <a:buChar char="○"/>
+            </a:pPr>
+            <a:r>
+              <a:rPr lang="en-US" altLang="zh-CN" dirty="0">
+                <a:latin typeface="楷体" panose="02010609060101010101" pitchFamily="49" charset="-122"/>
+                <a:ea typeface="楷体" panose="02010609060101010101" pitchFamily="49" charset="-122"/>
+              </a:rPr>
+              <a:t>TMR</a:t>
+            </a:r>
+          </a:p>
+          <a:p>
+            <a:pPr marL="914400" lvl="1" indent="-317500" algn="l" rtl="0">
+              <a:spcBef>
+                <a:spcPts val="0"/>
+              </a:spcBef>
+              <a:spcAft>
+                <a:spcPts val="0"/>
+              </a:spcAft>
+              <a:buSzPts val="1400"/>
+              <a:buChar char="○"/>
+            </a:pPr>
+            <a:endParaRPr lang="en-US" altLang="zh-CN" dirty="0">
+              <a:latin typeface="楷体" panose="02010609060101010101" pitchFamily="49" charset="-122"/>
+              <a:ea typeface="楷体" panose="02010609060101010101" pitchFamily="49" charset="-122"/>
+            </a:endParaRPr>
+          </a:p>
+          <a:p>
+            <a:pPr marL="914400" lvl="1" indent="-317500" algn="l" rtl="0">
+              <a:spcBef>
+                <a:spcPts val="0"/>
+              </a:spcBef>
+              <a:spcAft>
+                <a:spcPts val="0"/>
+              </a:spcAft>
+              <a:buSzPts val="1400"/>
+              <a:buChar char="○"/>
+            </a:pPr>
+            <a:r>
+              <a:rPr lang="en-US" altLang="zh-CN" dirty="0">
+                <a:latin typeface="楷体" panose="02010609060101010101" pitchFamily="49" charset="-122"/>
+                <a:ea typeface="楷体" panose="02010609060101010101" pitchFamily="49" charset="-122"/>
+              </a:rPr>
+              <a:t>pair-and-spare</a:t>
+            </a:r>
           </a:p>
           <a:p>
             <a:pPr marL="914400" lvl="1" indent="-317500" algn="l" rtl="0">
@@ -12469,7 +15070,7 @@
             </a:pPr>
             <a:fld id="{00000000-1234-1234-1234-123412341234}" type="slidenum">
               <a:rPr lang="en"/>
-              <a:t>15</a:t>
+              <a:t>16</a:t>
             </a:fld>
             <a:endParaRPr/>
           </a:p>
@@ -12478,7 +15079,478 @@
     </p:spTree>
     <p:extLst>
       <p:ext uri="{BB962C8B-B14F-4D97-AF65-F5344CB8AC3E}">
-        <p14:creationId xmlns:p14="http://schemas.microsoft.com/office/powerpoint/2010/main" val="3980426973"/>
+        <p14:creationId xmlns:p14="http://schemas.microsoft.com/office/powerpoint/2010/main" val="975581520"/>
+      </p:ext>
+    </p:extLst>
+  </p:cSld>
+  <p:clrMapOvr>
+    <a:masterClrMapping/>
+  </p:clrMapOvr>
+</p:sld>
+</file>
+
+<file path=ppt/slides/slide17.xml><?xml version="1.0" encoding="utf-8"?>
+<p:sld xmlns:a="http://schemas.openxmlformats.org/drawingml/2006/main" xmlns:r="http://schemas.openxmlformats.org/officeDocument/2006/relationships" xmlns:p="http://schemas.openxmlformats.org/presentationml/2006/main">
+  <p:cSld>
+    <p:spTree>
+      <p:nvGrpSpPr>
+        <p:cNvPr id="1" name="Shape 84"/>
+        <p:cNvGrpSpPr/>
+        <p:nvPr/>
+      </p:nvGrpSpPr>
+      <p:grpSpPr>
+        <a:xfrm>
+          <a:off x="0" y="0"/>
+          <a:ext cx="0" cy="0"/>
+          <a:chOff x="0" y="0"/>
+          <a:chExt cx="0" cy="0"/>
+        </a:xfrm>
+      </p:grpSpPr>
+      <p:sp>
+        <p:nvSpPr>
+          <p:cNvPr id="85" name="Google Shape;85;p13"/>
+          <p:cNvSpPr txBox="1">
+            <a:spLocks noGrp="1"/>
+          </p:cNvSpPr>
+          <p:nvPr>
+            <p:ph type="ctrTitle"/>
+          </p:nvPr>
+        </p:nvSpPr>
+        <p:spPr>
+          <a:xfrm>
+            <a:off x="2015525" y="2114394"/>
+            <a:ext cx="5112950" cy="914712"/>
+          </a:xfrm>
+          <a:prstGeom prst="rect">
+            <a:avLst/>
+          </a:prstGeom>
+        </p:spPr>
+        <p:txBody>
+          <a:bodyPr spcFirstLastPara="1" wrap="square" lIns="91425" tIns="91425" rIns="91425" bIns="91425" anchor="b" anchorCtr="0">
+            <a:noAutofit/>
+          </a:bodyPr>
+          <a:lstStyle/>
+          <a:p>
+            <a:pPr marL="0" lvl="0" indent="0" algn="ctr" rtl="0">
+              <a:spcBef>
+                <a:spcPts val="0"/>
+              </a:spcBef>
+              <a:spcAft>
+                <a:spcPts val="0"/>
+              </a:spcAft>
+              <a:buNone/>
+            </a:pPr>
+            <a:r>
+              <a:rPr lang="zh-CN" altLang="en-US" sz="5400" dirty="0">
+                <a:latin typeface="楷体" panose="02010609060101010101" pitchFamily="49" charset="-122"/>
+                <a:ea typeface="楷体" panose="02010609060101010101" pitchFamily="49" charset="-122"/>
+              </a:rPr>
+              <a:t>架构可靠性评估</a:t>
+            </a:r>
+          </a:p>
+        </p:txBody>
+      </p:sp>
+    </p:spTree>
+    <p:extLst>
+      <p:ext uri="{BB962C8B-B14F-4D97-AF65-F5344CB8AC3E}">
+        <p14:creationId xmlns:p14="http://schemas.microsoft.com/office/powerpoint/2010/main" val="1718857155"/>
+      </p:ext>
+    </p:extLst>
+  </p:cSld>
+  <p:clrMapOvr>
+    <a:masterClrMapping/>
+  </p:clrMapOvr>
+</p:sld>
+</file>
+
+<file path=ppt/slides/slide18.xml><?xml version="1.0" encoding="utf-8"?>
+<p:sld xmlns:a="http://schemas.openxmlformats.org/drawingml/2006/main" xmlns:r="http://schemas.openxmlformats.org/officeDocument/2006/relationships" xmlns:p="http://schemas.openxmlformats.org/presentationml/2006/main">
+  <p:cSld>
+    <p:spTree>
+      <p:nvGrpSpPr>
+        <p:cNvPr id="1" name="Shape 104"/>
+        <p:cNvGrpSpPr/>
+        <p:nvPr/>
+      </p:nvGrpSpPr>
+      <p:grpSpPr>
+        <a:xfrm>
+          <a:off x="0" y="0"/>
+          <a:ext cx="0" cy="0"/>
+          <a:chOff x="0" y="0"/>
+          <a:chExt cx="0" cy="0"/>
+        </a:xfrm>
+      </p:grpSpPr>
+      <p:sp>
+        <p:nvSpPr>
+          <p:cNvPr id="105" name="Google Shape;105;p16"/>
+          <p:cNvSpPr txBox="1">
+            <a:spLocks noGrp="1"/>
+          </p:cNvSpPr>
+          <p:nvPr>
+            <p:ph type="title"/>
+          </p:nvPr>
+        </p:nvSpPr>
+        <p:spPr>
+          <a:xfrm>
+            <a:off x="311700" y="294450"/>
+            <a:ext cx="8697432" cy="607800"/>
+          </a:xfrm>
+          <a:prstGeom prst="rect">
+            <a:avLst/>
+          </a:prstGeom>
+        </p:spPr>
+        <p:txBody>
+          <a:bodyPr spcFirstLastPara="1" wrap="square" lIns="91425" tIns="91425" rIns="91425" bIns="91425" anchor="t" anchorCtr="0">
+            <a:noAutofit/>
+          </a:bodyPr>
+          <a:lstStyle/>
+          <a:p>
+            <a:pPr marL="0" lvl="0" indent="0" algn="l" rtl="0">
+              <a:spcBef>
+                <a:spcPts val="0"/>
+              </a:spcBef>
+              <a:spcAft>
+                <a:spcPts val="0"/>
+              </a:spcAft>
+              <a:buNone/>
+            </a:pPr>
+            <a:r>
+              <a:rPr lang="en-US" altLang="zh-CN" sz="2800" dirty="0">
+                <a:latin typeface="微软雅黑" panose="020B0503020204020204" pitchFamily="34" charset="-122"/>
+                <a:ea typeface="微软雅黑" panose="020B0503020204020204" pitchFamily="34" charset="-122"/>
+              </a:rPr>
+              <a:t>Soft Errors</a:t>
+            </a:r>
+            <a:endParaRPr sz="2800" dirty="0">
+              <a:latin typeface="微软雅黑" panose="020B0503020204020204" pitchFamily="34" charset="-122"/>
+              <a:ea typeface="微软雅黑" panose="020B0503020204020204" pitchFamily="34" charset="-122"/>
+            </a:endParaRPr>
+          </a:p>
+        </p:txBody>
+      </p:sp>
+      <p:sp>
+        <p:nvSpPr>
+          <p:cNvPr id="106" name="Google Shape;106;p16"/>
+          <p:cNvSpPr txBox="1">
+            <a:spLocks noGrp="1"/>
+          </p:cNvSpPr>
+          <p:nvPr>
+            <p:ph type="body" idx="1"/>
+          </p:nvPr>
+        </p:nvSpPr>
+        <p:spPr>
+          <a:xfrm>
+            <a:off x="311700" y="902250"/>
+            <a:ext cx="8520600" cy="4025350"/>
+          </a:xfrm>
+          <a:prstGeom prst="rect">
+            <a:avLst/>
+          </a:prstGeom>
+        </p:spPr>
+        <p:txBody>
+          <a:bodyPr spcFirstLastPara="1" wrap="square" lIns="91425" tIns="91425" rIns="91425" bIns="91425" anchor="t" anchorCtr="0">
+            <a:noAutofit/>
+          </a:bodyPr>
+          <a:lstStyle/>
+          <a:p>
+            <a:pPr marL="457200" lvl="0" indent="-342900" algn="l" rtl="0">
+              <a:spcBef>
+                <a:spcPts val="0"/>
+              </a:spcBef>
+              <a:spcAft>
+                <a:spcPts val="0"/>
+              </a:spcAft>
+              <a:buSzPts val="1800"/>
+              <a:buChar char="●"/>
+            </a:pPr>
+            <a:r>
+              <a:rPr lang="zh-CN" altLang="en-US" dirty="0">
+                <a:latin typeface="楷体" panose="02010609060101010101" pitchFamily="49" charset="-122"/>
+                <a:ea typeface="楷体" panose="02010609060101010101" pitchFamily="49" charset="-122"/>
+              </a:rPr>
+              <a:t>体系结构脆弱因子</a:t>
+            </a:r>
+            <a:r>
+              <a:rPr lang="en-US" altLang="zh-CN" dirty="0">
+                <a:latin typeface="楷体" panose="02010609060101010101" pitchFamily="49" charset="-122"/>
+                <a:ea typeface="楷体" panose="02010609060101010101" pitchFamily="49" charset="-122"/>
+              </a:rPr>
+              <a:t>AVF</a:t>
+            </a:r>
+            <a:r>
+              <a:rPr lang="zh-CN" altLang="en-US" dirty="0">
+                <a:latin typeface="楷体" panose="02010609060101010101" pitchFamily="49" charset="-122"/>
+                <a:ea typeface="楷体" panose="02010609060101010101" pitchFamily="49" charset="-122"/>
+              </a:rPr>
+              <a:t>：</a:t>
+            </a:r>
+            <a:endParaRPr lang="en-US" altLang="zh-CN" dirty="0">
+              <a:latin typeface="楷体" panose="02010609060101010101" pitchFamily="49" charset="-122"/>
+              <a:ea typeface="楷体" panose="02010609060101010101" pitchFamily="49" charset="-122"/>
+            </a:endParaRPr>
+          </a:p>
+          <a:p>
+            <a:pPr marL="914400" lvl="1" indent="-317500" algn="l" rtl="0">
+              <a:spcBef>
+                <a:spcPts val="0"/>
+              </a:spcBef>
+              <a:spcAft>
+                <a:spcPts val="0"/>
+              </a:spcAft>
+              <a:buSzPts val="1400"/>
+              <a:buChar char="○"/>
+            </a:pPr>
+            <a:endParaRPr lang="en-US" altLang="zh-CN" dirty="0">
+              <a:latin typeface="楷体" panose="02010609060101010101" pitchFamily="49" charset="-122"/>
+              <a:ea typeface="楷体" panose="02010609060101010101" pitchFamily="49" charset="-122"/>
+            </a:endParaRPr>
+          </a:p>
+          <a:p>
+            <a:pPr marL="914400" lvl="1" indent="-317500" algn="l" rtl="0">
+              <a:spcBef>
+                <a:spcPts val="0"/>
+              </a:spcBef>
+              <a:spcAft>
+                <a:spcPts val="0"/>
+              </a:spcAft>
+              <a:buSzPts val="1400"/>
+              <a:buChar char="○"/>
+            </a:pPr>
+            <a:endParaRPr lang="en-US" altLang="zh-CN" dirty="0">
+              <a:latin typeface="楷体" panose="02010609060101010101" pitchFamily="49" charset="-122"/>
+              <a:ea typeface="楷体" panose="02010609060101010101" pitchFamily="49" charset="-122"/>
+            </a:endParaRPr>
+          </a:p>
+          <a:p>
+            <a:pPr marL="457200" lvl="0" indent="-342900" algn="l" rtl="0">
+              <a:spcBef>
+                <a:spcPts val="0"/>
+              </a:spcBef>
+              <a:spcAft>
+                <a:spcPts val="0"/>
+              </a:spcAft>
+              <a:buSzPts val="1800"/>
+              <a:buChar char="●"/>
+            </a:pPr>
+            <a:r>
+              <a:rPr lang="en-US" altLang="zh-CN" dirty="0">
+                <a:latin typeface="楷体" panose="02010609060101010101" pitchFamily="49" charset="-122"/>
+                <a:ea typeface="楷体" panose="02010609060101010101" pitchFamily="49" charset="-122"/>
+              </a:rPr>
+              <a:t>ACE/Un-ACE</a:t>
+            </a:r>
+            <a:r>
+              <a:rPr lang="zh-CN" altLang="en-US" dirty="0">
+                <a:latin typeface="楷体" panose="02010609060101010101" pitchFamily="49" charset="-122"/>
+                <a:ea typeface="楷体" panose="02010609060101010101" pitchFamily="49" charset="-122"/>
+              </a:rPr>
+              <a:t>：</a:t>
+            </a:r>
+            <a:endParaRPr lang="en-US" altLang="zh-CN" dirty="0">
+              <a:latin typeface="楷体" panose="02010609060101010101" pitchFamily="49" charset="-122"/>
+              <a:ea typeface="楷体" panose="02010609060101010101" pitchFamily="49" charset="-122"/>
+            </a:endParaRPr>
+          </a:p>
+          <a:p>
+            <a:pPr marL="914400" lvl="1" indent="-317500" algn="l" rtl="0">
+              <a:spcBef>
+                <a:spcPts val="0"/>
+              </a:spcBef>
+              <a:spcAft>
+                <a:spcPts val="0"/>
+              </a:spcAft>
+              <a:buSzPts val="1400"/>
+              <a:buChar char="○"/>
+            </a:pPr>
+            <a:endParaRPr lang="zh-CN" altLang="en-US" dirty="0">
+              <a:latin typeface="楷体" panose="02010609060101010101" pitchFamily="49" charset="-122"/>
+              <a:ea typeface="楷体" panose="02010609060101010101" pitchFamily="49" charset="-122"/>
+            </a:endParaRPr>
+          </a:p>
+          <a:p>
+            <a:pPr marL="457200" lvl="0" indent="-342900" algn="l" rtl="0">
+              <a:spcBef>
+                <a:spcPts val="0"/>
+              </a:spcBef>
+              <a:spcAft>
+                <a:spcPts val="0"/>
+              </a:spcAft>
+              <a:buSzPts val="1800"/>
+              <a:buChar char="●"/>
+            </a:pPr>
+            <a:r>
+              <a:rPr lang="en-US" altLang="zh-CN" dirty="0">
+                <a:latin typeface="楷体" panose="02010609060101010101" pitchFamily="49" charset="-122"/>
+                <a:ea typeface="楷体" panose="02010609060101010101" pitchFamily="49" charset="-122"/>
+              </a:rPr>
+              <a:t>RAM</a:t>
+            </a:r>
+            <a:r>
+              <a:rPr lang="zh-CN" altLang="en-US" dirty="0">
+                <a:latin typeface="楷体" panose="02010609060101010101" pitchFamily="49" charset="-122"/>
+                <a:ea typeface="楷体" panose="02010609060101010101" pitchFamily="49" charset="-122"/>
+              </a:rPr>
+              <a:t>中</a:t>
+            </a:r>
+            <a:r>
+              <a:rPr lang="en-US" altLang="zh-CN" dirty="0">
+                <a:latin typeface="楷体" panose="02010609060101010101" pitchFamily="49" charset="-122"/>
+                <a:ea typeface="楷体" panose="02010609060101010101" pitchFamily="49" charset="-122"/>
+              </a:rPr>
+              <a:t>AVF</a:t>
+            </a:r>
+            <a:r>
+              <a:rPr lang="zh-CN" altLang="en-US" dirty="0">
+                <a:latin typeface="楷体" panose="02010609060101010101" pitchFamily="49" charset="-122"/>
+                <a:ea typeface="楷体" panose="02010609060101010101" pitchFamily="49" charset="-122"/>
+              </a:rPr>
+              <a:t>：</a:t>
+            </a:r>
+            <a:endParaRPr lang="en-US" altLang="zh-CN" dirty="0">
+              <a:latin typeface="楷体" panose="02010609060101010101" pitchFamily="49" charset="-122"/>
+              <a:ea typeface="楷体" panose="02010609060101010101" pitchFamily="49" charset="-122"/>
+            </a:endParaRPr>
+          </a:p>
+          <a:p>
+            <a:pPr marL="914400" lvl="1" indent="-317500" algn="l" rtl="0">
+              <a:spcBef>
+                <a:spcPts val="0"/>
+              </a:spcBef>
+              <a:spcAft>
+                <a:spcPts val="0"/>
+              </a:spcAft>
+              <a:buSzPts val="1400"/>
+              <a:buChar char="○"/>
+            </a:pPr>
+            <a:endParaRPr lang="zh-CN" altLang="en-US" dirty="0">
+              <a:latin typeface="楷体" panose="02010609060101010101" pitchFamily="49" charset="-122"/>
+              <a:ea typeface="楷体" panose="02010609060101010101" pitchFamily="49" charset="-122"/>
+            </a:endParaRPr>
+          </a:p>
+          <a:p>
+            <a:pPr marL="457200" lvl="0" indent="-342900" algn="l" rtl="0">
+              <a:spcBef>
+                <a:spcPts val="0"/>
+              </a:spcBef>
+              <a:spcAft>
+                <a:spcPts val="0"/>
+              </a:spcAft>
+              <a:buSzPts val="1800"/>
+              <a:buChar char="●"/>
+            </a:pPr>
+            <a:r>
+              <a:rPr lang="en-US" altLang="zh-CN" dirty="0">
+                <a:latin typeface="楷体" panose="02010609060101010101" pitchFamily="49" charset="-122"/>
+                <a:ea typeface="楷体" panose="02010609060101010101" pitchFamily="49" charset="-122"/>
+              </a:rPr>
+              <a:t>CAM</a:t>
+            </a:r>
+            <a:r>
+              <a:rPr lang="zh-CN" altLang="en-US" dirty="0">
+                <a:latin typeface="楷体" panose="02010609060101010101" pitchFamily="49" charset="-122"/>
+                <a:ea typeface="楷体" panose="02010609060101010101" pitchFamily="49" charset="-122"/>
+              </a:rPr>
+              <a:t>中</a:t>
+            </a:r>
+            <a:r>
+              <a:rPr lang="en-US" altLang="zh-CN" dirty="0">
+                <a:latin typeface="楷体" panose="02010609060101010101" pitchFamily="49" charset="-122"/>
+                <a:ea typeface="楷体" panose="02010609060101010101" pitchFamily="49" charset="-122"/>
+              </a:rPr>
+              <a:t>AVF</a:t>
+            </a:r>
+            <a:r>
+              <a:rPr lang="zh-CN" altLang="en-US" dirty="0">
+                <a:latin typeface="楷体" panose="02010609060101010101" pitchFamily="49" charset="-122"/>
+                <a:ea typeface="楷体" panose="02010609060101010101" pitchFamily="49" charset="-122"/>
+              </a:rPr>
+              <a:t>：</a:t>
+            </a:r>
+            <a:endParaRPr lang="en-US" altLang="zh-CN" dirty="0">
+              <a:latin typeface="楷体" panose="02010609060101010101" pitchFamily="49" charset="-122"/>
+              <a:ea typeface="楷体" panose="02010609060101010101" pitchFamily="49" charset="-122"/>
+            </a:endParaRPr>
+          </a:p>
+          <a:p>
+            <a:pPr marL="914400" lvl="1" indent="-317500" algn="l" rtl="0">
+              <a:spcBef>
+                <a:spcPts val="0"/>
+              </a:spcBef>
+              <a:spcAft>
+                <a:spcPts val="0"/>
+              </a:spcAft>
+              <a:buSzPts val="1400"/>
+              <a:buChar char="○"/>
+            </a:pPr>
+            <a:endParaRPr lang="zh-CN" altLang="en-US" dirty="0">
+              <a:latin typeface="楷体" panose="02010609060101010101" pitchFamily="49" charset="-122"/>
+              <a:ea typeface="楷体" panose="02010609060101010101" pitchFamily="49" charset="-122"/>
+            </a:endParaRPr>
+          </a:p>
+          <a:p>
+            <a:pPr marL="914400" lvl="1" indent="-317500" algn="l" rtl="0">
+              <a:spcBef>
+                <a:spcPts val="0"/>
+              </a:spcBef>
+              <a:spcAft>
+                <a:spcPts val="0"/>
+              </a:spcAft>
+              <a:buSzPts val="1400"/>
+              <a:buChar char="○"/>
+            </a:pPr>
+            <a:endParaRPr lang="zh-CN" altLang="en-US" dirty="0">
+              <a:latin typeface="楷体" panose="02010609060101010101" pitchFamily="49" charset="-122"/>
+              <a:ea typeface="楷体" panose="02010609060101010101" pitchFamily="49" charset="-122"/>
+            </a:endParaRPr>
+          </a:p>
+        </p:txBody>
+      </p:sp>
+      <p:sp>
+        <p:nvSpPr>
+          <p:cNvPr id="107" name="Google Shape;107;p16"/>
+          <p:cNvSpPr txBox="1">
+            <a:spLocks noGrp="1"/>
+          </p:cNvSpPr>
+          <p:nvPr>
+            <p:ph type="sldNum" idx="12"/>
+          </p:nvPr>
+        </p:nvSpPr>
+        <p:spPr>
+          <a:xfrm>
+            <a:off x="8460431" y="4651190"/>
+            <a:ext cx="548700" cy="393600"/>
+          </a:xfrm>
+          <a:prstGeom prst="rect">
+            <a:avLst/>
+          </a:prstGeom>
+        </p:spPr>
+        <p:txBody>
+          <a:bodyPr spcFirstLastPara="1" wrap="square" lIns="91425" tIns="91425" rIns="91425" bIns="91425" anchor="ctr" anchorCtr="0">
+            <a:noAutofit/>
+          </a:bodyPr>
+          <a:lstStyle/>
+          <a:p>
+            <a:pPr marL="0" lvl="0" indent="0" algn="r" rtl="0">
+              <a:spcBef>
+                <a:spcPts val="0"/>
+              </a:spcBef>
+              <a:spcAft>
+                <a:spcPts val="0"/>
+              </a:spcAft>
+              <a:buNone/>
+            </a:pPr>
+            <a:fld id="{00000000-1234-1234-1234-123412341234}" type="slidenum">
+              <a:rPr lang="en"/>
+              <a:t>18</a:t>
+            </a:fld>
+            <a:endParaRPr/>
+          </a:p>
+        </p:txBody>
+      </p:sp>
+    </p:spTree>
+    <p:extLst>
+      <p:ext uri="{BB962C8B-B14F-4D97-AF65-F5344CB8AC3E}">
+        <p14:creationId xmlns:p14="http://schemas.microsoft.com/office/powerpoint/2010/main" val="177031235"/>
       </p:ext>
     </p:extLst>
   </p:cSld>
@@ -14412,8 +17484,8 @@
         </p:nvSpPr>
         <p:spPr>
           <a:xfrm>
-            <a:off x="2015525" y="2114394"/>
-            <a:ext cx="5112950" cy="914712"/>
+            <a:off x="2694619" y="2114394"/>
+            <a:ext cx="3754762" cy="914712"/>
           </a:xfrm>
           <a:prstGeom prst="rect">
             <a:avLst/>
@@ -14439,15 +17511,19 @@
                 <a:latin typeface="楷体" panose="02010609060101010101" pitchFamily="49" charset="-122"/>
                 <a:ea typeface="楷体" panose="02010609060101010101" pitchFamily="49" charset="-122"/>
               </a:rPr>
-              <a:t>架构可靠性评估</a:t>
-            </a:r>
+              <a:t>检错和纠错</a:t>
+            </a:r>
+            <a:endParaRPr sz="5400" dirty="0">
+              <a:latin typeface="楷体" panose="02010609060101010101" pitchFamily="49" charset="-122"/>
+              <a:ea typeface="楷体" panose="02010609060101010101" pitchFamily="49" charset="-122"/>
+            </a:endParaRPr>
           </a:p>
         </p:txBody>
       </p:sp>
     </p:spTree>
     <p:extLst>
       <p:ext uri="{BB962C8B-B14F-4D97-AF65-F5344CB8AC3E}">
-        <p14:creationId xmlns:p14="http://schemas.microsoft.com/office/powerpoint/2010/main" val="1718857155"/>
+        <p14:creationId xmlns:p14="http://schemas.microsoft.com/office/powerpoint/2010/main" val="2389831365"/>
       </p:ext>
     </p:extLst>
   </p:cSld>
@@ -14562,21 +17638,7 @@
                 <a:latin typeface="楷体" panose="02010609060101010101" pitchFamily="49" charset="-122"/>
                 <a:ea typeface="楷体" panose="02010609060101010101" pitchFamily="49" charset="-122"/>
               </a:rPr>
-              <a:t>体系结构脆弱因子</a:t>
-            </a:r>
-            <a:r>
-              <a:rPr lang="en-US" altLang="zh-CN" dirty="0">
-                <a:latin typeface="楷体" panose="02010609060101010101" pitchFamily="49" charset="-122"/>
-                <a:ea typeface="楷体" panose="02010609060101010101" pitchFamily="49" charset="-122"/>
-              </a:rPr>
-              <a:t>AVF</a:t>
-            </a:r>
-            <a:r>
-              <a:rPr lang="zh-CN" altLang="en-US" dirty="0">
-                <a:latin typeface="楷体" panose="02010609060101010101" pitchFamily="49" charset="-122"/>
-                <a:ea typeface="楷体" panose="02010609060101010101" pitchFamily="49" charset="-122"/>
-              </a:rPr>
-              <a:t>：</a:t>
+              <a:t>检错方案：</a:t>
             </a:r>
             <a:endParaRPr lang="en-US" altLang="zh-CN" dirty="0">
               <a:latin typeface="楷体" panose="02010609060101010101" pitchFamily="49" charset="-122"/>
@@ -14594,28 +17656,217 @@
               <a:buSzPts val="1400"/>
               <a:buChar char="○"/>
             </a:pPr>
+            <a:r>
+              <a:rPr lang="zh-CN" altLang="en-US" dirty="0">
+                <a:latin typeface="楷体" panose="02010609060101010101" pitchFamily="49" charset="-122"/>
+                <a:ea typeface="楷体" panose="02010609060101010101" pitchFamily="49" charset="-122"/>
+              </a:rPr>
+              <a:t>冗余校验位添加到一组数据位，从而可以通过检查校验位来检测或纠正错误。减少错误代码中使用的校验位的数量对于减少错误检测和纠正的开销通常很重要。</a:t>
+            </a:r>
             <a:endParaRPr lang="en-US" altLang="zh-CN" dirty="0">
               <a:latin typeface="楷体" panose="02010609060101010101" pitchFamily="49" charset="-122"/>
               <a:ea typeface="楷体" panose="02010609060101010101" pitchFamily="49" charset="-122"/>
             </a:endParaRPr>
           </a:p>
           <a:p>
-            <a:pPr marL="914400" lvl="1" indent="-317500" algn="l" rtl="0">
-              <a:spcBef>
-                <a:spcPts val="0"/>
-              </a:spcBef>
-              <a:spcAft>
-                <a:spcPts val="0"/>
-              </a:spcAft>
-              <a:buSzPts val="1400"/>
-              <a:buChar char="○"/>
-            </a:pPr>
+            <a:pPr marL="457200" lvl="0" indent="-342900" algn="l" rtl="0">
+              <a:spcBef>
+                <a:spcPts val="0"/>
+              </a:spcBef>
+              <a:spcAft>
+                <a:spcPts val="0"/>
+              </a:spcAft>
+              <a:buSzPts val="1800"/>
+              <a:buChar char="●"/>
+            </a:pPr>
+            <a:r>
+              <a:rPr lang="zh-CN" altLang="en-US" dirty="0">
+                <a:latin typeface="楷体" panose="02010609060101010101" pitchFamily="49" charset="-122"/>
+                <a:ea typeface="楷体" panose="02010609060101010101" pitchFamily="49" charset="-122"/>
+              </a:rPr>
+              <a:t>块编码：</a:t>
+            </a:r>
             <a:endParaRPr lang="en-US" altLang="zh-CN" dirty="0">
               <a:latin typeface="楷体" panose="02010609060101010101" pitchFamily="49" charset="-122"/>
               <a:ea typeface="楷体" panose="02010609060101010101" pitchFamily="49" charset="-122"/>
             </a:endParaRPr>
           </a:p>
           <a:p>
+            <a:pPr marL="914400" lvl="1" indent="-317500" algn="l" rtl="0">
+              <a:spcBef>
+                <a:spcPts val="0"/>
+              </a:spcBef>
+              <a:spcAft>
+                <a:spcPts val="0"/>
+              </a:spcAft>
+              <a:buSzPts val="1400"/>
+              <a:buChar char="○"/>
+            </a:pPr>
+            <a:r>
+              <a:rPr lang="zh-CN" altLang="en-US" dirty="0">
+                <a:latin typeface="楷体" panose="02010609060101010101" pitchFamily="49" charset="-122"/>
+                <a:ea typeface="楷体" panose="02010609060101010101" pitchFamily="49" charset="-122"/>
+              </a:rPr>
+              <a:t>每个块有</a:t>
+            </a:r>
+            <a:r>
+              <a:rPr lang="en-US" altLang="zh-CN" dirty="0">
+                <a:latin typeface="楷体" panose="02010609060101010101" pitchFamily="49" charset="-122"/>
+                <a:ea typeface="楷体" panose="02010609060101010101" pitchFamily="49" charset="-122"/>
+              </a:rPr>
+              <a:t>k</a:t>
+            </a:r>
+            <a:r>
+              <a:rPr lang="zh-CN" altLang="en-US" dirty="0">
+                <a:latin typeface="楷体" panose="02010609060101010101" pitchFamily="49" charset="-122"/>
+                <a:ea typeface="楷体" panose="02010609060101010101" pitchFamily="49" charset="-122"/>
+              </a:rPr>
+              <a:t>位，称为</a:t>
+            </a:r>
+            <a:r>
+              <a:rPr lang="zh-CN" altLang="en-US" b="1" dirty="0">
+                <a:latin typeface="楷体" panose="02010609060101010101" pitchFamily="49" charset="-122"/>
+                <a:ea typeface="楷体" panose="02010609060101010101" pitchFamily="49" charset="-122"/>
+              </a:rPr>
+              <a:t>数据字</a:t>
+            </a:r>
+            <a:r>
+              <a:rPr lang="zh-CN" altLang="en-US" dirty="0">
+                <a:latin typeface="楷体" panose="02010609060101010101" pitchFamily="49" charset="-122"/>
+                <a:ea typeface="楷体" panose="02010609060101010101" pitchFamily="49" charset="-122"/>
+              </a:rPr>
+              <a:t>。并在此基础上增加</a:t>
+            </a:r>
+            <a:r>
+              <a:rPr lang="en-US" altLang="zh-CN" dirty="0">
+                <a:latin typeface="楷体" panose="02010609060101010101" pitchFamily="49" charset="-122"/>
+                <a:ea typeface="楷体" panose="02010609060101010101" pitchFamily="49" charset="-122"/>
+              </a:rPr>
+              <a:t>r</a:t>
+            </a:r>
+            <a:r>
+              <a:rPr lang="zh-CN" altLang="en-US" dirty="0">
+                <a:latin typeface="楷体" panose="02010609060101010101" pitchFamily="49" charset="-122"/>
+                <a:ea typeface="楷体" panose="02010609060101010101" pitchFamily="49" charset="-122"/>
+              </a:rPr>
+              <a:t>位冗余位，使其构成</a:t>
+            </a:r>
+            <a:r>
+              <a:rPr lang="en-US" altLang="zh-CN" dirty="0">
+                <a:latin typeface="楷体" panose="02010609060101010101" pitchFamily="49" charset="-122"/>
+                <a:ea typeface="楷体" panose="02010609060101010101" pitchFamily="49" charset="-122"/>
+              </a:rPr>
+              <a:t>n=</a:t>
+            </a:r>
+            <a:r>
+              <a:rPr lang="en-US" altLang="zh-CN" dirty="0" err="1">
+                <a:latin typeface="楷体" panose="02010609060101010101" pitchFamily="49" charset="-122"/>
+                <a:ea typeface="楷体" panose="02010609060101010101" pitchFamily="49" charset="-122"/>
+              </a:rPr>
+              <a:t>k+r</a:t>
+            </a:r>
+            <a:r>
+              <a:rPr lang="zh-CN" altLang="en-US" dirty="0">
+                <a:latin typeface="楷体" panose="02010609060101010101" pitchFamily="49" charset="-122"/>
+                <a:ea typeface="楷体" panose="02010609060101010101" pitchFamily="49" charset="-122"/>
+              </a:rPr>
+              <a:t>位的</a:t>
+            </a:r>
+            <a:r>
+              <a:rPr lang="zh-CN" altLang="en-US" b="1" dirty="0">
+                <a:latin typeface="楷体" panose="02010609060101010101" pitchFamily="49" charset="-122"/>
+                <a:ea typeface="楷体" panose="02010609060101010101" pitchFamily="49" charset="-122"/>
+              </a:rPr>
+              <a:t>码字</a:t>
+            </a:r>
+            <a:endParaRPr lang="en-US" altLang="zh-CN" b="1" dirty="0">
+              <a:latin typeface="楷体" panose="02010609060101010101" pitchFamily="49" charset="-122"/>
+              <a:ea typeface="楷体" panose="02010609060101010101" pitchFamily="49" charset="-122"/>
+            </a:endParaRPr>
+          </a:p>
+          <a:p>
+            <a:pPr marL="914400" lvl="1" indent="-317500" algn="l" rtl="0">
+              <a:spcBef>
+                <a:spcPts val="0"/>
+              </a:spcBef>
+              <a:spcAft>
+                <a:spcPts val="0"/>
+              </a:spcAft>
+              <a:buSzPts val="1400"/>
+              <a:buChar char="○"/>
+            </a:pPr>
+            <a:r>
+              <a:rPr lang="en-US" altLang="zh-CN" dirty="0">
+                <a:latin typeface="楷体" panose="02010609060101010101" pitchFamily="49" charset="-122"/>
+                <a:ea typeface="楷体" panose="02010609060101010101" pitchFamily="49" charset="-122"/>
+              </a:rPr>
+              <a:t>k</a:t>
+            </a:r>
+            <a:r>
+              <a:rPr lang="zh-CN" altLang="en-US" dirty="0">
+                <a:latin typeface="楷体" panose="02010609060101010101" pitchFamily="49" charset="-122"/>
+                <a:ea typeface="楷体" panose="02010609060101010101" pitchFamily="49" charset="-122"/>
+              </a:rPr>
+              <a:t>位数据字共有</a:t>
+            </a:r>
+            <a:r>
+              <a:rPr lang="en-US" altLang="zh-CN" dirty="0">
+                <a:latin typeface="楷体" panose="02010609060101010101" pitchFamily="49" charset="-122"/>
+                <a:ea typeface="楷体" panose="02010609060101010101" pitchFamily="49" charset="-122"/>
+              </a:rPr>
+              <a:t>2^k</a:t>
+            </a:r>
+            <a:r>
+              <a:rPr lang="zh-CN" altLang="en-US" dirty="0">
+                <a:latin typeface="楷体" panose="02010609060101010101" pitchFamily="49" charset="-122"/>
+                <a:ea typeface="楷体" panose="02010609060101010101" pitchFamily="49" charset="-122"/>
+              </a:rPr>
+              <a:t>种组合，</a:t>
+            </a:r>
+            <a:r>
+              <a:rPr lang="en-US" altLang="zh-CN" dirty="0">
+                <a:latin typeface="楷体" panose="02010609060101010101" pitchFamily="49" charset="-122"/>
+                <a:ea typeface="楷体" panose="02010609060101010101" pitchFamily="49" charset="-122"/>
+              </a:rPr>
+              <a:t>n</a:t>
+            </a:r>
+            <a:r>
+              <a:rPr lang="zh-CN" altLang="en-US" dirty="0">
+                <a:latin typeface="楷体" panose="02010609060101010101" pitchFamily="49" charset="-122"/>
+                <a:ea typeface="楷体" panose="02010609060101010101" pitchFamily="49" charset="-122"/>
+              </a:rPr>
+              <a:t>位码字共有</a:t>
+            </a:r>
+            <a:r>
+              <a:rPr lang="en-US" altLang="zh-CN" dirty="0">
+                <a:latin typeface="楷体" panose="02010609060101010101" pitchFamily="49" charset="-122"/>
+                <a:ea typeface="楷体" panose="02010609060101010101" pitchFamily="49" charset="-122"/>
+              </a:rPr>
+              <a:t>2^n</a:t>
+            </a:r>
+            <a:r>
+              <a:rPr lang="zh-CN" altLang="en-US" dirty="0">
+                <a:latin typeface="楷体" panose="02010609060101010101" pitchFamily="49" charset="-122"/>
+                <a:ea typeface="楷体" panose="02010609060101010101" pitchFamily="49" charset="-122"/>
+              </a:rPr>
+              <a:t>种组合。那么这就意味着有</a:t>
+            </a:r>
+            <a:r>
+              <a:rPr lang="en-US" altLang="zh-CN" dirty="0">
+                <a:latin typeface="楷体" panose="02010609060101010101" pitchFamily="49" charset="-122"/>
+                <a:ea typeface="楷体" panose="02010609060101010101" pitchFamily="49" charset="-122"/>
+              </a:rPr>
+              <a:t>2^n−2^k</a:t>
+            </a:r>
+            <a:r>
+              <a:rPr lang="zh-CN" altLang="en-US" dirty="0">
+                <a:latin typeface="楷体" panose="02010609060101010101" pitchFamily="49" charset="-122"/>
+                <a:ea typeface="楷体" panose="02010609060101010101" pitchFamily="49" charset="-122"/>
+              </a:rPr>
+              <a:t>个码字承载的数据字是无用的。这些码字为无效或非法码。</a:t>
+            </a:r>
+          </a:p>
+          <a:p>
             <a:pPr marL="457200" lvl="0" indent="-342900" algn="l" rtl="0">
               <a:spcBef>
                 <a:spcPts val="0"/>
@@ -14627,18 +17878,11 @@
               <a:buChar char="●"/>
             </a:pPr>
             <a:r>
-              <a:rPr lang="en-US" altLang="zh-CN" dirty="0">
-                <a:latin typeface="楷体" panose="02010609060101010101" pitchFamily="49" charset="-122"/>
-                <a:ea typeface="楷体" panose="02010609060101010101" pitchFamily="49" charset="-122"/>
-              </a:rPr>
-              <a:t>ACE/Un-ACE</a:t>
-            </a:r>
-            <a:r>
-              <a:rPr lang="zh-CN" altLang="en-US" dirty="0">
-                <a:latin typeface="楷体" panose="02010609060101010101" pitchFamily="49" charset="-122"/>
-                <a:ea typeface="楷体" panose="02010609060101010101" pitchFamily="49" charset="-122"/>
-              </a:rPr>
-              <a:t>：</a:t>
+              <a:rPr lang="zh-CN" altLang="en-US" dirty="0">
+                <a:latin typeface="楷体" panose="02010609060101010101" pitchFamily="49" charset="-122"/>
+                <a:ea typeface="楷体" panose="02010609060101010101" pitchFamily="49" charset="-122"/>
+              </a:rPr>
+              <a:t>单比特检错纠错简单示例：</a:t>
             </a:r>
             <a:endParaRPr lang="en-US" altLang="zh-CN" dirty="0">
               <a:latin typeface="楷体" panose="02010609060101010101" pitchFamily="49" charset="-122"/>
@@ -14656,49 +17900,52 @@
               <a:buSzPts val="1400"/>
               <a:buChar char="○"/>
             </a:pPr>
-            <a:endParaRPr lang="zh-CN" altLang="en-US" dirty="0">
-              <a:latin typeface="楷体" panose="02010609060101010101" pitchFamily="49" charset="-122"/>
-              <a:ea typeface="楷体" panose="02010609060101010101" pitchFamily="49" charset="-122"/>
-            </a:endParaRPr>
-          </a:p>
-          <a:p>
-            <a:pPr marL="457200" lvl="0" indent="-342900" algn="l" rtl="0">
-              <a:spcBef>
-                <a:spcPts val="0"/>
-              </a:spcBef>
-              <a:spcAft>
-                <a:spcPts val="0"/>
-              </a:spcAft>
-              <a:buSzPts val="1800"/>
-              <a:buChar char="●"/>
-            </a:pPr>
-            <a:r>
-              <a:rPr lang="en-US" altLang="zh-CN" dirty="0">
-                <a:latin typeface="楷体" panose="02010609060101010101" pitchFamily="49" charset="-122"/>
-                <a:ea typeface="楷体" panose="02010609060101010101" pitchFamily="49" charset="-122"/>
-              </a:rPr>
-              <a:t>RAM</a:t>
-            </a:r>
-            <a:r>
-              <a:rPr lang="zh-CN" altLang="en-US" dirty="0">
-                <a:latin typeface="楷体" panose="02010609060101010101" pitchFamily="49" charset="-122"/>
-                <a:ea typeface="楷体" panose="02010609060101010101" pitchFamily="49" charset="-122"/>
-              </a:rPr>
-              <a:t>中</a:t>
-            </a:r>
-            <a:r>
-              <a:rPr lang="en-US" altLang="zh-CN" dirty="0">
-                <a:latin typeface="楷体" panose="02010609060101010101" pitchFamily="49" charset="-122"/>
-                <a:ea typeface="楷体" panose="02010609060101010101" pitchFamily="49" charset="-122"/>
-              </a:rPr>
-              <a:t>AVF</a:t>
-            </a:r>
-            <a:r>
-              <a:rPr lang="zh-CN" altLang="en-US" dirty="0">
-                <a:latin typeface="楷体" panose="02010609060101010101" pitchFamily="49" charset="-122"/>
-                <a:ea typeface="楷体" panose="02010609060101010101" pitchFamily="49" charset="-122"/>
-              </a:rPr>
-              <a:t>：</a:t>
+            <a:r>
+              <a:rPr lang="zh-CN" altLang="en-US" dirty="0">
+                <a:latin typeface="楷体" panose="02010609060101010101" pitchFamily="49" charset="-122"/>
+                <a:ea typeface="楷体" panose="02010609060101010101" pitchFamily="49" charset="-122"/>
+              </a:rPr>
+              <a:t>比如说对于单比特，增加一位冗余位作为校验位，构成</a:t>
+            </a:r>
+            <a:r>
+              <a:rPr lang="en-US" altLang="zh-CN" dirty="0">
+                <a:latin typeface="楷体" panose="02010609060101010101" pitchFamily="49" charset="-122"/>
+                <a:ea typeface="楷体" panose="02010609060101010101" pitchFamily="49" charset="-122"/>
+              </a:rPr>
+              <a:t>2=1+1</a:t>
+            </a:r>
+            <a:r>
+              <a:rPr lang="zh-CN" altLang="en-US" dirty="0">
+                <a:latin typeface="楷体" panose="02010609060101010101" pitchFamily="49" charset="-122"/>
+                <a:ea typeface="楷体" panose="02010609060101010101" pitchFamily="49" charset="-122"/>
+              </a:rPr>
+              <a:t>的码字  </a:t>
+            </a:r>
+            <a:r>
+              <a:rPr lang="en-US" altLang="zh-CN" b="1" dirty="0">
+                <a:latin typeface="楷体" panose="02010609060101010101" pitchFamily="49" charset="-122"/>
+                <a:ea typeface="楷体" panose="02010609060101010101" pitchFamily="49" charset="-122"/>
+              </a:rPr>
+              <a:t>00  11</a:t>
+            </a:r>
+          </a:p>
+          <a:p>
+            <a:pPr marL="914400" lvl="1" indent="-317500" algn="l" rtl="0">
+              <a:spcBef>
+                <a:spcPts val="0"/>
+              </a:spcBef>
+              <a:spcAft>
+                <a:spcPts val="0"/>
+              </a:spcAft>
+              <a:buSzPts val="1400"/>
+              <a:buChar char="○"/>
+            </a:pPr>
+            <a:r>
+              <a:rPr lang="zh-CN" altLang="en-US" dirty="0">
+                <a:latin typeface="楷体" panose="02010609060101010101" pitchFamily="49" charset="-122"/>
+                <a:ea typeface="楷体" panose="02010609060101010101" pitchFamily="49" charset="-122"/>
+              </a:rPr>
+              <a:t>但只能检错，不能纠错。</a:t>
             </a:r>
             <a:endParaRPr lang="en-US" altLang="zh-CN" dirty="0">
               <a:latin typeface="楷体" panose="02010609060101010101" pitchFamily="49" charset="-122"/>
@@ -14716,49 +17963,26 @@
               <a:buSzPts val="1400"/>
               <a:buChar char="○"/>
             </a:pPr>
-            <a:endParaRPr lang="zh-CN" altLang="en-US" dirty="0">
-              <a:latin typeface="楷体" panose="02010609060101010101" pitchFamily="49" charset="-122"/>
-              <a:ea typeface="楷体" panose="02010609060101010101" pitchFamily="49" charset="-122"/>
-            </a:endParaRPr>
-          </a:p>
-          <a:p>
-            <a:pPr marL="457200" lvl="0" indent="-342900" algn="l" rtl="0">
-              <a:spcBef>
-                <a:spcPts val="0"/>
-              </a:spcBef>
-              <a:spcAft>
-                <a:spcPts val="0"/>
-              </a:spcAft>
-              <a:buSzPts val="1800"/>
-              <a:buChar char="●"/>
-            </a:pPr>
-            <a:r>
-              <a:rPr lang="en-US" altLang="zh-CN" dirty="0">
-                <a:latin typeface="楷体" panose="02010609060101010101" pitchFamily="49" charset="-122"/>
-                <a:ea typeface="楷体" panose="02010609060101010101" pitchFamily="49" charset="-122"/>
-              </a:rPr>
-              <a:t>CAM</a:t>
-            </a:r>
-            <a:r>
-              <a:rPr lang="zh-CN" altLang="en-US" dirty="0">
-                <a:latin typeface="楷体" panose="02010609060101010101" pitchFamily="49" charset="-122"/>
-                <a:ea typeface="楷体" panose="02010609060101010101" pitchFamily="49" charset="-122"/>
-              </a:rPr>
-              <a:t>中</a:t>
-            </a:r>
-            <a:r>
-              <a:rPr lang="en-US" altLang="zh-CN" dirty="0">
-                <a:latin typeface="楷体" panose="02010609060101010101" pitchFamily="49" charset="-122"/>
-                <a:ea typeface="楷体" panose="02010609060101010101" pitchFamily="49" charset="-122"/>
-              </a:rPr>
-              <a:t>AVF</a:t>
-            </a:r>
-            <a:r>
-              <a:rPr lang="zh-CN" altLang="en-US" dirty="0">
-                <a:latin typeface="楷体" panose="02010609060101010101" pitchFamily="49" charset="-122"/>
-                <a:ea typeface="楷体" panose="02010609060101010101" pitchFamily="49" charset="-122"/>
-              </a:rPr>
-              <a:t>：</a:t>
+            <a:r>
+              <a:rPr lang="zh-CN" altLang="en-US" dirty="0">
+                <a:latin typeface="楷体" panose="02010609060101010101" pitchFamily="49" charset="-122"/>
+                <a:ea typeface="楷体" panose="02010609060101010101" pitchFamily="49" charset="-122"/>
+              </a:rPr>
+              <a:t>为了实现纠错，再增加一位冗余位，合法码字包括</a:t>
+            </a:r>
+            <a:r>
+              <a:rPr lang="en-US" altLang="zh-CN" dirty="0">
+                <a:latin typeface="楷体" panose="02010609060101010101" pitchFamily="49" charset="-122"/>
+                <a:ea typeface="楷体" panose="02010609060101010101" pitchFamily="49" charset="-122"/>
+              </a:rPr>
+              <a:t>001 110 </a:t>
+            </a:r>
+            <a:r>
+              <a:rPr lang="zh-CN" altLang="en-US" dirty="0">
+                <a:latin typeface="楷体" panose="02010609060101010101" pitchFamily="49" charset="-122"/>
+                <a:ea typeface="楷体" panose="02010609060101010101" pitchFamily="49" charset="-122"/>
+              </a:rPr>
+              <a:t>第一位是数据位，后面是校验位</a:t>
             </a:r>
             <a:endParaRPr lang="en-US" altLang="zh-CN" dirty="0">
               <a:latin typeface="楷体" panose="02010609060101010101" pitchFamily="49" charset="-122"/>
@@ -14776,7 +18000,61 @@
               <a:buSzPts val="1400"/>
               <a:buChar char="○"/>
             </a:pPr>
-            <a:endParaRPr lang="zh-CN" altLang="en-US" dirty="0">
+            <a:r>
+              <a:rPr lang="zh-CN" altLang="en-US" dirty="0">
+                <a:latin typeface="楷体" panose="02010609060101010101" pitchFamily="49" charset="-122"/>
+                <a:ea typeface="楷体" panose="02010609060101010101" pitchFamily="49" charset="-122"/>
+              </a:rPr>
+              <a:t>如果码字是</a:t>
+            </a:r>
+            <a:r>
+              <a:rPr lang="en-US" altLang="zh-CN" dirty="0">
+                <a:latin typeface="楷体" panose="02010609060101010101" pitchFamily="49" charset="-122"/>
+                <a:ea typeface="楷体" panose="02010609060101010101" pitchFamily="49" charset="-122"/>
+              </a:rPr>
+              <a:t>101</a:t>
+            </a:r>
+            <a:r>
+              <a:rPr lang="zh-CN" altLang="en-US" dirty="0">
+                <a:latin typeface="楷体" panose="02010609060101010101" pitchFamily="49" charset="-122"/>
+                <a:ea typeface="楷体" panose="02010609060101010101" pitchFamily="49" charset="-122"/>
+              </a:rPr>
+              <a:t>，那么就是数据位出错，由</a:t>
+            </a:r>
+            <a:r>
+              <a:rPr lang="en-US" altLang="zh-CN" dirty="0">
+                <a:latin typeface="楷体" panose="02010609060101010101" pitchFamily="49" charset="-122"/>
+                <a:ea typeface="楷体" panose="02010609060101010101" pitchFamily="49" charset="-122"/>
+              </a:rPr>
+              <a:t>0</a:t>
+            </a:r>
+            <a:r>
+              <a:rPr lang="zh-CN" altLang="en-US" dirty="0">
+                <a:latin typeface="楷体" panose="02010609060101010101" pitchFamily="49" charset="-122"/>
+                <a:ea typeface="楷体" panose="02010609060101010101" pitchFamily="49" charset="-122"/>
+              </a:rPr>
+              <a:t>翻转成了</a:t>
+            </a:r>
+            <a:r>
+              <a:rPr lang="en-US" altLang="zh-CN" dirty="0">
+                <a:latin typeface="楷体" panose="02010609060101010101" pitchFamily="49" charset="-122"/>
+                <a:ea typeface="楷体" panose="02010609060101010101" pitchFamily="49" charset="-122"/>
+              </a:rPr>
+              <a:t>1</a:t>
+            </a:r>
+          </a:p>
+          <a:p>
+            <a:pPr marL="914400" lvl="1" indent="-317500" algn="l" rtl="0">
+              <a:spcBef>
+                <a:spcPts val="0"/>
+              </a:spcBef>
+              <a:spcAft>
+                <a:spcPts val="0"/>
+              </a:spcAft>
+              <a:buSzPts val="1400"/>
+              <a:buChar char="○"/>
+            </a:pPr>
+            <a:endParaRPr lang="en-US" altLang="zh-CN" dirty="0">
               <a:latin typeface="楷体" panose="02010609060101010101" pitchFamily="49" charset="-122"/>
               <a:ea typeface="楷体" panose="02010609060101010101" pitchFamily="49" charset="-122"/>
             </a:endParaRPr>
@@ -14792,10 +18070,13 @@
               <a:buSzPts val="1400"/>
               <a:buChar char="○"/>
             </a:pPr>
-            <a:endParaRPr lang="zh-CN" altLang="en-US" dirty="0">
-              <a:latin typeface="楷体" panose="02010609060101010101" pitchFamily="49" charset="-122"/>
-              <a:ea typeface="楷体" panose="02010609060101010101" pitchFamily="49" charset="-122"/>
-            </a:endParaRPr>
+            <a:r>
+              <a:rPr lang="zh-CN" altLang="en-US" dirty="0">
+                <a:latin typeface="楷体" panose="02010609060101010101" pitchFamily="49" charset="-122"/>
+                <a:ea typeface="楷体" panose="02010609060101010101" pitchFamily="49" charset="-122"/>
+              </a:rPr>
+              <a:t>检错和纠错所需的校验位数不同，码字的检测或纠正错误数量有限</a:t>
+            </a:r>
           </a:p>
         </p:txBody>
       </p:sp>
@@ -14844,7 +18125,7 @@
     </p:spTree>
     <p:extLst>
       <p:ext uri="{BB962C8B-B14F-4D97-AF65-F5344CB8AC3E}">
-        <p14:creationId xmlns:p14="http://schemas.microsoft.com/office/powerpoint/2010/main" val="177031235"/>
+        <p14:creationId xmlns:p14="http://schemas.microsoft.com/office/powerpoint/2010/main" val="3106843281"/>
       </p:ext>
     </p:extLst>
   </p:cSld>
@@ -14859,7 +18140,7 @@
   <p:cSld>
     <p:spTree>
       <p:nvGrpSpPr>
-        <p:cNvPr id="1" name="Shape 84"/>
+        <p:cNvPr id="1" name="Shape 104"/>
         <p:cNvGrpSpPr/>
         <p:nvPr/>
       </p:nvGrpSpPr>
@@ -14873,56 +18154,545 @@
       </p:grpSpPr>
       <p:sp>
         <p:nvSpPr>
-          <p:cNvPr id="85" name="Google Shape;85;p13"/>
+          <p:cNvPr id="105" name="Google Shape;105;p16"/>
           <p:cNvSpPr txBox="1">
             <a:spLocks noGrp="1"/>
           </p:cNvSpPr>
           <p:nvPr>
-            <p:ph type="ctrTitle"/>
+            <p:ph type="title"/>
           </p:nvPr>
         </p:nvSpPr>
         <p:spPr>
           <a:xfrm>
-            <a:off x="2694619" y="2114394"/>
-            <a:ext cx="3754762" cy="914712"/>
+            <a:off x="311700" y="294450"/>
+            <a:ext cx="8697432" cy="607800"/>
           </a:xfrm>
           <a:prstGeom prst="rect">
             <a:avLst/>
           </a:prstGeom>
         </p:spPr>
         <p:txBody>
-          <a:bodyPr spcFirstLastPara="1" wrap="square" lIns="91425" tIns="91425" rIns="91425" bIns="91425" anchor="b" anchorCtr="0">
+          <a:bodyPr spcFirstLastPara="1" wrap="square" lIns="91425" tIns="91425" rIns="91425" bIns="91425" anchor="t" anchorCtr="0">
             <a:noAutofit/>
           </a:bodyPr>
           <a:lstStyle/>
           <a:p>
-            <a:pPr marL="0" lvl="0" indent="0" algn="ctr" rtl="0">
-              <a:spcBef>
-                <a:spcPts val="0"/>
-              </a:spcBef>
-              <a:spcAft>
-                <a:spcPts val="0"/>
-              </a:spcAft>
-              <a:buNone/>
-            </a:pPr>
-            <a:r>
-              <a:rPr lang="zh-CN" altLang="en-US" sz="5400" dirty="0">
-                <a:latin typeface="楷体" panose="02010609060101010101" pitchFamily="49" charset="-122"/>
-                <a:ea typeface="楷体" panose="02010609060101010101" pitchFamily="49" charset="-122"/>
-              </a:rPr>
-              <a:t>检错和纠错</a:t>
-            </a:r>
-            <a:endParaRPr sz="5400" dirty="0">
+            <a:pPr marL="0" lvl="0" indent="0" algn="l" rtl="0">
+              <a:spcBef>
+                <a:spcPts val="0"/>
+              </a:spcBef>
+              <a:spcAft>
+                <a:spcPts val="0"/>
+              </a:spcAft>
+              <a:buNone/>
+            </a:pPr>
+            <a:r>
+              <a:rPr lang="en-US" altLang="zh-CN" sz="2800" dirty="0">
+                <a:latin typeface="微软雅黑" panose="020B0503020204020204" pitchFamily="34" charset="-122"/>
+                <a:ea typeface="微软雅黑" panose="020B0503020204020204" pitchFamily="34" charset="-122"/>
+              </a:rPr>
+              <a:t>Soft Errors</a:t>
+            </a:r>
+            <a:endParaRPr sz="2800" dirty="0">
+              <a:latin typeface="微软雅黑" panose="020B0503020204020204" pitchFamily="34" charset="-122"/>
+              <a:ea typeface="微软雅黑" panose="020B0503020204020204" pitchFamily="34" charset="-122"/>
+            </a:endParaRPr>
+          </a:p>
+        </p:txBody>
+      </p:sp>
+      <p:sp>
+        <p:nvSpPr>
+          <p:cNvPr id="106" name="Google Shape;106;p16"/>
+          <p:cNvSpPr txBox="1">
+            <a:spLocks noGrp="1"/>
+          </p:cNvSpPr>
+          <p:nvPr>
+            <p:ph type="body" idx="1"/>
+          </p:nvPr>
+        </p:nvSpPr>
+        <p:spPr>
+          <a:xfrm>
+            <a:off x="311700" y="902250"/>
+            <a:ext cx="8520600" cy="4025350"/>
+          </a:xfrm>
+          <a:prstGeom prst="rect">
+            <a:avLst/>
+          </a:prstGeom>
+        </p:spPr>
+        <p:txBody>
+          <a:bodyPr spcFirstLastPara="1" wrap="square" lIns="91425" tIns="91425" rIns="91425" bIns="91425" anchor="t" anchorCtr="0">
+            <a:noAutofit/>
+          </a:bodyPr>
+          <a:lstStyle/>
+          <a:p>
+            <a:pPr marL="457200" lvl="0" indent="-342900" algn="l" rtl="0">
+              <a:spcBef>
+                <a:spcPts val="0"/>
+              </a:spcBef>
+              <a:spcAft>
+                <a:spcPts val="0"/>
+              </a:spcAft>
+              <a:buSzPts val="1800"/>
+              <a:buChar char="●"/>
+            </a:pPr>
+            <a:r>
+              <a:rPr lang="zh-CN" altLang="en-US" dirty="0">
+                <a:latin typeface="楷体" panose="02010609060101010101" pitchFamily="49" charset="-122"/>
+                <a:ea typeface="楷体" panose="02010609060101010101" pitchFamily="49" charset="-122"/>
+              </a:rPr>
+              <a:t>汉明距离：</a:t>
+            </a:r>
+            <a:endParaRPr lang="en-US" altLang="zh-CN" dirty="0">
               <a:latin typeface="楷体" panose="02010609060101010101" pitchFamily="49" charset="-122"/>
               <a:ea typeface="楷体" panose="02010609060101010101" pitchFamily="49" charset="-122"/>
             </a:endParaRPr>
           </a:p>
+          <a:p>
+            <a:pPr marL="914400" lvl="1" indent="-317500" algn="l" rtl="0">
+              <a:spcBef>
+                <a:spcPts val="0"/>
+              </a:spcBef>
+              <a:spcAft>
+                <a:spcPts val="0"/>
+              </a:spcAft>
+              <a:buSzPts val="1400"/>
+              <a:buChar char="○"/>
+            </a:pPr>
+            <a:r>
+              <a:rPr lang="zh-CN" altLang="en-US" dirty="0">
+                <a:latin typeface="楷体" panose="02010609060101010101" pitchFamily="49" charset="-122"/>
+                <a:ea typeface="楷体" panose="02010609060101010101" pitchFamily="49" charset="-122"/>
+              </a:rPr>
+              <a:t>两个（相同长度）字符串对应位置的不同字符的数量</a:t>
+            </a:r>
+            <a:endParaRPr lang="en-US" altLang="zh-CN" dirty="0">
+              <a:latin typeface="楷体" panose="02010609060101010101" pitchFamily="49" charset="-122"/>
+              <a:ea typeface="楷体" panose="02010609060101010101" pitchFamily="49" charset="-122"/>
+            </a:endParaRPr>
+          </a:p>
+          <a:p>
+            <a:pPr marL="914400" lvl="1" indent="-317500" algn="l" rtl="0">
+              <a:spcBef>
+                <a:spcPts val="0"/>
+              </a:spcBef>
+              <a:spcAft>
+                <a:spcPts val="0"/>
+              </a:spcAft>
+              <a:buSzPts val="1400"/>
+              <a:buChar char="○"/>
+            </a:pPr>
+            <a:r>
+              <a:rPr lang="zh-CN" altLang="en-US" dirty="0">
+                <a:latin typeface="楷体" panose="02010609060101010101" pitchFamily="49" charset="-122"/>
+                <a:ea typeface="楷体" panose="02010609060101010101" pitchFamily="49" charset="-122"/>
+              </a:rPr>
+              <a:t>在一组字中，</a:t>
+            </a:r>
+            <a:r>
+              <a:rPr lang="zh-CN" altLang="en-US" b="1" dirty="0">
+                <a:latin typeface="楷体" panose="02010609060101010101" pitchFamily="49" charset="-122"/>
+                <a:ea typeface="楷体" panose="02010609060101010101" pitchFamily="49" charset="-122"/>
+              </a:rPr>
+              <a:t>最小汉明距离</a:t>
+            </a:r>
+            <a:r>
+              <a:rPr lang="zh-CN" altLang="en-US" dirty="0">
+                <a:latin typeface="楷体" panose="02010609060101010101" pitchFamily="49" charset="-122"/>
+                <a:ea typeface="楷体" panose="02010609060101010101" pitchFamily="49" charset="-122"/>
+              </a:rPr>
+              <a:t>是所有可能对中的最小的汉明距离</a:t>
+            </a:r>
+            <a:endParaRPr lang="en-US" altLang="zh-CN" dirty="0">
+              <a:latin typeface="楷体" panose="02010609060101010101" pitchFamily="49" charset="-122"/>
+              <a:ea typeface="楷体" panose="02010609060101010101" pitchFamily="49" charset="-122"/>
+            </a:endParaRPr>
+          </a:p>
+          <a:p>
+            <a:pPr marL="914400" lvl="1" indent="-317500" algn="l" rtl="0">
+              <a:spcBef>
+                <a:spcPts val="0"/>
+              </a:spcBef>
+              <a:spcAft>
+                <a:spcPts val="0"/>
+              </a:spcAft>
+              <a:buSzPts val="1400"/>
+              <a:buChar char="○"/>
+            </a:pPr>
+            <a:r>
+              <a:rPr lang="zh-CN" altLang="en-US" dirty="0">
+                <a:latin typeface="楷体" panose="02010609060101010101" pitchFamily="49" charset="-122"/>
+                <a:ea typeface="楷体" panose="02010609060101010101" pitchFamily="49" charset="-122"/>
+              </a:rPr>
+              <a:t>比如</a:t>
+            </a:r>
+            <a:r>
+              <a:rPr lang="en-US" altLang="zh-CN" dirty="0">
+                <a:latin typeface="楷体" panose="02010609060101010101" pitchFamily="49" charset="-122"/>
+                <a:ea typeface="楷体" panose="02010609060101010101" pitchFamily="49" charset="-122"/>
+              </a:rPr>
+              <a:t>000</a:t>
+            </a:r>
+            <a:r>
+              <a:rPr lang="zh-CN" altLang="en-US" dirty="0">
+                <a:latin typeface="楷体" panose="02010609060101010101" pitchFamily="49" charset="-122"/>
+                <a:ea typeface="楷体" panose="02010609060101010101" pitchFamily="49" charset="-122"/>
+              </a:rPr>
+              <a:t>、</a:t>
+            </a:r>
+            <a:r>
+              <a:rPr lang="en-US" altLang="zh-CN" dirty="0">
+                <a:latin typeface="楷体" panose="02010609060101010101" pitchFamily="49" charset="-122"/>
+                <a:ea typeface="楷体" panose="02010609060101010101" pitchFamily="49" charset="-122"/>
+              </a:rPr>
+              <a:t>011</a:t>
+            </a:r>
+            <a:r>
+              <a:rPr lang="zh-CN" altLang="en-US" dirty="0">
+                <a:latin typeface="楷体" panose="02010609060101010101" pitchFamily="49" charset="-122"/>
+                <a:ea typeface="楷体" panose="02010609060101010101" pitchFamily="49" charset="-122"/>
+              </a:rPr>
+              <a:t>、</a:t>
+            </a:r>
+            <a:r>
+              <a:rPr lang="en-US" altLang="zh-CN" dirty="0">
+                <a:latin typeface="楷体" panose="02010609060101010101" pitchFamily="49" charset="-122"/>
+                <a:ea typeface="楷体" panose="02010609060101010101" pitchFamily="49" charset="-122"/>
+              </a:rPr>
+              <a:t>101</a:t>
+            </a:r>
+            <a:r>
+              <a:rPr lang="zh-CN" altLang="en-US" dirty="0">
+                <a:latin typeface="楷体" panose="02010609060101010101" pitchFamily="49" charset="-122"/>
+                <a:ea typeface="楷体" panose="02010609060101010101" pitchFamily="49" charset="-122"/>
+              </a:rPr>
+              <a:t>、</a:t>
+            </a:r>
+            <a:r>
+              <a:rPr lang="en-US" altLang="zh-CN" dirty="0">
+                <a:latin typeface="楷体" panose="02010609060101010101" pitchFamily="49" charset="-122"/>
+                <a:ea typeface="楷体" panose="02010609060101010101" pitchFamily="49" charset="-122"/>
+              </a:rPr>
+              <a:t>110</a:t>
+            </a:r>
+            <a:r>
+              <a:rPr lang="zh-CN" altLang="en-US" dirty="0">
+                <a:latin typeface="楷体" panose="02010609060101010101" pitchFamily="49" charset="-122"/>
+                <a:ea typeface="楷体" panose="02010609060101010101" pitchFamily="49" charset="-122"/>
+              </a:rPr>
+              <a:t>的最小汉明距离是</a:t>
+            </a:r>
+            <a:r>
+              <a:rPr lang="en-US" altLang="zh-CN" dirty="0">
+                <a:latin typeface="楷体" panose="02010609060101010101" pitchFamily="49" charset="-122"/>
+                <a:ea typeface="楷体" panose="02010609060101010101" pitchFamily="49" charset="-122"/>
+              </a:rPr>
+              <a:t>2</a:t>
+            </a:r>
+          </a:p>
+          <a:p>
+            <a:pPr marL="914400" lvl="1" indent="-317500" algn="l" rtl="0">
+              <a:spcBef>
+                <a:spcPts val="0"/>
+              </a:spcBef>
+              <a:spcAft>
+                <a:spcPts val="0"/>
+              </a:spcAft>
+              <a:buSzPts val="1400"/>
+              <a:buChar char="○"/>
+            </a:pPr>
+            <a:endParaRPr lang="en-US" altLang="zh-CN" dirty="0">
+              <a:latin typeface="楷体" panose="02010609060101010101" pitchFamily="49" charset="-122"/>
+              <a:ea typeface="楷体" panose="02010609060101010101" pitchFamily="49" charset="-122"/>
+            </a:endParaRPr>
+          </a:p>
+          <a:p>
+            <a:pPr marL="914400" lvl="1" indent="-317500" algn="l" rtl="0">
+              <a:spcBef>
+                <a:spcPts val="0"/>
+              </a:spcBef>
+              <a:spcAft>
+                <a:spcPts val="0"/>
+              </a:spcAft>
+              <a:buSzPts val="1400"/>
+              <a:buChar char="○"/>
+            </a:pPr>
+            <a:endParaRPr lang="en-US" altLang="zh-CN" dirty="0">
+              <a:latin typeface="楷体" panose="02010609060101010101" pitchFamily="49" charset="-122"/>
+              <a:ea typeface="楷体" panose="02010609060101010101" pitchFamily="49" charset="-122"/>
+            </a:endParaRPr>
+          </a:p>
+          <a:p>
+            <a:pPr marL="914400" lvl="1" indent="-317500" algn="l" rtl="0">
+              <a:spcBef>
+                <a:spcPts val="0"/>
+              </a:spcBef>
+              <a:spcAft>
+                <a:spcPts val="0"/>
+              </a:spcAft>
+              <a:buSzPts val="1400"/>
+              <a:buChar char="○"/>
+            </a:pPr>
+            <a:endParaRPr lang="en-US" altLang="zh-CN" dirty="0">
+              <a:latin typeface="楷体" panose="02010609060101010101" pitchFamily="49" charset="-122"/>
+              <a:ea typeface="楷体" panose="02010609060101010101" pitchFamily="49" charset="-122"/>
+            </a:endParaRPr>
+          </a:p>
+          <a:p>
+            <a:pPr marL="914400" lvl="1" indent="-317500" algn="l" rtl="0">
+              <a:spcBef>
+                <a:spcPts val="0"/>
+              </a:spcBef>
+              <a:spcAft>
+                <a:spcPts val="0"/>
+              </a:spcAft>
+              <a:buSzPts val="1400"/>
+              <a:buChar char="○"/>
+            </a:pPr>
+            <a:endParaRPr lang="en-US" altLang="zh-CN" dirty="0">
+              <a:latin typeface="楷体" panose="02010609060101010101" pitchFamily="49" charset="-122"/>
+              <a:ea typeface="楷体" panose="02010609060101010101" pitchFamily="49" charset="-122"/>
+            </a:endParaRPr>
+          </a:p>
+          <a:p>
+            <a:pPr marL="457200" lvl="0" indent="-342900" algn="l" rtl="0">
+              <a:spcBef>
+                <a:spcPts val="0"/>
+              </a:spcBef>
+              <a:spcAft>
+                <a:spcPts val="0"/>
+              </a:spcAft>
+              <a:buSzPts val="1800"/>
+              <a:buChar char="●"/>
+            </a:pPr>
+            <a:r>
+              <a:rPr lang="zh-CN" altLang="en-US" dirty="0">
+                <a:latin typeface="楷体" panose="02010609060101010101" pitchFamily="49" charset="-122"/>
+                <a:ea typeface="楷体" panose="02010609060101010101" pitchFamily="49" charset="-122"/>
+              </a:rPr>
+              <a:t>简单奇偶校验：</a:t>
+            </a:r>
+            <a:endParaRPr lang="en-US" altLang="zh-CN" dirty="0">
+              <a:latin typeface="楷体" panose="02010609060101010101" pitchFamily="49" charset="-122"/>
+              <a:ea typeface="楷体" panose="02010609060101010101" pitchFamily="49" charset="-122"/>
+            </a:endParaRPr>
+          </a:p>
+          <a:p>
+            <a:pPr marL="914400" lvl="1" indent="-317500" algn="l" rtl="0">
+              <a:spcBef>
+                <a:spcPts val="0"/>
+              </a:spcBef>
+              <a:spcAft>
+                <a:spcPts val="0"/>
+              </a:spcAft>
+              <a:buSzPts val="1400"/>
+              <a:buChar char="○"/>
+            </a:pPr>
+            <a:r>
+              <a:rPr lang="zh-CN" altLang="en-US" dirty="0">
+                <a:latin typeface="楷体" panose="02010609060101010101" pitchFamily="49" charset="-122"/>
+                <a:ea typeface="楷体" panose="02010609060101010101" pitchFamily="49" charset="-122"/>
+              </a:rPr>
+              <a:t>例：奇校验   发送端 </a:t>
+            </a:r>
+            <a:r>
+              <a:rPr lang="en-US" altLang="zh-CN" dirty="0">
+                <a:latin typeface="楷体" panose="02010609060101010101" pitchFamily="49" charset="-122"/>
+                <a:ea typeface="楷体" panose="02010609060101010101" pitchFamily="49" charset="-122"/>
+              </a:rPr>
+              <a:t>0 010 ----</a:t>
+            </a:r>
+            <a:r>
+              <a:rPr lang="en-US" altLang="zh-CN" dirty="0">
+                <a:latin typeface="楷体" panose="02010609060101010101" pitchFamily="49" charset="-122"/>
+                <a:ea typeface="楷体" panose="02010609060101010101" pitchFamily="49" charset="-122"/>
+                <a:sym typeface="Wingdings" panose="05000000000000000000" pitchFamily="2" charset="2"/>
+              </a:rPr>
+              <a:t> </a:t>
+            </a:r>
+            <a:r>
+              <a:rPr lang="zh-CN" altLang="en-US" dirty="0">
+                <a:latin typeface="楷体" panose="02010609060101010101" pitchFamily="49" charset="-122"/>
+                <a:ea typeface="楷体" panose="02010609060101010101" pitchFamily="49" charset="-122"/>
+                <a:sym typeface="Wingdings" panose="05000000000000000000" pitchFamily="2" charset="2"/>
+              </a:rPr>
+              <a:t>接收端 对</a:t>
+            </a:r>
+            <a:r>
+              <a:rPr lang="en-US" altLang="zh-CN" dirty="0">
+                <a:latin typeface="楷体" panose="02010609060101010101" pitchFamily="49" charset="-122"/>
+                <a:ea typeface="楷体" panose="02010609060101010101" pitchFamily="49" charset="-122"/>
+                <a:sym typeface="Wingdings" panose="05000000000000000000" pitchFamily="2" charset="2"/>
+              </a:rPr>
+              <a:t>0010</a:t>
+            </a:r>
+            <a:r>
+              <a:rPr lang="zh-CN" altLang="en-US" dirty="0">
+                <a:latin typeface="楷体" panose="02010609060101010101" pitchFamily="49" charset="-122"/>
+                <a:ea typeface="楷体" panose="02010609060101010101" pitchFamily="49" charset="-122"/>
+                <a:sym typeface="Wingdings" panose="05000000000000000000" pitchFamily="2" charset="2"/>
+              </a:rPr>
+              <a:t>异或，得到结果</a:t>
+            </a:r>
+            <a:r>
+              <a:rPr lang="en-US" altLang="zh-CN" dirty="0">
+                <a:latin typeface="楷体" panose="02010609060101010101" pitchFamily="49" charset="-122"/>
+                <a:ea typeface="楷体" panose="02010609060101010101" pitchFamily="49" charset="-122"/>
+                <a:sym typeface="Wingdings" panose="05000000000000000000" pitchFamily="2" charset="2"/>
+              </a:rPr>
+              <a:t>1</a:t>
+            </a:r>
+            <a:r>
+              <a:rPr lang="zh-CN" altLang="en-US" dirty="0">
+                <a:latin typeface="楷体" panose="02010609060101010101" pitchFamily="49" charset="-122"/>
+                <a:ea typeface="楷体" panose="02010609060101010101" pitchFamily="49" charset="-122"/>
+                <a:sym typeface="Wingdings" panose="05000000000000000000" pitchFamily="2" charset="2"/>
+              </a:rPr>
+              <a:t>，符合奇校验</a:t>
+            </a:r>
+            <a:endParaRPr lang="en-US" altLang="zh-CN" dirty="0">
+              <a:latin typeface="楷体" panose="02010609060101010101" pitchFamily="49" charset="-122"/>
+              <a:ea typeface="楷体" panose="02010609060101010101" pitchFamily="49" charset="-122"/>
+              <a:sym typeface="Wingdings" panose="05000000000000000000" pitchFamily="2" charset="2"/>
+            </a:endParaRPr>
+          </a:p>
+          <a:p>
+            <a:pPr marL="914400" lvl="1" indent="-317500" algn="l" rtl="0">
+              <a:spcBef>
+                <a:spcPts val="0"/>
+              </a:spcBef>
+              <a:spcAft>
+                <a:spcPts val="0"/>
+              </a:spcAft>
+              <a:buSzPts val="1400"/>
+              <a:buChar char="○"/>
+            </a:pPr>
+            <a:r>
+              <a:rPr lang="zh-CN" altLang="en-US" dirty="0">
+                <a:latin typeface="楷体" panose="02010609060101010101" pitchFamily="49" charset="-122"/>
+                <a:ea typeface="楷体" panose="02010609060101010101" pitchFamily="49" charset="-122"/>
+                <a:sym typeface="Wingdings" panose="05000000000000000000" pitchFamily="2" charset="2"/>
+              </a:rPr>
+              <a:t>奇偶校验只能检测单比特错误或奇数个错误。</a:t>
+            </a:r>
+            <a:r>
+              <a:rPr lang="en-US" altLang="zh-CN" dirty="0">
+                <a:latin typeface="楷体" panose="02010609060101010101" pitchFamily="49" charset="-122"/>
+                <a:ea typeface="楷体" panose="02010609060101010101" pitchFamily="49" charset="-122"/>
+              </a:rPr>
+              <a:t> </a:t>
+            </a:r>
+            <a:endParaRPr lang="zh-CN" altLang="en-US" dirty="0">
+              <a:latin typeface="楷体" panose="02010609060101010101" pitchFamily="49" charset="-122"/>
+              <a:ea typeface="楷体" panose="02010609060101010101" pitchFamily="49" charset="-122"/>
+            </a:endParaRPr>
+          </a:p>
         </p:txBody>
       </p:sp>
+      <p:sp>
+        <p:nvSpPr>
+          <p:cNvPr id="107" name="Google Shape;107;p16"/>
+          <p:cNvSpPr txBox="1">
+            <a:spLocks noGrp="1"/>
+          </p:cNvSpPr>
+          <p:nvPr>
+            <p:ph type="sldNum" idx="12"/>
+          </p:nvPr>
+        </p:nvSpPr>
+        <p:spPr>
+          <a:xfrm>
+            <a:off x="8460431" y="4651190"/>
+            <a:ext cx="548700" cy="393600"/>
+          </a:xfrm>
+          <a:prstGeom prst="rect">
+            <a:avLst/>
+          </a:prstGeom>
+        </p:spPr>
+        <p:txBody>
+          <a:bodyPr spcFirstLastPara="1" wrap="square" lIns="91425" tIns="91425" rIns="91425" bIns="91425" anchor="ctr" anchorCtr="0">
+            <a:noAutofit/>
+          </a:bodyPr>
+          <a:lstStyle/>
+          <a:p>
+            <a:pPr marL="0" lvl="0" indent="0" algn="r" rtl="0">
+              <a:spcBef>
+                <a:spcPts val="0"/>
+              </a:spcBef>
+              <a:spcAft>
+                <a:spcPts val="0"/>
+              </a:spcAft>
+              <a:buNone/>
+            </a:pPr>
+            <a:fld id="{00000000-1234-1234-1234-123412341234}" type="slidenum">
+              <a:rPr lang="en"/>
+              <a:t>9</a:t>
+            </a:fld>
+            <a:endParaRPr/>
+          </a:p>
+        </p:txBody>
+      </p:sp>
+      <p:pic>
+        <p:nvPicPr>
+          <p:cNvPr id="3" name="图片 2">
+            <a:extLst>
+              <a:ext uri="{FF2B5EF4-FFF2-40B4-BE49-F238E27FC236}">
+                <a16:creationId xmlns:a16="http://schemas.microsoft.com/office/drawing/2014/main" id="{2110C616-948A-3433-2140-841E70701DDB}"/>
+              </a:ext>
+            </a:extLst>
+          </p:cNvPr>
+          <p:cNvPicPr>
+            <a:picLocks noChangeAspect="1"/>
+          </p:cNvPicPr>
+          <p:nvPr/>
+        </p:nvPicPr>
+        <p:blipFill rotWithShape="1">
+          <a:blip r:embed="rId3"/>
+          <a:srcRect t="10543"/>
+          <a:stretch/>
+        </p:blipFill>
+        <p:spPr>
+          <a:xfrm>
+            <a:off x="3916906" y="2100852"/>
+            <a:ext cx="5227093" cy="799068"/>
+          </a:xfrm>
+          <a:prstGeom prst="rect">
+            <a:avLst/>
+          </a:prstGeom>
+        </p:spPr>
+      </p:pic>
+      <p:pic>
+        <p:nvPicPr>
+          <p:cNvPr id="5" name="图片 4">
+            <a:extLst>
+              <a:ext uri="{FF2B5EF4-FFF2-40B4-BE49-F238E27FC236}">
+                <a16:creationId xmlns:a16="http://schemas.microsoft.com/office/drawing/2014/main" id="{3EA9A4A2-72D4-04AC-F152-ADFCF4BAAC81}"/>
+              </a:ext>
+            </a:extLst>
+          </p:cNvPr>
+          <p:cNvPicPr>
+            <a:picLocks noChangeAspect="1"/>
+          </p:cNvPicPr>
+          <p:nvPr/>
+        </p:nvPicPr>
+        <p:blipFill>
+          <a:blip r:embed="rId4"/>
+          <a:stretch>
+            <a:fillRect/>
+          </a:stretch>
+        </p:blipFill>
+        <p:spPr>
+          <a:xfrm>
+            <a:off x="7030686" y="1374604"/>
+            <a:ext cx="1552575" cy="438150"/>
+          </a:xfrm>
+          <a:prstGeom prst="rect">
+            <a:avLst/>
+          </a:prstGeom>
+        </p:spPr>
+      </p:pic>
     </p:spTree>
     <p:extLst>
       <p:ext uri="{BB962C8B-B14F-4D97-AF65-F5344CB8AC3E}">
-        <p14:creationId xmlns:p14="http://schemas.microsoft.com/office/powerpoint/2010/main" val="2389831365"/>
+        <p14:creationId xmlns:p14="http://schemas.microsoft.com/office/powerpoint/2010/main" val="929400319"/>
       </p:ext>
     </p:extLst>
   </p:cSld>
